--- a/presentations/02-REST-Introduction.pptx
+++ b/presentations/02-REST-Introduction.pptx
@@ -5,21 +5,37 @@
     <p:sldMasterId id="2147483648" r:id="rId1"/>
   </p:sldMasterIdLst>
   <p:notesMasterIdLst>
-    <p:notesMasterId r:id="rId14"/>
+    <p:notesMasterId r:id="rId30"/>
   </p:notesMasterIdLst>
   <p:sldIdLst>
     <p:sldId id="256" r:id="rId2"/>
     <p:sldId id="257" r:id="rId3"/>
     <p:sldId id="258" r:id="rId4"/>
-    <p:sldId id="259" r:id="rId5"/>
-    <p:sldId id="260" r:id="rId6"/>
-    <p:sldId id="261" r:id="rId7"/>
-    <p:sldId id="262" r:id="rId8"/>
-    <p:sldId id="263" r:id="rId9"/>
-    <p:sldId id="264" r:id="rId10"/>
-    <p:sldId id="265" r:id="rId11"/>
-    <p:sldId id="266" r:id="rId12"/>
-    <p:sldId id="267" r:id="rId13"/>
+    <p:sldId id="268" r:id="rId5"/>
+    <p:sldId id="270" r:id="rId6"/>
+    <p:sldId id="271" r:id="rId7"/>
+    <p:sldId id="272" r:id="rId8"/>
+    <p:sldId id="273" r:id="rId9"/>
+    <p:sldId id="274" r:id="rId10"/>
+    <p:sldId id="275" r:id="rId11"/>
+    <p:sldId id="269" r:id="rId12"/>
+    <p:sldId id="259" r:id="rId13"/>
+    <p:sldId id="261" r:id="rId14"/>
+    <p:sldId id="278" r:id="rId15"/>
+    <p:sldId id="279" r:id="rId16"/>
+    <p:sldId id="277" r:id="rId17"/>
+    <p:sldId id="280" r:id="rId18"/>
+    <p:sldId id="281" r:id="rId19"/>
+    <p:sldId id="282" r:id="rId20"/>
+    <p:sldId id="262" r:id="rId21"/>
+    <p:sldId id="263" r:id="rId22"/>
+    <p:sldId id="283" r:id="rId23"/>
+    <p:sldId id="284" r:id="rId24"/>
+    <p:sldId id="264" r:id="rId25"/>
+    <p:sldId id="260" r:id="rId26"/>
+    <p:sldId id="265" r:id="rId27"/>
+    <p:sldId id="266" r:id="rId28"/>
+    <p:sldId id="267" r:id="rId29"/>
   </p:sldIdLst>
   <p:sldSz cx="9144000" cy="6858000" type="screen4x3"/>
   <p:notesSz cx="6858000" cy="9144000"/>
@@ -670,7 +686,7 @@
           <a:p>
             <a:fld id="{4C8664AA-B0B2-4135-A54D-0C5FA1ABBA12}" type="slidenum">
               <a:rPr lang="en-US" smtClean="0"/>
-              <a:t>10</a:t>
+              <a:t>26</a:t>
             </a:fld>
             <a:endParaRPr lang="en-US"/>
           </a:p>
@@ -907,7 +923,7 @@
           <a:p>
             <a:fld id="{4C8664AA-B0B2-4135-A54D-0C5FA1ABBA12}" type="slidenum">
               <a:rPr lang="en-US" smtClean="0"/>
-              <a:t>11</a:t>
+              <a:t>27</a:t>
             </a:fld>
             <a:endParaRPr lang="en-US"/>
           </a:p>
@@ -1086,95 +1102,6 @@
               <a:rPr lang="en-US" smtClean="0"/>
               <a:t>Click to edit Master subtitle style</a:t>
             </a:r>
-            <a:endParaRPr lang="en-US"/>
-          </a:p>
-        </p:txBody>
-      </p:sp>
-      <p:sp>
-        <p:nvSpPr>
-          <p:cNvPr id="4" name="Date Placeholder 3"/>
-          <p:cNvSpPr>
-            <a:spLocks noGrp="1"/>
-          </p:cNvSpPr>
-          <p:nvPr>
-            <p:ph type="dt" sz="half" idx="10"/>
-          </p:nvPr>
-        </p:nvSpPr>
-        <p:spPr>
-          <a:xfrm>
-            <a:off x="457200" y="6356350"/>
-            <a:ext cx="2133600" cy="365125"/>
-          </a:xfrm>
-          <a:prstGeom prst="rect">
-            <a:avLst/>
-          </a:prstGeom>
-        </p:spPr>
-        <p:txBody>
-          <a:bodyPr/>
-          <a:lstStyle/>
-          <a:p>
-            <a:fld id="{875CF0EB-321F-0749-B37A-89BBA859503C}" type="datetimeFigureOut">
-              <a:rPr lang="en-US" smtClean="0"/>
-              <a:t>31/10/2012</a:t>
-            </a:fld>
-            <a:endParaRPr lang="en-US"/>
-          </a:p>
-        </p:txBody>
-      </p:sp>
-      <p:sp>
-        <p:nvSpPr>
-          <p:cNvPr id="5" name="Footer Placeholder 4"/>
-          <p:cNvSpPr>
-            <a:spLocks noGrp="1"/>
-          </p:cNvSpPr>
-          <p:nvPr>
-            <p:ph type="ftr" sz="quarter" idx="11"/>
-          </p:nvPr>
-        </p:nvSpPr>
-        <p:spPr>
-          <a:xfrm>
-            <a:off x="3124200" y="6356350"/>
-            <a:ext cx="2895600" cy="365125"/>
-          </a:xfrm>
-          <a:prstGeom prst="rect">
-            <a:avLst/>
-          </a:prstGeom>
-        </p:spPr>
-        <p:txBody>
-          <a:bodyPr/>
-          <a:lstStyle/>
-          <a:p>
-            <a:endParaRPr lang="en-US"/>
-          </a:p>
-        </p:txBody>
-      </p:sp>
-      <p:sp>
-        <p:nvSpPr>
-          <p:cNvPr id="6" name="Slide Number Placeholder 5"/>
-          <p:cNvSpPr>
-            <a:spLocks noGrp="1"/>
-          </p:cNvSpPr>
-          <p:nvPr>
-            <p:ph type="sldNum" sz="quarter" idx="12"/>
-          </p:nvPr>
-        </p:nvSpPr>
-        <p:spPr>
-          <a:xfrm>
-            <a:off x="6553200" y="6356350"/>
-            <a:ext cx="2133600" cy="365125"/>
-          </a:xfrm>
-          <a:prstGeom prst="rect">
-            <a:avLst/>
-          </a:prstGeom>
-        </p:spPr>
-        <p:txBody>
-          <a:bodyPr/>
-          <a:lstStyle/>
-          <a:p>
-            <a:fld id="{D8EC77E0-7A07-2D42-83D7-B97B1315E5F9}" type="slidenum">
-              <a:rPr lang="en-US" smtClean="0"/>
-              <a:t>‹#›</a:t>
-            </a:fld>
             <a:endParaRPr lang="en-US"/>
           </a:p>
         </p:txBody>
@@ -6308,58 +6235,182 @@
         </p:nvSpPr>
         <p:spPr/>
         <p:txBody>
-          <a:bodyPr/>
+          <a:bodyPr>
+            <a:normAutofit fontScale="90000"/>
+          </a:bodyPr>
           <a:lstStyle/>
           <a:p>
             <a:r>
               <a:rPr lang="en-US" dirty="0" smtClean="0"/>
-              <a:t>Create an Order</a:t>
+              <a:t>Virtual Machine (VM) and Code-on-Demand (COD)</a:t>
             </a:r>
             <a:endParaRPr lang="en-US" dirty="0"/>
           </a:p>
         </p:txBody>
       </p:sp>
-      <p:pic>
-        <p:nvPicPr>
-          <p:cNvPr id="6" name="Picture 5"/>
-          <p:cNvPicPr>
-            <a:picLocks noChangeAspect="1"/>
-          </p:cNvPicPr>
-          <p:nvPr/>
-        </p:nvPicPr>
-        <p:blipFill>
-          <a:blip r:embed="rId3"/>
-          <a:stretch>
-            <a:fillRect/>
-          </a:stretch>
-        </p:blipFill>
-        <p:spPr>
-          <a:xfrm>
-            <a:off x="-152399" y="304800"/>
-            <a:ext cx="9316016" cy="5486400"/>
-          </a:xfrm>
-          <a:prstGeom prst="rect">
-            <a:avLst/>
-          </a:prstGeom>
-        </p:spPr>
-      </p:pic>
+      <p:sp>
+        <p:nvSpPr>
+          <p:cNvPr id="3" name="Content Placeholder 2"/>
+          <p:cNvSpPr>
+            <a:spLocks noGrp="1"/>
+          </p:cNvSpPr>
+          <p:nvPr>
+            <p:ph idx="1"/>
+          </p:nvPr>
+        </p:nvSpPr>
+        <p:spPr/>
+        <p:txBody>
+          <a:bodyPr>
+            <a:normAutofit fontScale="85000" lnSpcReduction="20000"/>
+          </a:bodyPr>
+          <a:lstStyle/>
+          <a:p>
+            <a:r>
+              <a:rPr lang="en-US" dirty="0"/>
+              <a:t>M</a:t>
+            </a:r>
+            <a:r>
+              <a:rPr lang="en-US" dirty="0" smtClean="0"/>
+              <a:t>obile </a:t>
+            </a:r>
+            <a:r>
+              <a:rPr lang="en-US" dirty="0"/>
+              <a:t>code</a:t>
+            </a:r>
+          </a:p>
+          <a:p>
+            <a:r>
+              <a:rPr lang="en-US" dirty="0"/>
+              <a:t>D</a:t>
+            </a:r>
+            <a:r>
+              <a:rPr lang="en-US" dirty="0" smtClean="0"/>
+              <a:t>ynamically </a:t>
+            </a:r>
+            <a:r>
+              <a:rPr lang="en-US" dirty="0"/>
+              <a:t>relocate processing between data source and destination</a:t>
+            </a:r>
+          </a:p>
+          <a:p>
+            <a:r>
+              <a:rPr lang="en-US" dirty="0"/>
+              <a:t>I</a:t>
+            </a:r>
+            <a:r>
+              <a:rPr lang="en-US" dirty="0" smtClean="0"/>
+              <a:t>mproves </a:t>
+            </a:r>
+            <a:r>
+              <a:rPr lang="en-US" dirty="0"/>
+              <a:t>performance by relocating code near data</a:t>
+            </a:r>
+          </a:p>
+          <a:p>
+            <a:r>
+              <a:rPr lang="en-US" dirty="0"/>
+              <a:t>D</a:t>
+            </a:r>
+            <a:r>
+              <a:rPr lang="en-US" dirty="0" smtClean="0"/>
+              <a:t>ata </a:t>
+            </a:r>
+            <a:r>
+              <a:rPr lang="en-US" dirty="0"/>
+              <a:t>element must be transformed into component</a:t>
+            </a:r>
+          </a:p>
+          <a:p>
+            <a:r>
+              <a:rPr lang="en-US" dirty="0"/>
+              <a:t>E</a:t>
+            </a:r>
+            <a:r>
+              <a:rPr lang="en-US" dirty="0" smtClean="0"/>
+              <a:t>xtend </a:t>
+            </a:r>
+            <a:r>
+              <a:rPr lang="en-US" dirty="0"/>
+              <a:t>client functionality by downloading applets/scripts</a:t>
+            </a:r>
+          </a:p>
+          <a:p>
+            <a:r>
+              <a:rPr lang="en-US" dirty="0"/>
+              <a:t>V</a:t>
+            </a:r>
+            <a:r>
+              <a:rPr lang="en-US" dirty="0" smtClean="0"/>
+              <a:t>irtual </a:t>
+            </a:r>
+            <a:r>
+              <a:rPr lang="en-US" dirty="0"/>
+              <a:t>machine to provide controlled environment</a:t>
+            </a:r>
+          </a:p>
+          <a:p>
+            <a:r>
+              <a:rPr lang="en-US" dirty="0"/>
+              <a:t>I</a:t>
+            </a:r>
+            <a:r>
+              <a:rPr lang="en-US" dirty="0" smtClean="0"/>
+              <a:t>mproves </a:t>
+            </a:r>
+            <a:r>
+              <a:rPr lang="en-US" dirty="0"/>
+              <a:t>simplicity and extensibility of client</a:t>
+            </a:r>
+          </a:p>
+          <a:p>
+            <a:r>
+              <a:rPr lang="en-US" dirty="0"/>
+              <a:t>R</a:t>
+            </a:r>
+            <a:r>
+              <a:rPr lang="en-US" dirty="0" smtClean="0"/>
+              <a:t>educes </a:t>
+            </a:r>
+            <a:r>
+              <a:rPr lang="en-US" dirty="0"/>
+              <a:t>visibility</a:t>
+            </a:r>
+          </a:p>
+          <a:p>
+            <a:r>
+              <a:rPr lang="en-US" dirty="0"/>
+              <a:t>N</a:t>
+            </a:r>
+            <a:r>
+              <a:rPr lang="en-US" dirty="0" smtClean="0"/>
+              <a:t>ot </a:t>
+            </a:r>
+            <a:r>
+              <a:rPr lang="en-US" dirty="0"/>
+              <a:t>a big part of REST-based SOA (yet: </a:t>
+            </a:r>
+            <a:r>
+              <a:rPr lang="en-US" dirty="0" err="1"/>
+              <a:t>cf</a:t>
+            </a:r>
+            <a:r>
+              <a:rPr lang="en-US" dirty="0"/>
+              <a:t> AJAX)</a:t>
+            </a:r>
+            <a:endParaRPr lang="en-US" dirty="0"/>
+          </a:p>
+        </p:txBody>
+      </p:sp>
     </p:spTree>
     <p:extLst>
       <p:ext uri="{BB962C8B-B14F-4D97-AF65-F5344CB8AC3E}">
-        <p14:creationId xmlns:p14="http://schemas.microsoft.com/office/powerpoint/2010/main" val="3005385640"/>
+        <p14:creationId xmlns:p14="http://schemas.microsoft.com/office/powerpoint/2010/main" val="217473531"/>
       </p:ext>
     </p:extLst>
   </p:cSld>
   <p:clrMapOvr>
     <a:masterClrMapping/>
   </p:clrMapOvr>
-  <p:timing>
-    <p:tnLst>
-      <p:par>
-        <p:cTn xmlns:p14="http://schemas.microsoft.com/office/powerpoint/2010/main" id="1" dur="indefinite" restart="never" nodeType="tmRoot"/>
-      </p:par>
-    </p:tnLst>
-  </p:timing>
 </p:sld>
 </file>
 
@@ -6392,10 +6443,16 @@
         </p:nvSpPr>
         <p:spPr/>
         <p:txBody>
-          <a:bodyPr/>
+          <a:bodyPr>
+            <a:normAutofit fontScale="90000"/>
+          </a:bodyPr>
           <a:lstStyle/>
           <a:p>
-            <a:endParaRPr lang="en-US"/>
+            <a:r>
+              <a:rPr lang="en-US" dirty="0" smtClean="0"/>
+              <a:t>REST Derivation from Style Constraint</a:t>
+            </a:r>
+            <a:endParaRPr lang="en-US" dirty="0"/>
           </a:p>
         </p:txBody>
       </p:sp>
@@ -6408,15 +6465,15 @@
           <p:nvPr/>
         </p:nvPicPr>
         <p:blipFill>
-          <a:blip r:embed="rId3"/>
+          <a:blip r:embed="rId2"/>
           <a:stretch>
             <a:fillRect/>
           </a:stretch>
         </p:blipFill>
         <p:spPr>
           <a:xfrm>
-            <a:off x="342900" y="177800"/>
-            <a:ext cx="8445500" cy="6502400"/>
+            <a:off x="0" y="1526694"/>
+            <a:ext cx="9144000" cy="4543893"/>
           </a:xfrm>
           <a:prstGeom prst="rect">
             <a:avLst/>
@@ -6426,20 +6483,13 @@
     </p:spTree>
     <p:extLst>
       <p:ext uri="{BB962C8B-B14F-4D97-AF65-F5344CB8AC3E}">
-        <p14:creationId xmlns:p14="http://schemas.microsoft.com/office/powerpoint/2010/main" val="1588889100"/>
+        <p14:creationId xmlns:p14="http://schemas.microsoft.com/office/powerpoint/2010/main" val="3051870518"/>
       </p:ext>
     </p:extLst>
   </p:cSld>
   <p:clrMapOvr>
     <a:masterClrMapping/>
   </p:clrMapOvr>
-  <p:timing>
-    <p:tnLst>
-      <p:par>
-        <p:cTn xmlns:p14="http://schemas.microsoft.com/office/powerpoint/2010/main" id="1" dur="indefinite" restart="never" nodeType="tmRoot"/>
-      </p:par>
-    </p:tnLst>
-  </p:timing>
 </p:sld>
 </file>
 
@@ -6477,8 +6527,175 @@
           <a:p>
             <a:r>
               <a:rPr lang="en-US" dirty="0" smtClean="0"/>
-              <a:t>Questions?</a:t>
-            </a:r>
+              <a:t>Principles of REST Architecture</a:t>
+            </a:r>
+            <a:endParaRPr lang="en-US" dirty="0"/>
+          </a:p>
+        </p:txBody>
+      </p:sp>
+      <p:sp>
+        <p:nvSpPr>
+          <p:cNvPr id="3" name="Content Placeholder 2"/>
+          <p:cNvSpPr>
+            <a:spLocks noGrp="1"/>
+          </p:cNvSpPr>
+          <p:nvPr>
+            <p:ph idx="1"/>
+          </p:nvPr>
+        </p:nvSpPr>
+        <p:spPr/>
+        <p:txBody>
+          <a:bodyPr>
+            <a:normAutofit fontScale="92500" lnSpcReduction="20000"/>
+          </a:bodyPr>
+          <a:lstStyle/>
+          <a:p>
+            <a:pPr marL="195864" indent="-195864" algn="just">
+              <a:lnSpc>
+                <a:spcPct val="120000"/>
+              </a:lnSpc>
+              <a:buSzPct val="45000"/>
+              <a:buFont typeface="Arial" charset="0"/>
+              <a:buChar char="•"/>
+              <a:tabLst>
+                <a:tab pos="656722" algn="l"/>
+                <a:tab pos="1313444" algn="l"/>
+                <a:tab pos="1970166" algn="l"/>
+                <a:tab pos="2626888" algn="l"/>
+                <a:tab pos="3283610" algn="l"/>
+                <a:tab pos="3940332" algn="l"/>
+                <a:tab pos="4597055" algn="l"/>
+                <a:tab pos="5253777" algn="l"/>
+                <a:tab pos="5910499" algn="l"/>
+                <a:tab pos="6567221" algn="l"/>
+                <a:tab pos="7223943" algn="l"/>
+              </a:tabLst>
+            </a:pPr>
+            <a:r>
+              <a:rPr lang="en-US" dirty="0" smtClean="0">
+                <a:ea typeface="Droid Sans Fallback" charset="0"/>
+                <a:cs typeface="Droid Sans Fallback" charset="0"/>
+              </a:rPr>
+              <a:t>REST isn't protocol specific, but in practice means the </a:t>
+            </a:r>
+            <a:r>
+              <a:rPr lang="en-US" dirty="0" err="1" smtClean="0">
+                <a:ea typeface="Droid Sans Fallback" charset="0"/>
+                <a:cs typeface="Droid Sans Fallback" charset="0"/>
+              </a:rPr>
+              <a:t>RESTful</a:t>
+            </a:r>
+            <a:r>
+              <a:rPr lang="en-US" dirty="0" smtClean="0">
+                <a:ea typeface="Droid Sans Fallback" charset="0"/>
+                <a:cs typeface="Droid Sans Fallback" charset="0"/>
+              </a:rPr>
+              <a:t> usage of HTTP</a:t>
+            </a:r>
+          </a:p>
+          <a:p>
+            <a:pPr marL="195864" indent="-195864" algn="just">
+              <a:lnSpc>
+                <a:spcPct val="120000"/>
+              </a:lnSpc>
+              <a:buSzPct val="45000"/>
+              <a:buFont typeface="Arial" charset="0"/>
+              <a:buChar char="•"/>
+              <a:tabLst>
+                <a:tab pos="656722" algn="l"/>
+                <a:tab pos="1313444" algn="l"/>
+                <a:tab pos="1970166" algn="l"/>
+                <a:tab pos="2626888" algn="l"/>
+                <a:tab pos="3283610" algn="l"/>
+                <a:tab pos="3940332" algn="l"/>
+                <a:tab pos="4597055" algn="l"/>
+                <a:tab pos="5253777" algn="l"/>
+                <a:tab pos="5910499" algn="l"/>
+                <a:tab pos="6567221" algn="l"/>
+                <a:tab pos="7223943" algn="l"/>
+              </a:tabLst>
+            </a:pPr>
+            <a:r>
+              <a:rPr lang="en-US" dirty="0" smtClean="0">
+                <a:ea typeface="Droid Sans Fallback" charset="0"/>
+                <a:cs typeface="Droid Sans Fallback" charset="0"/>
+              </a:rPr>
+              <a:t>HTTP is actually a very rich application protocol which gives us features like content negotiation and distributed caching. </a:t>
+            </a:r>
+          </a:p>
+          <a:p>
+            <a:pPr marL="195864" indent="-195864" algn="just">
+              <a:lnSpc>
+                <a:spcPct val="120000"/>
+              </a:lnSpc>
+              <a:buSzPct val="45000"/>
+              <a:buFont typeface="Arial" charset="0"/>
+              <a:buChar char="•"/>
+              <a:tabLst>
+                <a:tab pos="656722" algn="l"/>
+                <a:tab pos="1313444" algn="l"/>
+                <a:tab pos="1970166" algn="l"/>
+                <a:tab pos="2626888" algn="l"/>
+                <a:tab pos="3283610" algn="l"/>
+                <a:tab pos="3940332" algn="l"/>
+                <a:tab pos="4597055" algn="l"/>
+                <a:tab pos="5253777" algn="l"/>
+                <a:tab pos="5910499" algn="l"/>
+                <a:tab pos="6567221" algn="l"/>
+                <a:tab pos="7223943" algn="l"/>
+              </a:tabLst>
+            </a:pPr>
+            <a:r>
+              <a:rPr lang="en-US" dirty="0" smtClean="0">
+                <a:ea typeface="Droid Sans Fallback" charset="0"/>
+                <a:cs typeface="Droid Sans Fallback" charset="0"/>
+              </a:rPr>
+              <a:t>HTTP verbs nicely map to CRUD operations of data</a:t>
+            </a:r>
+          </a:p>
+          <a:p>
+            <a:pPr marL="195864" indent="-195864" algn="just">
+              <a:lnSpc>
+                <a:spcPct val="120000"/>
+              </a:lnSpc>
+              <a:buSzPct val="45000"/>
+              <a:buFont typeface="Arial" charset="0"/>
+              <a:buChar char="•"/>
+              <a:tabLst>
+                <a:tab pos="656722" algn="l"/>
+                <a:tab pos="1313444" algn="l"/>
+                <a:tab pos="1970166" algn="l"/>
+                <a:tab pos="2626888" algn="l"/>
+                <a:tab pos="3283610" algn="l"/>
+                <a:tab pos="3940332" algn="l"/>
+                <a:tab pos="4597055" algn="l"/>
+                <a:tab pos="5253777" algn="l"/>
+                <a:tab pos="5910499" algn="l"/>
+                <a:tab pos="6567221" algn="l"/>
+                <a:tab pos="7223943" algn="l"/>
+              </a:tabLst>
+            </a:pPr>
+            <a:r>
+              <a:rPr lang="en-US" dirty="0" err="1" smtClean="0">
+                <a:ea typeface="Droid Sans Fallback" charset="0"/>
+                <a:cs typeface="Droid Sans Fallback" charset="0"/>
+              </a:rPr>
+              <a:t>RESTful</a:t>
+            </a:r>
+            <a:r>
+              <a:rPr lang="en-US" dirty="0" smtClean="0">
+                <a:ea typeface="Droid Sans Fallback" charset="0"/>
+                <a:cs typeface="Droid Sans Fallback" charset="0"/>
+              </a:rPr>
+              <a:t> web services try to leverage HTTP in its entirety using specific architectural principles.</a:t>
+            </a:r>
+          </a:p>
+          <a:p>
+            <a:pPr>
+              <a:lnSpc>
+                <a:spcPct val="120000"/>
+              </a:lnSpc>
+            </a:pPr>
             <a:endParaRPr lang="en-US" dirty="0"/>
           </a:p>
         </p:txBody>
@@ -6486,7 +6703,1182 @@
     </p:spTree>
     <p:extLst>
       <p:ext uri="{BB962C8B-B14F-4D97-AF65-F5344CB8AC3E}">
-        <p14:creationId xmlns:p14="http://schemas.microsoft.com/office/powerpoint/2010/main" val="1921796518"/>
+        <p14:creationId xmlns:p14="http://schemas.microsoft.com/office/powerpoint/2010/main" val="3852888536"/>
+      </p:ext>
+    </p:extLst>
+  </p:cSld>
+  <p:clrMapOvr>
+    <a:masterClrMapping/>
+  </p:clrMapOvr>
+  <p:timing>
+    <p:tnLst>
+      <p:par>
+        <p:cTn xmlns:p14="http://schemas.microsoft.com/office/powerpoint/2010/main" id="1" dur="indefinite" restart="never" nodeType="tmRoot"/>
+      </p:par>
+    </p:tnLst>
+  </p:timing>
+</p:sld>
+</file>
+
+<file path=ppt/slides/slide13.xml><?xml version="1.0" encoding="utf-8"?>
+<p:sld xmlns:a="http://schemas.openxmlformats.org/drawingml/2006/main" xmlns:r="http://schemas.openxmlformats.org/officeDocument/2006/relationships" xmlns:p="http://schemas.openxmlformats.org/presentationml/2006/main">
+  <p:cSld>
+    <p:spTree>
+      <p:nvGrpSpPr>
+        <p:cNvPr id="1" name=""/>
+        <p:cNvGrpSpPr/>
+        <p:nvPr/>
+      </p:nvGrpSpPr>
+      <p:grpSpPr>
+        <a:xfrm>
+          <a:off x="0" y="0"/>
+          <a:ext cx="0" cy="0"/>
+          <a:chOff x="0" y="0"/>
+          <a:chExt cx="0" cy="0"/>
+        </a:xfrm>
+      </p:grpSpPr>
+      <p:sp>
+        <p:nvSpPr>
+          <p:cNvPr id="2" name="Title 1"/>
+          <p:cNvSpPr>
+            <a:spLocks noGrp="1"/>
+          </p:cNvSpPr>
+          <p:nvPr>
+            <p:ph type="title"/>
+          </p:nvPr>
+        </p:nvSpPr>
+        <p:spPr/>
+        <p:txBody>
+          <a:bodyPr/>
+          <a:lstStyle/>
+          <a:p>
+            <a:r>
+              <a:rPr lang="en-US" dirty="0" smtClean="0"/>
+              <a:t>Resources and Uniform Interface</a:t>
+            </a:r>
+            <a:endParaRPr lang="en-US" dirty="0"/>
+          </a:p>
+        </p:txBody>
+      </p:sp>
+      <p:sp>
+        <p:nvSpPr>
+          <p:cNvPr id="3" name="Content Placeholder 2"/>
+          <p:cNvSpPr>
+            <a:spLocks noGrp="1"/>
+          </p:cNvSpPr>
+          <p:nvPr>
+            <p:ph idx="1"/>
+          </p:nvPr>
+        </p:nvSpPr>
+        <p:spPr/>
+        <p:txBody>
+          <a:bodyPr>
+            <a:normAutofit fontScale="92500" lnSpcReduction="10000"/>
+          </a:bodyPr>
+          <a:lstStyle/>
+          <a:p>
+            <a:r>
+              <a:rPr lang="en-US" dirty="0" smtClean="0"/>
+              <a:t>Addressable Resources. Every “object” on your network should have a unique ID. </a:t>
+            </a:r>
+            <a:endParaRPr lang="en-US" dirty="0" smtClean="0"/>
+          </a:p>
+          <a:p>
+            <a:r>
+              <a:rPr lang="en-US" dirty="0" smtClean="0"/>
+              <a:t>An </a:t>
+            </a:r>
+            <a:r>
+              <a:rPr lang="en-US" dirty="0" smtClean="0"/>
+              <a:t>important aspect is that each “object” or resource has its own specific URI where it can be </a:t>
+            </a:r>
+            <a:r>
+              <a:rPr lang="en-US" dirty="0" smtClean="0"/>
+              <a:t>addressed</a:t>
+            </a:r>
+          </a:p>
+          <a:p>
+            <a:r>
+              <a:rPr lang="en-US" dirty="0" smtClean="0"/>
+              <a:t>Anything you wish to act upon, reference, annotate, </a:t>
+            </a:r>
+            <a:r>
+              <a:rPr lang="en-US" dirty="0" err="1" smtClean="0"/>
+              <a:t>etc</a:t>
+            </a:r>
+            <a:endParaRPr lang="en-US" dirty="0" smtClean="0"/>
+          </a:p>
+          <a:p>
+            <a:r>
+              <a:rPr lang="en-US" dirty="0" smtClean="0"/>
+              <a:t>The URI should have a lifetime equivalent to the resource it represents (e.g. I’ve had the same bank account for 20+ years)</a:t>
+            </a:r>
+          </a:p>
+          <a:p>
+            <a:endParaRPr lang="en-US" dirty="0" smtClean="0"/>
+          </a:p>
+          <a:p>
+            <a:endParaRPr lang="en-US" dirty="0"/>
+          </a:p>
+        </p:txBody>
+      </p:sp>
+    </p:spTree>
+    <p:extLst>
+      <p:ext uri="{BB962C8B-B14F-4D97-AF65-F5344CB8AC3E}">
+        <p14:creationId xmlns:p14="http://schemas.microsoft.com/office/powerpoint/2010/main" val="2928177506"/>
+      </p:ext>
+    </p:extLst>
+  </p:cSld>
+  <p:clrMapOvr>
+    <a:masterClrMapping/>
+  </p:clrMapOvr>
+  <p:timing>
+    <p:tnLst>
+      <p:par>
+        <p:cTn xmlns:p14="http://schemas.microsoft.com/office/powerpoint/2010/main" id="1" dur="indefinite" restart="never" nodeType="tmRoot"/>
+      </p:par>
+    </p:tnLst>
+  </p:timing>
+</p:sld>
+</file>
+
+<file path=ppt/slides/slide14.xml><?xml version="1.0" encoding="utf-8"?>
+<p:sld xmlns:a="http://schemas.openxmlformats.org/drawingml/2006/main" xmlns:r="http://schemas.openxmlformats.org/officeDocument/2006/relationships" xmlns:p="http://schemas.openxmlformats.org/presentationml/2006/main">
+  <p:cSld>
+    <p:spTree>
+      <p:nvGrpSpPr>
+        <p:cNvPr id="1" name=""/>
+        <p:cNvGrpSpPr/>
+        <p:nvPr/>
+      </p:nvGrpSpPr>
+      <p:grpSpPr>
+        <a:xfrm>
+          <a:off x="0" y="0"/>
+          <a:ext cx="0" cy="0"/>
+          <a:chOff x="0" y="0"/>
+          <a:chExt cx="0" cy="0"/>
+        </a:xfrm>
+      </p:grpSpPr>
+      <p:sp>
+        <p:nvSpPr>
+          <p:cNvPr id="2" name="Title 1"/>
+          <p:cNvSpPr>
+            <a:spLocks noGrp="1"/>
+          </p:cNvSpPr>
+          <p:nvPr>
+            <p:ph type="title"/>
+          </p:nvPr>
+        </p:nvSpPr>
+        <p:spPr/>
+        <p:txBody>
+          <a:bodyPr/>
+          <a:lstStyle/>
+          <a:p>
+            <a:r>
+              <a:rPr lang="en-US" dirty="0" smtClean="0"/>
+              <a:t>Representation</a:t>
+            </a:r>
+            <a:endParaRPr lang="en-US" dirty="0"/>
+          </a:p>
+        </p:txBody>
+      </p:sp>
+      <p:sp>
+        <p:nvSpPr>
+          <p:cNvPr id="3" name="Content Placeholder 2"/>
+          <p:cNvSpPr>
+            <a:spLocks noGrp="1"/>
+          </p:cNvSpPr>
+          <p:nvPr>
+            <p:ph idx="1"/>
+          </p:nvPr>
+        </p:nvSpPr>
+        <p:spPr/>
+        <p:txBody>
+          <a:bodyPr>
+            <a:normAutofit fontScale="85000" lnSpcReduction="20000"/>
+          </a:bodyPr>
+          <a:lstStyle/>
+          <a:p>
+            <a:r>
+              <a:rPr lang="en-US" dirty="0" smtClean="0"/>
+              <a:t>State </a:t>
+            </a:r>
+            <a:r>
+              <a:rPr lang="en-US" dirty="0"/>
+              <a:t>of resource captured and transferred between components</a:t>
+            </a:r>
+          </a:p>
+          <a:p>
+            <a:r>
+              <a:rPr lang="en-US" dirty="0"/>
+              <a:t>M</a:t>
+            </a:r>
+            <a:r>
+              <a:rPr lang="en-US" dirty="0" smtClean="0"/>
+              <a:t>ight </a:t>
+            </a:r>
+            <a:r>
+              <a:rPr lang="en-US" dirty="0"/>
+              <a:t>be current or desired future state</a:t>
+            </a:r>
+          </a:p>
+          <a:p>
+            <a:r>
+              <a:rPr lang="en-US" dirty="0"/>
+              <a:t>R</a:t>
+            </a:r>
+            <a:r>
+              <a:rPr lang="en-US" dirty="0" smtClean="0"/>
+              <a:t>epresented </a:t>
+            </a:r>
+            <a:r>
+              <a:rPr lang="en-US" dirty="0"/>
+              <a:t>as data plus metadata (name–value pairs)</a:t>
+            </a:r>
+          </a:p>
+          <a:p>
+            <a:r>
+              <a:rPr lang="en-US" dirty="0" smtClean="0"/>
+              <a:t>Metadata </a:t>
+            </a:r>
+            <a:r>
+              <a:rPr lang="en-US" dirty="0"/>
+              <a:t>includes control data, media </a:t>
+            </a:r>
+            <a:r>
+              <a:rPr lang="en-US" dirty="0" smtClean="0"/>
+              <a:t>type</a:t>
+            </a:r>
+          </a:p>
+          <a:p>
+            <a:r>
+              <a:rPr lang="en-US" dirty="0"/>
+              <a:t>The </a:t>
+            </a:r>
+            <a:r>
+              <a:rPr lang="en-US" b="1" dirty="0"/>
+              <a:t>Content-Type</a:t>
+            </a:r>
+            <a:r>
+              <a:rPr lang="en-US" dirty="0"/>
+              <a:t> of the resource should be useful and meaningful (self-description</a:t>
+            </a:r>
+            <a:r>
+              <a:rPr lang="en-US" dirty="0" smtClean="0"/>
+              <a:t>)</a:t>
+            </a:r>
+            <a:endParaRPr lang="en-US" dirty="0"/>
+          </a:p>
+          <a:p>
+            <a:r>
+              <a:rPr lang="en-US" dirty="0"/>
+              <a:t>O</a:t>
+            </a:r>
+            <a:r>
+              <a:rPr lang="en-US" dirty="0" smtClean="0"/>
+              <a:t>ne </a:t>
+            </a:r>
+            <a:r>
+              <a:rPr lang="en-US" dirty="0"/>
+              <a:t>resource might have several representations</a:t>
+            </a:r>
+          </a:p>
+          <a:p>
+            <a:r>
+              <a:rPr lang="en-US" dirty="0"/>
+              <a:t>S</a:t>
+            </a:r>
+            <a:r>
+              <a:rPr lang="en-US" dirty="0" smtClean="0"/>
+              <a:t>elected </a:t>
+            </a:r>
+            <a:r>
+              <a:rPr lang="en-US" dirty="0"/>
+              <a:t>via separate URIs, or via content </a:t>
+            </a:r>
+            <a:r>
+              <a:rPr lang="en-US" dirty="0" smtClean="0"/>
+              <a:t>negotiation</a:t>
+            </a:r>
+          </a:p>
+          <a:p>
+            <a:endParaRPr lang="en-US" dirty="0"/>
+          </a:p>
+        </p:txBody>
+      </p:sp>
+    </p:spTree>
+    <p:extLst>
+      <p:ext uri="{BB962C8B-B14F-4D97-AF65-F5344CB8AC3E}">
+        <p14:creationId xmlns:p14="http://schemas.microsoft.com/office/powerpoint/2010/main" val="1781605822"/>
+      </p:ext>
+    </p:extLst>
+  </p:cSld>
+  <p:clrMapOvr>
+    <a:masterClrMapping/>
+  </p:clrMapOvr>
+</p:sld>
+</file>
+
+<file path=ppt/slides/slide15.xml><?xml version="1.0" encoding="utf-8"?>
+<p:sld xmlns:a="http://schemas.openxmlformats.org/drawingml/2006/main" xmlns:r="http://schemas.openxmlformats.org/officeDocument/2006/relationships" xmlns:p="http://schemas.openxmlformats.org/presentationml/2006/main">
+  <p:cSld>
+    <p:spTree>
+      <p:nvGrpSpPr>
+        <p:cNvPr id="1" name=""/>
+        <p:cNvGrpSpPr/>
+        <p:nvPr/>
+      </p:nvGrpSpPr>
+      <p:grpSpPr>
+        <a:xfrm>
+          <a:off x="0" y="0"/>
+          <a:ext cx="0" cy="0"/>
+          <a:chOff x="0" y="0"/>
+          <a:chExt cx="0" cy="0"/>
+        </a:xfrm>
+      </p:grpSpPr>
+      <p:sp>
+        <p:nvSpPr>
+          <p:cNvPr id="2" name="Title 1"/>
+          <p:cNvSpPr>
+            <a:spLocks noGrp="1"/>
+          </p:cNvSpPr>
+          <p:nvPr>
+            <p:ph type="title"/>
+          </p:nvPr>
+        </p:nvSpPr>
+        <p:spPr/>
+        <p:txBody>
+          <a:bodyPr/>
+          <a:lstStyle/>
+          <a:p>
+            <a:r>
+              <a:rPr lang="en-US" dirty="0" smtClean="0"/>
+              <a:t>Stateless Interaction</a:t>
+            </a:r>
+            <a:endParaRPr lang="en-US" dirty="0"/>
+          </a:p>
+        </p:txBody>
+      </p:sp>
+      <p:sp>
+        <p:nvSpPr>
+          <p:cNvPr id="3" name="Content Placeholder 2"/>
+          <p:cNvSpPr>
+            <a:spLocks noGrp="1"/>
+          </p:cNvSpPr>
+          <p:nvPr>
+            <p:ph idx="1"/>
+          </p:nvPr>
+        </p:nvSpPr>
+        <p:spPr/>
+        <p:txBody>
+          <a:bodyPr>
+            <a:normAutofit fontScale="77500" lnSpcReduction="20000"/>
+          </a:bodyPr>
+          <a:lstStyle/>
+          <a:p>
+            <a:r>
+              <a:rPr lang="en-US" dirty="0"/>
+              <a:t>A</a:t>
+            </a:r>
+            <a:r>
+              <a:rPr lang="en-US" dirty="0" smtClean="0"/>
+              <a:t>bstract </a:t>
+            </a:r>
+            <a:r>
+              <a:rPr lang="en-US" dirty="0"/>
+              <a:t>interface for component communication</a:t>
+            </a:r>
+          </a:p>
+          <a:p>
+            <a:r>
+              <a:rPr lang="en-US" dirty="0" smtClean="0"/>
+              <a:t>Stateless </a:t>
+            </a:r>
+            <a:r>
+              <a:rPr lang="en-US" dirty="0"/>
+              <a:t>interactions</a:t>
+            </a:r>
+            <a:r>
+              <a:rPr lang="en-US" dirty="0" smtClean="0"/>
+              <a:t>:</a:t>
+            </a:r>
+          </a:p>
+          <a:p>
+            <a:pPr lvl="1"/>
+            <a:r>
+              <a:rPr lang="en-US" dirty="0" smtClean="0"/>
+              <a:t> </a:t>
+            </a:r>
+            <a:r>
+              <a:rPr lang="en-US" dirty="0"/>
+              <a:t>connectors need not retain application state between </a:t>
+            </a:r>
+            <a:r>
+              <a:rPr lang="en-US" dirty="0" smtClean="0"/>
+              <a:t>requests</a:t>
+            </a:r>
+          </a:p>
+          <a:p>
+            <a:pPr lvl="1"/>
+            <a:r>
+              <a:rPr lang="en-US" dirty="0" smtClean="0"/>
+              <a:t>interactions </a:t>
+            </a:r>
+            <a:r>
+              <a:rPr lang="en-US" dirty="0"/>
+              <a:t>can be processed in parallel, </a:t>
+            </a:r>
+            <a:r>
+              <a:rPr lang="en-US" dirty="0" smtClean="0"/>
+              <a:t>naively</a:t>
+            </a:r>
+          </a:p>
+          <a:p>
+            <a:pPr lvl="1"/>
+            <a:r>
+              <a:rPr lang="en-US" dirty="0" smtClean="0"/>
+              <a:t>intermediary </a:t>
+            </a:r>
+            <a:r>
+              <a:rPr lang="en-US" dirty="0"/>
+              <a:t>may view and understand request in </a:t>
+            </a:r>
+            <a:r>
+              <a:rPr lang="en-US" dirty="0" smtClean="0"/>
+              <a:t>isolation</a:t>
+            </a:r>
+          </a:p>
+          <a:p>
+            <a:pPr lvl="1"/>
+            <a:r>
+              <a:rPr lang="en-US" dirty="0" smtClean="0"/>
+              <a:t>reusability </a:t>
+            </a:r>
+            <a:r>
+              <a:rPr lang="en-US" dirty="0"/>
+              <a:t>of cached response can be determined from </a:t>
+            </a:r>
+            <a:r>
+              <a:rPr lang="en-US" dirty="0" smtClean="0"/>
+              <a:t>response itself</a:t>
+            </a:r>
+            <a:endParaRPr lang="en-US" dirty="0"/>
+          </a:p>
+          <a:p>
+            <a:r>
+              <a:rPr lang="en-US" dirty="0"/>
+              <a:t>R</a:t>
+            </a:r>
+            <a:r>
+              <a:rPr lang="en-US" dirty="0" smtClean="0"/>
+              <a:t>equest </a:t>
+            </a:r>
+            <a:r>
+              <a:rPr lang="en-US" dirty="0"/>
+              <a:t>parameters: control data, target URI, optional </a:t>
+            </a:r>
+            <a:r>
+              <a:rPr lang="en-US" dirty="0" smtClean="0"/>
+              <a:t>representation</a:t>
+            </a:r>
+          </a:p>
+          <a:p>
+            <a:r>
+              <a:rPr lang="en-US" dirty="0"/>
+              <a:t>R</a:t>
+            </a:r>
+            <a:r>
+              <a:rPr lang="en-US" dirty="0" smtClean="0"/>
+              <a:t>esponse </a:t>
+            </a:r>
+            <a:r>
+              <a:rPr lang="en-US" dirty="0"/>
+              <a:t>parameters: control data, optional resource metadata</a:t>
+            </a:r>
+            <a:r>
+              <a:rPr lang="en-US" dirty="0" smtClean="0"/>
+              <a:t>, optional </a:t>
+            </a:r>
+            <a:r>
+              <a:rPr lang="en-US" dirty="0"/>
+              <a:t>representation</a:t>
+            </a:r>
+          </a:p>
+          <a:p>
+            <a:pPr marL="0" indent="0">
+              <a:buNone/>
+            </a:pPr>
+            <a:endParaRPr lang="en-US" b="1" dirty="0"/>
+          </a:p>
+        </p:txBody>
+      </p:sp>
+    </p:spTree>
+    <p:extLst>
+      <p:ext uri="{BB962C8B-B14F-4D97-AF65-F5344CB8AC3E}">
+        <p14:creationId xmlns:p14="http://schemas.microsoft.com/office/powerpoint/2010/main" val="336964797"/>
+      </p:ext>
+    </p:extLst>
+  </p:cSld>
+  <p:clrMapOvr>
+    <a:masterClrMapping/>
+  </p:clrMapOvr>
+</p:sld>
+</file>
+
+<file path=ppt/slides/slide16.xml><?xml version="1.0" encoding="utf-8"?>
+<p:sld xmlns:a="http://schemas.openxmlformats.org/drawingml/2006/main" xmlns:r="http://schemas.openxmlformats.org/officeDocument/2006/relationships" xmlns:p="http://schemas.openxmlformats.org/presentationml/2006/main">
+  <p:cSld>
+    <p:spTree>
+      <p:nvGrpSpPr>
+        <p:cNvPr id="1" name=""/>
+        <p:cNvGrpSpPr/>
+        <p:nvPr/>
+      </p:nvGrpSpPr>
+      <p:grpSpPr>
+        <a:xfrm>
+          <a:off x="0" y="0"/>
+          <a:ext cx="0" cy="0"/>
+          <a:chOff x="0" y="0"/>
+          <a:chExt cx="0" cy="0"/>
+        </a:xfrm>
+      </p:grpSpPr>
+      <p:sp>
+        <p:nvSpPr>
+          <p:cNvPr id="2" name="Title 1"/>
+          <p:cNvSpPr>
+            <a:spLocks noGrp="1"/>
+          </p:cNvSpPr>
+          <p:nvPr>
+            <p:ph type="title"/>
+          </p:nvPr>
+        </p:nvSpPr>
+        <p:spPr/>
+        <p:txBody>
+          <a:bodyPr/>
+          <a:lstStyle/>
+          <a:p>
+            <a:r>
+              <a:rPr lang="en-US" dirty="0" smtClean="0"/>
+              <a:t>Uniform Interface</a:t>
+            </a:r>
+            <a:endParaRPr lang="en-US" dirty="0"/>
+          </a:p>
+        </p:txBody>
+      </p:sp>
+      <p:sp>
+        <p:nvSpPr>
+          <p:cNvPr id="3" name="Content Placeholder 2"/>
+          <p:cNvSpPr>
+            <a:spLocks noGrp="1"/>
+          </p:cNvSpPr>
+          <p:nvPr>
+            <p:ph idx="1"/>
+          </p:nvPr>
+        </p:nvSpPr>
+        <p:spPr/>
+        <p:txBody>
+          <a:bodyPr/>
+          <a:lstStyle/>
+          <a:p>
+            <a:r>
+              <a:rPr lang="en-US" dirty="0"/>
+              <a:t>A Uniform, Constrained Interface. When applying REST over HTTP, stick to the methods provided by the protocol</a:t>
+            </a:r>
+          </a:p>
+          <a:p>
+            <a:pPr lvl="1"/>
+            <a:r>
+              <a:rPr lang="en-US" dirty="0"/>
+              <a:t>GET, POST, PUT, and DELETE.</a:t>
+            </a:r>
+          </a:p>
+          <a:p>
+            <a:r>
+              <a:rPr lang="en-US" dirty="0"/>
+              <a:t>These should be used properly</a:t>
+            </a:r>
+          </a:p>
+          <a:p>
+            <a:pPr lvl="1"/>
+            <a:r>
+              <a:rPr lang="en-US" dirty="0"/>
+              <a:t>GET should have no side effects or change on state</a:t>
+            </a:r>
+          </a:p>
+          <a:p>
+            <a:pPr lvl="1"/>
+            <a:r>
+              <a:rPr lang="en-US" dirty="0"/>
+              <a:t>PUT should update the resource “in-place”</a:t>
+            </a:r>
+          </a:p>
+          <a:p>
+            <a:endParaRPr lang="en-US" dirty="0"/>
+          </a:p>
+        </p:txBody>
+      </p:sp>
+    </p:spTree>
+    <p:extLst>
+      <p:ext uri="{BB962C8B-B14F-4D97-AF65-F5344CB8AC3E}">
+        <p14:creationId xmlns:p14="http://schemas.microsoft.com/office/powerpoint/2010/main" val="1135108385"/>
+      </p:ext>
+    </p:extLst>
+  </p:cSld>
+  <p:clrMapOvr>
+    <a:masterClrMapping/>
+  </p:clrMapOvr>
+</p:sld>
+</file>
+
+<file path=ppt/slides/slide17.xml><?xml version="1.0" encoding="utf-8"?>
+<p:sld xmlns:a="http://schemas.openxmlformats.org/drawingml/2006/main" xmlns:r="http://schemas.openxmlformats.org/officeDocument/2006/relationships" xmlns:p="http://schemas.openxmlformats.org/presentationml/2006/main">
+  <p:cSld>
+    <p:spTree>
+      <p:nvGrpSpPr>
+        <p:cNvPr id="1" name=""/>
+        <p:cNvGrpSpPr/>
+        <p:nvPr/>
+      </p:nvGrpSpPr>
+      <p:grpSpPr>
+        <a:xfrm>
+          <a:off x="0" y="0"/>
+          <a:ext cx="0" cy="0"/>
+          <a:chOff x="0" y="0"/>
+          <a:chExt cx="0" cy="0"/>
+        </a:xfrm>
+      </p:grpSpPr>
+      <p:sp>
+        <p:nvSpPr>
+          <p:cNvPr id="2" name="Title 1"/>
+          <p:cNvSpPr>
+            <a:spLocks noGrp="1"/>
+          </p:cNvSpPr>
+          <p:nvPr>
+            <p:ph type="title"/>
+          </p:nvPr>
+        </p:nvSpPr>
+        <p:spPr/>
+        <p:txBody>
+          <a:bodyPr/>
+          <a:lstStyle/>
+          <a:p>
+            <a:r>
+              <a:rPr lang="en-US" dirty="0" smtClean="0"/>
+              <a:t>REST Architecture</a:t>
+            </a:r>
+            <a:endParaRPr lang="en-US" dirty="0"/>
+          </a:p>
+        </p:txBody>
+      </p:sp>
+      <p:pic>
+        <p:nvPicPr>
+          <p:cNvPr id="4" name="Picture 3"/>
+          <p:cNvPicPr>
+            <a:picLocks noChangeAspect="1"/>
+          </p:cNvPicPr>
+          <p:nvPr/>
+        </p:nvPicPr>
+        <p:blipFill>
+          <a:blip r:embed="rId2"/>
+          <a:stretch>
+            <a:fillRect/>
+          </a:stretch>
+        </p:blipFill>
+        <p:spPr>
+          <a:xfrm>
+            <a:off x="0" y="1422400"/>
+            <a:ext cx="9144000" cy="4005765"/>
+          </a:xfrm>
+          <a:prstGeom prst="rect">
+            <a:avLst/>
+          </a:prstGeom>
+        </p:spPr>
+      </p:pic>
+    </p:spTree>
+    <p:extLst>
+      <p:ext uri="{BB962C8B-B14F-4D97-AF65-F5344CB8AC3E}">
+        <p14:creationId xmlns:p14="http://schemas.microsoft.com/office/powerpoint/2010/main" val="501278882"/>
+      </p:ext>
+    </p:extLst>
+  </p:cSld>
+  <p:clrMapOvr>
+    <a:masterClrMapping/>
+  </p:clrMapOvr>
+</p:sld>
+</file>
+
+<file path=ppt/slides/slide18.xml><?xml version="1.0" encoding="utf-8"?>
+<p:sld xmlns:a="http://schemas.openxmlformats.org/drawingml/2006/main" xmlns:r="http://schemas.openxmlformats.org/officeDocument/2006/relationships" xmlns:p="http://schemas.openxmlformats.org/presentationml/2006/main">
+  <p:cSld>
+    <p:spTree>
+      <p:nvGrpSpPr>
+        <p:cNvPr id="1" name=""/>
+        <p:cNvGrpSpPr/>
+        <p:nvPr/>
+      </p:nvGrpSpPr>
+      <p:grpSpPr>
+        <a:xfrm>
+          <a:off x="0" y="0"/>
+          <a:ext cx="0" cy="0"/>
+          <a:chOff x="0" y="0"/>
+          <a:chExt cx="0" cy="0"/>
+        </a:xfrm>
+      </p:grpSpPr>
+      <p:sp>
+        <p:nvSpPr>
+          <p:cNvPr id="2" name="Title 1"/>
+          <p:cNvSpPr>
+            <a:spLocks noGrp="1"/>
+          </p:cNvSpPr>
+          <p:nvPr>
+            <p:ph type="title"/>
+          </p:nvPr>
+        </p:nvSpPr>
+        <p:spPr/>
+        <p:txBody>
+          <a:bodyPr/>
+          <a:lstStyle/>
+          <a:p>
+            <a:r>
+              <a:rPr lang="en-US" dirty="0" smtClean="0"/>
+              <a:t>Resource Oriented Architecture</a:t>
+            </a:r>
+            <a:endParaRPr lang="en-US" dirty="0"/>
+          </a:p>
+        </p:txBody>
+      </p:sp>
+      <p:sp>
+        <p:nvSpPr>
+          <p:cNvPr id="3" name="Content Placeholder 2"/>
+          <p:cNvSpPr>
+            <a:spLocks noGrp="1"/>
+          </p:cNvSpPr>
+          <p:nvPr>
+            <p:ph idx="1"/>
+          </p:nvPr>
+        </p:nvSpPr>
+        <p:spPr/>
+        <p:txBody>
+          <a:bodyPr>
+            <a:normAutofit fontScale="70000" lnSpcReduction="20000"/>
+          </a:bodyPr>
+          <a:lstStyle/>
+          <a:p>
+            <a:r>
+              <a:rPr lang="en-US" dirty="0"/>
+              <a:t>Resource-oriented </a:t>
+            </a:r>
+            <a:r>
+              <a:rPr lang="en-US" dirty="0" smtClean="0"/>
+              <a:t>architecture</a:t>
+            </a:r>
+          </a:p>
+          <a:p>
+            <a:pPr lvl="1"/>
+            <a:r>
+              <a:rPr lang="en-US" dirty="0" smtClean="0"/>
+              <a:t>after </a:t>
+            </a:r>
+            <a:r>
+              <a:rPr lang="en-US" dirty="0"/>
+              <a:t>Richardson &amp; Ruby, </a:t>
+            </a:r>
+            <a:r>
+              <a:rPr lang="en-US" dirty="0" err="1"/>
+              <a:t>RESTful</a:t>
+            </a:r>
+            <a:r>
+              <a:rPr lang="en-US" dirty="0"/>
+              <a:t> </a:t>
+            </a:r>
+            <a:r>
+              <a:rPr lang="en-US" dirty="0" smtClean="0"/>
+              <a:t>WS</a:t>
+            </a:r>
+          </a:p>
+          <a:p>
+            <a:pPr lvl="1"/>
+            <a:r>
+              <a:rPr lang="en-US" dirty="0" smtClean="0"/>
+              <a:t>action </a:t>
+            </a:r>
+            <a:r>
+              <a:rPr lang="en-US" dirty="0"/>
+              <a:t>identified in HTTP method, not in </a:t>
+            </a:r>
+            <a:r>
+              <a:rPr lang="en-US" dirty="0" smtClean="0"/>
+              <a:t>payload</a:t>
+            </a:r>
+          </a:p>
+          <a:p>
+            <a:pPr lvl="1"/>
+            <a:r>
+              <a:rPr lang="en-US" dirty="0" smtClean="0"/>
+              <a:t>scoping </a:t>
+            </a:r>
+            <a:r>
+              <a:rPr lang="en-US" dirty="0"/>
+              <a:t>information in URI</a:t>
+            </a:r>
+          </a:p>
+          <a:p>
+            <a:r>
+              <a:rPr lang="en-US" dirty="0"/>
+              <a:t>GET reports/open-bugs HTTP/</a:t>
+            </a:r>
+            <a:r>
+              <a:rPr lang="en-US" dirty="0" smtClean="0"/>
+              <a:t>1.1</a:t>
+            </a:r>
+          </a:p>
+          <a:p>
+            <a:pPr lvl="1"/>
+            <a:r>
+              <a:rPr lang="en-US" dirty="0" smtClean="0"/>
+              <a:t>in </a:t>
+            </a:r>
+            <a:r>
+              <a:rPr lang="en-US" dirty="0"/>
+              <a:t>contrast to RPC-style interaction</a:t>
+            </a:r>
+          </a:p>
+          <a:p>
+            <a:r>
+              <a:rPr lang="en-US" dirty="0"/>
+              <a:t>POST /</a:t>
+            </a:r>
+            <a:r>
+              <a:rPr lang="en-US" dirty="0" err="1"/>
+              <a:t>rpc</a:t>
+            </a:r>
+            <a:r>
+              <a:rPr lang="en-US" dirty="0"/>
+              <a:t> HTTP/</a:t>
+            </a:r>
+            <a:r>
+              <a:rPr lang="en-US" dirty="0" smtClean="0"/>
+              <a:t>1.1</a:t>
+            </a:r>
+            <a:br>
+              <a:rPr lang="en-US" dirty="0" smtClean="0"/>
+            </a:br>
+            <a:r>
+              <a:rPr lang="en-US" dirty="0" smtClean="0"/>
+              <a:t>Host</a:t>
+            </a:r>
+            <a:r>
+              <a:rPr lang="en-US" dirty="0"/>
+              <a:t>: </a:t>
+            </a:r>
+            <a:r>
+              <a:rPr lang="en-US" dirty="0" err="1" smtClean="0"/>
+              <a:t>www.upcdatabase.com</a:t>
+            </a:r>
+            <a:r>
+              <a:rPr lang="en-US" dirty="0"/>
+              <a:t/>
+            </a:r>
+            <a:br>
+              <a:rPr lang="en-US" dirty="0"/>
+            </a:br>
+            <a:r>
+              <a:rPr lang="en-US" dirty="0" smtClean="0"/>
+              <a:t>&lt;</a:t>
+            </a:r>
+            <a:r>
+              <a:rPr lang="en-US" dirty="0"/>
+              <a:t>?xml version="</a:t>
+            </a:r>
+            <a:r>
+              <a:rPr lang="en-US" dirty="0" smtClean="0"/>
+              <a:t>1.0”&gt;</a:t>
+            </a:r>
+            <a:br>
+              <a:rPr lang="en-US" dirty="0" smtClean="0"/>
+            </a:br>
+            <a:r>
+              <a:rPr lang="en-US" dirty="0" smtClean="0"/>
+              <a:t>	&lt;</a:t>
+            </a:r>
+            <a:r>
+              <a:rPr lang="en-US" dirty="0" err="1"/>
+              <a:t>methodCall</a:t>
+            </a:r>
+            <a:r>
+              <a:rPr lang="en-US" dirty="0" smtClean="0"/>
+              <a:t>&gt;</a:t>
+            </a:r>
+            <a:br>
+              <a:rPr lang="en-US" dirty="0" smtClean="0"/>
+            </a:br>
+            <a:r>
+              <a:rPr lang="en-US" dirty="0" smtClean="0"/>
+              <a:t>	&lt;</a:t>
+            </a:r>
+            <a:r>
+              <a:rPr lang="en-US" dirty="0" err="1"/>
+              <a:t>methodName</a:t>
+            </a:r>
+            <a:r>
+              <a:rPr lang="en-US" dirty="0"/>
+              <a:t>&gt;</a:t>
+            </a:r>
+            <a:r>
+              <a:rPr lang="en-US" dirty="0" err="1"/>
+              <a:t>lookupUPC</a:t>
+            </a:r>
+            <a:r>
+              <a:rPr lang="en-US" dirty="0"/>
+              <a:t>&lt;/</a:t>
+            </a:r>
+            <a:r>
+              <a:rPr lang="en-US" dirty="0" err="1"/>
+              <a:t>methodName</a:t>
+            </a:r>
+            <a:r>
+              <a:rPr lang="en-US" dirty="0"/>
+              <a:t>&gt; </a:t>
+            </a:r>
+            <a:r>
+              <a:rPr lang="en-US" dirty="0" smtClean="0"/>
+              <a:t>…</a:t>
+            </a:r>
+            <a:br>
+              <a:rPr lang="en-US" dirty="0" smtClean="0"/>
+            </a:br>
+            <a:r>
+              <a:rPr lang="en-US" dirty="0" smtClean="0"/>
+              <a:t>&lt;</a:t>
+            </a:r>
+            <a:r>
+              <a:rPr lang="en-US" dirty="0"/>
+              <a:t>/</a:t>
+            </a:r>
+            <a:r>
+              <a:rPr lang="en-US" dirty="0" err="1"/>
+              <a:t>methodCall</a:t>
+            </a:r>
+            <a:r>
+              <a:rPr lang="en-US" dirty="0"/>
+              <a:t>&gt;</a:t>
+            </a:r>
+          </a:p>
+          <a:p>
+            <a:r>
+              <a:rPr lang="en-US" dirty="0" smtClean="0"/>
+              <a:t>. </a:t>
+            </a:r>
+            <a:r>
+              <a:rPr lang="en-US" dirty="0"/>
+              <a:t>. . or hybrid</a:t>
+            </a:r>
+          </a:p>
+          <a:p>
+            <a:pPr lvl="1"/>
+            <a:r>
+              <a:rPr lang="en-US" dirty="0"/>
+              <a:t>http://</a:t>
+            </a:r>
+            <a:r>
+              <a:rPr lang="en-US" dirty="0" err="1"/>
+              <a:t>www.flickr.com</a:t>
+            </a:r>
+            <a:r>
+              <a:rPr lang="en-US" dirty="0"/>
+              <a:t>/services/</a:t>
+            </a:r>
+            <a:r>
+              <a:rPr lang="en-US" dirty="0" err="1"/>
+              <a:t>rest?method</a:t>
+            </a:r>
+            <a:r>
+              <a:rPr lang="en-US" dirty="0"/>
+              <a:t>=</a:t>
+            </a:r>
+            <a:r>
+              <a:rPr lang="en-US" dirty="0" err="1"/>
+              <a:t>search&amp;tags</a:t>
+            </a:r>
+            <a:r>
+              <a:rPr lang="en-US" dirty="0"/>
+              <a:t>=cat</a:t>
+            </a:r>
+            <a:endParaRPr lang="en-US" dirty="0"/>
+          </a:p>
+        </p:txBody>
+      </p:sp>
+    </p:spTree>
+    <p:extLst>
+      <p:ext uri="{BB962C8B-B14F-4D97-AF65-F5344CB8AC3E}">
+        <p14:creationId xmlns:p14="http://schemas.microsoft.com/office/powerpoint/2010/main" val="1097117594"/>
+      </p:ext>
+    </p:extLst>
+  </p:cSld>
+  <p:clrMapOvr>
+    <a:masterClrMapping/>
+  </p:clrMapOvr>
+</p:sld>
+</file>
+
+<file path=ppt/slides/slide19.xml><?xml version="1.0" encoding="utf-8"?>
+<p:sld xmlns:a="http://schemas.openxmlformats.org/drawingml/2006/main" xmlns:r="http://schemas.openxmlformats.org/officeDocument/2006/relationships" xmlns:p="http://schemas.openxmlformats.org/presentationml/2006/main">
+  <p:cSld>
+    <p:spTree>
+      <p:nvGrpSpPr>
+        <p:cNvPr id="1" name=""/>
+        <p:cNvGrpSpPr/>
+        <p:nvPr/>
+      </p:nvGrpSpPr>
+      <p:grpSpPr>
+        <a:xfrm>
+          <a:off x="0" y="0"/>
+          <a:ext cx="0" cy="0"/>
+          <a:chOff x="0" y="0"/>
+          <a:chExt cx="0" cy="0"/>
+        </a:xfrm>
+      </p:grpSpPr>
+      <p:sp>
+        <p:nvSpPr>
+          <p:cNvPr id="2" name="Title 1"/>
+          <p:cNvSpPr>
+            <a:spLocks noGrp="1"/>
+          </p:cNvSpPr>
+          <p:nvPr>
+            <p:ph type="title"/>
+          </p:nvPr>
+        </p:nvSpPr>
+        <p:spPr/>
+        <p:txBody>
+          <a:bodyPr/>
+          <a:lstStyle/>
+          <a:p>
+            <a:r>
+              <a:rPr lang="en-US" dirty="0" smtClean="0"/>
+              <a:t>PUT </a:t>
+            </a:r>
+            <a:r>
+              <a:rPr lang="en-US" dirty="0" err="1" smtClean="0"/>
+              <a:t>vs</a:t>
+            </a:r>
+            <a:r>
+              <a:rPr lang="en-US" dirty="0" smtClean="0"/>
+              <a:t> POST</a:t>
+            </a:r>
+            <a:endParaRPr lang="en-US" dirty="0"/>
+          </a:p>
+        </p:txBody>
+      </p:sp>
+      <p:sp>
+        <p:nvSpPr>
+          <p:cNvPr id="3" name="Content Placeholder 2"/>
+          <p:cNvSpPr>
+            <a:spLocks noGrp="1"/>
+          </p:cNvSpPr>
+          <p:nvPr>
+            <p:ph idx="1"/>
+          </p:nvPr>
+        </p:nvSpPr>
+        <p:spPr/>
+        <p:txBody>
+          <a:bodyPr>
+            <a:normAutofit fontScale="92500" lnSpcReduction="20000"/>
+          </a:bodyPr>
+          <a:lstStyle/>
+          <a:p>
+            <a:r>
+              <a:rPr lang="en-US" dirty="0"/>
+              <a:t>PUT </a:t>
+            </a:r>
+            <a:r>
+              <a:rPr lang="en-US" dirty="0" err="1"/>
+              <a:t>vs</a:t>
+            </a:r>
+            <a:r>
+              <a:rPr lang="en-US" dirty="0"/>
+              <a:t> </a:t>
+            </a:r>
+            <a:r>
+              <a:rPr lang="en-US" dirty="0" smtClean="0"/>
+              <a:t>POST</a:t>
+            </a:r>
+          </a:p>
+          <a:p>
+            <a:pPr lvl="1"/>
+            <a:r>
+              <a:rPr lang="en-US" dirty="0" smtClean="0"/>
+              <a:t>creation </a:t>
+            </a:r>
+            <a:r>
+              <a:rPr lang="en-US" dirty="0"/>
+              <a:t>by either PUT to new URI or POST to existing </a:t>
+            </a:r>
+            <a:r>
+              <a:rPr lang="en-US" dirty="0" smtClean="0"/>
+              <a:t>URI</a:t>
+            </a:r>
+          </a:p>
+          <a:p>
+            <a:pPr lvl="1"/>
+            <a:r>
+              <a:rPr lang="en-US" dirty="0" smtClean="0"/>
+              <a:t>typically</a:t>
+            </a:r>
+            <a:r>
+              <a:rPr lang="en-US" dirty="0"/>
+              <a:t>, create a subordinate resource with a POST to its parent</a:t>
+            </a:r>
+          </a:p>
+          <a:p>
+            <a:r>
+              <a:rPr lang="en-US" dirty="0" smtClean="0"/>
+              <a:t>use </a:t>
+            </a:r>
+            <a:r>
+              <a:rPr lang="en-US" dirty="0"/>
+              <a:t>PUT when client chooses URI; use POST when server chooses</a:t>
+            </a:r>
+          </a:p>
+          <a:p>
+            <a:r>
+              <a:rPr lang="en-US" dirty="0" smtClean="0"/>
+              <a:t>successful </a:t>
+            </a:r>
+            <a:r>
+              <a:rPr lang="en-US" dirty="0"/>
+              <a:t>POST returns code 201 ‘Created’ with Location header</a:t>
+            </a:r>
+          </a:p>
+          <a:p>
+            <a:r>
+              <a:rPr lang="en-US" dirty="0" smtClean="0"/>
+              <a:t>(</a:t>
+            </a:r>
+            <a:r>
+              <a:rPr lang="en-US" dirty="0"/>
+              <a:t>POST also sometimes used for form submission, but this can </a:t>
+            </a:r>
+            <a:r>
+              <a:rPr lang="en-US" dirty="0" smtClean="0"/>
+              <a:t>be non</a:t>
+            </a:r>
+            <a:r>
+              <a:rPr lang="en-US" dirty="0"/>
+              <a:t>-uniform)</a:t>
+            </a:r>
+          </a:p>
+          <a:p>
+            <a:pPr marL="0" indent="0">
+              <a:buNone/>
+            </a:pPr>
+            <a:endParaRPr lang="en-US" b="1" dirty="0"/>
+          </a:p>
+        </p:txBody>
+      </p:sp>
+    </p:spTree>
+    <p:extLst>
+      <p:ext uri="{BB962C8B-B14F-4D97-AF65-F5344CB8AC3E}">
+        <p14:creationId xmlns:p14="http://schemas.microsoft.com/office/powerpoint/2010/main" val="3417922519"/>
       </p:ext>
     </p:extLst>
   </p:cSld>
@@ -6597,6 +7989,1506 @@
 </p:sld>
 </file>
 
+<file path=ppt/slides/slide20.xml><?xml version="1.0" encoding="utf-8"?>
+<p:sld xmlns:a="http://schemas.openxmlformats.org/drawingml/2006/main" xmlns:r="http://schemas.openxmlformats.org/officeDocument/2006/relationships" xmlns:p="http://schemas.openxmlformats.org/presentationml/2006/main">
+  <p:cSld>
+    <p:spTree>
+      <p:nvGrpSpPr>
+        <p:cNvPr id="1" name=""/>
+        <p:cNvGrpSpPr/>
+        <p:nvPr/>
+      </p:nvGrpSpPr>
+      <p:grpSpPr>
+        <a:xfrm>
+          <a:off x="0" y="0"/>
+          <a:ext cx="0" cy="0"/>
+          <a:chOff x="0" y="0"/>
+          <a:chExt cx="0" cy="0"/>
+        </a:xfrm>
+      </p:grpSpPr>
+      <p:sp>
+        <p:nvSpPr>
+          <p:cNvPr id="2" name="Title 1"/>
+          <p:cNvSpPr>
+            <a:spLocks noGrp="1"/>
+          </p:cNvSpPr>
+          <p:nvPr>
+            <p:ph type="title"/>
+          </p:nvPr>
+        </p:nvSpPr>
+        <p:spPr/>
+        <p:txBody>
+          <a:bodyPr>
+            <a:normAutofit fontScale="90000"/>
+          </a:bodyPr>
+          <a:lstStyle/>
+          <a:p>
+            <a:r>
+              <a:rPr lang="en-US" smtClean="0"/>
+              <a:t>Resource Representations and States</a:t>
+            </a:r>
+            <a:endParaRPr lang="en-US" dirty="0"/>
+          </a:p>
+        </p:txBody>
+      </p:sp>
+      <p:sp>
+        <p:nvSpPr>
+          <p:cNvPr id="3" name="Content Placeholder 2"/>
+          <p:cNvSpPr>
+            <a:spLocks noGrp="1"/>
+          </p:cNvSpPr>
+          <p:nvPr>
+            <p:ph idx="1"/>
+          </p:nvPr>
+        </p:nvSpPr>
+        <p:spPr/>
+        <p:txBody>
+          <a:bodyPr>
+            <a:normAutofit fontScale="77500" lnSpcReduction="20000"/>
+          </a:bodyPr>
+          <a:lstStyle/>
+          <a:p>
+            <a:r>
+              <a:rPr lang="en-US" dirty="0" smtClean="0"/>
+              <a:t>Interact with services using representations of resources.</a:t>
+            </a:r>
+          </a:p>
+          <a:p>
+            <a:pPr lvl="1"/>
+            <a:r>
+              <a:rPr lang="en-US" dirty="0" smtClean="0"/>
+              <a:t>An XML representation</a:t>
+            </a:r>
+          </a:p>
+          <a:p>
+            <a:pPr lvl="1"/>
+            <a:r>
+              <a:rPr lang="en-US" dirty="0" smtClean="0"/>
+              <a:t>A JSON representation </a:t>
+            </a:r>
+          </a:p>
+          <a:p>
+            <a:r>
+              <a:rPr lang="en-US" dirty="0" smtClean="0"/>
+              <a:t>An object referenced by one URI can have different formats available. Different platforms need different formats. </a:t>
+            </a:r>
+          </a:p>
+          <a:p>
+            <a:pPr lvl="1"/>
+            <a:r>
+              <a:rPr lang="en-US" dirty="0" smtClean="0"/>
+              <a:t>A mobile application may need JSON</a:t>
+            </a:r>
+          </a:p>
+          <a:p>
+            <a:pPr lvl="1"/>
+            <a:r>
+              <a:rPr lang="en-US" dirty="0" smtClean="0"/>
+              <a:t>A Java application may need XML.</a:t>
+            </a:r>
+          </a:p>
+          <a:p>
+            <a:r>
+              <a:rPr lang="en-US" dirty="0" smtClean="0"/>
+              <a:t>Utilize the Content-Type header</a:t>
+            </a:r>
+          </a:p>
+          <a:p>
+            <a:pPr lvl="1"/>
+            <a:r>
+              <a:rPr lang="en-US" dirty="0" smtClean="0"/>
+              <a:t>And the Accept: header</a:t>
+            </a:r>
+          </a:p>
+          <a:p>
+            <a:r>
+              <a:rPr lang="en-US" dirty="0" smtClean="0"/>
+              <a:t>Communicate in a stateless manner</a:t>
+            </a:r>
+          </a:p>
+          <a:p>
+            <a:pPr lvl="1"/>
+            <a:r>
+              <a:rPr lang="en-US" dirty="0" smtClean="0"/>
+              <a:t>Stateless applications are far more </a:t>
+            </a:r>
+            <a:r>
+              <a:rPr lang="en-US" dirty="0" err="1" smtClean="0"/>
+              <a:t>scaleable</a:t>
+            </a:r>
+            <a:endParaRPr lang="en-US" dirty="0" smtClean="0"/>
+          </a:p>
+          <a:p>
+            <a:pPr lvl="1"/>
+            <a:endParaRPr lang="en-US" dirty="0" smtClean="0"/>
+          </a:p>
+          <a:p>
+            <a:endParaRPr lang="en-US" dirty="0"/>
+          </a:p>
+        </p:txBody>
+      </p:sp>
+    </p:spTree>
+    <p:extLst>
+      <p:ext uri="{BB962C8B-B14F-4D97-AF65-F5344CB8AC3E}">
+        <p14:creationId xmlns:p14="http://schemas.microsoft.com/office/powerpoint/2010/main" val="2990386115"/>
+      </p:ext>
+    </p:extLst>
+  </p:cSld>
+  <p:clrMapOvr>
+    <a:masterClrMapping/>
+  </p:clrMapOvr>
+  <p:timing>
+    <p:tnLst>
+      <p:par>
+        <p:cTn xmlns:p14="http://schemas.microsoft.com/office/powerpoint/2010/main" id="1" dur="indefinite" restart="never" nodeType="tmRoot"/>
+      </p:par>
+    </p:tnLst>
+  </p:timing>
+</p:sld>
+</file>
+
+<file path=ppt/slides/slide21.xml><?xml version="1.0" encoding="utf-8"?>
+<p:sld xmlns:a="http://schemas.openxmlformats.org/drawingml/2006/main" xmlns:r="http://schemas.openxmlformats.org/officeDocument/2006/relationships" xmlns:p="http://schemas.openxmlformats.org/presentationml/2006/main">
+  <p:cSld>
+    <p:spTree>
+      <p:nvGrpSpPr>
+        <p:cNvPr id="1" name=""/>
+        <p:cNvGrpSpPr/>
+        <p:nvPr/>
+      </p:nvGrpSpPr>
+      <p:grpSpPr>
+        <a:xfrm>
+          <a:off x="0" y="0"/>
+          <a:ext cx="0" cy="0"/>
+          <a:chOff x="0" y="0"/>
+          <a:chExt cx="0" cy="0"/>
+        </a:xfrm>
+      </p:grpSpPr>
+      <p:sp>
+        <p:nvSpPr>
+          <p:cNvPr id="2" name="Title 1"/>
+          <p:cNvSpPr>
+            <a:spLocks noGrp="1"/>
+          </p:cNvSpPr>
+          <p:nvPr>
+            <p:ph type="title"/>
+          </p:nvPr>
+        </p:nvSpPr>
+        <p:spPr/>
+        <p:txBody>
+          <a:bodyPr>
+            <a:normAutofit fontScale="90000"/>
+          </a:bodyPr>
+          <a:lstStyle/>
+          <a:p>
+            <a:r>
+              <a:rPr lang="en-US" dirty="0" smtClean="0"/>
+              <a:t>Hypertext as the Engine of Application State</a:t>
+            </a:r>
+            <a:endParaRPr lang="en-US" dirty="0"/>
+          </a:p>
+        </p:txBody>
+      </p:sp>
+      <p:sp>
+        <p:nvSpPr>
+          <p:cNvPr id="3" name="Content Placeholder 2"/>
+          <p:cNvSpPr>
+            <a:spLocks noGrp="1"/>
+          </p:cNvSpPr>
+          <p:nvPr>
+            <p:ph idx="1"/>
+          </p:nvPr>
+        </p:nvSpPr>
+        <p:spPr/>
+        <p:txBody>
+          <a:bodyPr>
+            <a:normAutofit fontScale="70000" lnSpcReduction="20000"/>
+          </a:bodyPr>
+          <a:lstStyle/>
+          <a:p>
+            <a:pPr algn="ctr">
+              <a:tabLst>
+                <a:tab pos="656722" algn="l"/>
+                <a:tab pos="1313444" algn="l"/>
+                <a:tab pos="1970166" algn="l"/>
+                <a:tab pos="2626888" algn="l"/>
+                <a:tab pos="3283610" algn="l"/>
+                <a:tab pos="3940332" algn="l"/>
+                <a:tab pos="4597055" algn="l"/>
+                <a:tab pos="5253777" algn="l"/>
+                <a:tab pos="5910499" algn="l"/>
+                <a:tab pos="6567221" algn="l"/>
+                <a:tab pos="7223943" algn="l"/>
+              </a:tabLst>
+            </a:pPr>
+            <a:endParaRPr lang="en-US" dirty="0" smtClean="0">
+              <a:ea typeface="Droid Sans Fallback" charset="0"/>
+              <a:cs typeface="Droid Sans Fallback" charset="0"/>
+            </a:endParaRPr>
+          </a:p>
+          <a:p>
+            <a:pPr algn="ctr">
+              <a:tabLst>
+                <a:tab pos="656722" algn="l"/>
+                <a:tab pos="1313444" algn="l"/>
+                <a:tab pos="1970166" algn="l"/>
+                <a:tab pos="2626888" algn="l"/>
+                <a:tab pos="3283610" algn="l"/>
+                <a:tab pos="3940332" algn="l"/>
+                <a:tab pos="4597055" algn="l"/>
+                <a:tab pos="5253777" algn="l"/>
+                <a:tab pos="5910499" algn="l"/>
+                <a:tab pos="6567221" algn="l"/>
+                <a:tab pos="7223943" algn="l"/>
+              </a:tabLst>
+            </a:pPr>
+            <a:r>
+              <a:rPr lang="en-US" dirty="0" smtClean="0">
+                <a:ea typeface="Droid Sans Fallback" charset="0"/>
+                <a:cs typeface="Droid Sans Fallback" charset="0"/>
+              </a:rPr>
+              <a:t>Resources are identified by URIs</a:t>
+            </a:r>
+          </a:p>
+          <a:p>
+            <a:pPr marL="0" indent="0" algn="ctr">
+              <a:buNone/>
+              <a:tabLst>
+                <a:tab pos="656722" algn="l"/>
+                <a:tab pos="1313444" algn="l"/>
+                <a:tab pos="1970166" algn="l"/>
+                <a:tab pos="2626888" algn="l"/>
+                <a:tab pos="3283610" algn="l"/>
+                <a:tab pos="3940332" algn="l"/>
+                <a:tab pos="4597055" algn="l"/>
+                <a:tab pos="5253777" algn="l"/>
+                <a:tab pos="5910499" algn="l"/>
+                <a:tab pos="6567221" algn="l"/>
+                <a:tab pos="7223943" algn="l"/>
+              </a:tabLst>
+            </a:pPr>
+            <a:r>
+              <a:rPr lang="en-US" dirty="0" smtClean="0">
+                <a:ea typeface="Droid Sans Fallback" charset="0"/>
+                <a:cs typeface="Droid Sans Fallback" charset="0"/>
+              </a:rPr>
+              <a:t>↓</a:t>
+            </a:r>
+          </a:p>
+          <a:p>
+            <a:pPr algn="ctr">
+              <a:tabLst>
+                <a:tab pos="656722" algn="l"/>
+                <a:tab pos="1313444" algn="l"/>
+                <a:tab pos="1970166" algn="l"/>
+                <a:tab pos="2626888" algn="l"/>
+                <a:tab pos="3283610" algn="l"/>
+                <a:tab pos="3940332" algn="l"/>
+                <a:tab pos="4597055" algn="l"/>
+                <a:tab pos="5253777" algn="l"/>
+                <a:tab pos="5910499" algn="l"/>
+                <a:tab pos="6567221" algn="l"/>
+                <a:tab pos="7223943" algn="l"/>
+              </a:tabLst>
+            </a:pPr>
+            <a:r>
+              <a:rPr lang="en-US" dirty="0" smtClean="0">
+                <a:ea typeface="Droid Sans Fallback" charset="0"/>
+                <a:cs typeface="Droid Sans Fallback" charset="0"/>
+              </a:rPr>
+              <a:t>Clients communicate with resources via requests using a</a:t>
+            </a:r>
+          </a:p>
+          <a:p>
+            <a:pPr algn="ctr">
+              <a:tabLst>
+                <a:tab pos="656722" algn="l"/>
+                <a:tab pos="1313444" algn="l"/>
+                <a:tab pos="1970166" algn="l"/>
+                <a:tab pos="2626888" algn="l"/>
+                <a:tab pos="3283610" algn="l"/>
+                <a:tab pos="3940332" algn="l"/>
+                <a:tab pos="4597055" algn="l"/>
+                <a:tab pos="5253777" algn="l"/>
+                <a:tab pos="5910499" algn="l"/>
+                <a:tab pos="6567221" algn="l"/>
+                <a:tab pos="7223943" algn="l"/>
+              </a:tabLst>
+            </a:pPr>
+            <a:r>
+              <a:rPr lang="en-US" dirty="0" smtClean="0">
+                <a:ea typeface="Droid Sans Fallback" charset="0"/>
+                <a:cs typeface="Droid Sans Fallback" charset="0"/>
+              </a:rPr>
+              <a:t>standard set of methods</a:t>
+            </a:r>
+          </a:p>
+          <a:p>
+            <a:pPr marL="0" indent="0" algn="ctr">
+              <a:buNone/>
+              <a:tabLst>
+                <a:tab pos="656722" algn="l"/>
+                <a:tab pos="1313444" algn="l"/>
+                <a:tab pos="1970166" algn="l"/>
+                <a:tab pos="2626888" algn="l"/>
+                <a:tab pos="3283610" algn="l"/>
+                <a:tab pos="3940332" algn="l"/>
+                <a:tab pos="4597055" algn="l"/>
+                <a:tab pos="5253777" algn="l"/>
+                <a:tab pos="5910499" algn="l"/>
+                <a:tab pos="6567221" algn="l"/>
+                <a:tab pos="7223943" algn="l"/>
+              </a:tabLst>
+            </a:pPr>
+            <a:r>
+              <a:rPr lang="en-US" dirty="0" smtClean="0">
+                <a:ea typeface="Droid Sans Fallback" charset="0"/>
+                <a:cs typeface="Droid Sans Fallback" charset="0"/>
+              </a:rPr>
+              <a:t>↓</a:t>
+            </a:r>
+          </a:p>
+          <a:p>
+            <a:pPr algn="ctr">
+              <a:tabLst>
+                <a:tab pos="656722" algn="l"/>
+                <a:tab pos="1313444" algn="l"/>
+                <a:tab pos="1970166" algn="l"/>
+                <a:tab pos="2626888" algn="l"/>
+                <a:tab pos="3283610" algn="l"/>
+                <a:tab pos="3940332" algn="l"/>
+                <a:tab pos="4597055" algn="l"/>
+                <a:tab pos="5253777" algn="l"/>
+                <a:tab pos="5910499" algn="l"/>
+                <a:tab pos="6567221" algn="l"/>
+                <a:tab pos="7223943" algn="l"/>
+              </a:tabLst>
+            </a:pPr>
+            <a:r>
+              <a:rPr lang="en-US" dirty="0" smtClean="0">
+                <a:ea typeface="Droid Sans Fallback" charset="0"/>
+                <a:cs typeface="Droid Sans Fallback" charset="0"/>
+              </a:rPr>
+              <a:t>Requests and responses contain resource representations</a:t>
+            </a:r>
+          </a:p>
+          <a:p>
+            <a:pPr algn="ctr">
+              <a:tabLst>
+                <a:tab pos="656722" algn="l"/>
+                <a:tab pos="1313444" algn="l"/>
+                <a:tab pos="1970166" algn="l"/>
+                <a:tab pos="2626888" algn="l"/>
+                <a:tab pos="3283610" algn="l"/>
+                <a:tab pos="3940332" algn="l"/>
+                <a:tab pos="4597055" algn="l"/>
+                <a:tab pos="5253777" algn="l"/>
+                <a:tab pos="5910499" algn="l"/>
+                <a:tab pos="6567221" algn="l"/>
+                <a:tab pos="7223943" algn="l"/>
+              </a:tabLst>
+            </a:pPr>
+            <a:r>
+              <a:rPr lang="en-US" dirty="0" smtClean="0">
+                <a:ea typeface="Droid Sans Fallback" charset="0"/>
+                <a:cs typeface="Droid Sans Fallback" charset="0"/>
+              </a:rPr>
+              <a:t>in formats identified by media types</a:t>
+            </a:r>
+          </a:p>
+          <a:p>
+            <a:pPr marL="0" indent="0" algn="ctr">
+              <a:buNone/>
+              <a:tabLst>
+                <a:tab pos="656722" algn="l"/>
+                <a:tab pos="1313444" algn="l"/>
+                <a:tab pos="1970166" algn="l"/>
+                <a:tab pos="2626888" algn="l"/>
+                <a:tab pos="3283610" algn="l"/>
+                <a:tab pos="3940332" algn="l"/>
+                <a:tab pos="4597055" algn="l"/>
+                <a:tab pos="5253777" algn="l"/>
+                <a:tab pos="5910499" algn="l"/>
+                <a:tab pos="6567221" algn="l"/>
+                <a:tab pos="7223943" algn="l"/>
+              </a:tabLst>
+            </a:pPr>
+            <a:r>
+              <a:rPr lang="en-US" dirty="0" smtClean="0">
+                <a:ea typeface="Droid Sans Fallback" charset="0"/>
+                <a:cs typeface="Droid Sans Fallback" charset="0"/>
+              </a:rPr>
+              <a:t>↓</a:t>
+            </a:r>
+          </a:p>
+          <a:p>
+            <a:pPr algn="ctr">
+              <a:tabLst>
+                <a:tab pos="656722" algn="l"/>
+                <a:tab pos="1313444" algn="l"/>
+                <a:tab pos="1970166" algn="l"/>
+                <a:tab pos="2626888" algn="l"/>
+                <a:tab pos="3283610" algn="l"/>
+                <a:tab pos="3940332" algn="l"/>
+                <a:tab pos="4597055" algn="l"/>
+                <a:tab pos="5253777" algn="l"/>
+                <a:tab pos="5910499" algn="l"/>
+                <a:tab pos="6567221" algn="l"/>
+                <a:tab pos="7223943" algn="l"/>
+              </a:tabLst>
+            </a:pPr>
+            <a:r>
+              <a:rPr lang="en-US" dirty="0" smtClean="0">
+                <a:ea typeface="Droid Sans Fallback" charset="0"/>
+                <a:cs typeface="Droid Sans Fallback" charset="0"/>
+              </a:rPr>
+              <a:t>Responses contain URIs that link to further resources</a:t>
+            </a:r>
+          </a:p>
+          <a:p>
+            <a:pPr marL="0" indent="0" algn="ctr">
+              <a:buNone/>
+              <a:tabLst>
+                <a:tab pos="656722" algn="l"/>
+                <a:tab pos="1313444" algn="l"/>
+                <a:tab pos="1970166" algn="l"/>
+                <a:tab pos="2626888" algn="l"/>
+                <a:tab pos="3283610" algn="l"/>
+                <a:tab pos="3940332" algn="l"/>
+                <a:tab pos="4597055" algn="l"/>
+                <a:tab pos="5253777" algn="l"/>
+                <a:tab pos="5910499" algn="l"/>
+                <a:tab pos="6567221" algn="l"/>
+                <a:tab pos="7223943" algn="l"/>
+              </a:tabLst>
+            </a:pPr>
+            <a:r>
+              <a:rPr lang="en-US" dirty="0">
+                <a:ea typeface="Droid Sans Fallback" charset="0"/>
+                <a:cs typeface="Droid Sans Fallback" charset="0"/>
+              </a:rPr>
+              <a:t>↓</a:t>
+            </a:r>
+          </a:p>
+          <a:p>
+            <a:pPr marL="0" indent="0" algn="ctr">
+              <a:buNone/>
+              <a:tabLst>
+                <a:tab pos="656722" algn="l"/>
+                <a:tab pos="1313444" algn="l"/>
+                <a:tab pos="1970166" algn="l"/>
+                <a:tab pos="2626888" algn="l"/>
+                <a:tab pos="3283610" algn="l"/>
+                <a:tab pos="3940332" algn="l"/>
+                <a:tab pos="4597055" algn="l"/>
+                <a:tab pos="5253777" algn="l"/>
+                <a:tab pos="5910499" algn="l"/>
+                <a:tab pos="6567221" algn="l"/>
+                <a:tab pos="7223943" algn="l"/>
+              </a:tabLst>
+            </a:pPr>
+            <a:r>
+              <a:rPr lang="en-US" dirty="0" smtClean="0"/>
+              <a:t>Beginning</a:t>
+            </a:r>
+            <a:endParaRPr lang="en-US" dirty="0"/>
+          </a:p>
+        </p:txBody>
+      </p:sp>
+    </p:spTree>
+    <p:extLst>
+      <p:ext uri="{BB962C8B-B14F-4D97-AF65-F5344CB8AC3E}">
+        <p14:creationId xmlns:p14="http://schemas.microsoft.com/office/powerpoint/2010/main" val="3867699156"/>
+      </p:ext>
+    </p:extLst>
+  </p:cSld>
+  <p:clrMapOvr>
+    <a:masterClrMapping/>
+  </p:clrMapOvr>
+  <p:timing>
+    <p:tnLst>
+      <p:par>
+        <p:cTn xmlns:p14="http://schemas.microsoft.com/office/powerpoint/2010/main" id="1" dur="indefinite" restart="never" nodeType="tmRoot"/>
+      </p:par>
+    </p:tnLst>
+  </p:timing>
+</p:sld>
+</file>
+
+<file path=ppt/slides/slide22.xml><?xml version="1.0" encoding="utf-8"?>
+<p:sld xmlns:a="http://schemas.openxmlformats.org/drawingml/2006/main" xmlns:r="http://schemas.openxmlformats.org/officeDocument/2006/relationships" xmlns:p="http://schemas.openxmlformats.org/presentationml/2006/main">
+  <p:cSld>
+    <p:spTree>
+      <p:nvGrpSpPr>
+        <p:cNvPr id="1" name=""/>
+        <p:cNvGrpSpPr/>
+        <p:nvPr/>
+      </p:nvGrpSpPr>
+      <p:grpSpPr>
+        <a:xfrm>
+          <a:off x="0" y="0"/>
+          <a:ext cx="0" cy="0"/>
+          <a:chOff x="0" y="0"/>
+          <a:chExt cx="0" cy="0"/>
+        </a:xfrm>
+      </p:grpSpPr>
+      <p:sp>
+        <p:nvSpPr>
+          <p:cNvPr id="2" name="Title 1"/>
+          <p:cNvSpPr>
+            <a:spLocks noGrp="1"/>
+          </p:cNvSpPr>
+          <p:nvPr>
+            <p:ph type="title"/>
+          </p:nvPr>
+        </p:nvSpPr>
+        <p:spPr/>
+        <p:txBody>
+          <a:bodyPr/>
+          <a:lstStyle/>
+          <a:p>
+            <a:r>
+              <a:rPr lang="en-US" dirty="0" err="1" smtClean="0"/>
+              <a:t>Async</a:t>
+            </a:r>
+            <a:endParaRPr lang="en-US" dirty="0"/>
+          </a:p>
+        </p:txBody>
+      </p:sp>
+      <p:sp>
+        <p:nvSpPr>
+          <p:cNvPr id="3" name="Content Placeholder 2"/>
+          <p:cNvSpPr>
+            <a:spLocks noGrp="1"/>
+          </p:cNvSpPr>
+          <p:nvPr>
+            <p:ph idx="1"/>
+          </p:nvPr>
+        </p:nvSpPr>
+        <p:spPr/>
+        <p:txBody>
+          <a:bodyPr>
+            <a:normAutofit fontScale="62500" lnSpcReduction="20000"/>
+          </a:bodyPr>
+          <a:lstStyle/>
+          <a:p>
+            <a:r>
+              <a:rPr lang="en-US" dirty="0"/>
+              <a:t>HTTP is synchronous: request–</a:t>
+            </a:r>
+            <a:r>
+              <a:rPr lang="en-US" dirty="0" smtClean="0"/>
+              <a:t>response</a:t>
+            </a:r>
+          </a:p>
+          <a:p>
+            <a:pPr lvl="1"/>
+            <a:r>
+              <a:rPr lang="en-US" dirty="0"/>
+              <a:t>W</a:t>
+            </a:r>
+            <a:r>
+              <a:rPr lang="en-US" dirty="0" smtClean="0"/>
+              <a:t>hat </a:t>
+            </a:r>
+            <a:r>
+              <a:rPr lang="en-US" dirty="0"/>
+              <a:t>about long-running requests? deferred synchronous interaction</a:t>
+            </a:r>
+          </a:p>
+          <a:p>
+            <a:r>
+              <a:rPr lang="en-US" dirty="0"/>
+              <a:t>C</a:t>
+            </a:r>
+            <a:r>
+              <a:rPr lang="en-US" dirty="0" smtClean="0"/>
+              <a:t>lient </a:t>
+            </a:r>
+            <a:r>
+              <a:rPr lang="en-US" dirty="0"/>
+              <a:t>POSTs request (because not idempotent)</a:t>
+            </a:r>
+          </a:p>
+          <a:p>
+            <a:r>
+              <a:rPr lang="en-US" dirty="0"/>
+              <a:t>POST /queue HTTP/1.1</a:t>
+            </a:r>
+          </a:p>
+          <a:p>
+            <a:r>
+              <a:rPr lang="en-US" dirty="0"/>
+              <a:t>Host: </a:t>
+            </a:r>
+            <a:r>
+              <a:rPr lang="en-US" dirty="0" err="1" smtClean="0"/>
+              <a:t>jobservice.com</a:t>
+            </a:r>
+            <a:endParaRPr lang="en-US" dirty="0"/>
+          </a:p>
+          <a:p>
+            <a:pPr lvl="1"/>
+            <a:r>
+              <a:rPr lang="en-US" dirty="0" smtClean="0"/>
+              <a:t>Please </a:t>
+            </a:r>
+            <a:r>
+              <a:rPr lang="en-US" dirty="0"/>
+              <a:t>tell me whether 2ˆ43,112,609 - 1 is </a:t>
+            </a:r>
+            <a:r>
+              <a:rPr lang="en-US" dirty="0" smtClean="0"/>
+              <a:t>prime</a:t>
+            </a:r>
+          </a:p>
+          <a:p>
+            <a:pPr lvl="1"/>
+            <a:r>
+              <a:rPr lang="en-US" dirty="0" smtClean="0"/>
+              <a:t>server </a:t>
+            </a:r>
+            <a:r>
+              <a:rPr lang="en-US" dirty="0"/>
+              <a:t>queues task, returns code 202 ‘Accepted’ with </a:t>
+            </a:r>
+            <a:endParaRPr lang="en-US" dirty="0" smtClean="0"/>
+          </a:p>
+          <a:p>
+            <a:pPr lvl="2"/>
+            <a:r>
+              <a:rPr lang="en-US" dirty="0" smtClean="0"/>
+              <a:t>URI </a:t>
+            </a:r>
+            <a:r>
+              <a:rPr lang="en-US" dirty="0"/>
+              <a:t>Location: http://</a:t>
+            </a:r>
+            <a:r>
+              <a:rPr lang="en-US" dirty="0" err="1"/>
+              <a:t>jobservice.com</a:t>
+            </a:r>
+            <a:r>
+              <a:rPr lang="en-US" dirty="0"/>
+              <a:t>/queue/</a:t>
+            </a:r>
+            <a:r>
+              <a:rPr lang="en-US" dirty="0" smtClean="0"/>
+              <a:t>job11a4f9</a:t>
+            </a:r>
+          </a:p>
+          <a:p>
+            <a:pPr lvl="2"/>
+            <a:r>
+              <a:rPr lang="en-US" dirty="0" smtClean="0"/>
+              <a:t>202 </a:t>
+            </a:r>
+            <a:r>
+              <a:rPr lang="en-US" dirty="0"/>
+              <a:t>Accepted</a:t>
+            </a:r>
+          </a:p>
+          <a:p>
+            <a:r>
+              <a:rPr lang="en-US" dirty="0"/>
+              <a:t>C</a:t>
+            </a:r>
+            <a:r>
+              <a:rPr lang="en-US" dirty="0" smtClean="0"/>
+              <a:t>lient </a:t>
+            </a:r>
+            <a:r>
+              <a:rPr lang="en-US" dirty="0"/>
+              <a:t>polls resource:</a:t>
+            </a:r>
+          </a:p>
+          <a:p>
+            <a:pPr lvl="1"/>
+            <a:r>
+              <a:rPr lang="en-US" dirty="0"/>
+              <a:t>GET /queue/job11a4f9 HTTP/1.1</a:t>
+            </a:r>
+          </a:p>
+          <a:p>
+            <a:pPr lvl="1"/>
+            <a:r>
+              <a:rPr lang="en-US" dirty="0"/>
+              <a:t>getting either status report or </a:t>
+            </a:r>
+            <a:r>
+              <a:rPr lang="en-US" dirty="0" smtClean="0"/>
+              <a:t>result</a:t>
+            </a:r>
+          </a:p>
+          <a:p>
+            <a:r>
+              <a:rPr lang="en-US" dirty="0" smtClean="0"/>
+              <a:t>Of course </a:t>
+            </a:r>
+            <a:r>
+              <a:rPr lang="en-US" dirty="0" err="1" smtClean="0"/>
+              <a:t>WebSockets</a:t>
+            </a:r>
+            <a:r>
+              <a:rPr lang="en-US" dirty="0" smtClean="0"/>
+              <a:t> could be used to push the response</a:t>
+            </a:r>
+          </a:p>
+          <a:p>
+            <a:pPr lvl="1"/>
+            <a:r>
+              <a:rPr lang="en-US" dirty="0" smtClean="0"/>
+              <a:t>Also see new Push API from W3C</a:t>
+            </a:r>
+            <a:endParaRPr lang="en-US" dirty="0"/>
+          </a:p>
+        </p:txBody>
+      </p:sp>
+    </p:spTree>
+    <p:extLst>
+      <p:ext uri="{BB962C8B-B14F-4D97-AF65-F5344CB8AC3E}">
+        <p14:creationId xmlns:p14="http://schemas.microsoft.com/office/powerpoint/2010/main" val="494380719"/>
+      </p:ext>
+    </p:extLst>
+  </p:cSld>
+  <p:clrMapOvr>
+    <a:masterClrMapping/>
+  </p:clrMapOvr>
+</p:sld>
+</file>
+
+<file path=ppt/slides/slide23.xml><?xml version="1.0" encoding="utf-8"?>
+<p:sld xmlns:a="http://schemas.openxmlformats.org/drawingml/2006/main" xmlns:r="http://schemas.openxmlformats.org/officeDocument/2006/relationships" xmlns:p="http://schemas.openxmlformats.org/presentationml/2006/main">
+  <p:cSld>
+    <p:spTree>
+      <p:nvGrpSpPr>
+        <p:cNvPr id="1" name=""/>
+        <p:cNvGrpSpPr/>
+        <p:nvPr/>
+      </p:nvGrpSpPr>
+      <p:grpSpPr>
+        <a:xfrm>
+          <a:off x="0" y="0"/>
+          <a:ext cx="0" cy="0"/>
+          <a:chOff x="0" y="0"/>
+          <a:chExt cx="0" cy="0"/>
+        </a:xfrm>
+      </p:grpSpPr>
+      <p:sp>
+        <p:nvSpPr>
+          <p:cNvPr id="2" name="Title 1"/>
+          <p:cNvSpPr>
+            <a:spLocks noGrp="1"/>
+          </p:cNvSpPr>
+          <p:nvPr>
+            <p:ph type="title"/>
+          </p:nvPr>
+        </p:nvSpPr>
+        <p:spPr/>
+        <p:txBody>
+          <a:bodyPr/>
+          <a:lstStyle/>
+          <a:p>
+            <a:r>
+              <a:rPr lang="en-US" dirty="0" smtClean="0"/>
+              <a:t>URI Design</a:t>
+            </a:r>
+            <a:endParaRPr lang="en-US" dirty="0"/>
+          </a:p>
+        </p:txBody>
+      </p:sp>
+      <p:sp>
+        <p:nvSpPr>
+          <p:cNvPr id="3" name="Content Placeholder 2"/>
+          <p:cNvSpPr>
+            <a:spLocks noGrp="1"/>
+          </p:cNvSpPr>
+          <p:nvPr>
+            <p:ph idx="1"/>
+          </p:nvPr>
+        </p:nvSpPr>
+        <p:spPr/>
+        <p:txBody>
+          <a:bodyPr>
+            <a:normAutofit fontScale="70000" lnSpcReduction="20000"/>
+          </a:bodyPr>
+          <a:lstStyle/>
+          <a:p>
+            <a:r>
+              <a:rPr lang="en-US" dirty="0" smtClean="0"/>
+              <a:t>URIs </a:t>
+            </a:r>
+            <a:r>
+              <a:rPr lang="en-US" dirty="0"/>
+              <a:t>should be meaningful and well-structured</a:t>
+            </a:r>
+          </a:p>
+          <a:p>
+            <a:r>
+              <a:rPr lang="en-US" dirty="0" smtClean="0"/>
+              <a:t>Some believe client </a:t>
+            </a:r>
+            <a:r>
+              <a:rPr lang="en-US" dirty="0"/>
+              <a:t>should be able to construct URI to access a resource (</a:t>
+            </a:r>
+            <a:r>
+              <a:rPr lang="en-US" dirty="0" smtClean="0"/>
+              <a:t>increases surface </a:t>
+            </a:r>
+            <a:r>
+              <a:rPr lang="en-US" dirty="0"/>
+              <a:t>area</a:t>
+            </a:r>
+            <a:r>
+              <a:rPr lang="en-US" dirty="0" smtClean="0"/>
+              <a:t>)</a:t>
+            </a:r>
+          </a:p>
+          <a:p>
+            <a:r>
+              <a:rPr lang="en-US" dirty="0" smtClean="0"/>
+              <a:t>Others say URIs should be opaque!</a:t>
+            </a:r>
+          </a:p>
+          <a:p>
+            <a:pPr lvl="1"/>
+            <a:r>
+              <a:rPr lang="en-US" dirty="0" smtClean="0"/>
+              <a:t>Discuss?!</a:t>
+            </a:r>
+            <a:endParaRPr lang="en-US" dirty="0"/>
+          </a:p>
+          <a:p>
+            <a:r>
+              <a:rPr lang="en-US" dirty="0" smtClean="0"/>
+              <a:t>Use </a:t>
+            </a:r>
+            <a:r>
+              <a:rPr lang="en-US" dirty="0"/>
+              <a:t>paths to separate elements of hierarchy, general to </a:t>
+            </a:r>
+            <a:r>
+              <a:rPr lang="en-US" dirty="0" smtClean="0"/>
+              <a:t>specific </a:t>
+            </a:r>
+          </a:p>
+          <a:p>
+            <a:r>
+              <a:rPr lang="en-US" dirty="0" smtClean="0"/>
+              <a:t>use </a:t>
+            </a:r>
+            <a:r>
+              <a:rPr lang="en-US" dirty="0"/>
+              <a:t>punctuation to separate items at same hierarchical level</a:t>
+            </a:r>
+          </a:p>
+          <a:p>
+            <a:pPr lvl="1"/>
+            <a:r>
+              <a:rPr lang="en-US" dirty="0" smtClean="0"/>
+              <a:t>commas </a:t>
+            </a:r>
+            <a:r>
+              <a:rPr lang="en-US" dirty="0"/>
+              <a:t>when order matters (</a:t>
+            </a:r>
+            <a:r>
+              <a:rPr lang="en-US" dirty="0" err="1"/>
+              <a:t>eg</a:t>
+            </a:r>
+            <a:r>
+              <a:rPr lang="en-US" dirty="0"/>
+              <a:t> coordinates), semicolons </a:t>
+            </a:r>
+            <a:r>
+              <a:rPr lang="en-US" dirty="0" smtClean="0"/>
+              <a:t>otherwise</a:t>
+            </a:r>
+          </a:p>
+          <a:p>
+            <a:pPr lvl="1"/>
+            <a:r>
+              <a:rPr lang="en-US" dirty="0" smtClean="0"/>
+              <a:t>use </a:t>
+            </a:r>
+            <a:r>
+              <a:rPr lang="en-US" dirty="0"/>
+              <a:t>query variables only for ‘arguments’</a:t>
+            </a:r>
+          </a:p>
+          <a:p>
+            <a:r>
+              <a:rPr lang="en-US" dirty="0" smtClean="0"/>
+              <a:t>URIs </a:t>
+            </a:r>
+            <a:r>
+              <a:rPr lang="en-US" dirty="0"/>
+              <a:t>denote resources, not operations (unless the operation is </a:t>
+            </a:r>
+            <a:r>
+              <a:rPr lang="en-US" dirty="0" smtClean="0"/>
+              <a:t>itself something </a:t>
+            </a:r>
+            <a:r>
+              <a:rPr lang="en-US" dirty="0"/>
+              <a:t>you might CRUD</a:t>
+            </a:r>
+            <a:r>
+              <a:rPr lang="en-US" dirty="0" smtClean="0"/>
+              <a:t>)</a:t>
+            </a:r>
+            <a:endParaRPr lang="en-US" dirty="0"/>
+          </a:p>
+        </p:txBody>
+      </p:sp>
+    </p:spTree>
+    <p:extLst>
+      <p:ext uri="{BB962C8B-B14F-4D97-AF65-F5344CB8AC3E}">
+        <p14:creationId xmlns:p14="http://schemas.microsoft.com/office/powerpoint/2010/main" val="4271667592"/>
+      </p:ext>
+    </p:extLst>
+  </p:cSld>
+  <p:clrMapOvr>
+    <a:masterClrMapping/>
+  </p:clrMapOvr>
+</p:sld>
+</file>
+
+<file path=ppt/slides/slide24.xml><?xml version="1.0" encoding="utf-8"?>
+<p:sld xmlns:a="http://schemas.openxmlformats.org/drawingml/2006/main" xmlns:r="http://schemas.openxmlformats.org/officeDocument/2006/relationships" xmlns:p="http://schemas.openxmlformats.org/presentationml/2006/main">
+  <p:cSld>
+    <p:spTree>
+      <p:nvGrpSpPr>
+        <p:cNvPr id="1" name=""/>
+        <p:cNvGrpSpPr/>
+        <p:nvPr/>
+      </p:nvGrpSpPr>
+      <p:grpSpPr>
+        <a:xfrm>
+          <a:off x="0" y="0"/>
+          <a:ext cx="0" cy="0"/>
+          <a:chOff x="0" y="0"/>
+          <a:chExt cx="0" cy="0"/>
+        </a:xfrm>
+      </p:grpSpPr>
+      <p:sp>
+        <p:nvSpPr>
+          <p:cNvPr id="2" name="Title 1"/>
+          <p:cNvSpPr>
+            <a:spLocks noGrp="1"/>
+          </p:cNvSpPr>
+          <p:nvPr>
+            <p:ph type="title"/>
+          </p:nvPr>
+        </p:nvSpPr>
+        <p:spPr/>
+        <p:txBody>
+          <a:bodyPr/>
+          <a:lstStyle/>
+          <a:p>
+            <a:r>
+              <a:rPr lang="en-US" dirty="0" smtClean="0"/>
+              <a:t>Quick look at the Sample Service</a:t>
+            </a:r>
+            <a:endParaRPr lang="en-US" dirty="0"/>
+          </a:p>
+        </p:txBody>
+      </p:sp>
+    </p:spTree>
+    <p:extLst>
+      <p:ext uri="{BB962C8B-B14F-4D97-AF65-F5344CB8AC3E}">
+        <p14:creationId xmlns:p14="http://schemas.microsoft.com/office/powerpoint/2010/main" val="4216162972"/>
+      </p:ext>
+    </p:extLst>
+  </p:cSld>
+  <p:clrMapOvr>
+    <a:masterClrMapping/>
+  </p:clrMapOvr>
+  <p:timing>
+    <p:tnLst>
+      <p:par>
+        <p:cTn xmlns:p14="http://schemas.microsoft.com/office/powerpoint/2010/main" id="1" dur="indefinite" restart="never" nodeType="tmRoot"/>
+      </p:par>
+    </p:tnLst>
+  </p:timing>
+</p:sld>
+</file>
+
+<file path=ppt/slides/slide25.xml><?xml version="1.0" encoding="utf-8"?>
+<p:sld xmlns:a="http://schemas.openxmlformats.org/drawingml/2006/main" xmlns:r="http://schemas.openxmlformats.org/officeDocument/2006/relationships" xmlns:p="http://schemas.openxmlformats.org/presentationml/2006/main">
+  <p:cSld>
+    <p:spTree>
+      <p:nvGrpSpPr>
+        <p:cNvPr id="1" name=""/>
+        <p:cNvGrpSpPr/>
+        <p:nvPr/>
+      </p:nvGrpSpPr>
+      <p:grpSpPr>
+        <a:xfrm>
+          <a:off x="0" y="0"/>
+          <a:ext cx="0" cy="0"/>
+          <a:chOff x="0" y="0"/>
+          <a:chExt cx="0" cy="0"/>
+        </a:xfrm>
+      </p:grpSpPr>
+      <p:sp>
+        <p:nvSpPr>
+          <p:cNvPr id="2" name="Title 1"/>
+          <p:cNvSpPr>
+            <a:spLocks noGrp="1"/>
+          </p:cNvSpPr>
+          <p:nvPr>
+            <p:ph type="title"/>
+          </p:nvPr>
+        </p:nvSpPr>
+        <p:spPr/>
+        <p:txBody>
+          <a:bodyPr/>
+          <a:lstStyle/>
+          <a:p>
+            <a:r>
+              <a:rPr lang="en-US" dirty="0" smtClean="0"/>
+              <a:t>JSON</a:t>
+            </a:r>
+            <a:endParaRPr lang="en-US" dirty="0"/>
+          </a:p>
+        </p:txBody>
+      </p:sp>
+      <p:sp>
+        <p:nvSpPr>
+          <p:cNvPr id="3" name="Content Placeholder 2"/>
+          <p:cNvSpPr>
+            <a:spLocks noGrp="1"/>
+          </p:cNvSpPr>
+          <p:nvPr>
+            <p:ph idx="1"/>
+          </p:nvPr>
+        </p:nvSpPr>
+        <p:spPr/>
+        <p:txBody>
+          <a:bodyPr>
+            <a:normAutofit/>
+          </a:bodyPr>
+          <a:lstStyle/>
+          <a:p>
+            <a:r>
+              <a:rPr lang="en-US" sz="2400" dirty="0" smtClean="0"/>
+              <a:t>A simple notation that originated in JavaScript</a:t>
+            </a:r>
+          </a:p>
+          <a:p>
+            <a:pPr marL="0" indent="0">
+              <a:buNone/>
+            </a:pPr>
+            <a:r>
+              <a:rPr lang="en-US" sz="2400" dirty="0" err="1" smtClean="0">
+                <a:latin typeface="Lucida Console"/>
+                <a:cs typeface="Lucida Console"/>
+              </a:rPr>
+              <a:t>var</a:t>
+            </a:r>
+            <a:r>
+              <a:rPr lang="en-US" sz="2400" dirty="0" smtClean="0">
+                <a:latin typeface="Lucida Console"/>
+                <a:cs typeface="Lucida Console"/>
+              </a:rPr>
+              <a:t> x = {a:1, b:2, c:3}</a:t>
+            </a:r>
+          </a:p>
+          <a:p>
+            <a:r>
+              <a:rPr lang="en-US" sz="2400" dirty="0" smtClean="0"/>
+              <a:t>equivalent to:</a:t>
+            </a:r>
+          </a:p>
+          <a:p>
+            <a:pPr marL="0" indent="0">
+              <a:buNone/>
+            </a:pPr>
+            <a:r>
+              <a:rPr lang="en-US" sz="2400" dirty="0" err="1" smtClean="0">
+                <a:latin typeface="Lucida Console"/>
+                <a:cs typeface="Lucida Console"/>
+              </a:rPr>
+              <a:t>x.a</a:t>
+            </a:r>
+            <a:r>
+              <a:rPr lang="en-US" sz="2400" dirty="0" smtClean="0">
+                <a:latin typeface="Lucida Console"/>
+                <a:cs typeface="Lucida Console"/>
+              </a:rPr>
+              <a:t> = 1; </a:t>
+            </a:r>
+            <a:r>
+              <a:rPr lang="en-US" sz="2400" dirty="0" err="1" smtClean="0">
+                <a:latin typeface="Lucida Console"/>
+                <a:cs typeface="Lucida Console"/>
+              </a:rPr>
+              <a:t>x.b</a:t>
+            </a:r>
+            <a:r>
+              <a:rPr lang="en-US" sz="2400" dirty="0" smtClean="0">
+                <a:latin typeface="Lucida Console"/>
+                <a:cs typeface="Lucida Console"/>
+              </a:rPr>
+              <a:t> = 2; </a:t>
+            </a:r>
+            <a:r>
+              <a:rPr lang="en-US" sz="2400" dirty="0" err="1" smtClean="0">
+                <a:latin typeface="Lucida Console"/>
+                <a:cs typeface="Lucida Console"/>
+              </a:rPr>
+              <a:t>x.c</a:t>
+            </a:r>
+            <a:r>
+              <a:rPr lang="en-US" sz="2400" dirty="0" smtClean="0">
+                <a:latin typeface="Lucida Console"/>
+                <a:cs typeface="Lucida Console"/>
+              </a:rPr>
+              <a:t> = 3</a:t>
+            </a:r>
+          </a:p>
+          <a:p>
+            <a:r>
+              <a:rPr lang="en-US" sz="2400" dirty="0" smtClean="0"/>
+              <a:t>Can be done “dynamically”</a:t>
+            </a:r>
+          </a:p>
+          <a:p>
+            <a:pPr marL="0" indent="0">
+              <a:buNone/>
+            </a:pPr>
+            <a:r>
+              <a:rPr lang="en-US" sz="2400" dirty="0" err="1" smtClean="0">
+                <a:latin typeface="Lucida Console"/>
+                <a:cs typeface="Lucida Console"/>
+              </a:rPr>
+              <a:t>var</a:t>
+            </a:r>
+            <a:r>
+              <a:rPr lang="en-US" sz="2400" dirty="0" smtClean="0">
+                <a:latin typeface="Lucida Console"/>
+                <a:cs typeface="Lucida Console"/>
+              </a:rPr>
+              <a:t> x = “{a:1, b:2, c:3}” </a:t>
+            </a:r>
+          </a:p>
+          <a:p>
+            <a:pPr marL="0" indent="0">
+              <a:buNone/>
+            </a:pPr>
+            <a:r>
+              <a:rPr lang="en-US" sz="2400" dirty="0" smtClean="0">
+                <a:latin typeface="Lucida Console"/>
+                <a:cs typeface="Lucida Console"/>
+              </a:rPr>
+              <a:t>// imagine this actually </a:t>
+            </a:r>
+          </a:p>
+          <a:p>
+            <a:pPr marL="0" indent="0">
+              <a:buNone/>
+            </a:pPr>
+            <a:r>
+              <a:rPr lang="en-US" sz="2400" dirty="0" smtClean="0">
+                <a:latin typeface="Lucida Console"/>
+                <a:cs typeface="Lucida Console"/>
+              </a:rPr>
+              <a:t>// comes from a webserver</a:t>
+            </a:r>
+          </a:p>
+          <a:p>
+            <a:pPr marL="0" indent="0">
+              <a:buNone/>
+            </a:pPr>
+            <a:r>
+              <a:rPr lang="en-US" sz="2400" dirty="0" err="1" smtClean="0">
+                <a:latin typeface="Lucida Console"/>
+                <a:cs typeface="Lucida Console"/>
+              </a:rPr>
+              <a:t>var</a:t>
+            </a:r>
+            <a:r>
+              <a:rPr lang="en-US" sz="2400" dirty="0" smtClean="0">
+                <a:latin typeface="Lucida Console"/>
+                <a:cs typeface="Lucida Console"/>
+              </a:rPr>
+              <a:t> z = </a:t>
+            </a:r>
+            <a:r>
+              <a:rPr lang="en-US" sz="2400" dirty="0" err="1" smtClean="0">
+                <a:latin typeface="Lucida Console"/>
+                <a:cs typeface="Lucida Console"/>
+              </a:rPr>
+              <a:t>eval</a:t>
+            </a:r>
+            <a:r>
+              <a:rPr lang="en-US" sz="2400" dirty="0" smtClean="0">
+                <a:latin typeface="Lucida Console"/>
+                <a:cs typeface="Lucida Console"/>
+              </a:rPr>
+              <a:t>(‘(‘+x+’)’)</a:t>
+            </a:r>
+          </a:p>
+          <a:p>
+            <a:pPr marL="0" indent="0">
+              <a:buNone/>
+            </a:pPr>
+            <a:r>
+              <a:rPr lang="en-US" sz="2400" dirty="0" smtClean="0">
+                <a:latin typeface="Lucida Console"/>
+                <a:cs typeface="Lucida Console"/>
+              </a:rPr>
+              <a:t>assert(</a:t>
+            </a:r>
+            <a:r>
+              <a:rPr lang="en-US" sz="2400" dirty="0" err="1" smtClean="0">
+                <a:latin typeface="Lucida Console"/>
+                <a:cs typeface="Lucida Console"/>
+              </a:rPr>
+              <a:t>z.a</a:t>
+            </a:r>
+            <a:r>
+              <a:rPr lang="en-US" sz="2400" dirty="0" smtClean="0">
+                <a:latin typeface="Lucida Console"/>
+                <a:cs typeface="Lucida Console"/>
+              </a:rPr>
+              <a:t> == 1)</a:t>
+            </a:r>
+          </a:p>
+        </p:txBody>
+      </p:sp>
+    </p:spTree>
+    <p:extLst>
+      <p:ext uri="{BB962C8B-B14F-4D97-AF65-F5344CB8AC3E}">
+        <p14:creationId xmlns:p14="http://schemas.microsoft.com/office/powerpoint/2010/main" val="1189132511"/>
+      </p:ext>
+    </p:extLst>
+  </p:cSld>
+  <p:clrMapOvr>
+    <a:masterClrMapping/>
+  </p:clrMapOvr>
+</p:sld>
+</file>
+
+<file path=ppt/slides/slide26.xml><?xml version="1.0" encoding="utf-8"?>
+<p:sld xmlns:a="http://schemas.openxmlformats.org/drawingml/2006/main" xmlns:r="http://schemas.openxmlformats.org/officeDocument/2006/relationships" xmlns:p="http://schemas.openxmlformats.org/presentationml/2006/main">
+  <p:cSld>
+    <p:spTree>
+      <p:nvGrpSpPr>
+        <p:cNvPr id="1" name=""/>
+        <p:cNvGrpSpPr/>
+        <p:nvPr/>
+      </p:nvGrpSpPr>
+      <p:grpSpPr>
+        <a:xfrm>
+          <a:off x="0" y="0"/>
+          <a:ext cx="0" cy="0"/>
+          <a:chOff x="0" y="0"/>
+          <a:chExt cx="0" cy="0"/>
+        </a:xfrm>
+      </p:grpSpPr>
+      <p:sp>
+        <p:nvSpPr>
+          <p:cNvPr id="2" name="Title 1"/>
+          <p:cNvSpPr>
+            <a:spLocks noGrp="1"/>
+          </p:cNvSpPr>
+          <p:nvPr>
+            <p:ph type="title"/>
+          </p:nvPr>
+        </p:nvSpPr>
+        <p:spPr/>
+        <p:txBody>
+          <a:bodyPr/>
+          <a:lstStyle/>
+          <a:p>
+            <a:r>
+              <a:rPr lang="en-US" dirty="0" smtClean="0"/>
+              <a:t>Create an Order</a:t>
+            </a:r>
+            <a:endParaRPr lang="en-US" dirty="0"/>
+          </a:p>
+        </p:txBody>
+      </p:sp>
+      <p:pic>
+        <p:nvPicPr>
+          <p:cNvPr id="6" name="Picture 5"/>
+          <p:cNvPicPr>
+            <a:picLocks noChangeAspect="1"/>
+          </p:cNvPicPr>
+          <p:nvPr/>
+        </p:nvPicPr>
+        <p:blipFill>
+          <a:blip r:embed="rId3"/>
+          <a:stretch>
+            <a:fillRect/>
+          </a:stretch>
+        </p:blipFill>
+        <p:spPr>
+          <a:xfrm>
+            <a:off x="-152399" y="304800"/>
+            <a:ext cx="9316016" cy="5486400"/>
+          </a:xfrm>
+          <a:prstGeom prst="rect">
+            <a:avLst/>
+          </a:prstGeom>
+        </p:spPr>
+      </p:pic>
+    </p:spTree>
+    <p:extLst>
+      <p:ext uri="{BB962C8B-B14F-4D97-AF65-F5344CB8AC3E}">
+        <p14:creationId xmlns:p14="http://schemas.microsoft.com/office/powerpoint/2010/main" val="3005385640"/>
+      </p:ext>
+    </p:extLst>
+  </p:cSld>
+  <p:clrMapOvr>
+    <a:masterClrMapping/>
+  </p:clrMapOvr>
+  <p:timing>
+    <p:tnLst>
+      <p:par>
+        <p:cTn xmlns:p14="http://schemas.microsoft.com/office/powerpoint/2010/main" id="1" dur="indefinite" restart="never" nodeType="tmRoot"/>
+      </p:par>
+    </p:tnLst>
+  </p:timing>
+</p:sld>
+</file>
+
+<file path=ppt/slides/slide27.xml><?xml version="1.0" encoding="utf-8"?>
+<p:sld xmlns:a="http://schemas.openxmlformats.org/drawingml/2006/main" xmlns:r="http://schemas.openxmlformats.org/officeDocument/2006/relationships" xmlns:p="http://schemas.openxmlformats.org/presentationml/2006/main">
+  <p:cSld>
+    <p:spTree>
+      <p:nvGrpSpPr>
+        <p:cNvPr id="1" name=""/>
+        <p:cNvGrpSpPr/>
+        <p:nvPr/>
+      </p:nvGrpSpPr>
+      <p:grpSpPr>
+        <a:xfrm>
+          <a:off x="0" y="0"/>
+          <a:ext cx="0" cy="0"/>
+          <a:chOff x="0" y="0"/>
+          <a:chExt cx="0" cy="0"/>
+        </a:xfrm>
+      </p:grpSpPr>
+      <p:sp>
+        <p:nvSpPr>
+          <p:cNvPr id="2" name="Title 1"/>
+          <p:cNvSpPr>
+            <a:spLocks noGrp="1"/>
+          </p:cNvSpPr>
+          <p:nvPr>
+            <p:ph type="title"/>
+          </p:nvPr>
+        </p:nvSpPr>
+        <p:spPr/>
+        <p:txBody>
+          <a:bodyPr/>
+          <a:lstStyle/>
+          <a:p>
+            <a:endParaRPr lang="en-US"/>
+          </a:p>
+        </p:txBody>
+      </p:sp>
+      <p:pic>
+        <p:nvPicPr>
+          <p:cNvPr id="4" name="Picture 3"/>
+          <p:cNvPicPr>
+            <a:picLocks noChangeAspect="1"/>
+          </p:cNvPicPr>
+          <p:nvPr/>
+        </p:nvPicPr>
+        <p:blipFill>
+          <a:blip r:embed="rId3"/>
+          <a:stretch>
+            <a:fillRect/>
+          </a:stretch>
+        </p:blipFill>
+        <p:spPr>
+          <a:xfrm>
+            <a:off x="342900" y="177800"/>
+            <a:ext cx="8445500" cy="6502400"/>
+          </a:xfrm>
+          <a:prstGeom prst="rect">
+            <a:avLst/>
+          </a:prstGeom>
+        </p:spPr>
+      </p:pic>
+    </p:spTree>
+    <p:extLst>
+      <p:ext uri="{BB962C8B-B14F-4D97-AF65-F5344CB8AC3E}">
+        <p14:creationId xmlns:p14="http://schemas.microsoft.com/office/powerpoint/2010/main" val="1588889100"/>
+      </p:ext>
+    </p:extLst>
+  </p:cSld>
+  <p:clrMapOvr>
+    <a:masterClrMapping/>
+  </p:clrMapOvr>
+  <p:timing>
+    <p:tnLst>
+      <p:par>
+        <p:cTn xmlns:p14="http://schemas.microsoft.com/office/powerpoint/2010/main" id="1" dur="indefinite" restart="never" nodeType="tmRoot"/>
+      </p:par>
+    </p:tnLst>
+  </p:timing>
+</p:sld>
+</file>
+
+<file path=ppt/slides/slide28.xml><?xml version="1.0" encoding="utf-8"?>
+<p:sld xmlns:a="http://schemas.openxmlformats.org/drawingml/2006/main" xmlns:r="http://schemas.openxmlformats.org/officeDocument/2006/relationships" xmlns:p="http://schemas.openxmlformats.org/presentationml/2006/main">
+  <p:cSld>
+    <p:spTree>
+      <p:nvGrpSpPr>
+        <p:cNvPr id="1" name=""/>
+        <p:cNvGrpSpPr/>
+        <p:nvPr/>
+      </p:nvGrpSpPr>
+      <p:grpSpPr>
+        <a:xfrm>
+          <a:off x="0" y="0"/>
+          <a:ext cx="0" cy="0"/>
+          <a:chOff x="0" y="0"/>
+          <a:chExt cx="0" cy="0"/>
+        </a:xfrm>
+      </p:grpSpPr>
+      <p:sp>
+        <p:nvSpPr>
+          <p:cNvPr id="2" name="Title 1"/>
+          <p:cNvSpPr>
+            <a:spLocks noGrp="1"/>
+          </p:cNvSpPr>
+          <p:nvPr>
+            <p:ph type="title"/>
+          </p:nvPr>
+        </p:nvSpPr>
+        <p:spPr/>
+        <p:txBody>
+          <a:bodyPr/>
+          <a:lstStyle/>
+          <a:p>
+            <a:r>
+              <a:rPr lang="en-US" dirty="0" smtClean="0"/>
+              <a:t>Questions?</a:t>
+            </a:r>
+            <a:endParaRPr lang="en-US" dirty="0"/>
+          </a:p>
+        </p:txBody>
+      </p:sp>
+    </p:spTree>
+    <p:extLst>
+      <p:ext uri="{BB962C8B-B14F-4D97-AF65-F5344CB8AC3E}">
+        <p14:creationId xmlns:p14="http://schemas.microsoft.com/office/powerpoint/2010/main" val="1921796518"/>
+      </p:ext>
+    </p:extLst>
+  </p:cSld>
+  <p:clrMapOvr>
+    <a:masterClrMapping/>
+  </p:clrMapOvr>
+</p:sld>
+</file>
+
 <file path=ppt/slides/slide3.xml><?xml version="1.0" encoding="utf-8"?>
 <p:sld xmlns:a="http://schemas.openxmlformats.org/drawingml/2006/main" xmlns:r="http://schemas.openxmlformats.org/officeDocument/2006/relationships" xmlns:p="http://schemas.openxmlformats.org/presentationml/2006/main">
   <p:cSld>
@@ -6632,6 +9524,38 @@
             <a:r>
               <a:rPr lang="en-US" dirty="0" smtClean="0"/>
               <a:t>REST is a design pattern</a:t>
+            </a:r>
+            <a:endParaRPr lang="en-US" dirty="0"/>
+          </a:p>
+        </p:txBody>
+      </p:sp>
+      <p:sp>
+        <p:nvSpPr>
+          <p:cNvPr id="3" name="Content Placeholder 2"/>
+          <p:cNvSpPr>
+            <a:spLocks noGrp="1"/>
+          </p:cNvSpPr>
+          <p:nvPr>
+            <p:ph idx="1"/>
+          </p:nvPr>
+        </p:nvSpPr>
+        <p:spPr/>
+        <p:txBody>
+          <a:bodyPr/>
+          <a:lstStyle/>
+          <a:p>
+            <a:endParaRPr lang="en-US" dirty="0" smtClean="0"/>
+          </a:p>
+          <a:p>
+            <a:endParaRPr lang="en-US" dirty="0"/>
+          </a:p>
+          <a:p>
+            <a:pPr marL="0" indent="0">
+              <a:buNone/>
+            </a:pPr>
+            <a:r>
+              <a:rPr lang="en-US" dirty="0" smtClean="0"/>
+              <a:t>Also characterized as an Architectural Style (aka an architecture design pattern)</a:t>
             </a:r>
             <a:endParaRPr lang="en-US" dirty="0"/>
           </a:p>
@@ -6684,7 +9608,7 @@
           <a:p>
             <a:r>
               <a:rPr lang="en-US" dirty="0" smtClean="0"/>
-              <a:t>Principles of REST Architecture</a:t>
+              <a:t>REST</a:t>
             </a:r>
             <a:endParaRPr lang="en-US" dirty="0"/>
           </a:p>
@@ -6703,156 +9627,123 @@
         <p:spPr/>
         <p:txBody>
           <a:bodyPr>
-            <a:normAutofit fontScale="92500" lnSpcReduction="20000"/>
+            <a:normAutofit fontScale="85000" lnSpcReduction="20000"/>
           </a:bodyPr>
           <a:lstStyle/>
           <a:p>
-            <a:pPr marL="195864" indent="-195864" algn="just">
-              <a:lnSpc>
-                <a:spcPct val="120000"/>
-              </a:lnSpc>
-              <a:buSzPct val="45000"/>
-              <a:buFont typeface="Arial" charset="0"/>
-              <a:buChar char="•"/>
-              <a:tabLst>
-                <a:tab pos="656722" algn="l"/>
-                <a:tab pos="1313444" algn="l"/>
-                <a:tab pos="1970166" algn="l"/>
-                <a:tab pos="2626888" algn="l"/>
-                <a:tab pos="3283610" algn="l"/>
-                <a:tab pos="3940332" algn="l"/>
-                <a:tab pos="4597055" algn="l"/>
-                <a:tab pos="5253777" algn="l"/>
-                <a:tab pos="5910499" algn="l"/>
-                <a:tab pos="6567221" algn="l"/>
-                <a:tab pos="7223943" algn="l"/>
-              </a:tabLst>
-            </a:pPr>
-            <a:r>
-              <a:rPr lang="en-US" dirty="0" smtClean="0">
-                <a:ea typeface="Droid Sans Fallback" charset="0"/>
-                <a:cs typeface="Droid Sans Fallback" charset="0"/>
-              </a:rPr>
-              <a:t>REST isn't protocol specific, but in practice means the </a:t>
-            </a:r>
-            <a:r>
-              <a:rPr lang="en-US" dirty="0" err="1" smtClean="0">
-                <a:ea typeface="Droid Sans Fallback" charset="0"/>
-                <a:cs typeface="Droid Sans Fallback" charset="0"/>
-              </a:rPr>
+            <a:r>
+              <a:rPr lang="en-US" dirty="0"/>
+              <a:t>Roy Fielding, a principal author of </a:t>
+            </a:r>
+            <a:r>
+              <a:rPr lang="en-US" dirty="0" smtClean="0"/>
+              <a:t>HTTP 1.1</a:t>
+            </a:r>
+          </a:p>
+          <a:p>
+            <a:r>
+              <a:rPr lang="en-US" dirty="0" smtClean="0"/>
+              <a:t>PhD </a:t>
+            </a:r>
+            <a:r>
+              <a:rPr lang="en-US" dirty="0"/>
+              <a:t>thesis </a:t>
+            </a:r>
+            <a:r>
+              <a:rPr lang="en-US" i="1" dirty="0"/>
+              <a:t>Architectural Styles and the Design of Network-based </a:t>
+            </a:r>
+            <a:endParaRPr lang="en-US" dirty="0"/>
+          </a:p>
+          <a:p>
+            <a:r>
+              <a:rPr lang="en-US" dirty="0"/>
+              <a:t>S</a:t>
+            </a:r>
+            <a:r>
+              <a:rPr lang="en-US" dirty="0" smtClean="0"/>
+              <a:t>ubsequent </a:t>
+            </a:r>
+            <a:r>
+              <a:rPr lang="en-US" dirty="0"/>
+              <a:t>article </a:t>
+            </a:r>
+            <a:r>
+              <a:rPr lang="en-US" i="1" dirty="0"/>
+              <a:t>Principled Design of the Modern Web Architecture </a:t>
+            </a:r>
+            <a:r>
+              <a:rPr lang="en-US" dirty="0"/>
+              <a:t>(ACM TOIT 2:2, 2002) </a:t>
+            </a:r>
+            <a:endParaRPr lang="en-US" dirty="0"/>
+          </a:p>
+          <a:p>
+            <a:r>
+              <a:rPr lang="en-US" dirty="0" smtClean="0"/>
+              <a:t>Richardson </a:t>
+            </a:r>
+            <a:r>
+              <a:rPr lang="en-US" dirty="0"/>
+              <a:t>&amp; Ruby, </a:t>
+            </a:r>
+            <a:r>
+              <a:rPr lang="en-US" i="1" dirty="0" err="1"/>
               <a:t>RESTful</a:t>
             </a:r>
             <a:r>
-              <a:rPr lang="en-US" dirty="0" smtClean="0">
-                <a:ea typeface="Droid Sans Fallback" charset="0"/>
-                <a:cs typeface="Droid Sans Fallback" charset="0"/>
-              </a:rPr>
-              <a:t> usage of HTTP</a:t>
-            </a:r>
-          </a:p>
-          <a:p>
-            <a:pPr marL="195864" indent="-195864" algn="just">
-              <a:lnSpc>
-                <a:spcPct val="120000"/>
-              </a:lnSpc>
-              <a:buSzPct val="45000"/>
-              <a:buFont typeface="Arial" charset="0"/>
-              <a:buChar char="•"/>
-              <a:tabLst>
-                <a:tab pos="656722" algn="l"/>
-                <a:tab pos="1313444" algn="l"/>
-                <a:tab pos="1970166" algn="l"/>
-                <a:tab pos="2626888" algn="l"/>
-                <a:tab pos="3283610" algn="l"/>
-                <a:tab pos="3940332" algn="l"/>
-                <a:tab pos="4597055" algn="l"/>
-                <a:tab pos="5253777" algn="l"/>
-                <a:tab pos="5910499" algn="l"/>
-                <a:tab pos="6567221" algn="l"/>
-                <a:tab pos="7223943" algn="l"/>
-              </a:tabLst>
-            </a:pPr>
-            <a:r>
-              <a:rPr lang="en-US" dirty="0" smtClean="0">
-                <a:ea typeface="Droid Sans Fallback" charset="0"/>
-                <a:cs typeface="Droid Sans Fallback" charset="0"/>
-              </a:rPr>
-              <a:t>HTTP is actually a very rich application protocol which gives us features like content negotiation and distributed caching. </a:t>
-            </a:r>
-          </a:p>
-          <a:p>
-            <a:pPr marL="195864" indent="-195864" algn="just">
-              <a:lnSpc>
-                <a:spcPct val="120000"/>
-              </a:lnSpc>
-              <a:buSzPct val="45000"/>
-              <a:buFont typeface="Arial" charset="0"/>
-              <a:buChar char="•"/>
-              <a:tabLst>
-                <a:tab pos="656722" algn="l"/>
-                <a:tab pos="1313444" algn="l"/>
-                <a:tab pos="1970166" algn="l"/>
-                <a:tab pos="2626888" algn="l"/>
-                <a:tab pos="3283610" algn="l"/>
-                <a:tab pos="3940332" algn="l"/>
-                <a:tab pos="4597055" algn="l"/>
-                <a:tab pos="5253777" algn="l"/>
-                <a:tab pos="5910499" algn="l"/>
-                <a:tab pos="6567221" algn="l"/>
-                <a:tab pos="7223943" algn="l"/>
-              </a:tabLst>
-            </a:pPr>
-            <a:r>
-              <a:rPr lang="en-US" dirty="0" smtClean="0">
-                <a:ea typeface="Droid Sans Fallback" charset="0"/>
-                <a:cs typeface="Droid Sans Fallback" charset="0"/>
-              </a:rPr>
-              <a:t>HTTP verbs nicely map to CRUD operations of data</a:t>
-            </a:r>
-          </a:p>
-          <a:p>
-            <a:pPr marL="195864" indent="-195864" algn="just">
-              <a:lnSpc>
-                <a:spcPct val="120000"/>
-              </a:lnSpc>
-              <a:buSzPct val="45000"/>
-              <a:buFont typeface="Arial" charset="0"/>
-              <a:buChar char="•"/>
-              <a:tabLst>
-                <a:tab pos="656722" algn="l"/>
-                <a:tab pos="1313444" algn="l"/>
-                <a:tab pos="1970166" algn="l"/>
-                <a:tab pos="2626888" algn="l"/>
-                <a:tab pos="3283610" algn="l"/>
-                <a:tab pos="3940332" algn="l"/>
-                <a:tab pos="4597055" algn="l"/>
-                <a:tab pos="5253777" algn="l"/>
-                <a:tab pos="5910499" algn="l"/>
-                <a:tab pos="6567221" algn="l"/>
-                <a:tab pos="7223943" algn="l"/>
-              </a:tabLst>
-            </a:pPr>
-            <a:r>
-              <a:rPr lang="en-US" dirty="0" err="1" smtClean="0">
-                <a:ea typeface="Droid Sans Fallback" charset="0"/>
-                <a:cs typeface="Droid Sans Fallback" charset="0"/>
-              </a:rPr>
-              <a:t>RESTful</a:t>
-            </a:r>
-            <a:r>
-              <a:rPr lang="en-US" dirty="0" smtClean="0">
-                <a:ea typeface="Droid Sans Fallback" charset="0"/>
-                <a:cs typeface="Droid Sans Fallback" charset="0"/>
-              </a:rPr>
-              <a:t> web services try to leverage HTTP in its entirety using specific architectural principles.</a:t>
-            </a:r>
-          </a:p>
-          <a:p>
-            <a:pPr>
-              <a:lnSpc>
-                <a:spcPct val="120000"/>
-              </a:lnSpc>
-            </a:pPr>
+              <a:rPr lang="en-US" i="1" dirty="0"/>
+              <a:t> Web </a:t>
+            </a:r>
+            <a:r>
+              <a:rPr lang="en-US" i="1" dirty="0" smtClean="0"/>
+              <a:t>Services </a:t>
+            </a:r>
+            <a:r>
+              <a:rPr lang="en-US" dirty="0" smtClean="0"/>
+              <a:t>architectural </a:t>
+            </a:r>
+            <a:r>
+              <a:rPr lang="en-US" dirty="0"/>
+              <a:t>patterns of the web </a:t>
+            </a:r>
+            <a:endParaRPr lang="en-US" dirty="0"/>
+          </a:p>
+          <a:p>
+            <a:r>
+              <a:rPr lang="en-US" i="1" dirty="0"/>
+              <a:t>Software Architectures </a:t>
+            </a:r>
+            <a:r>
+              <a:rPr lang="en-US" dirty="0"/>
+              <a:t>(2000</a:t>
+            </a:r>
+            <a:r>
+              <a:rPr lang="en-US" dirty="0" smtClean="0"/>
+              <a:t>) more </a:t>
+            </a:r>
+            <a:r>
+              <a:rPr lang="en-US" dirty="0"/>
+              <a:t>about evaluation than a cookbook </a:t>
+            </a:r>
+            <a:endParaRPr lang="en-US" dirty="0"/>
+          </a:p>
+          <a:p>
+            <a:r>
+              <a:rPr lang="en-US" dirty="0"/>
+              <a:t>T</a:t>
+            </a:r>
+            <a:r>
+              <a:rPr lang="en-US" dirty="0" smtClean="0"/>
+              <a:t>aking </a:t>
+            </a:r>
+            <a:r>
+              <a:rPr lang="en-US" dirty="0"/>
+              <a:t>HTTP seriously as a distributed computing protocol: fixed few verbs, emphasis on the nouns </a:t>
+            </a:r>
+            <a:endParaRPr lang="en-US" dirty="0"/>
+          </a:p>
+          <a:p>
             <a:endParaRPr lang="en-US" dirty="0"/>
           </a:p>
         </p:txBody>
@@ -6860,20 +9751,13 @@
     </p:spTree>
     <p:extLst>
       <p:ext uri="{BB962C8B-B14F-4D97-AF65-F5344CB8AC3E}">
-        <p14:creationId xmlns:p14="http://schemas.microsoft.com/office/powerpoint/2010/main" val="3852888536"/>
+        <p14:creationId xmlns:p14="http://schemas.microsoft.com/office/powerpoint/2010/main" val="3772789971"/>
       </p:ext>
     </p:extLst>
   </p:cSld>
   <p:clrMapOvr>
     <a:masterClrMapping/>
   </p:clrMapOvr>
-  <p:timing>
-    <p:tnLst>
-      <p:par>
-        <p:cTn xmlns:p14="http://schemas.microsoft.com/office/powerpoint/2010/main" id="1" dur="indefinite" restart="never" nodeType="tmRoot"/>
-      </p:par>
-    </p:tnLst>
-  </p:timing>
 </p:sld>
 </file>
 
@@ -6911,7 +9795,7 @@
           <a:p>
             <a:r>
               <a:rPr lang="en-US" dirty="0" smtClean="0"/>
-              <a:t>JSON</a:t>
+              <a:t>Client Server (CS)</a:t>
             </a:r>
             <a:endParaRPr lang="en-US" dirty="0"/>
           </a:p>
@@ -6930,201 +9814,127 @@
         <p:spPr/>
         <p:txBody>
           <a:bodyPr>
-            <a:normAutofit/>
+            <a:normAutofit fontScale="92500" lnSpcReduction="20000"/>
           </a:bodyPr>
           <a:lstStyle/>
           <a:p>
             <a:r>
-              <a:rPr lang="en-US" sz="2400" dirty="0" smtClean="0"/>
-              <a:t>A simple notation that originated in JavaScript</a:t>
-            </a:r>
-          </a:p>
-          <a:p>
-            <a:pPr marL="0" indent="0">
-              <a:buNone/>
-            </a:pPr>
-            <a:r>
-              <a:rPr lang="en-US" sz="2400" dirty="0" err="1" smtClean="0">
-                <a:latin typeface="Lucida Console"/>
-                <a:cs typeface="Lucida Console"/>
-              </a:rPr>
-              <a:t>var</a:t>
-            </a:r>
-            <a:r>
-              <a:rPr lang="en-US" sz="2400" dirty="0" smtClean="0">
-                <a:latin typeface="Lucida Console"/>
-                <a:cs typeface="Lucida Console"/>
-              </a:rPr>
-              <a:t> x = {a:1, b:2, c:3}</a:t>
-            </a:r>
-          </a:p>
-          <a:p>
-            <a:r>
-              <a:rPr lang="en-US" sz="2400" dirty="0" smtClean="0"/>
-              <a:t>equivalent to:</a:t>
-            </a:r>
-          </a:p>
-          <a:p>
-            <a:pPr marL="0" indent="0">
-              <a:buNone/>
-            </a:pPr>
-            <a:r>
-              <a:rPr lang="en-US" sz="2400" dirty="0" err="1" smtClean="0">
-                <a:latin typeface="Lucida Console"/>
-                <a:cs typeface="Lucida Console"/>
-              </a:rPr>
-              <a:t>x.a</a:t>
-            </a:r>
-            <a:r>
-              <a:rPr lang="en-US" sz="2400" dirty="0" smtClean="0">
-                <a:latin typeface="Lucida Console"/>
-                <a:cs typeface="Lucida Console"/>
-              </a:rPr>
-              <a:t> = 1; </a:t>
-            </a:r>
-            <a:r>
-              <a:rPr lang="en-US" sz="2400" dirty="0" err="1" smtClean="0">
-                <a:latin typeface="Lucida Console"/>
-                <a:cs typeface="Lucida Console"/>
-              </a:rPr>
-              <a:t>x.b</a:t>
-            </a:r>
-            <a:r>
-              <a:rPr lang="en-US" sz="2400" dirty="0" smtClean="0">
-                <a:latin typeface="Lucida Console"/>
-                <a:cs typeface="Lucida Console"/>
-              </a:rPr>
-              <a:t> = 2; </a:t>
-            </a:r>
-            <a:r>
-              <a:rPr lang="en-US" sz="2400" dirty="0" err="1" smtClean="0">
-                <a:latin typeface="Lucida Console"/>
-                <a:cs typeface="Lucida Console"/>
-              </a:rPr>
-              <a:t>x.c</a:t>
-            </a:r>
-            <a:r>
-              <a:rPr lang="en-US" sz="2400" dirty="0" smtClean="0">
-                <a:latin typeface="Lucida Console"/>
-                <a:cs typeface="Lucida Console"/>
-              </a:rPr>
-              <a:t> = 3</a:t>
-            </a:r>
-          </a:p>
-          <a:p>
-            <a:r>
-              <a:rPr lang="en-US" sz="2400" dirty="0" smtClean="0"/>
-              <a:t>Can be done “dynamically”</a:t>
-            </a:r>
-          </a:p>
-          <a:p>
-            <a:pPr marL="0" indent="0">
-              <a:buNone/>
-            </a:pPr>
-            <a:r>
-              <a:rPr lang="en-US" sz="2400" dirty="0" err="1" smtClean="0">
-                <a:latin typeface="Lucida Console"/>
-                <a:cs typeface="Lucida Console"/>
-              </a:rPr>
-              <a:t>var</a:t>
-            </a:r>
-            <a:r>
-              <a:rPr lang="en-US" sz="2400" dirty="0" smtClean="0">
-                <a:latin typeface="Lucida Console"/>
-                <a:cs typeface="Lucida Console"/>
-              </a:rPr>
-              <a:t> x = “{a:1, b:2, c:3}” </a:t>
-            </a:r>
-          </a:p>
-          <a:p>
-            <a:pPr marL="0" indent="0">
-              <a:buNone/>
-            </a:pPr>
-            <a:r>
-              <a:rPr lang="en-US" sz="2400" dirty="0" smtClean="0">
-                <a:latin typeface="Lucida Console"/>
-                <a:cs typeface="Lucida Console"/>
-              </a:rPr>
-              <a:t>// imagine this actually </a:t>
-            </a:r>
-          </a:p>
-          <a:p>
-            <a:pPr marL="0" indent="0">
-              <a:buNone/>
-            </a:pPr>
-            <a:r>
-              <a:rPr lang="en-US" sz="2400" dirty="0" smtClean="0">
-                <a:latin typeface="Lucida Console"/>
-                <a:cs typeface="Lucida Console"/>
-              </a:rPr>
-              <a:t>// comes from a webserver</a:t>
-            </a:r>
-          </a:p>
-          <a:p>
-            <a:pPr marL="0" indent="0">
-              <a:buNone/>
-            </a:pPr>
-            <a:r>
-              <a:rPr lang="en-US" sz="2400" dirty="0" err="1" smtClean="0">
-                <a:latin typeface="Lucida Console"/>
-                <a:cs typeface="Lucida Console"/>
-              </a:rPr>
-              <a:t>var</a:t>
-            </a:r>
-            <a:r>
-              <a:rPr lang="en-US" sz="2400" dirty="0" smtClean="0">
-                <a:latin typeface="Lucida Console"/>
-                <a:cs typeface="Lucida Console"/>
-              </a:rPr>
-              <a:t> z = </a:t>
-            </a:r>
-            <a:r>
-              <a:rPr lang="en-US" sz="2400" dirty="0" err="1" smtClean="0">
-                <a:latin typeface="Lucida Console"/>
-                <a:cs typeface="Lucida Console"/>
-              </a:rPr>
-              <a:t>eval</a:t>
-            </a:r>
-            <a:r>
-              <a:rPr lang="en-US" sz="2400" dirty="0" smtClean="0">
-                <a:latin typeface="Lucida Console"/>
-                <a:cs typeface="Lucida Console"/>
-              </a:rPr>
-              <a:t>(‘(‘+x+’)’)</a:t>
-            </a:r>
-          </a:p>
-          <a:p>
-            <a:pPr marL="0" indent="0">
-              <a:buNone/>
-            </a:pPr>
-            <a:r>
-              <a:rPr lang="en-US" sz="2400" dirty="0" smtClean="0">
-                <a:latin typeface="Lucida Console"/>
-                <a:cs typeface="Lucida Console"/>
-              </a:rPr>
-              <a:t>assert(</a:t>
-            </a:r>
-            <a:r>
-              <a:rPr lang="en-US" sz="2400" dirty="0" err="1" smtClean="0">
-                <a:latin typeface="Lucida Console"/>
-                <a:cs typeface="Lucida Console"/>
-              </a:rPr>
-              <a:t>z.a</a:t>
-            </a:r>
-            <a:r>
-              <a:rPr lang="en-US" sz="2400" dirty="0" smtClean="0">
-                <a:latin typeface="Lucida Console"/>
-                <a:cs typeface="Lucida Console"/>
-              </a:rPr>
-              <a:t> == 1)</a:t>
-            </a:r>
+              <a:rPr lang="en-US" dirty="0"/>
+              <a:t>S</a:t>
+            </a:r>
+            <a:r>
+              <a:rPr lang="en-US" dirty="0" smtClean="0"/>
+              <a:t>erver </a:t>
+            </a:r>
+            <a:r>
+              <a:rPr lang="en-US" dirty="0"/>
+              <a:t>offers services, listens for requests</a:t>
+            </a:r>
+          </a:p>
+          <a:p>
+            <a:r>
+              <a:rPr lang="en-US" dirty="0"/>
+              <a:t>C</a:t>
+            </a:r>
+            <a:r>
+              <a:rPr lang="en-US" dirty="0" smtClean="0"/>
+              <a:t>lient </a:t>
+            </a:r>
+            <a:r>
+              <a:rPr lang="en-US" dirty="0"/>
+              <a:t>sends request, waits for response</a:t>
+            </a:r>
+          </a:p>
+          <a:p>
+            <a:r>
+              <a:rPr lang="en-US" dirty="0"/>
+              <a:t>T</a:t>
+            </a:r>
+            <a:r>
+              <a:rPr lang="en-US" dirty="0" smtClean="0"/>
+              <a:t>ransient</a:t>
+            </a:r>
+            <a:r>
+              <a:rPr lang="en-US" dirty="0"/>
+              <a:t>, triggering client; persistent, reactive server</a:t>
+            </a:r>
+          </a:p>
+          <a:p>
+            <a:r>
+              <a:rPr lang="en-US" dirty="0"/>
+              <a:t>S</a:t>
+            </a:r>
+            <a:r>
+              <a:rPr lang="en-US" dirty="0" smtClean="0"/>
+              <a:t>eparation </a:t>
+            </a:r>
+            <a:r>
+              <a:rPr lang="en-US" dirty="0"/>
+              <a:t>of concerns: user interface from </a:t>
+            </a:r>
+            <a:r>
+              <a:rPr lang="en-US" dirty="0" err="1"/>
+              <a:t>behaviour</a:t>
+            </a:r>
+            <a:endParaRPr lang="en-US" dirty="0"/>
+          </a:p>
+          <a:p>
+            <a:r>
+              <a:rPr lang="en-US" dirty="0"/>
+              <a:t>I</a:t>
+            </a:r>
+            <a:r>
+              <a:rPr lang="en-US" dirty="0" smtClean="0"/>
+              <a:t>mproves </a:t>
+            </a:r>
+            <a:r>
+              <a:rPr lang="en-US" dirty="0"/>
+              <a:t>portability to a new user interface</a:t>
+            </a:r>
+          </a:p>
+          <a:p>
+            <a:r>
+              <a:rPr lang="en-US" dirty="0"/>
+              <a:t>I</a:t>
+            </a:r>
+            <a:r>
+              <a:rPr lang="en-US" dirty="0" smtClean="0"/>
+              <a:t>mproves </a:t>
+            </a:r>
+            <a:r>
+              <a:rPr lang="en-US" dirty="0"/>
+              <a:t>scalability by simplifying components</a:t>
+            </a:r>
+          </a:p>
+          <a:p>
+            <a:r>
+              <a:rPr lang="en-US" dirty="0"/>
+              <a:t>I</a:t>
+            </a:r>
+            <a:r>
+              <a:rPr lang="en-US" dirty="0" smtClean="0"/>
+              <a:t>mproves </a:t>
+            </a:r>
+            <a:r>
+              <a:rPr lang="en-US" dirty="0" err="1"/>
+              <a:t>evolvability</a:t>
+            </a:r>
+            <a:r>
+              <a:rPr lang="en-US" dirty="0"/>
+              <a:t> by allowing independent evolution </a:t>
+            </a:r>
+            <a:r>
+              <a:rPr lang="en-US" dirty="0" smtClean="0"/>
+              <a:t>of components</a:t>
+            </a:r>
+            <a:endParaRPr lang="en-US" dirty="0"/>
           </a:p>
         </p:txBody>
       </p:sp>
     </p:spTree>
     <p:extLst>
       <p:ext uri="{BB962C8B-B14F-4D97-AF65-F5344CB8AC3E}">
-        <p14:creationId xmlns:p14="http://schemas.microsoft.com/office/powerpoint/2010/main" val="1189132511"/>
+        <p14:creationId xmlns:p14="http://schemas.microsoft.com/office/powerpoint/2010/main" val="1775867852"/>
       </p:ext>
     </p:extLst>
   </p:cSld>
@@ -7163,12 +9973,14 @@
         </p:nvSpPr>
         <p:spPr/>
         <p:txBody>
-          <a:bodyPr/>
+          <a:bodyPr>
+            <a:normAutofit fontScale="90000"/>
+          </a:bodyPr>
           <a:lstStyle/>
           <a:p>
             <a:r>
-              <a:rPr lang="en-US" smtClean="0"/>
-              <a:t>Resources</a:t>
+              <a:rPr lang="en-US" dirty="0" smtClean="0"/>
+              <a:t>Replicated Repository (RR) and Caching ($)</a:t>
             </a:r>
             <a:endParaRPr lang="en-US" dirty="0"/>
           </a:p>
@@ -7192,58 +10004,157 @@
           <a:lstStyle/>
           <a:p>
             <a:r>
-              <a:rPr lang="en-US" dirty="0" smtClean="0"/>
-              <a:t>Addressable Resources. Every “object” on your network should have a unique ID. An important aspect is that each “object” or resource has its own specific URI where it can be addressed</a:t>
-            </a:r>
-          </a:p>
-          <a:p>
-            <a:r>
-              <a:rPr lang="en-US" dirty="0" smtClean="0"/>
-              <a:t>A Uniform, Constrained Interface. When applying REST over HTTP, stick to the methods provided by the protocol</a:t>
-            </a:r>
+              <a:rPr lang="en-US" dirty="0"/>
+              <a:t>R</a:t>
+            </a:r>
+            <a:r>
+              <a:rPr lang="en-US" dirty="0" smtClean="0"/>
+              <a:t>eplicated </a:t>
+            </a:r>
+            <a:r>
+              <a:rPr lang="en-US" dirty="0"/>
+              <a:t>repository: multiple servers provide same </a:t>
+            </a:r>
+            <a:r>
+              <a:rPr lang="en-US" dirty="0" smtClean="0"/>
+              <a:t>service</a:t>
+            </a:r>
+            <a:endParaRPr lang="en-US" dirty="0"/>
           </a:p>
           <a:p>
             <a:pPr lvl="1"/>
             <a:r>
-              <a:rPr lang="en-US" dirty="0" smtClean="0"/>
-              <a:t>GET, POST, PUT, and DELETE.</a:t>
-            </a:r>
-          </a:p>
-          <a:p>
-            <a:r>
-              <a:rPr lang="en-US" dirty="0" smtClean="0"/>
-              <a:t>These should be used properly</a:t>
+              <a:rPr lang="en-US" dirty="0"/>
+              <a:t>P</a:t>
+            </a:r>
+            <a:r>
+              <a:rPr lang="en-US" dirty="0" smtClean="0"/>
+              <a:t>resent </a:t>
+            </a:r>
+            <a:r>
+              <a:rPr lang="en-US" dirty="0"/>
+              <a:t>the illusion of a single, centralized service</a:t>
             </a:r>
           </a:p>
           <a:p>
             <a:pPr lvl="1"/>
             <a:r>
-              <a:rPr lang="en-US" dirty="0" smtClean="0"/>
-              <a:t>GET should have no side effects or change on state</a:t>
+              <a:rPr lang="en-US" dirty="0"/>
+              <a:t>I</a:t>
+            </a:r>
+            <a:r>
+              <a:rPr lang="en-US" dirty="0" smtClean="0"/>
+              <a:t>mproves </a:t>
+            </a:r>
+            <a:r>
+              <a:rPr lang="en-US" dirty="0"/>
+              <a:t>performance: latency, redundancy</a:t>
             </a:r>
           </a:p>
           <a:p>
             <a:pPr lvl="1"/>
             <a:r>
-              <a:rPr lang="en-US" dirty="0" smtClean="0"/>
-              <a:t>PUT should update the resource “in-place”</a:t>
-            </a:r>
-          </a:p>
-          <a:p>
-            <a:r>
-              <a:rPr lang="en-US" dirty="0" smtClean="0"/>
-              <a:t>The </a:t>
-            </a:r>
-            <a:r>
-              <a:rPr lang="en-US" b="1" dirty="0" smtClean="0"/>
-              <a:t>Content-Type</a:t>
-            </a:r>
-            <a:r>
-              <a:rPr lang="en-US" dirty="0" smtClean="0"/>
-              <a:t> of the resource should be useful and meaningful</a:t>
-            </a:r>
-          </a:p>
-          <a:p>
+              <a:rPr lang="en-US" dirty="0"/>
+              <a:t>M</a:t>
+            </a:r>
+            <a:r>
+              <a:rPr lang="en-US" dirty="0" smtClean="0"/>
+              <a:t>aintaining </a:t>
+            </a:r>
+            <a:r>
+              <a:rPr lang="en-US" dirty="0"/>
+              <a:t>consistency the primary </a:t>
+            </a:r>
+            <a:r>
+              <a:rPr lang="en-US" dirty="0" smtClean="0"/>
+              <a:t>challenge</a:t>
+            </a:r>
+          </a:p>
+          <a:p>
+            <a:r>
+              <a:rPr lang="en-US" dirty="0" smtClean="0"/>
+              <a:t>Caching: caching </a:t>
+            </a:r>
+            <a:r>
+              <a:rPr lang="en-US" dirty="0"/>
+              <a:t>responses for later reuse</a:t>
+            </a:r>
+          </a:p>
+          <a:p>
+            <a:pPr lvl="1"/>
+            <a:r>
+              <a:rPr lang="en-US" dirty="0"/>
+              <a:t>E</a:t>
+            </a:r>
+            <a:r>
+              <a:rPr lang="en-US" dirty="0" smtClean="0"/>
+              <a:t>ffectively </a:t>
+            </a:r>
+            <a:r>
+              <a:rPr lang="en-US" dirty="0"/>
+              <a:t>a replication of a fragment (typically, potential data set </a:t>
+            </a:r>
+            <a:r>
+              <a:rPr lang="en-US" dirty="0" smtClean="0"/>
+              <a:t>is huge </a:t>
+            </a:r>
+            <a:r>
+              <a:rPr lang="en-US" dirty="0"/>
+              <a:t>or infinite)</a:t>
+            </a:r>
+          </a:p>
+          <a:p>
+            <a:pPr lvl="1"/>
+            <a:r>
+              <a:rPr lang="en-US" dirty="0"/>
+              <a:t>R</a:t>
+            </a:r>
+            <a:r>
+              <a:rPr lang="en-US" dirty="0" smtClean="0"/>
+              <a:t>esponses </a:t>
+            </a:r>
+            <a:r>
+              <a:rPr lang="en-US" dirty="0"/>
+              <a:t>explicitly or implicitly </a:t>
+            </a:r>
+            <a:r>
+              <a:rPr lang="en-US" dirty="0" err="1"/>
+              <a:t>labelled</a:t>
+            </a:r>
+            <a:r>
+              <a:rPr lang="en-US" dirty="0"/>
+              <a:t> cacheable or not</a:t>
+            </a:r>
+          </a:p>
+          <a:p>
+            <a:pPr lvl="1"/>
+            <a:r>
+              <a:rPr lang="en-US" dirty="0"/>
+              <a:t>L</a:t>
+            </a:r>
+            <a:r>
+              <a:rPr lang="en-US" dirty="0" smtClean="0"/>
+              <a:t>azy </a:t>
+            </a:r>
+            <a:r>
+              <a:rPr lang="en-US" dirty="0"/>
+              <a:t>or active replication</a:t>
+            </a:r>
+          </a:p>
+          <a:p>
+            <a:pPr lvl="1"/>
+            <a:r>
+              <a:rPr lang="en-US" dirty="0"/>
+              <a:t>L</a:t>
+            </a:r>
+            <a:r>
+              <a:rPr lang="en-US" dirty="0" smtClean="0"/>
+              <a:t>ess </a:t>
+            </a:r>
+            <a:r>
+              <a:rPr lang="en-US" dirty="0"/>
+              <a:t>effective than full replication, but cheaper and simpler</a:t>
+            </a:r>
             <a:endParaRPr lang="en-US" dirty="0"/>
           </a:p>
         </p:txBody>
@@ -7251,20 +10162,13 @@
     </p:spTree>
     <p:extLst>
       <p:ext uri="{BB962C8B-B14F-4D97-AF65-F5344CB8AC3E}">
-        <p14:creationId xmlns:p14="http://schemas.microsoft.com/office/powerpoint/2010/main" val="2928177506"/>
+        <p14:creationId xmlns:p14="http://schemas.microsoft.com/office/powerpoint/2010/main" val="1334476425"/>
       </p:ext>
     </p:extLst>
   </p:cSld>
   <p:clrMapOvr>
     <a:masterClrMapping/>
   </p:clrMapOvr>
-  <p:timing>
-    <p:tnLst>
-      <p:par>
-        <p:cTn xmlns:p14="http://schemas.microsoft.com/office/powerpoint/2010/main" id="1" dur="indefinite" restart="never" nodeType="tmRoot"/>
-      </p:par>
-    </p:tnLst>
-  </p:timing>
 </p:sld>
 </file>
 
@@ -7297,14 +10201,12 @@
         </p:nvSpPr>
         <p:spPr/>
         <p:txBody>
-          <a:bodyPr>
-            <a:normAutofit fontScale="90000"/>
-          </a:bodyPr>
+          <a:bodyPr/>
           <a:lstStyle/>
           <a:p>
             <a:r>
-              <a:rPr lang="en-US" smtClean="0"/>
-              <a:t>Resource Representations and States</a:t>
+              <a:rPr lang="en-US" dirty="0" smtClean="0"/>
+              <a:t>Stateless (S)</a:t>
             </a:r>
             <a:endParaRPr lang="en-US" dirty="0"/>
           </a:p>
@@ -7328,80 +10230,121 @@
           <a:lstStyle/>
           <a:p>
             <a:r>
-              <a:rPr lang="en-US" dirty="0" smtClean="0"/>
-              <a:t>Interact with services using representations of resources.</a:t>
+              <a:rPr lang="en-US" dirty="0"/>
+              <a:t>E</a:t>
+            </a:r>
+            <a:r>
+              <a:rPr lang="en-US" dirty="0" smtClean="0"/>
+              <a:t>ach </a:t>
+            </a:r>
+            <a:r>
+              <a:rPr lang="en-US" dirty="0"/>
+              <a:t>request from client must carry all necessary context</a:t>
+            </a:r>
+          </a:p>
+          <a:p>
+            <a:r>
+              <a:rPr lang="en-US" dirty="0"/>
+              <a:t>N</a:t>
+            </a:r>
+            <a:r>
+              <a:rPr lang="en-US" dirty="0" smtClean="0"/>
+              <a:t>o </a:t>
+            </a:r>
+            <a:r>
+              <a:rPr lang="en-US" dirty="0"/>
+              <a:t>session state stored on server — kept entirely on client</a:t>
             </a:r>
           </a:p>
           <a:p>
             <a:pPr lvl="1"/>
             <a:r>
-              <a:rPr lang="en-US" dirty="0" smtClean="0"/>
-              <a:t>An XML representation</a:t>
-            </a:r>
-          </a:p>
-          <a:p>
-            <a:pPr lvl="1"/>
-            <a:r>
-              <a:rPr lang="en-US" dirty="0" smtClean="0"/>
-              <a:t>A JSON representation </a:t>
-            </a:r>
-          </a:p>
-          <a:p>
-            <a:r>
-              <a:rPr lang="en-US" dirty="0" smtClean="0"/>
-              <a:t>An object referenced by one URI can have different formats available. Different platforms need different formats. </a:t>
-            </a:r>
-          </a:p>
-          <a:p>
-            <a:pPr lvl="1"/>
-            <a:r>
-              <a:rPr lang="en-US" dirty="0" smtClean="0"/>
-              <a:t>A mobile application may need JSON</a:t>
-            </a:r>
-          </a:p>
-          <a:p>
-            <a:pPr lvl="1"/>
-            <a:r>
-              <a:rPr lang="en-US" dirty="0" smtClean="0"/>
-              <a:t>A Java application may need XML.</a:t>
-            </a:r>
-          </a:p>
-          <a:p>
-            <a:r>
-              <a:rPr lang="en-US" dirty="0" smtClean="0"/>
-              <a:t>Utilize the Content-Type header</a:t>
-            </a:r>
-          </a:p>
-          <a:p>
-            <a:pPr lvl="1"/>
-            <a:r>
-              <a:rPr lang="en-US" dirty="0" smtClean="0"/>
-              <a:t>And the Accept: header</a:t>
-            </a:r>
-          </a:p>
-          <a:p>
-            <a:r>
-              <a:rPr lang="en-US" dirty="0" smtClean="0"/>
-              <a:t>Communicate in a stateless manner</a:t>
-            </a:r>
-          </a:p>
-          <a:p>
-            <a:pPr lvl="1"/>
-            <a:r>
-              <a:rPr lang="en-US" dirty="0" smtClean="0"/>
-              <a:t>Stateless applications are far more </a:t>
-            </a:r>
-            <a:r>
-              <a:rPr lang="en-US" dirty="0" err="1" smtClean="0"/>
-              <a:t>scaleable</a:t>
-            </a:r>
-            <a:endParaRPr lang="en-US" dirty="0" smtClean="0"/>
-          </a:p>
-          <a:p>
-            <a:pPr lvl="1"/>
-            <a:endParaRPr lang="en-US" dirty="0" smtClean="0"/>
-          </a:p>
-          <a:p>
+              <a:rPr lang="en-US" b="1" i="1" dirty="0" smtClean="0"/>
+              <a:t>Resource </a:t>
+            </a:r>
+            <a:r>
+              <a:rPr lang="en-US" b="1" i="1" dirty="0"/>
+              <a:t>state is a different </a:t>
+            </a:r>
+            <a:r>
+              <a:rPr lang="en-US" b="1" i="1" dirty="0" smtClean="0"/>
+              <a:t>matter</a:t>
+            </a:r>
+            <a:endParaRPr lang="en-US" b="1" i="1" dirty="0"/>
+          </a:p>
+          <a:p>
+            <a:r>
+              <a:rPr lang="en-US" dirty="0"/>
+              <a:t>I</a:t>
+            </a:r>
+            <a:r>
+              <a:rPr lang="en-US" dirty="0" smtClean="0"/>
+              <a:t>mproves </a:t>
+            </a:r>
+            <a:r>
+              <a:rPr lang="en-US" dirty="0"/>
+              <a:t>visibility for monitoring</a:t>
+            </a:r>
+          </a:p>
+          <a:p>
+            <a:r>
+              <a:rPr lang="en-US" dirty="0"/>
+              <a:t>I</a:t>
+            </a:r>
+            <a:r>
+              <a:rPr lang="en-US" dirty="0" smtClean="0"/>
+              <a:t>mproves </a:t>
+            </a:r>
+            <a:r>
+              <a:rPr lang="en-US" dirty="0"/>
+              <a:t>reliability by simplifying recovery from partial failure</a:t>
+            </a:r>
+          </a:p>
+          <a:p>
+            <a:r>
+              <a:rPr lang="en-US" dirty="0"/>
+              <a:t>I</a:t>
+            </a:r>
+            <a:r>
+              <a:rPr lang="en-US" dirty="0" smtClean="0"/>
+              <a:t>mproves </a:t>
+            </a:r>
+            <a:r>
+              <a:rPr lang="en-US" dirty="0"/>
+              <a:t>scalability by allowing server to free resources quickly</a:t>
+            </a:r>
+          </a:p>
+          <a:p>
+            <a:r>
+              <a:rPr lang="en-US" dirty="0"/>
+              <a:t>I</a:t>
+            </a:r>
+            <a:r>
+              <a:rPr lang="en-US" dirty="0" smtClean="0"/>
+              <a:t>mproves </a:t>
+            </a:r>
+            <a:r>
+              <a:rPr lang="en-US" dirty="0" err="1"/>
+              <a:t>evolvability</a:t>
+            </a:r>
+            <a:r>
+              <a:rPr lang="en-US" dirty="0"/>
+              <a:t> by simplifying server, cache</a:t>
+            </a:r>
+          </a:p>
+          <a:p>
+            <a:r>
+              <a:rPr lang="en-US" dirty="0"/>
+              <a:t>D</a:t>
+            </a:r>
+            <a:r>
+              <a:rPr lang="en-US" dirty="0" smtClean="0"/>
+              <a:t>ecreases </a:t>
+            </a:r>
+            <a:r>
+              <a:rPr lang="en-US" dirty="0"/>
+              <a:t>performance by increasing overhead</a:t>
+            </a:r>
             <a:endParaRPr lang="en-US" dirty="0"/>
           </a:p>
         </p:txBody>
@@ -7409,20 +10352,13 @@
     </p:spTree>
     <p:extLst>
       <p:ext uri="{BB962C8B-B14F-4D97-AF65-F5344CB8AC3E}">
-        <p14:creationId xmlns:p14="http://schemas.microsoft.com/office/powerpoint/2010/main" val="2990386115"/>
+        <p14:creationId xmlns:p14="http://schemas.microsoft.com/office/powerpoint/2010/main" val="382615085"/>
       </p:ext>
     </p:extLst>
   </p:cSld>
   <p:clrMapOvr>
     <a:masterClrMapping/>
   </p:clrMapOvr>
-  <p:timing>
-    <p:tnLst>
-      <p:par>
-        <p:cTn xmlns:p14="http://schemas.microsoft.com/office/powerpoint/2010/main" id="1" dur="indefinite" restart="never" nodeType="tmRoot"/>
-      </p:par>
-    </p:tnLst>
-  </p:timing>
 </p:sld>
 </file>
 
@@ -7455,320 +10391,155 @@
         </p:nvSpPr>
         <p:spPr/>
         <p:txBody>
+          <a:bodyPr/>
+          <a:lstStyle/>
+          <a:p>
+            <a:r>
+              <a:rPr lang="en-US" dirty="0" smtClean="0"/>
+              <a:t>Layered Systems</a:t>
+            </a:r>
+            <a:endParaRPr lang="en-US" dirty="0"/>
+          </a:p>
+        </p:txBody>
+      </p:sp>
+      <p:sp>
+        <p:nvSpPr>
+          <p:cNvPr id="3" name="Content Placeholder 2"/>
+          <p:cNvSpPr>
+            <a:spLocks noGrp="1"/>
+          </p:cNvSpPr>
+          <p:nvPr>
+            <p:ph idx="1"/>
+          </p:nvPr>
+        </p:nvSpPr>
+        <p:spPr/>
+        <p:txBody>
           <a:bodyPr>
-            <a:normAutofit fontScale="90000"/>
+            <a:normAutofit fontScale="77500" lnSpcReduction="20000"/>
           </a:bodyPr>
           <a:lstStyle/>
           <a:p>
             <a:r>
-              <a:rPr lang="en-US" dirty="0" smtClean="0"/>
-              <a:t>Hypertext as the Engine of Application State</a:t>
-            </a:r>
-            <a:endParaRPr lang="en-US" dirty="0"/>
-          </a:p>
-        </p:txBody>
-      </p:sp>
-      <p:sp>
-        <p:nvSpPr>
-          <p:cNvPr id="3" name="Content Placeholder 2"/>
-          <p:cNvSpPr>
-            <a:spLocks noGrp="1"/>
-          </p:cNvSpPr>
-          <p:nvPr>
-            <p:ph idx="1"/>
-          </p:nvPr>
-        </p:nvSpPr>
-        <p:spPr/>
-        <p:txBody>
-          <a:bodyPr>
-            <a:normAutofit fontScale="70000" lnSpcReduction="20000"/>
-          </a:bodyPr>
-          <a:lstStyle/>
-          <a:p>
-            <a:pPr algn="ctr">
-              <a:tabLst>
-                <a:tab pos="656722" algn="l"/>
-                <a:tab pos="1313444" algn="l"/>
-                <a:tab pos="1970166" algn="l"/>
-                <a:tab pos="2626888" algn="l"/>
-                <a:tab pos="3283610" algn="l"/>
-                <a:tab pos="3940332" algn="l"/>
-                <a:tab pos="4597055" algn="l"/>
-                <a:tab pos="5253777" algn="l"/>
-                <a:tab pos="5910499" algn="l"/>
-                <a:tab pos="6567221" algn="l"/>
-                <a:tab pos="7223943" algn="l"/>
-              </a:tabLst>
-            </a:pPr>
-            <a:endParaRPr lang="en-US" dirty="0" smtClean="0">
-              <a:ea typeface="Droid Sans Fallback" charset="0"/>
-              <a:cs typeface="Droid Sans Fallback" charset="0"/>
-            </a:endParaRPr>
-          </a:p>
-          <a:p>
-            <a:pPr algn="ctr">
-              <a:tabLst>
-                <a:tab pos="656722" algn="l"/>
-                <a:tab pos="1313444" algn="l"/>
-                <a:tab pos="1970166" algn="l"/>
-                <a:tab pos="2626888" algn="l"/>
-                <a:tab pos="3283610" algn="l"/>
-                <a:tab pos="3940332" algn="l"/>
-                <a:tab pos="4597055" algn="l"/>
-                <a:tab pos="5253777" algn="l"/>
-                <a:tab pos="5910499" algn="l"/>
-                <a:tab pos="6567221" algn="l"/>
-                <a:tab pos="7223943" algn="l"/>
-              </a:tabLst>
-            </a:pPr>
-            <a:r>
-              <a:rPr lang="en-US" dirty="0" smtClean="0">
-                <a:ea typeface="Droid Sans Fallback" charset="0"/>
-                <a:cs typeface="Droid Sans Fallback" charset="0"/>
-              </a:rPr>
-              <a:t>Resources are identified by URIs</a:t>
-            </a:r>
-          </a:p>
-          <a:p>
-            <a:pPr marL="0" indent="0" algn="ctr">
-              <a:buNone/>
-              <a:tabLst>
-                <a:tab pos="656722" algn="l"/>
-                <a:tab pos="1313444" algn="l"/>
-                <a:tab pos="1970166" algn="l"/>
-                <a:tab pos="2626888" algn="l"/>
-                <a:tab pos="3283610" algn="l"/>
-                <a:tab pos="3940332" algn="l"/>
-                <a:tab pos="4597055" algn="l"/>
-                <a:tab pos="5253777" algn="l"/>
-                <a:tab pos="5910499" algn="l"/>
-                <a:tab pos="6567221" algn="l"/>
-                <a:tab pos="7223943" algn="l"/>
-              </a:tabLst>
-            </a:pPr>
-            <a:r>
-              <a:rPr lang="en-US" dirty="0" smtClean="0">
-                <a:ea typeface="Droid Sans Fallback" charset="0"/>
-                <a:cs typeface="Droid Sans Fallback" charset="0"/>
-              </a:rPr>
-              <a:t>↓</a:t>
-            </a:r>
-          </a:p>
-          <a:p>
-            <a:pPr algn="ctr">
-              <a:tabLst>
-                <a:tab pos="656722" algn="l"/>
-                <a:tab pos="1313444" algn="l"/>
-                <a:tab pos="1970166" algn="l"/>
-                <a:tab pos="2626888" algn="l"/>
-                <a:tab pos="3283610" algn="l"/>
-                <a:tab pos="3940332" algn="l"/>
-                <a:tab pos="4597055" algn="l"/>
-                <a:tab pos="5253777" algn="l"/>
-                <a:tab pos="5910499" algn="l"/>
-                <a:tab pos="6567221" algn="l"/>
-                <a:tab pos="7223943" algn="l"/>
-              </a:tabLst>
-            </a:pPr>
-            <a:r>
-              <a:rPr lang="en-US" dirty="0" smtClean="0">
-                <a:ea typeface="Droid Sans Fallback" charset="0"/>
-                <a:cs typeface="Droid Sans Fallback" charset="0"/>
-              </a:rPr>
-              <a:t>Clients communicate with resources via requests using a</a:t>
-            </a:r>
-          </a:p>
-          <a:p>
-            <a:pPr algn="ctr">
-              <a:tabLst>
-                <a:tab pos="656722" algn="l"/>
-                <a:tab pos="1313444" algn="l"/>
-                <a:tab pos="1970166" algn="l"/>
-                <a:tab pos="2626888" algn="l"/>
-                <a:tab pos="3283610" algn="l"/>
-                <a:tab pos="3940332" algn="l"/>
-                <a:tab pos="4597055" algn="l"/>
-                <a:tab pos="5253777" algn="l"/>
-                <a:tab pos="5910499" algn="l"/>
-                <a:tab pos="6567221" algn="l"/>
-                <a:tab pos="7223943" algn="l"/>
-              </a:tabLst>
-            </a:pPr>
-            <a:r>
-              <a:rPr lang="en-US" dirty="0" smtClean="0">
-                <a:ea typeface="Droid Sans Fallback" charset="0"/>
-                <a:cs typeface="Droid Sans Fallback" charset="0"/>
-              </a:rPr>
-              <a:t>standard set of methods</a:t>
-            </a:r>
-          </a:p>
-          <a:p>
-            <a:pPr marL="0" indent="0" algn="ctr">
-              <a:buNone/>
-              <a:tabLst>
-                <a:tab pos="656722" algn="l"/>
-                <a:tab pos="1313444" algn="l"/>
-                <a:tab pos="1970166" algn="l"/>
-                <a:tab pos="2626888" algn="l"/>
-                <a:tab pos="3283610" algn="l"/>
-                <a:tab pos="3940332" algn="l"/>
-                <a:tab pos="4597055" algn="l"/>
-                <a:tab pos="5253777" algn="l"/>
-                <a:tab pos="5910499" algn="l"/>
-                <a:tab pos="6567221" algn="l"/>
-                <a:tab pos="7223943" algn="l"/>
-              </a:tabLst>
-            </a:pPr>
-            <a:r>
-              <a:rPr lang="en-US" dirty="0" smtClean="0">
-                <a:ea typeface="Droid Sans Fallback" charset="0"/>
-                <a:cs typeface="Droid Sans Fallback" charset="0"/>
-              </a:rPr>
-              <a:t>↓</a:t>
-            </a:r>
-          </a:p>
-          <a:p>
-            <a:pPr algn="ctr">
-              <a:tabLst>
-                <a:tab pos="656722" algn="l"/>
-                <a:tab pos="1313444" algn="l"/>
-                <a:tab pos="1970166" algn="l"/>
-                <a:tab pos="2626888" algn="l"/>
-                <a:tab pos="3283610" algn="l"/>
-                <a:tab pos="3940332" algn="l"/>
-                <a:tab pos="4597055" algn="l"/>
-                <a:tab pos="5253777" algn="l"/>
-                <a:tab pos="5910499" algn="l"/>
-                <a:tab pos="6567221" algn="l"/>
-                <a:tab pos="7223943" algn="l"/>
-              </a:tabLst>
-            </a:pPr>
-            <a:r>
-              <a:rPr lang="en-US" dirty="0" smtClean="0">
-                <a:ea typeface="Droid Sans Fallback" charset="0"/>
-                <a:cs typeface="Droid Sans Fallback" charset="0"/>
-              </a:rPr>
-              <a:t>Requests and responses contain resource representations</a:t>
-            </a:r>
-          </a:p>
-          <a:p>
-            <a:pPr algn="ctr">
-              <a:tabLst>
-                <a:tab pos="656722" algn="l"/>
-                <a:tab pos="1313444" algn="l"/>
-                <a:tab pos="1970166" algn="l"/>
-                <a:tab pos="2626888" algn="l"/>
-                <a:tab pos="3283610" algn="l"/>
-                <a:tab pos="3940332" algn="l"/>
-                <a:tab pos="4597055" algn="l"/>
-                <a:tab pos="5253777" algn="l"/>
-                <a:tab pos="5910499" algn="l"/>
-                <a:tab pos="6567221" algn="l"/>
-                <a:tab pos="7223943" algn="l"/>
-              </a:tabLst>
-            </a:pPr>
-            <a:r>
-              <a:rPr lang="en-US" dirty="0" smtClean="0">
-                <a:ea typeface="Droid Sans Fallback" charset="0"/>
-                <a:cs typeface="Droid Sans Fallback" charset="0"/>
-              </a:rPr>
-              <a:t>in formats identified by media types</a:t>
-            </a:r>
-          </a:p>
-          <a:p>
-            <a:pPr marL="0" indent="0" algn="ctr">
-              <a:buNone/>
-              <a:tabLst>
-                <a:tab pos="656722" algn="l"/>
-                <a:tab pos="1313444" algn="l"/>
-                <a:tab pos="1970166" algn="l"/>
-                <a:tab pos="2626888" algn="l"/>
-                <a:tab pos="3283610" algn="l"/>
-                <a:tab pos="3940332" algn="l"/>
-                <a:tab pos="4597055" algn="l"/>
-                <a:tab pos="5253777" algn="l"/>
-                <a:tab pos="5910499" algn="l"/>
-                <a:tab pos="6567221" algn="l"/>
-                <a:tab pos="7223943" algn="l"/>
-              </a:tabLst>
-            </a:pPr>
-            <a:r>
-              <a:rPr lang="en-US" dirty="0" smtClean="0">
-                <a:ea typeface="Droid Sans Fallback" charset="0"/>
-                <a:cs typeface="Droid Sans Fallback" charset="0"/>
-              </a:rPr>
-              <a:t>↓</a:t>
-            </a:r>
-          </a:p>
-          <a:p>
-            <a:pPr algn="ctr">
-              <a:tabLst>
-                <a:tab pos="656722" algn="l"/>
-                <a:tab pos="1313444" algn="l"/>
-                <a:tab pos="1970166" algn="l"/>
-                <a:tab pos="2626888" algn="l"/>
-                <a:tab pos="3283610" algn="l"/>
-                <a:tab pos="3940332" algn="l"/>
-                <a:tab pos="4597055" algn="l"/>
-                <a:tab pos="5253777" algn="l"/>
-                <a:tab pos="5910499" algn="l"/>
-                <a:tab pos="6567221" algn="l"/>
-                <a:tab pos="7223943" algn="l"/>
-              </a:tabLst>
-            </a:pPr>
-            <a:r>
-              <a:rPr lang="en-US" dirty="0" smtClean="0">
-                <a:ea typeface="Droid Sans Fallback" charset="0"/>
-                <a:cs typeface="Droid Sans Fallback" charset="0"/>
-              </a:rPr>
-              <a:t>Responses contain URIs that link to further resources</a:t>
-            </a:r>
-          </a:p>
-          <a:p>
-            <a:pPr marL="0" indent="0" algn="ctr">
-              <a:buNone/>
-              <a:tabLst>
-                <a:tab pos="656722" algn="l"/>
-                <a:tab pos="1313444" algn="l"/>
-                <a:tab pos="1970166" algn="l"/>
-                <a:tab pos="2626888" algn="l"/>
-                <a:tab pos="3283610" algn="l"/>
-                <a:tab pos="3940332" algn="l"/>
-                <a:tab pos="4597055" algn="l"/>
-                <a:tab pos="5253777" algn="l"/>
-                <a:tab pos="5910499" algn="l"/>
-                <a:tab pos="6567221" algn="l"/>
-                <a:tab pos="7223943" algn="l"/>
-              </a:tabLst>
-            </a:pPr>
-            <a:r>
-              <a:rPr lang="en-US" dirty="0">
-                <a:ea typeface="Droid Sans Fallback" charset="0"/>
-                <a:cs typeface="Droid Sans Fallback" charset="0"/>
-              </a:rPr>
-              <a:t>↓</a:t>
-            </a:r>
-          </a:p>
-          <a:p>
-            <a:pPr marL="0" indent="0" algn="ctr">
-              <a:buNone/>
-              <a:tabLst>
-                <a:tab pos="656722" algn="l"/>
-                <a:tab pos="1313444" algn="l"/>
-                <a:tab pos="1970166" algn="l"/>
-                <a:tab pos="2626888" algn="l"/>
-                <a:tab pos="3283610" algn="l"/>
-                <a:tab pos="3940332" algn="l"/>
-                <a:tab pos="4597055" algn="l"/>
-                <a:tab pos="5253777" algn="l"/>
-                <a:tab pos="5910499" algn="l"/>
-                <a:tab pos="6567221" algn="l"/>
-                <a:tab pos="7223943" algn="l"/>
-              </a:tabLst>
-            </a:pPr>
-            <a:r>
-              <a:rPr lang="en-US" dirty="0" smtClean="0"/>
-              <a:t>Beginning</a:t>
+              <a:rPr lang="en-US" dirty="0"/>
+              <a:t>H</a:t>
+            </a:r>
+            <a:r>
+              <a:rPr lang="en-US" dirty="0" smtClean="0"/>
+              <a:t>ierarchical </a:t>
+            </a:r>
+            <a:r>
+              <a:rPr lang="en-US" dirty="0"/>
+              <a:t>arrangement</a:t>
+            </a:r>
+          </a:p>
+          <a:p>
+            <a:r>
+              <a:rPr lang="en-US" dirty="0"/>
+              <a:t>L</a:t>
+            </a:r>
+            <a:r>
+              <a:rPr lang="en-US" dirty="0" smtClean="0"/>
+              <a:t>ayer </a:t>
+            </a:r>
+            <a:r>
+              <a:rPr lang="en-US" dirty="0"/>
+              <a:t>provides services to layer above, uses services from layer below</a:t>
+            </a:r>
+          </a:p>
+          <a:p>
+            <a:r>
+              <a:rPr lang="en-US" dirty="0"/>
+              <a:t>I</a:t>
+            </a:r>
+            <a:r>
+              <a:rPr lang="en-US" dirty="0" smtClean="0"/>
+              <a:t>mproves </a:t>
+            </a:r>
+            <a:r>
+              <a:rPr lang="en-US" dirty="0" err="1"/>
+              <a:t>evolvability</a:t>
+            </a:r>
+            <a:r>
+              <a:rPr lang="en-US" dirty="0"/>
+              <a:t> and reusability through abstraction</a:t>
+            </a:r>
+          </a:p>
+          <a:p>
+            <a:r>
+              <a:rPr lang="en-US" dirty="0"/>
+              <a:t>D</a:t>
+            </a:r>
+            <a:r>
+              <a:rPr lang="en-US" dirty="0" smtClean="0"/>
+              <a:t>ecreases </a:t>
+            </a:r>
+            <a:r>
+              <a:rPr lang="en-US" dirty="0"/>
+              <a:t>performance through overhead, latency</a:t>
+            </a:r>
+          </a:p>
+          <a:p>
+            <a:r>
+              <a:rPr lang="en-US" dirty="0"/>
+              <a:t>L</a:t>
+            </a:r>
+            <a:r>
+              <a:rPr lang="en-US" dirty="0" smtClean="0"/>
+              <a:t>ayered</a:t>
+            </a:r>
+            <a:r>
+              <a:rPr lang="en-US" dirty="0"/>
+              <a:t>-client-server (LCS) adds proxy and gateway components to CS</a:t>
+            </a:r>
+          </a:p>
+          <a:p>
+            <a:r>
+              <a:rPr lang="en-US" dirty="0"/>
+              <a:t>P</a:t>
+            </a:r>
+            <a:r>
+              <a:rPr lang="en-US" dirty="0" smtClean="0"/>
+              <a:t>roxy </a:t>
+            </a:r>
+            <a:r>
+              <a:rPr lang="en-US" dirty="0"/>
+              <a:t>acts as shared server for one or more clients, </a:t>
+            </a:r>
+            <a:r>
+              <a:rPr lang="en-US" dirty="0" smtClean="0"/>
+              <a:t>forwarding (</a:t>
+            </a:r>
+            <a:r>
+              <a:rPr lang="en-US" dirty="0"/>
+              <a:t>maybe translated) requests</a:t>
+            </a:r>
+          </a:p>
+          <a:p>
+            <a:r>
+              <a:rPr lang="en-US" dirty="0"/>
+              <a:t>G</a:t>
+            </a:r>
+            <a:r>
+              <a:rPr lang="en-US" dirty="0" smtClean="0"/>
+              <a:t>ateway </a:t>
+            </a:r>
+            <a:r>
+              <a:rPr lang="en-US" dirty="0"/>
+              <a:t>appears as normal server, but forwards (maybe translated)</a:t>
+            </a:r>
+          </a:p>
+          <a:p>
+            <a:r>
+              <a:rPr lang="en-US" dirty="0"/>
+              <a:t>R</a:t>
+            </a:r>
+            <a:r>
+              <a:rPr lang="en-US" dirty="0" smtClean="0"/>
+              <a:t>equests </a:t>
+            </a:r>
+            <a:r>
+              <a:rPr lang="en-US" dirty="0"/>
+              <a:t>to lower layers: load balancing, security</a:t>
             </a:r>
             <a:endParaRPr lang="en-US" dirty="0"/>
           </a:p>
@@ -7777,20 +10548,13 @@
     </p:spTree>
     <p:extLst>
       <p:ext uri="{BB962C8B-B14F-4D97-AF65-F5344CB8AC3E}">
-        <p14:creationId xmlns:p14="http://schemas.microsoft.com/office/powerpoint/2010/main" val="3867699156"/>
+        <p14:creationId xmlns:p14="http://schemas.microsoft.com/office/powerpoint/2010/main" val="367220812"/>
       </p:ext>
     </p:extLst>
   </p:cSld>
   <p:clrMapOvr>
     <a:masterClrMapping/>
   </p:clrMapOvr>
-  <p:timing>
-    <p:tnLst>
-      <p:par>
-        <p:cTn xmlns:p14="http://schemas.microsoft.com/office/powerpoint/2010/main" id="1" dur="indefinite" restart="never" nodeType="tmRoot"/>
-      </p:par>
-    </p:tnLst>
-  </p:timing>
 </p:sld>
 </file>
 
@@ -7828,7 +10592,124 @@
           <a:p>
             <a:r>
               <a:rPr lang="en-US" dirty="0" smtClean="0"/>
-              <a:t>Quick look at the Sample Service</a:t>
+              <a:t>Uniform Interface</a:t>
+            </a:r>
+            <a:endParaRPr lang="en-US" dirty="0"/>
+          </a:p>
+        </p:txBody>
+      </p:sp>
+      <p:sp>
+        <p:nvSpPr>
+          <p:cNvPr id="3" name="Content Placeholder 2"/>
+          <p:cNvSpPr>
+            <a:spLocks noGrp="1"/>
+          </p:cNvSpPr>
+          <p:nvPr>
+            <p:ph idx="1"/>
+          </p:nvPr>
+        </p:nvSpPr>
+        <p:spPr/>
+        <p:txBody>
+          <a:bodyPr>
+            <a:normAutofit fontScale="85000" lnSpcReduction="10000"/>
+          </a:bodyPr>
+          <a:lstStyle/>
+          <a:p>
+            <a:r>
+              <a:rPr lang="en-US" dirty="0"/>
+              <a:t>I</a:t>
+            </a:r>
+            <a:r>
+              <a:rPr lang="en-US" dirty="0" smtClean="0"/>
+              <a:t>mproves </a:t>
+            </a:r>
+            <a:r>
+              <a:rPr lang="en-US" dirty="0"/>
+              <a:t>simplicity and visibility</a:t>
+            </a:r>
+          </a:p>
+          <a:p>
+            <a:r>
+              <a:rPr lang="en-US" dirty="0"/>
+              <a:t>D</a:t>
+            </a:r>
+            <a:r>
+              <a:rPr lang="en-US" dirty="0" smtClean="0"/>
+              <a:t>ecreases </a:t>
+            </a:r>
+            <a:r>
+              <a:rPr lang="en-US" dirty="0"/>
+              <a:t>efficiency through possible data translations</a:t>
+            </a:r>
+          </a:p>
+          <a:p>
+            <a:r>
+              <a:rPr lang="en-US" dirty="0" smtClean="0"/>
+              <a:t>For </a:t>
+            </a:r>
+            <a:r>
+              <a:rPr lang="en-US" dirty="0"/>
+              <a:t>REST, optimized for large-grain hypermedia data transfer</a:t>
+            </a:r>
+          </a:p>
+          <a:p>
+            <a:r>
+              <a:rPr lang="en-US" dirty="0"/>
+              <a:t>I</a:t>
+            </a:r>
+            <a:r>
+              <a:rPr lang="en-US" dirty="0" smtClean="0"/>
+              <a:t>dentification </a:t>
+            </a:r>
+            <a:r>
+              <a:rPr lang="en-US" dirty="0"/>
+              <a:t>of resources</a:t>
+            </a:r>
+          </a:p>
+          <a:p>
+            <a:r>
+              <a:rPr lang="en-US" dirty="0"/>
+              <a:t>M</a:t>
+            </a:r>
+            <a:r>
+              <a:rPr lang="en-US" dirty="0" smtClean="0"/>
+              <a:t>anipulation </a:t>
+            </a:r>
+            <a:r>
+              <a:rPr lang="en-US" dirty="0"/>
+              <a:t>of resources through representations</a:t>
+            </a:r>
+          </a:p>
+          <a:p>
+            <a:r>
+              <a:rPr lang="en-US" dirty="0"/>
+              <a:t>S</a:t>
+            </a:r>
+            <a:r>
+              <a:rPr lang="en-US" dirty="0" smtClean="0"/>
+              <a:t>elf</a:t>
+            </a:r>
+            <a:r>
+              <a:rPr lang="en-US" dirty="0"/>
+              <a:t>-descriptive messages</a:t>
+            </a:r>
+          </a:p>
+          <a:p>
+            <a:r>
+              <a:rPr lang="en-US" dirty="0"/>
+              <a:t>H</a:t>
+            </a:r>
+            <a:r>
+              <a:rPr lang="en-US" dirty="0" smtClean="0"/>
+              <a:t>ypermedia </a:t>
+            </a:r>
+            <a:r>
+              <a:rPr lang="en-US" dirty="0"/>
+              <a:t>as the engine of application </a:t>
+            </a:r>
+            <a:r>
+              <a:rPr lang="en-US" dirty="0" smtClean="0"/>
+              <a:t>state (more later)</a:t>
             </a:r>
             <a:endParaRPr lang="en-US" dirty="0"/>
           </a:p>
@@ -7837,20 +10718,13 @@
     </p:spTree>
     <p:extLst>
       <p:ext uri="{BB962C8B-B14F-4D97-AF65-F5344CB8AC3E}">
-        <p14:creationId xmlns:p14="http://schemas.microsoft.com/office/powerpoint/2010/main" val="4216162972"/>
+        <p14:creationId xmlns:p14="http://schemas.microsoft.com/office/powerpoint/2010/main" val="1262861663"/>
       </p:ext>
     </p:extLst>
   </p:cSld>
   <p:clrMapOvr>
     <a:masterClrMapping/>
   </p:clrMapOvr>
-  <p:timing>
-    <p:tnLst>
-      <p:par>
-        <p:cTn xmlns:p14="http://schemas.microsoft.com/office/powerpoint/2010/main" id="1" dur="indefinite" restart="never" nodeType="tmRoot"/>
-      </p:par>
-    </p:tnLst>
-  </p:timing>
 </p:sld>
 </file>
 

--- a/presentations/02-REST-Introduction.pptx
+++ b/presentations/02-REST-Introduction.pptx
@@ -5,37 +5,43 @@
     <p:sldMasterId id="2147483648" r:id="rId1"/>
   </p:sldMasterIdLst>
   <p:notesMasterIdLst>
-    <p:notesMasterId r:id="rId30"/>
+    <p:notesMasterId r:id="rId36"/>
   </p:notesMasterIdLst>
   <p:sldIdLst>
     <p:sldId id="256" r:id="rId2"/>
-    <p:sldId id="257" r:id="rId3"/>
-    <p:sldId id="258" r:id="rId4"/>
-    <p:sldId id="268" r:id="rId5"/>
-    <p:sldId id="270" r:id="rId6"/>
-    <p:sldId id="271" r:id="rId7"/>
-    <p:sldId id="272" r:id="rId8"/>
-    <p:sldId id="273" r:id="rId9"/>
-    <p:sldId id="274" r:id="rId10"/>
-    <p:sldId id="275" r:id="rId11"/>
-    <p:sldId id="269" r:id="rId12"/>
-    <p:sldId id="259" r:id="rId13"/>
-    <p:sldId id="261" r:id="rId14"/>
-    <p:sldId id="278" r:id="rId15"/>
-    <p:sldId id="279" r:id="rId16"/>
-    <p:sldId id="277" r:id="rId17"/>
-    <p:sldId id="280" r:id="rId18"/>
-    <p:sldId id="281" r:id="rId19"/>
-    <p:sldId id="282" r:id="rId20"/>
-    <p:sldId id="262" r:id="rId21"/>
-    <p:sldId id="263" r:id="rId22"/>
-    <p:sldId id="283" r:id="rId23"/>
-    <p:sldId id="284" r:id="rId24"/>
-    <p:sldId id="264" r:id="rId25"/>
-    <p:sldId id="260" r:id="rId26"/>
-    <p:sldId id="265" r:id="rId27"/>
-    <p:sldId id="266" r:id="rId28"/>
-    <p:sldId id="267" r:id="rId29"/>
+    <p:sldId id="285" r:id="rId3"/>
+    <p:sldId id="286" r:id="rId4"/>
+    <p:sldId id="287" r:id="rId5"/>
+    <p:sldId id="289" r:id="rId6"/>
+    <p:sldId id="290" r:id="rId7"/>
+    <p:sldId id="257" r:id="rId8"/>
+    <p:sldId id="258" r:id="rId9"/>
+    <p:sldId id="268" r:id="rId10"/>
+    <p:sldId id="270" r:id="rId11"/>
+    <p:sldId id="271" r:id="rId12"/>
+    <p:sldId id="272" r:id="rId13"/>
+    <p:sldId id="273" r:id="rId14"/>
+    <p:sldId id="274" r:id="rId15"/>
+    <p:sldId id="275" r:id="rId16"/>
+    <p:sldId id="269" r:id="rId17"/>
+    <p:sldId id="259" r:id="rId18"/>
+    <p:sldId id="261" r:id="rId19"/>
+    <p:sldId id="278" r:id="rId20"/>
+    <p:sldId id="279" r:id="rId21"/>
+    <p:sldId id="277" r:id="rId22"/>
+    <p:sldId id="280" r:id="rId23"/>
+    <p:sldId id="281" r:id="rId24"/>
+    <p:sldId id="282" r:id="rId25"/>
+    <p:sldId id="262" r:id="rId26"/>
+    <p:sldId id="263" r:id="rId27"/>
+    <p:sldId id="283" r:id="rId28"/>
+    <p:sldId id="284" r:id="rId29"/>
+    <p:sldId id="288" r:id="rId30"/>
+    <p:sldId id="264" r:id="rId31"/>
+    <p:sldId id="260" r:id="rId32"/>
+    <p:sldId id="265" r:id="rId33"/>
+    <p:sldId id="266" r:id="rId34"/>
+    <p:sldId id="267" r:id="rId35"/>
   </p:sldIdLst>
   <p:sldSz cx="9144000" cy="6858000" type="screen4x3"/>
   <p:notesSz cx="6858000" cy="9144000"/>
@@ -224,7 +230,7 @@
             <a:fld id="{7307762F-A706-E543-A832-3C298AA3103F}" type="datetimeFigureOut">
               <a:rPr lang="en-US" smtClean="0"/>
               <a:pPr/>
-              <a:t>31/10/2012</a:t>
+              <a:t>01/11/2012</a:t>
             </a:fld>
             <a:endParaRPr lang="en-US" dirty="0"/>
           </a:p>
@@ -686,7 +692,7 @@
           <a:p>
             <a:fld id="{4C8664AA-B0B2-4135-A54D-0C5FA1ABBA12}" type="slidenum">
               <a:rPr lang="en-US" smtClean="0"/>
-              <a:t>26</a:t>
+              <a:t>32</a:t>
             </a:fld>
             <a:endParaRPr lang="en-US"/>
           </a:p>
@@ -923,7 +929,7 @@
           <a:p>
             <a:fld id="{4C8664AA-B0B2-4135-A54D-0C5FA1ABBA12}" type="slidenum">
               <a:rPr lang="en-US" smtClean="0"/>
-              <a:t>27</a:t>
+              <a:t>33</a:t>
             </a:fld>
             <a:endParaRPr lang="en-US"/>
           </a:p>
@@ -1236,7 +1242,7 @@
           <a:p>
             <a:fld id="{875CF0EB-321F-0749-B37A-89BBA859503C}" type="datetimeFigureOut">
               <a:rPr lang="en-US" smtClean="0"/>
-              <a:t>31/10/2012</a:t>
+              <a:t>01/11/2012</a:t>
             </a:fld>
             <a:endParaRPr lang="en-US"/>
           </a:p>
@@ -1440,7 +1446,7 @@
           <a:p>
             <a:fld id="{875CF0EB-321F-0749-B37A-89BBA859503C}" type="datetimeFigureOut">
               <a:rPr lang="en-US" smtClean="0"/>
-              <a:t>31/10/2012</a:t>
+              <a:t>01/11/2012</a:t>
             </a:fld>
             <a:endParaRPr lang="en-US"/>
           </a:p>
@@ -1634,7 +1640,7 @@
           <a:p>
             <a:fld id="{875CF0EB-321F-0749-B37A-89BBA859503C}" type="datetimeFigureOut">
               <a:rPr lang="en-US" smtClean="0"/>
-              <a:t>31/10/2012</a:t>
+              <a:t>01/11/2012</a:t>
             </a:fld>
             <a:endParaRPr lang="en-US"/>
           </a:p>
@@ -1904,7 +1910,7 @@
           <a:p>
             <a:fld id="{875CF0EB-321F-0749-B37A-89BBA859503C}" type="datetimeFigureOut">
               <a:rPr lang="en-US" smtClean="0"/>
-              <a:t>31/10/2012</a:t>
+              <a:t>01/11/2012</a:t>
             </a:fld>
             <a:endParaRPr lang="en-US"/>
           </a:p>
@@ -2216,7 +2222,7 @@
           <a:p>
             <a:fld id="{875CF0EB-321F-0749-B37A-89BBA859503C}" type="datetimeFigureOut">
               <a:rPr lang="en-US" smtClean="0"/>
-              <a:t>31/10/2012</a:t>
+              <a:t>01/11/2012</a:t>
             </a:fld>
             <a:endParaRPr lang="en-US"/>
           </a:p>
@@ -2662,7 +2668,7 @@
           <a:p>
             <a:fld id="{875CF0EB-321F-0749-B37A-89BBA859503C}" type="datetimeFigureOut">
               <a:rPr lang="en-US" smtClean="0"/>
-              <a:t>31/10/2012</a:t>
+              <a:t>01/11/2012</a:t>
             </a:fld>
             <a:endParaRPr lang="en-US"/>
           </a:p>
@@ -2804,7 +2810,7 @@
           <a:p>
             <a:fld id="{875CF0EB-321F-0749-B37A-89BBA859503C}" type="datetimeFigureOut">
               <a:rPr lang="en-US" smtClean="0"/>
-              <a:t>31/10/2012</a:t>
+              <a:t>01/11/2012</a:t>
             </a:fld>
             <a:endParaRPr lang="en-US"/>
           </a:p>
@@ -2923,7 +2929,7 @@
           <a:p>
             <a:fld id="{875CF0EB-321F-0749-B37A-89BBA859503C}" type="datetimeFigureOut">
               <a:rPr lang="en-US" smtClean="0"/>
-              <a:t>31/10/2012</a:t>
+              <a:t>01/11/2012</a:t>
             </a:fld>
             <a:endParaRPr lang="en-US"/>
           </a:p>
@@ -3224,7 +3230,7 @@
           <a:p>
             <a:fld id="{875CF0EB-321F-0749-B37A-89BBA859503C}" type="datetimeFigureOut">
               <a:rPr lang="en-US" smtClean="0"/>
-              <a:t>31/10/2012</a:t>
+              <a:t>01/11/2012</a:t>
             </a:fld>
             <a:endParaRPr lang="en-US"/>
           </a:p>
@@ -3501,7 +3507,7 @@
           <a:p>
             <a:fld id="{875CF0EB-321F-0749-B37A-89BBA859503C}" type="datetimeFigureOut">
               <a:rPr lang="en-US" smtClean="0"/>
-              <a:t>31/10/2012</a:t>
+              <a:t>01/11/2012</a:t>
             </a:fld>
             <a:endParaRPr lang="en-US"/>
           </a:p>
@@ -6174,7 +6180,36 @@
                   </a:schemeClr>
                 </a:solidFill>
               </a:rPr>
-              <a:t>Understanding REST</a:t>
+              <a:t>Understanding </a:t>
+            </a:r>
+            <a:r>
+              <a:rPr lang="en-US" dirty="0" smtClean="0">
+                <a:solidFill>
+                  <a:schemeClr val="bg1">
+                    <a:lumMod val="50000"/>
+                  </a:schemeClr>
+                </a:solidFill>
+              </a:rPr>
+              <a:t>HTTP </a:t>
+            </a:r>
+            <a:br>
+              <a:rPr lang="en-US" dirty="0" smtClean="0">
+                <a:solidFill>
+                  <a:schemeClr val="bg1">
+                    <a:lumMod val="50000"/>
+                  </a:schemeClr>
+                </a:solidFill>
+              </a:rPr>
+            </a:br>
+            <a:r>
+              <a:rPr lang="en-US" dirty="0" smtClean="0">
+                <a:solidFill>
+                  <a:schemeClr val="bg1">
+                    <a:lumMod val="50000"/>
+                  </a:schemeClr>
+                </a:solidFill>
+              </a:rPr>
+              <a:t>and REST</a:t>
             </a:r>
             <a:endParaRPr lang="en-US" dirty="0">
               <a:solidFill>
@@ -6235,6 +6270,189 @@
         </p:nvSpPr>
         <p:spPr/>
         <p:txBody>
+          <a:bodyPr/>
+          <a:lstStyle/>
+          <a:p>
+            <a:r>
+              <a:rPr lang="en-US" dirty="0" smtClean="0"/>
+              <a:t>Client Server (CS)</a:t>
+            </a:r>
+            <a:endParaRPr lang="en-US" dirty="0"/>
+          </a:p>
+        </p:txBody>
+      </p:sp>
+      <p:sp>
+        <p:nvSpPr>
+          <p:cNvPr id="3" name="Content Placeholder 2"/>
+          <p:cNvSpPr>
+            <a:spLocks noGrp="1"/>
+          </p:cNvSpPr>
+          <p:nvPr>
+            <p:ph idx="1"/>
+          </p:nvPr>
+        </p:nvSpPr>
+        <p:spPr/>
+        <p:txBody>
+          <a:bodyPr>
+            <a:normAutofit fontScale="92500" lnSpcReduction="20000"/>
+          </a:bodyPr>
+          <a:lstStyle/>
+          <a:p>
+            <a:r>
+              <a:rPr lang="en-US" dirty="0"/>
+              <a:t>S</a:t>
+            </a:r>
+            <a:r>
+              <a:rPr lang="en-US" dirty="0" smtClean="0"/>
+              <a:t>erver </a:t>
+            </a:r>
+            <a:r>
+              <a:rPr lang="en-US" dirty="0"/>
+              <a:t>offers services, listens for requests</a:t>
+            </a:r>
+          </a:p>
+          <a:p>
+            <a:r>
+              <a:rPr lang="en-US" dirty="0"/>
+              <a:t>C</a:t>
+            </a:r>
+            <a:r>
+              <a:rPr lang="en-US" dirty="0" smtClean="0"/>
+              <a:t>lient </a:t>
+            </a:r>
+            <a:r>
+              <a:rPr lang="en-US" dirty="0"/>
+              <a:t>sends request, waits for response</a:t>
+            </a:r>
+          </a:p>
+          <a:p>
+            <a:r>
+              <a:rPr lang="en-US" dirty="0"/>
+              <a:t>T</a:t>
+            </a:r>
+            <a:r>
+              <a:rPr lang="en-US" dirty="0" smtClean="0"/>
+              <a:t>ransient</a:t>
+            </a:r>
+            <a:r>
+              <a:rPr lang="en-US" dirty="0"/>
+              <a:t>, triggering client; persistent, reactive server</a:t>
+            </a:r>
+          </a:p>
+          <a:p>
+            <a:r>
+              <a:rPr lang="en-US" dirty="0"/>
+              <a:t>S</a:t>
+            </a:r>
+            <a:r>
+              <a:rPr lang="en-US" dirty="0" smtClean="0"/>
+              <a:t>eparation </a:t>
+            </a:r>
+            <a:r>
+              <a:rPr lang="en-US" dirty="0"/>
+              <a:t>of concerns: user interface from </a:t>
+            </a:r>
+            <a:r>
+              <a:rPr lang="en-US" dirty="0" err="1"/>
+              <a:t>behaviour</a:t>
+            </a:r>
+            <a:endParaRPr lang="en-US" dirty="0"/>
+          </a:p>
+          <a:p>
+            <a:r>
+              <a:rPr lang="en-US" dirty="0"/>
+              <a:t>I</a:t>
+            </a:r>
+            <a:r>
+              <a:rPr lang="en-US" dirty="0" smtClean="0"/>
+              <a:t>mproves </a:t>
+            </a:r>
+            <a:r>
+              <a:rPr lang="en-US" dirty="0"/>
+              <a:t>portability to a new user interface</a:t>
+            </a:r>
+          </a:p>
+          <a:p>
+            <a:r>
+              <a:rPr lang="en-US" dirty="0"/>
+              <a:t>I</a:t>
+            </a:r>
+            <a:r>
+              <a:rPr lang="en-US" dirty="0" smtClean="0"/>
+              <a:t>mproves </a:t>
+            </a:r>
+            <a:r>
+              <a:rPr lang="en-US" dirty="0"/>
+              <a:t>scalability by simplifying components</a:t>
+            </a:r>
+          </a:p>
+          <a:p>
+            <a:r>
+              <a:rPr lang="en-US" dirty="0"/>
+              <a:t>I</a:t>
+            </a:r>
+            <a:r>
+              <a:rPr lang="en-US" dirty="0" smtClean="0"/>
+              <a:t>mproves </a:t>
+            </a:r>
+            <a:r>
+              <a:rPr lang="en-US" dirty="0" err="1"/>
+              <a:t>evolvability</a:t>
+            </a:r>
+            <a:r>
+              <a:rPr lang="en-US" dirty="0"/>
+              <a:t> by allowing independent evolution </a:t>
+            </a:r>
+            <a:r>
+              <a:rPr lang="en-US" dirty="0" smtClean="0"/>
+              <a:t>of components</a:t>
+            </a:r>
+            <a:endParaRPr lang="en-US" dirty="0"/>
+          </a:p>
+        </p:txBody>
+      </p:sp>
+    </p:spTree>
+    <p:extLst>
+      <p:ext uri="{BB962C8B-B14F-4D97-AF65-F5344CB8AC3E}">
+        <p14:creationId xmlns:p14="http://schemas.microsoft.com/office/powerpoint/2010/main" val="1775867852"/>
+      </p:ext>
+    </p:extLst>
+  </p:cSld>
+  <p:clrMapOvr>
+    <a:masterClrMapping/>
+  </p:clrMapOvr>
+</p:sld>
+</file>
+
+<file path=ppt/slides/slide11.xml><?xml version="1.0" encoding="utf-8"?>
+<p:sld xmlns:a="http://schemas.openxmlformats.org/drawingml/2006/main" xmlns:r="http://schemas.openxmlformats.org/officeDocument/2006/relationships" xmlns:p="http://schemas.openxmlformats.org/presentationml/2006/main">
+  <p:cSld>
+    <p:spTree>
+      <p:nvGrpSpPr>
+        <p:cNvPr id="1" name=""/>
+        <p:cNvGrpSpPr/>
+        <p:nvPr/>
+      </p:nvGrpSpPr>
+      <p:grpSpPr>
+        <a:xfrm>
+          <a:off x="0" y="0"/>
+          <a:ext cx="0" cy="0"/>
+          <a:chOff x="0" y="0"/>
+          <a:chExt cx="0" cy="0"/>
+        </a:xfrm>
+      </p:grpSpPr>
+      <p:sp>
+        <p:nvSpPr>
+          <p:cNvPr id="2" name="Title 1"/>
+          <p:cNvSpPr>
+            <a:spLocks noGrp="1"/>
+          </p:cNvSpPr>
+          <p:nvPr>
+            <p:ph type="title"/>
+          </p:nvPr>
+        </p:nvSpPr>
+        <p:spPr/>
+        <p:txBody>
           <a:bodyPr>
             <a:normAutofit fontScale="90000"/>
           </a:bodyPr>
@@ -6242,6 +6460,787 @@
           <a:p>
             <a:r>
               <a:rPr lang="en-US" dirty="0" smtClean="0"/>
+              <a:t>Replicated Repository (RR) and Caching ($)</a:t>
+            </a:r>
+            <a:endParaRPr lang="en-US" dirty="0"/>
+          </a:p>
+        </p:txBody>
+      </p:sp>
+      <p:sp>
+        <p:nvSpPr>
+          <p:cNvPr id="3" name="Content Placeholder 2"/>
+          <p:cNvSpPr>
+            <a:spLocks noGrp="1"/>
+          </p:cNvSpPr>
+          <p:nvPr>
+            <p:ph idx="1"/>
+          </p:nvPr>
+        </p:nvSpPr>
+        <p:spPr/>
+        <p:txBody>
+          <a:bodyPr>
+            <a:normAutofit fontScale="77500" lnSpcReduction="20000"/>
+          </a:bodyPr>
+          <a:lstStyle/>
+          <a:p>
+            <a:r>
+              <a:rPr lang="en-US" dirty="0"/>
+              <a:t>R</a:t>
+            </a:r>
+            <a:r>
+              <a:rPr lang="en-US" dirty="0" smtClean="0"/>
+              <a:t>eplicated </a:t>
+            </a:r>
+            <a:r>
+              <a:rPr lang="en-US" dirty="0"/>
+              <a:t>repository: multiple servers provide same </a:t>
+            </a:r>
+            <a:r>
+              <a:rPr lang="en-US" dirty="0" smtClean="0"/>
+              <a:t>service</a:t>
+            </a:r>
+            <a:endParaRPr lang="en-US" dirty="0"/>
+          </a:p>
+          <a:p>
+            <a:pPr lvl="1"/>
+            <a:r>
+              <a:rPr lang="en-US" dirty="0"/>
+              <a:t>P</a:t>
+            </a:r>
+            <a:r>
+              <a:rPr lang="en-US" dirty="0" smtClean="0"/>
+              <a:t>resent </a:t>
+            </a:r>
+            <a:r>
+              <a:rPr lang="en-US" dirty="0"/>
+              <a:t>the illusion of a single, centralized service</a:t>
+            </a:r>
+          </a:p>
+          <a:p>
+            <a:pPr lvl="1"/>
+            <a:r>
+              <a:rPr lang="en-US" dirty="0"/>
+              <a:t>I</a:t>
+            </a:r>
+            <a:r>
+              <a:rPr lang="en-US" dirty="0" smtClean="0"/>
+              <a:t>mproves </a:t>
+            </a:r>
+            <a:r>
+              <a:rPr lang="en-US" dirty="0"/>
+              <a:t>performance: latency, redundancy</a:t>
+            </a:r>
+          </a:p>
+          <a:p>
+            <a:pPr lvl="1"/>
+            <a:r>
+              <a:rPr lang="en-US" dirty="0"/>
+              <a:t>M</a:t>
+            </a:r>
+            <a:r>
+              <a:rPr lang="en-US" dirty="0" smtClean="0"/>
+              <a:t>aintaining </a:t>
+            </a:r>
+            <a:r>
+              <a:rPr lang="en-US" dirty="0"/>
+              <a:t>consistency the primary </a:t>
+            </a:r>
+            <a:r>
+              <a:rPr lang="en-US" dirty="0" smtClean="0"/>
+              <a:t>challenge</a:t>
+            </a:r>
+          </a:p>
+          <a:p>
+            <a:r>
+              <a:rPr lang="en-US" dirty="0" smtClean="0"/>
+              <a:t>Caching: caching </a:t>
+            </a:r>
+            <a:r>
+              <a:rPr lang="en-US" dirty="0"/>
+              <a:t>responses for later reuse</a:t>
+            </a:r>
+          </a:p>
+          <a:p>
+            <a:pPr lvl="1"/>
+            <a:r>
+              <a:rPr lang="en-US" dirty="0"/>
+              <a:t>E</a:t>
+            </a:r>
+            <a:r>
+              <a:rPr lang="en-US" dirty="0" smtClean="0"/>
+              <a:t>ffectively </a:t>
+            </a:r>
+            <a:r>
+              <a:rPr lang="en-US" dirty="0"/>
+              <a:t>a replication of a fragment (typically, potential data set </a:t>
+            </a:r>
+            <a:r>
+              <a:rPr lang="en-US" dirty="0" smtClean="0"/>
+              <a:t>is huge </a:t>
+            </a:r>
+            <a:r>
+              <a:rPr lang="en-US" dirty="0"/>
+              <a:t>or infinite)</a:t>
+            </a:r>
+          </a:p>
+          <a:p>
+            <a:pPr lvl="1"/>
+            <a:r>
+              <a:rPr lang="en-US" dirty="0"/>
+              <a:t>R</a:t>
+            </a:r>
+            <a:r>
+              <a:rPr lang="en-US" dirty="0" smtClean="0"/>
+              <a:t>esponses </a:t>
+            </a:r>
+            <a:r>
+              <a:rPr lang="en-US" dirty="0"/>
+              <a:t>explicitly or implicitly </a:t>
+            </a:r>
+            <a:r>
+              <a:rPr lang="en-US" dirty="0" err="1"/>
+              <a:t>labelled</a:t>
+            </a:r>
+            <a:r>
+              <a:rPr lang="en-US" dirty="0"/>
+              <a:t> cacheable or not</a:t>
+            </a:r>
+          </a:p>
+          <a:p>
+            <a:pPr lvl="1"/>
+            <a:r>
+              <a:rPr lang="en-US" dirty="0"/>
+              <a:t>L</a:t>
+            </a:r>
+            <a:r>
+              <a:rPr lang="en-US" dirty="0" smtClean="0"/>
+              <a:t>azy </a:t>
+            </a:r>
+            <a:r>
+              <a:rPr lang="en-US" dirty="0"/>
+              <a:t>or active replication</a:t>
+            </a:r>
+          </a:p>
+          <a:p>
+            <a:pPr lvl="1"/>
+            <a:r>
+              <a:rPr lang="en-US" dirty="0"/>
+              <a:t>L</a:t>
+            </a:r>
+            <a:r>
+              <a:rPr lang="en-US" dirty="0" smtClean="0"/>
+              <a:t>ess </a:t>
+            </a:r>
+            <a:r>
+              <a:rPr lang="en-US" dirty="0"/>
+              <a:t>effective than full replication, but cheaper and simpler</a:t>
+            </a:r>
+          </a:p>
+        </p:txBody>
+      </p:sp>
+    </p:spTree>
+    <p:extLst>
+      <p:ext uri="{BB962C8B-B14F-4D97-AF65-F5344CB8AC3E}">
+        <p14:creationId xmlns:p14="http://schemas.microsoft.com/office/powerpoint/2010/main" val="1334476425"/>
+      </p:ext>
+    </p:extLst>
+  </p:cSld>
+  <p:clrMapOvr>
+    <a:masterClrMapping/>
+  </p:clrMapOvr>
+</p:sld>
+</file>
+
+<file path=ppt/slides/slide12.xml><?xml version="1.0" encoding="utf-8"?>
+<p:sld xmlns:a="http://schemas.openxmlformats.org/drawingml/2006/main" xmlns:r="http://schemas.openxmlformats.org/officeDocument/2006/relationships" xmlns:p="http://schemas.openxmlformats.org/presentationml/2006/main">
+  <p:cSld>
+    <p:spTree>
+      <p:nvGrpSpPr>
+        <p:cNvPr id="1" name=""/>
+        <p:cNvGrpSpPr/>
+        <p:nvPr/>
+      </p:nvGrpSpPr>
+      <p:grpSpPr>
+        <a:xfrm>
+          <a:off x="0" y="0"/>
+          <a:ext cx="0" cy="0"/>
+          <a:chOff x="0" y="0"/>
+          <a:chExt cx="0" cy="0"/>
+        </a:xfrm>
+      </p:grpSpPr>
+      <p:sp>
+        <p:nvSpPr>
+          <p:cNvPr id="2" name="Title 1"/>
+          <p:cNvSpPr>
+            <a:spLocks noGrp="1"/>
+          </p:cNvSpPr>
+          <p:nvPr>
+            <p:ph type="title"/>
+          </p:nvPr>
+        </p:nvSpPr>
+        <p:spPr/>
+        <p:txBody>
+          <a:bodyPr/>
+          <a:lstStyle/>
+          <a:p>
+            <a:r>
+              <a:rPr lang="en-US" dirty="0" smtClean="0"/>
+              <a:t>Stateless (S)</a:t>
+            </a:r>
+            <a:endParaRPr lang="en-US" dirty="0"/>
+          </a:p>
+        </p:txBody>
+      </p:sp>
+      <p:sp>
+        <p:nvSpPr>
+          <p:cNvPr id="3" name="Content Placeholder 2"/>
+          <p:cNvSpPr>
+            <a:spLocks noGrp="1"/>
+          </p:cNvSpPr>
+          <p:nvPr>
+            <p:ph idx="1"/>
+          </p:nvPr>
+        </p:nvSpPr>
+        <p:spPr/>
+        <p:txBody>
+          <a:bodyPr>
+            <a:normAutofit fontScale="77500" lnSpcReduction="20000"/>
+          </a:bodyPr>
+          <a:lstStyle/>
+          <a:p>
+            <a:r>
+              <a:rPr lang="en-US" dirty="0"/>
+              <a:t>E</a:t>
+            </a:r>
+            <a:r>
+              <a:rPr lang="en-US" dirty="0" smtClean="0"/>
+              <a:t>ach </a:t>
+            </a:r>
+            <a:r>
+              <a:rPr lang="en-US" dirty="0"/>
+              <a:t>request from client must carry all necessary context</a:t>
+            </a:r>
+          </a:p>
+          <a:p>
+            <a:r>
+              <a:rPr lang="en-US" dirty="0"/>
+              <a:t>N</a:t>
+            </a:r>
+            <a:r>
+              <a:rPr lang="en-US" dirty="0" smtClean="0"/>
+              <a:t>o </a:t>
+            </a:r>
+            <a:r>
+              <a:rPr lang="en-US" dirty="0"/>
+              <a:t>session state stored on server — kept entirely on client</a:t>
+            </a:r>
+          </a:p>
+          <a:p>
+            <a:pPr lvl="1"/>
+            <a:r>
+              <a:rPr lang="en-US" b="1" i="1" dirty="0" smtClean="0"/>
+              <a:t>Resource </a:t>
+            </a:r>
+            <a:r>
+              <a:rPr lang="en-US" b="1" i="1" dirty="0"/>
+              <a:t>state is a different </a:t>
+            </a:r>
+            <a:r>
+              <a:rPr lang="en-US" b="1" i="1" dirty="0" smtClean="0"/>
+              <a:t>matter</a:t>
+            </a:r>
+            <a:endParaRPr lang="en-US" b="1" i="1" dirty="0"/>
+          </a:p>
+          <a:p>
+            <a:r>
+              <a:rPr lang="en-US" dirty="0"/>
+              <a:t>I</a:t>
+            </a:r>
+            <a:r>
+              <a:rPr lang="en-US" dirty="0" smtClean="0"/>
+              <a:t>mproves </a:t>
+            </a:r>
+            <a:r>
+              <a:rPr lang="en-US" dirty="0"/>
+              <a:t>visibility for monitoring</a:t>
+            </a:r>
+          </a:p>
+          <a:p>
+            <a:r>
+              <a:rPr lang="en-US" dirty="0"/>
+              <a:t>I</a:t>
+            </a:r>
+            <a:r>
+              <a:rPr lang="en-US" dirty="0" smtClean="0"/>
+              <a:t>mproves </a:t>
+            </a:r>
+            <a:r>
+              <a:rPr lang="en-US" dirty="0"/>
+              <a:t>reliability by simplifying recovery from partial failure</a:t>
+            </a:r>
+          </a:p>
+          <a:p>
+            <a:r>
+              <a:rPr lang="en-US" dirty="0"/>
+              <a:t>I</a:t>
+            </a:r>
+            <a:r>
+              <a:rPr lang="en-US" dirty="0" smtClean="0"/>
+              <a:t>mproves </a:t>
+            </a:r>
+            <a:r>
+              <a:rPr lang="en-US" dirty="0"/>
+              <a:t>scalability by allowing server to free resources quickly</a:t>
+            </a:r>
+          </a:p>
+          <a:p>
+            <a:r>
+              <a:rPr lang="en-US" dirty="0"/>
+              <a:t>I</a:t>
+            </a:r>
+            <a:r>
+              <a:rPr lang="en-US" dirty="0" smtClean="0"/>
+              <a:t>mproves </a:t>
+            </a:r>
+            <a:r>
+              <a:rPr lang="en-US" dirty="0" err="1"/>
+              <a:t>evolvability</a:t>
+            </a:r>
+            <a:r>
+              <a:rPr lang="en-US" dirty="0"/>
+              <a:t> by simplifying server, cache</a:t>
+            </a:r>
+          </a:p>
+          <a:p>
+            <a:r>
+              <a:rPr lang="en-US" dirty="0"/>
+              <a:t>D</a:t>
+            </a:r>
+            <a:r>
+              <a:rPr lang="en-US" dirty="0" smtClean="0"/>
+              <a:t>ecreases </a:t>
+            </a:r>
+            <a:r>
+              <a:rPr lang="en-US" dirty="0"/>
+              <a:t>performance by increasing overhead</a:t>
+            </a:r>
+          </a:p>
+        </p:txBody>
+      </p:sp>
+    </p:spTree>
+    <p:extLst>
+      <p:ext uri="{BB962C8B-B14F-4D97-AF65-F5344CB8AC3E}">
+        <p14:creationId xmlns:p14="http://schemas.microsoft.com/office/powerpoint/2010/main" val="382615085"/>
+      </p:ext>
+    </p:extLst>
+  </p:cSld>
+  <p:clrMapOvr>
+    <a:masterClrMapping/>
+  </p:clrMapOvr>
+</p:sld>
+</file>
+
+<file path=ppt/slides/slide13.xml><?xml version="1.0" encoding="utf-8"?>
+<p:sld xmlns:a="http://schemas.openxmlformats.org/drawingml/2006/main" xmlns:r="http://schemas.openxmlformats.org/officeDocument/2006/relationships" xmlns:p="http://schemas.openxmlformats.org/presentationml/2006/main">
+  <p:cSld>
+    <p:spTree>
+      <p:nvGrpSpPr>
+        <p:cNvPr id="1" name=""/>
+        <p:cNvGrpSpPr/>
+        <p:nvPr/>
+      </p:nvGrpSpPr>
+      <p:grpSpPr>
+        <a:xfrm>
+          <a:off x="0" y="0"/>
+          <a:ext cx="0" cy="0"/>
+          <a:chOff x="0" y="0"/>
+          <a:chExt cx="0" cy="0"/>
+        </a:xfrm>
+      </p:grpSpPr>
+      <p:sp>
+        <p:nvSpPr>
+          <p:cNvPr id="2" name="Title 1"/>
+          <p:cNvSpPr>
+            <a:spLocks noGrp="1"/>
+          </p:cNvSpPr>
+          <p:nvPr>
+            <p:ph type="title"/>
+          </p:nvPr>
+        </p:nvSpPr>
+        <p:spPr/>
+        <p:txBody>
+          <a:bodyPr/>
+          <a:lstStyle/>
+          <a:p>
+            <a:r>
+              <a:rPr lang="en-US" dirty="0" smtClean="0"/>
+              <a:t>Layered Systems</a:t>
+            </a:r>
+            <a:endParaRPr lang="en-US" dirty="0"/>
+          </a:p>
+        </p:txBody>
+      </p:sp>
+      <p:sp>
+        <p:nvSpPr>
+          <p:cNvPr id="3" name="Content Placeholder 2"/>
+          <p:cNvSpPr>
+            <a:spLocks noGrp="1"/>
+          </p:cNvSpPr>
+          <p:nvPr>
+            <p:ph idx="1"/>
+          </p:nvPr>
+        </p:nvSpPr>
+        <p:spPr/>
+        <p:txBody>
+          <a:bodyPr>
+            <a:normAutofit fontScale="77500" lnSpcReduction="20000"/>
+          </a:bodyPr>
+          <a:lstStyle/>
+          <a:p>
+            <a:r>
+              <a:rPr lang="en-US" dirty="0"/>
+              <a:t>H</a:t>
+            </a:r>
+            <a:r>
+              <a:rPr lang="en-US" dirty="0" smtClean="0"/>
+              <a:t>ierarchical </a:t>
+            </a:r>
+            <a:r>
+              <a:rPr lang="en-US" dirty="0"/>
+              <a:t>arrangement</a:t>
+            </a:r>
+          </a:p>
+          <a:p>
+            <a:r>
+              <a:rPr lang="en-US" dirty="0"/>
+              <a:t>L</a:t>
+            </a:r>
+            <a:r>
+              <a:rPr lang="en-US" dirty="0" smtClean="0"/>
+              <a:t>ayer </a:t>
+            </a:r>
+            <a:r>
+              <a:rPr lang="en-US" dirty="0"/>
+              <a:t>provides services to layer above, uses services from layer below</a:t>
+            </a:r>
+          </a:p>
+          <a:p>
+            <a:r>
+              <a:rPr lang="en-US" dirty="0"/>
+              <a:t>I</a:t>
+            </a:r>
+            <a:r>
+              <a:rPr lang="en-US" dirty="0" smtClean="0"/>
+              <a:t>mproves </a:t>
+            </a:r>
+            <a:r>
+              <a:rPr lang="en-US" dirty="0" err="1"/>
+              <a:t>evolvability</a:t>
+            </a:r>
+            <a:r>
+              <a:rPr lang="en-US" dirty="0"/>
+              <a:t> and reusability through abstraction</a:t>
+            </a:r>
+          </a:p>
+          <a:p>
+            <a:r>
+              <a:rPr lang="en-US" dirty="0"/>
+              <a:t>D</a:t>
+            </a:r>
+            <a:r>
+              <a:rPr lang="en-US" dirty="0" smtClean="0"/>
+              <a:t>ecreases </a:t>
+            </a:r>
+            <a:r>
+              <a:rPr lang="en-US" dirty="0"/>
+              <a:t>performance through overhead, latency</a:t>
+            </a:r>
+          </a:p>
+          <a:p>
+            <a:r>
+              <a:rPr lang="en-US" dirty="0"/>
+              <a:t>L</a:t>
+            </a:r>
+            <a:r>
+              <a:rPr lang="en-US" dirty="0" smtClean="0"/>
+              <a:t>ayered</a:t>
+            </a:r>
+            <a:r>
+              <a:rPr lang="en-US" dirty="0"/>
+              <a:t>-client-server (LCS) adds proxy and gateway components to CS</a:t>
+            </a:r>
+          </a:p>
+          <a:p>
+            <a:r>
+              <a:rPr lang="en-US" dirty="0"/>
+              <a:t>P</a:t>
+            </a:r>
+            <a:r>
+              <a:rPr lang="en-US" dirty="0" smtClean="0"/>
+              <a:t>roxy </a:t>
+            </a:r>
+            <a:r>
+              <a:rPr lang="en-US" dirty="0"/>
+              <a:t>acts as shared server for one or more clients, </a:t>
+            </a:r>
+            <a:r>
+              <a:rPr lang="en-US" dirty="0" smtClean="0"/>
+              <a:t>forwarding (</a:t>
+            </a:r>
+            <a:r>
+              <a:rPr lang="en-US" dirty="0"/>
+              <a:t>maybe translated) requests</a:t>
+            </a:r>
+          </a:p>
+          <a:p>
+            <a:r>
+              <a:rPr lang="en-US" dirty="0"/>
+              <a:t>G</a:t>
+            </a:r>
+            <a:r>
+              <a:rPr lang="en-US" dirty="0" smtClean="0"/>
+              <a:t>ateway </a:t>
+            </a:r>
+            <a:r>
+              <a:rPr lang="en-US" dirty="0"/>
+              <a:t>appears as normal server, but forwards (maybe translated)</a:t>
+            </a:r>
+          </a:p>
+          <a:p>
+            <a:r>
+              <a:rPr lang="en-US" dirty="0"/>
+              <a:t>R</a:t>
+            </a:r>
+            <a:r>
+              <a:rPr lang="en-US" dirty="0" smtClean="0"/>
+              <a:t>equests </a:t>
+            </a:r>
+            <a:r>
+              <a:rPr lang="en-US" dirty="0"/>
+              <a:t>to lower layers: load balancing, security</a:t>
+            </a:r>
+          </a:p>
+        </p:txBody>
+      </p:sp>
+    </p:spTree>
+    <p:extLst>
+      <p:ext uri="{BB962C8B-B14F-4D97-AF65-F5344CB8AC3E}">
+        <p14:creationId xmlns:p14="http://schemas.microsoft.com/office/powerpoint/2010/main" val="367220812"/>
+      </p:ext>
+    </p:extLst>
+  </p:cSld>
+  <p:clrMapOvr>
+    <a:masterClrMapping/>
+  </p:clrMapOvr>
+</p:sld>
+</file>
+
+<file path=ppt/slides/slide14.xml><?xml version="1.0" encoding="utf-8"?>
+<p:sld xmlns:a="http://schemas.openxmlformats.org/drawingml/2006/main" xmlns:r="http://schemas.openxmlformats.org/officeDocument/2006/relationships" xmlns:p="http://schemas.openxmlformats.org/presentationml/2006/main">
+  <p:cSld>
+    <p:spTree>
+      <p:nvGrpSpPr>
+        <p:cNvPr id="1" name=""/>
+        <p:cNvGrpSpPr/>
+        <p:nvPr/>
+      </p:nvGrpSpPr>
+      <p:grpSpPr>
+        <a:xfrm>
+          <a:off x="0" y="0"/>
+          <a:ext cx="0" cy="0"/>
+          <a:chOff x="0" y="0"/>
+          <a:chExt cx="0" cy="0"/>
+        </a:xfrm>
+      </p:grpSpPr>
+      <p:sp>
+        <p:nvSpPr>
+          <p:cNvPr id="2" name="Title 1"/>
+          <p:cNvSpPr>
+            <a:spLocks noGrp="1"/>
+          </p:cNvSpPr>
+          <p:nvPr>
+            <p:ph type="title"/>
+          </p:nvPr>
+        </p:nvSpPr>
+        <p:spPr/>
+        <p:txBody>
+          <a:bodyPr/>
+          <a:lstStyle/>
+          <a:p>
+            <a:r>
+              <a:rPr lang="en-US" dirty="0" smtClean="0"/>
+              <a:t>Uniform Interface</a:t>
+            </a:r>
+            <a:endParaRPr lang="en-US" dirty="0"/>
+          </a:p>
+        </p:txBody>
+      </p:sp>
+      <p:sp>
+        <p:nvSpPr>
+          <p:cNvPr id="3" name="Content Placeholder 2"/>
+          <p:cNvSpPr>
+            <a:spLocks noGrp="1"/>
+          </p:cNvSpPr>
+          <p:nvPr>
+            <p:ph idx="1"/>
+          </p:nvPr>
+        </p:nvSpPr>
+        <p:spPr/>
+        <p:txBody>
+          <a:bodyPr>
+            <a:normAutofit fontScale="85000" lnSpcReduction="10000"/>
+          </a:bodyPr>
+          <a:lstStyle/>
+          <a:p>
+            <a:r>
+              <a:rPr lang="en-US" dirty="0"/>
+              <a:t>I</a:t>
+            </a:r>
+            <a:r>
+              <a:rPr lang="en-US" dirty="0" smtClean="0"/>
+              <a:t>mproves </a:t>
+            </a:r>
+            <a:r>
+              <a:rPr lang="en-US" dirty="0"/>
+              <a:t>simplicity and visibility</a:t>
+            </a:r>
+          </a:p>
+          <a:p>
+            <a:r>
+              <a:rPr lang="en-US" dirty="0"/>
+              <a:t>D</a:t>
+            </a:r>
+            <a:r>
+              <a:rPr lang="en-US" dirty="0" smtClean="0"/>
+              <a:t>ecreases </a:t>
+            </a:r>
+            <a:r>
+              <a:rPr lang="en-US" dirty="0"/>
+              <a:t>efficiency through possible data translations</a:t>
+            </a:r>
+          </a:p>
+          <a:p>
+            <a:r>
+              <a:rPr lang="en-US" dirty="0" smtClean="0"/>
+              <a:t>For </a:t>
+            </a:r>
+            <a:r>
+              <a:rPr lang="en-US" dirty="0"/>
+              <a:t>REST, optimized for large-grain hypermedia data transfer</a:t>
+            </a:r>
+          </a:p>
+          <a:p>
+            <a:r>
+              <a:rPr lang="en-US" dirty="0"/>
+              <a:t>I</a:t>
+            </a:r>
+            <a:r>
+              <a:rPr lang="en-US" dirty="0" smtClean="0"/>
+              <a:t>dentification </a:t>
+            </a:r>
+            <a:r>
+              <a:rPr lang="en-US" dirty="0"/>
+              <a:t>of resources</a:t>
+            </a:r>
+          </a:p>
+          <a:p>
+            <a:r>
+              <a:rPr lang="en-US" dirty="0"/>
+              <a:t>M</a:t>
+            </a:r>
+            <a:r>
+              <a:rPr lang="en-US" dirty="0" smtClean="0"/>
+              <a:t>anipulation </a:t>
+            </a:r>
+            <a:r>
+              <a:rPr lang="en-US" dirty="0"/>
+              <a:t>of resources through representations</a:t>
+            </a:r>
+          </a:p>
+          <a:p>
+            <a:r>
+              <a:rPr lang="en-US" dirty="0"/>
+              <a:t>S</a:t>
+            </a:r>
+            <a:r>
+              <a:rPr lang="en-US" dirty="0" smtClean="0"/>
+              <a:t>elf</a:t>
+            </a:r>
+            <a:r>
+              <a:rPr lang="en-US" dirty="0"/>
+              <a:t>-descriptive messages</a:t>
+            </a:r>
+          </a:p>
+          <a:p>
+            <a:r>
+              <a:rPr lang="en-US" dirty="0"/>
+              <a:t>H</a:t>
+            </a:r>
+            <a:r>
+              <a:rPr lang="en-US" dirty="0" smtClean="0"/>
+              <a:t>ypermedia </a:t>
+            </a:r>
+            <a:r>
+              <a:rPr lang="en-US" dirty="0"/>
+              <a:t>as the engine of application </a:t>
+            </a:r>
+            <a:r>
+              <a:rPr lang="en-US" dirty="0" smtClean="0"/>
+              <a:t>state (more later)</a:t>
+            </a:r>
+            <a:endParaRPr lang="en-US" dirty="0"/>
+          </a:p>
+        </p:txBody>
+      </p:sp>
+    </p:spTree>
+    <p:extLst>
+      <p:ext uri="{BB962C8B-B14F-4D97-AF65-F5344CB8AC3E}">
+        <p14:creationId xmlns:p14="http://schemas.microsoft.com/office/powerpoint/2010/main" val="1262861663"/>
+      </p:ext>
+    </p:extLst>
+  </p:cSld>
+  <p:clrMapOvr>
+    <a:masterClrMapping/>
+  </p:clrMapOvr>
+</p:sld>
+</file>
+
+<file path=ppt/slides/slide15.xml><?xml version="1.0" encoding="utf-8"?>
+<p:sld xmlns:a="http://schemas.openxmlformats.org/drawingml/2006/main" xmlns:r="http://schemas.openxmlformats.org/officeDocument/2006/relationships" xmlns:p="http://schemas.openxmlformats.org/presentationml/2006/main">
+  <p:cSld>
+    <p:spTree>
+      <p:nvGrpSpPr>
+        <p:cNvPr id="1" name=""/>
+        <p:cNvGrpSpPr/>
+        <p:nvPr/>
+      </p:nvGrpSpPr>
+      <p:grpSpPr>
+        <a:xfrm>
+          <a:off x="0" y="0"/>
+          <a:ext cx="0" cy="0"/>
+          <a:chOff x="0" y="0"/>
+          <a:chExt cx="0" cy="0"/>
+        </a:xfrm>
+      </p:grpSpPr>
+      <p:sp>
+        <p:nvSpPr>
+          <p:cNvPr id="2" name="Title 1"/>
+          <p:cNvSpPr>
+            <a:spLocks noGrp="1"/>
+          </p:cNvSpPr>
+          <p:nvPr>
+            <p:ph type="title"/>
+          </p:nvPr>
+        </p:nvSpPr>
+        <p:spPr/>
+        <p:txBody>
+          <a:bodyPr>
+            <a:normAutofit fontScale="90000"/>
+          </a:bodyPr>
+          <a:lstStyle/>
+          <a:p>
+            <a:r>
+              <a:rPr lang="en-US" dirty="0" smtClean="0"/>
               <a:t>Virtual Machine (VM) and Code-on-Demand (COD)</a:t>
             </a:r>
             <a:endParaRPr lang="en-US" dirty="0"/>
@@ -6397,7 +7396,6 @@
               <a:rPr lang="en-US" dirty="0"/>
               <a:t> AJAX)</a:t>
             </a:r>
-            <a:endParaRPr lang="en-US" dirty="0"/>
           </a:p>
         </p:txBody>
       </p:sp>
@@ -6414,7 +7412,7 @@
 </p:sld>
 </file>
 
-<file path=ppt/slides/slide11.xml><?xml version="1.0" encoding="utf-8"?>
+<file path=ppt/slides/slide16.xml><?xml version="1.0" encoding="utf-8"?>
 <p:sld xmlns:a="http://schemas.openxmlformats.org/drawingml/2006/main" xmlns:r="http://schemas.openxmlformats.org/officeDocument/2006/relationships" xmlns:p="http://schemas.openxmlformats.org/presentationml/2006/main">
   <p:cSld>
     <p:spTree>
@@ -6493,7 +7491,7 @@
 </p:sld>
 </file>
 
-<file path=ppt/slides/slide12.xml><?xml version="1.0" encoding="utf-8"?>
+<file path=ppt/slides/slide17.xml><?xml version="1.0" encoding="utf-8"?>
 <p:sld xmlns:a="http://schemas.openxmlformats.org/drawingml/2006/main" xmlns:r="http://schemas.openxmlformats.org/officeDocument/2006/relationships" xmlns:p="http://schemas.openxmlformats.org/presentationml/2006/main">
   <p:cSld>
     <p:spTree>
@@ -6720,7 +7718,7 @@
 </p:sld>
 </file>
 
-<file path=ppt/slides/slide13.xml><?xml version="1.0" encoding="utf-8"?>
+<file path=ppt/slides/slide18.xml><?xml version="1.0" encoding="utf-8"?>
 <p:sld xmlns:a="http://schemas.openxmlformats.org/drawingml/2006/main" xmlns:r="http://schemas.openxmlformats.org/officeDocument/2006/relationships" xmlns:p="http://schemas.openxmlformats.org/presentationml/2006/main">
   <p:cSld>
     <p:spTree>
@@ -6781,20 +7779,11 @@
               <a:rPr lang="en-US" dirty="0" smtClean="0"/>
               <a:t>Addressable Resources. Every “object” on your network should have a unique ID. </a:t>
             </a:r>
-            <a:endParaRPr lang="en-US" dirty="0" smtClean="0"/>
-          </a:p>
-          <a:p>
-            <a:r>
-              <a:rPr lang="en-US" dirty="0" smtClean="0"/>
-              <a:t>An </a:t>
-            </a:r>
-            <a:r>
-              <a:rPr lang="en-US" dirty="0" smtClean="0"/>
-              <a:t>important aspect is that each “object” or resource has its own specific URI where it can be </a:t>
-            </a:r>
-            <a:r>
-              <a:rPr lang="en-US" dirty="0" smtClean="0"/>
-              <a:t>addressed</a:t>
+          </a:p>
+          <a:p>
+            <a:r>
+              <a:rPr lang="en-US" dirty="0" smtClean="0"/>
+              <a:t>An important aspect is that each “object” or resource has its own specific URI where it can be addressed</a:t>
             </a:r>
           </a:p>
           <a:p>
@@ -6842,7 +7831,7 @@
 </p:sld>
 </file>
 
-<file path=ppt/slides/slide14.xml><?xml version="1.0" encoding="utf-8"?>
+<file path=ppt/slides/slide19.xml><?xml version="1.0" encoding="utf-8"?>
 <p:sld xmlns:a="http://schemas.openxmlformats.org/drawingml/2006/main" xmlns:r="http://schemas.openxmlformats.org/officeDocument/2006/relationships" xmlns:p="http://schemas.openxmlformats.org/presentationml/2006/main">
   <p:cSld>
     <p:spTree>
@@ -7019,7 +8008,7 @@
 </p:sld>
 </file>
 
-<file path=ppt/slides/slide15.xml><?xml version="1.0" encoding="utf-8"?>
+<file path=ppt/slides/slide2.xml><?xml version="1.0" encoding="utf-8"?>
 <p:sld xmlns:a="http://schemas.openxmlformats.org/drawingml/2006/main" xmlns:r="http://schemas.openxmlformats.org/officeDocument/2006/relationships" xmlns:p="http://schemas.openxmlformats.org/presentationml/2006/main">
   <p:cSld>
     <p:spTree>
@@ -7053,7 +8042,7 @@
           <a:p>
             <a:r>
               <a:rPr lang="en-US" dirty="0" smtClean="0"/>
-              <a:t>Stateless Interaction</a:t>
+              <a:t>World Wide Web</a:t>
             </a:r>
             <a:endParaRPr lang="en-US" dirty="0"/>
           </a:p>
@@ -7061,161 +8050,122 @@
       </p:sp>
       <p:sp>
         <p:nvSpPr>
-          <p:cNvPr id="3" name="Content Placeholder 2"/>
-          <p:cNvSpPr>
-            <a:spLocks noGrp="1"/>
-          </p:cNvSpPr>
-          <p:nvPr>
-            <p:ph idx="1"/>
+          <p:cNvPr id="4" name="Content Placeholder 3"/>
+          <p:cNvSpPr>
+            <a:spLocks noGrp="1"/>
+          </p:cNvSpPr>
+          <p:nvPr>
+            <p:ph sz="half" idx="1"/>
           </p:nvPr>
         </p:nvSpPr>
         <p:spPr/>
         <p:txBody>
           <a:bodyPr>
-            <a:normAutofit fontScale="77500" lnSpcReduction="20000"/>
+            <a:normAutofit fontScale="85000" lnSpcReduction="10000"/>
           </a:bodyPr>
           <a:lstStyle/>
           <a:p>
             <a:r>
               <a:rPr lang="en-US" dirty="0"/>
-              <a:t>A</a:t>
-            </a:r>
-            <a:r>
-              <a:rPr lang="en-US" dirty="0" smtClean="0"/>
-              <a:t>bstract </a:t>
-            </a:r>
-            <a:r>
-              <a:rPr lang="en-US" dirty="0"/>
-              <a:t>interface for component communication</a:t>
-            </a:r>
-          </a:p>
-          <a:p>
-            <a:r>
-              <a:rPr lang="en-US" dirty="0" smtClean="0"/>
-              <a:t>Stateless </a:t>
-            </a:r>
-            <a:r>
-              <a:rPr lang="en-US" dirty="0"/>
-              <a:t>interactions</a:t>
-            </a:r>
-            <a:r>
-              <a:rPr lang="en-US" dirty="0" smtClean="0"/>
-              <a:t>:</a:t>
-            </a:r>
-          </a:p>
-          <a:p>
-            <a:pPr lvl="1"/>
-            <a:r>
-              <a:rPr lang="en-US" dirty="0" smtClean="0"/>
-              <a:t> </a:t>
-            </a:r>
-            <a:r>
-              <a:rPr lang="en-US" dirty="0"/>
-              <a:t>connectors need not retain application state between </a:t>
-            </a:r>
-            <a:r>
-              <a:rPr lang="en-US" dirty="0" smtClean="0"/>
-              <a:t>requests</a:t>
-            </a:r>
-          </a:p>
-          <a:p>
-            <a:pPr lvl="1"/>
-            <a:r>
-              <a:rPr lang="en-US" dirty="0" smtClean="0"/>
-              <a:t>interactions </a:t>
-            </a:r>
-            <a:r>
-              <a:rPr lang="en-US" dirty="0"/>
-              <a:t>can be processed in parallel, </a:t>
-            </a:r>
-            <a:r>
-              <a:rPr lang="en-US" dirty="0" smtClean="0"/>
-              <a:t>naively</a:t>
-            </a:r>
-          </a:p>
-          <a:p>
-            <a:pPr lvl="1"/>
-            <a:r>
-              <a:rPr lang="en-US" dirty="0" smtClean="0"/>
-              <a:t>intermediary </a:t>
-            </a:r>
-            <a:r>
-              <a:rPr lang="en-US" dirty="0"/>
-              <a:t>may view and understand request in </a:t>
-            </a:r>
-            <a:r>
-              <a:rPr lang="en-US" dirty="0" smtClean="0"/>
-              <a:t>isolation</a:t>
-            </a:r>
-          </a:p>
-          <a:p>
-            <a:pPr lvl="1"/>
-            <a:r>
-              <a:rPr lang="en-US" dirty="0" smtClean="0"/>
-              <a:t>reusability </a:t>
-            </a:r>
-            <a:r>
-              <a:rPr lang="en-US" dirty="0"/>
-              <a:t>of cached response can be determined from </a:t>
-            </a:r>
-            <a:r>
-              <a:rPr lang="en-US" dirty="0" smtClean="0"/>
-              <a:t>response itself</a:t>
+              <a:t>navigating document collections</a:t>
+            </a:r>
+          </a:p>
+          <a:p>
+            <a:r>
+              <a:rPr lang="en-US" dirty="0" smtClean="0"/>
+              <a:t>multimedia </a:t>
+            </a:r>
+            <a:r>
+              <a:rPr lang="en-US" dirty="0"/>
+              <a:t>documents</a:t>
+            </a:r>
+          </a:p>
+          <a:p>
+            <a:r>
+              <a:rPr lang="en-US" dirty="0" smtClean="0"/>
+              <a:t>hypertext </a:t>
+            </a:r>
+            <a:r>
+              <a:rPr lang="en-US" dirty="0"/>
+              <a:t>cross-references</a:t>
+            </a:r>
+          </a:p>
+          <a:p>
+            <a:r>
+              <a:rPr lang="en-US" dirty="0" smtClean="0"/>
+              <a:t>hypertext </a:t>
+            </a:r>
+            <a:r>
+              <a:rPr lang="en-US" dirty="0"/>
+              <a:t>markup language</a:t>
+            </a:r>
+          </a:p>
+          <a:p>
+            <a:r>
+              <a:rPr lang="en-US" dirty="0"/>
+              <a:t>(HTML)</a:t>
+            </a:r>
+          </a:p>
+          <a:p>
+            <a:r>
+              <a:rPr lang="en-US" dirty="0" smtClean="0"/>
+              <a:t>hypertext </a:t>
+            </a:r>
+            <a:r>
+              <a:rPr lang="en-US" dirty="0"/>
+              <a:t>transfer protocol</a:t>
+            </a:r>
+          </a:p>
+          <a:p>
+            <a:r>
+              <a:rPr lang="en-US" dirty="0"/>
+              <a:t>(HTTP)</a:t>
+            </a:r>
+          </a:p>
+          <a:p>
+            <a:r>
+              <a:rPr lang="en-US" dirty="0" smtClean="0"/>
+              <a:t>Tim </a:t>
+            </a:r>
+            <a:r>
+              <a:rPr lang="en-US" dirty="0"/>
+              <a:t>Berners-Lee at CERN</a:t>
+            </a:r>
+            <a:r>
+              <a:rPr lang="en-US" dirty="0" smtClean="0"/>
+              <a:t>, 1989</a:t>
+            </a:r>
+            <a:r>
+              <a:rPr lang="en-US" dirty="0"/>
+              <a:t>–1992</a:t>
             </a:r>
             <a:endParaRPr lang="en-US" dirty="0"/>
           </a:p>
-          <a:p>
-            <a:r>
-              <a:rPr lang="en-US" dirty="0"/>
-              <a:t>R</a:t>
-            </a:r>
-            <a:r>
-              <a:rPr lang="en-US" dirty="0" smtClean="0"/>
-              <a:t>equest </a:t>
-            </a:r>
-            <a:r>
-              <a:rPr lang="en-US" dirty="0"/>
-              <a:t>parameters: control data, target URI, optional </a:t>
-            </a:r>
-            <a:r>
-              <a:rPr lang="en-US" dirty="0" smtClean="0"/>
-              <a:t>representation</a:t>
-            </a:r>
-          </a:p>
-          <a:p>
-            <a:r>
-              <a:rPr lang="en-US" dirty="0"/>
-              <a:t>R</a:t>
-            </a:r>
-            <a:r>
-              <a:rPr lang="en-US" dirty="0" smtClean="0"/>
-              <a:t>esponse </a:t>
-            </a:r>
-            <a:r>
-              <a:rPr lang="en-US" dirty="0"/>
-              <a:t>parameters: control data, optional resource metadata</a:t>
-            </a:r>
-            <a:r>
-              <a:rPr lang="en-US" dirty="0" smtClean="0"/>
-              <a:t>, optional </a:t>
-            </a:r>
-            <a:r>
-              <a:rPr lang="en-US" dirty="0"/>
-              <a:t>representation</a:t>
-            </a:r>
-          </a:p>
-          <a:p>
-            <a:pPr marL="0" indent="0">
-              <a:buNone/>
-            </a:pPr>
-            <a:endParaRPr lang="en-US" b="1" dirty="0"/>
-          </a:p>
-        </p:txBody>
-      </p:sp>
+        </p:txBody>
+      </p:sp>
+      <p:pic>
+        <p:nvPicPr>
+          <p:cNvPr id="7" name="Content Placeholder 6"/>
+          <p:cNvPicPr>
+            <a:picLocks noGrp="1" noChangeAspect="1"/>
+          </p:cNvPicPr>
+          <p:nvPr>
+            <p:ph sz="half" idx="2"/>
+          </p:nvPr>
+        </p:nvPicPr>
+        <p:blipFill>
+          <a:blip r:embed="rId2"/>
+          <a:srcRect t="6877" b="6877"/>
+          <a:stretch>
+            <a:fillRect/>
+          </a:stretch>
+        </p:blipFill>
+        <p:spPr/>
+      </p:pic>
     </p:spTree>
     <p:extLst>
       <p:ext uri="{BB962C8B-B14F-4D97-AF65-F5344CB8AC3E}">
-        <p14:creationId xmlns:p14="http://schemas.microsoft.com/office/powerpoint/2010/main" val="336964797"/>
+        <p14:creationId xmlns:p14="http://schemas.microsoft.com/office/powerpoint/2010/main" val="3552797669"/>
       </p:ext>
     </p:extLst>
   </p:cSld>
@@ -7225,7 +8175,7 @@
 </p:sld>
 </file>
 
-<file path=ppt/slides/slide16.xml><?xml version="1.0" encoding="utf-8"?>
+<file path=ppt/slides/slide20.xml><?xml version="1.0" encoding="utf-8"?>
 <p:sld xmlns:a="http://schemas.openxmlformats.org/drawingml/2006/main" xmlns:r="http://schemas.openxmlformats.org/officeDocument/2006/relationships" xmlns:p="http://schemas.openxmlformats.org/presentationml/2006/main">
   <p:cSld>
     <p:spTree>
@@ -7259,6 +8209,212 @@
           <a:p>
             <a:r>
               <a:rPr lang="en-US" dirty="0" smtClean="0"/>
+              <a:t>Stateless Interaction</a:t>
+            </a:r>
+            <a:endParaRPr lang="en-US" dirty="0"/>
+          </a:p>
+        </p:txBody>
+      </p:sp>
+      <p:sp>
+        <p:nvSpPr>
+          <p:cNvPr id="3" name="Content Placeholder 2"/>
+          <p:cNvSpPr>
+            <a:spLocks noGrp="1"/>
+          </p:cNvSpPr>
+          <p:nvPr>
+            <p:ph idx="1"/>
+          </p:nvPr>
+        </p:nvSpPr>
+        <p:spPr/>
+        <p:txBody>
+          <a:bodyPr>
+            <a:normAutofit fontScale="77500" lnSpcReduction="20000"/>
+          </a:bodyPr>
+          <a:lstStyle/>
+          <a:p>
+            <a:r>
+              <a:rPr lang="en-US" dirty="0"/>
+              <a:t>A</a:t>
+            </a:r>
+            <a:r>
+              <a:rPr lang="en-US" dirty="0" smtClean="0"/>
+              <a:t>bstract </a:t>
+            </a:r>
+            <a:r>
+              <a:rPr lang="en-US" dirty="0"/>
+              <a:t>interface for component communication</a:t>
+            </a:r>
+          </a:p>
+          <a:p>
+            <a:r>
+              <a:rPr lang="en-US" dirty="0" smtClean="0"/>
+              <a:t>Stateless </a:t>
+            </a:r>
+            <a:r>
+              <a:rPr lang="en-US" dirty="0"/>
+              <a:t>interactions</a:t>
+            </a:r>
+            <a:r>
+              <a:rPr lang="en-US" dirty="0" smtClean="0"/>
+              <a:t>:</a:t>
+            </a:r>
+          </a:p>
+          <a:p>
+            <a:pPr lvl="1"/>
+            <a:r>
+              <a:rPr lang="en-US" dirty="0" smtClean="0"/>
+              <a:t> </a:t>
+            </a:r>
+            <a:r>
+              <a:rPr lang="en-US" dirty="0"/>
+              <a:t>connectors need not retain application state between </a:t>
+            </a:r>
+            <a:r>
+              <a:rPr lang="en-US" dirty="0" smtClean="0"/>
+              <a:t>requests</a:t>
+            </a:r>
+          </a:p>
+          <a:p>
+            <a:pPr lvl="1"/>
+            <a:r>
+              <a:rPr lang="en-US" dirty="0" smtClean="0"/>
+              <a:t>interactions </a:t>
+            </a:r>
+            <a:r>
+              <a:rPr lang="en-US" dirty="0"/>
+              <a:t>can be processed in parallel, </a:t>
+            </a:r>
+            <a:r>
+              <a:rPr lang="en-US" dirty="0" smtClean="0"/>
+              <a:t>naively</a:t>
+            </a:r>
+          </a:p>
+          <a:p>
+            <a:pPr lvl="1"/>
+            <a:r>
+              <a:rPr lang="en-US" dirty="0" smtClean="0"/>
+              <a:t>intermediary </a:t>
+            </a:r>
+            <a:r>
+              <a:rPr lang="en-US" dirty="0"/>
+              <a:t>may view and understand request in </a:t>
+            </a:r>
+            <a:r>
+              <a:rPr lang="en-US" dirty="0" smtClean="0"/>
+              <a:t>isolation</a:t>
+            </a:r>
+          </a:p>
+          <a:p>
+            <a:pPr lvl="1"/>
+            <a:r>
+              <a:rPr lang="en-US" dirty="0" smtClean="0"/>
+              <a:t>reusability </a:t>
+            </a:r>
+            <a:r>
+              <a:rPr lang="en-US" dirty="0"/>
+              <a:t>of cached response can be determined from </a:t>
+            </a:r>
+            <a:r>
+              <a:rPr lang="en-US" dirty="0" smtClean="0"/>
+              <a:t>response itself</a:t>
+            </a:r>
+            <a:endParaRPr lang="en-US" dirty="0"/>
+          </a:p>
+          <a:p>
+            <a:r>
+              <a:rPr lang="en-US" dirty="0"/>
+              <a:t>R</a:t>
+            </a:r>
+            <a:r>
+              <a:rPr lang="en-US" dirty="0" smtClean="0"/>
+              <a:t>equest </a:t>
+            </a:r>
+            <a:r>
+              <a:rPr lang="en-US" dirty="0"/>
+              <a:t>parameters: control data, target URI, optional </a:t>
+            </a:r>
+            <a:r>
+              <a:rPr lang="en-US" dirty="0" smtClean="0"/>
+              <a:t>representation</a:t>
+            </a:r>
+          </a:p>
+          <a:p>
+            <a:r>
+              <a:rPr lang="en-US" dirty="0"/>
+              <a:t>R</a:t>
+            </a:r>
+            <a:r>
+              <a:rPr lang="en-US" dirty="0" smtClean="0"/>
+              <a:t>esponse </a:t>
+            </a:r>
+            <a:r>
+              <a:rPr lang="en-US" dirty="0"/>
+              <a:t>parameters: control data, optional resource metadata</a:t>
+            </a:r>
+            <a:r>
+              <a:rPr lang="en-US" dirty="0" smtClean="0"/>
+              <a:t>, optional </a:t>
+            </a:r>
+            <a:r>
+              <a:rPr lang="en-US" dirty="0"/>
+              <a:t>representation</a:t>
+            </a:r>
+          </a:p>
+          <a:p>
+            <a:pPr marL="0" indent="0">
+              <a:buNone/>
+            </a:pPr>
+            <a:endParaRPr lang="en-US" b="1" dirty="0"/>
+          </a:p>
+        </p:txBody>
+      </p:sp>
+    </p:spTree>
+    <p:extLst>
+      <p:ext uri="{BB962C8B-B14F-4D97-AF65-F5344CB8AC3E}">
+        <p14:creationId xmlns:p14="http://schemas.microsoft.com/office/powerpoint/2010/main" val="336964797"/>
+      </p:ext>
+    </p:extLst>
+  </p:cSld>
+  <p:clrMapOvr>
+    <a:masterClrMapping/>
+  </p:clrMapOvr>
+</p:sld>
+</file>
+
+<file path=ppt/slides/slide21.xml><?xml version="1.0" encoding="utf-8"?>
+<p:sld xmlns:a="http://schemas.openxmlformats.org/drawingml/2006/main" xmlns:r="http://schemas.openxmlformats.org/officeDocument/2006/relationships" xmlns:p="http://schemas.openxmlformats.org/presentationml/2006/main">
+  <p:cSld>
+    <p:spTree>
+      <p:nvGrpSpPr>
+        <p:cNvPr id="1" name=""/>
+        <p:cNvGrpSpPr/>
+        <p:nvPr/>
+      </p:nvGrpSpPr>
+      <p:grpSpPr>
+        <a:xfrm>
+          <a:off x="0" y="0"/>
+          <a:ext cx="0" cy="0"/>
+          <a:chOff x="0" y="0"/>
+          <a:chExt cx="0" cy="0"/>
+        </a:xfrm>
+      </p:grpSpPr>
+      <p:sp>
+        <p:nvSpPr>
+          <p:cNvPr id="2" name="Title 1"/>
+          <p:cNvSpPr>
+            <a:spLocks noGrp="1"/>
+          </p:cNvSpPr>
+          <p:nvPr>
+            <p:ph type="title"/>
+          </p:nvPr>
+        </p:nvSpPr>
+        <p:spPr/>
+        <p:txBody>
+          <a:bodyPr/>
+          <a:lstStyle/>
+          <a:p>
+            <a:r>
+              <a:rPr lang="en-US" dirty="0" smtClean="0"/>
               <a:t>Uniform Interface</a:t>
             </a:r>
             <a:endParaRPr lang="en-US" dirty="0"/>
@@ -7330,7 +8486,7 @@
 </p:sld>
 </file>
 
-<file path=ppt/slides/slide17.xml><?xml version="1.0" encoding="utf-8"?>
+<file path=ppt/slides/slide22.xml><?xml version="1.0" encoding="utf-8"?>
 <p:sld xmlns:a="http://schemas.openxmlformats.org/drawingml/2006/main" xmlns:r="http://schemas.openxmlformats.org/officeDocument/2006/relationships" xmlns:p="http://schemas.openxmlformats.org/presentationml/2006/main">
   <p:cSld>
     <p:spTree>
@@ -7407,7 +8563,7 @@
 </p:sld>
 </file>
 
-<file path=ppt/slides/slide18.xml><?xml version="1.0" encoding="utf-8"?>
+<file path=ppt/slides/slide23.xml><?xml version="1.0" encoding="utf-8"?>
 <p:sld xmlns:a="http://schemas.openxmlformats.org/drawingml/2006/main" xmlns:r="http://schemas.openxmlformats.org/officeDocument/2006/relationships" xmlns:p="http://schemas.openxmlformats.org/presentationml/2006/main">
   <p:cSld>
     <p:spTree>
@@ -7704,7 +8860,6 @@
               <a:rPr lang="en-US" dirty="0"/>
               <a:t>=cat</a:t>
             </a:r>
-            <a:endParaRPr lang="en-US" dirty="0"/>
           </a:p>
         </p:txBody>
       </p:sp>
@@ -7721,7 +8876,7 @@
 </p:sld>
 </file>
 
-<file path=ppt/slides/slide19.xml><?xml version="1.0" encoding="utf-8"?>
+<file path=ppt/slides/slide24.xml><?xml version="1.0" encoding="utf-8"?>
 <p:sld xmlns:a="http://schemas.openxmlformats.org/drawingml/2006/main" xmlns:r="http://schemas.openxmlformats.org/officeDocument/2006/relationships" xmlns:p="http://schemas.openxmlformats.org/presentationml/2006/main">
   <p:cSld>
     <p:spTree>
@@ -7888,7 +9043,2349 @@
 </p:sld>
 </file>
 
-<file path=ppt/slides/slide2.xml><?xml version="1.0" encoding="utf-8"?>
+<file path=ppt/slides/slide25.xml><?xml version="1.0" encoding="utf-8"?>
+<p:sld xmlns:a="http://schemas.openxmlformats.org/drawingml/2006/main" xmlns:r="http://schemas.openxmlformats.org/officeDocument/2006/relationships" xmlns:p="http://schemas.openxmlformats.org/presentationml/2006/main">
+  <p:cSld>
+    <p:spTree>
+      <p:nvGrpSpPr>
+        <p:cNvPr id="1" name=""/>
+        <p:cNvGrpSpPr/>
+        <p:nvPr/>
+      </p:nvGrpSpPr>
+      <p:grpSpPr>
+        <a:xfrm>
+          <a:off x="0" y="0"/>
+          <a:ext cx="0" cy="0"/>
+          <a:chOff x="0" y="0"/>
+          <a:chExt cx="0" cy="0"/>
+        </a:xfrm>
+      </p:grpSpPr>
+      <p:sp>
+        <p:nvSpPr>
+          <p:cNvPr id="2" name="Title 1"/>
+          <p:cNvSpPr>
+            <a:spLocks noGrp="1"/>
+          </p:cNvSpPr>
+          <p:nvPr>
+            <p:ph type="title"/>
+          </p:nvPr>
+        </p:nvSpPr>
+        <p:spPr/>
+        <p:txBody>
+          <a:bodyPr>
+            <a:normAutofit fontScale="90000"/>
+          </a:bodyPr>
+          <a:lstStyle/>
+          <a:p>
+            <a:r>
+              <a:rPr lang="en-US" smtClean="0"/>
+              <a:t>Resource Representations and States</a:t>
+            </a:r>
+            <a:endParaRPr lang="en-US" dirty="0"/>
+          </a:p>
+        </p:txBody>
+      </p:sp>
+      <p:sp>
+        <p:nvSpPr>
+          <p:cNvPr id="3" name="Content Placeholder 2"/>
+          <p:cNvSpPr>
+            <a:spLocks noGrp="1"/>
+          </p:cNvSpPr>
+          <p:nvPr>
+            <p:ph idx="1"/>
+          </p:nvPr>
+        </p:nvSpPr>
+        <p:spPr/>
+        <p:txBody>
+          <a:bodyPr>
+            <a:normAutofit fontScale="77500" lnSpcReduction="20000"/>
+          </a:bodyPr>
+          <a:lstStyle/>
+          <a:p>
+            <a:r>
+              <a:rPr lang="en-US" dirty="0" smtClean="0"/>
+              <a:t>Interact with services using representations of resources.</a:t>
+            </a:r>
+          </a:p>
+          <a:p>
+            <a:pPr lvl="1"/>
+            <a:r>
+              <a:rPr lang="en-US" dirty="0" smtClean="0"/>
+              <a:t>An XML representation</a:t>
+            </a:r>
+          </a:p>
+          <a:p>
+            <a:pPr lvl="1"/>
+            <a:r>
+              <a:rPr lang="en-US" dirty="0" smtClean="0"/>
+              <a:t>A JSON representation </a:t>
+            </a:r>
+          </a:p>
+          <a:p>
+            <a:r>
+              <a:rPr lang="en-US" dirty="0" smtClean="0"/>
+              <a:t>An object referenced by one URI can have different formats available. Different platforms need different formats. </a:t>
+            </a:r>
+          </a:p>
+          <a:p>
+            <a:pPr lvl="1"/>
+            <a:r>
+              <a:rPr lang="en-US" dirty="0" smtClean="0"/>
+              <a:t>A mobile application may need JSON</a:t>
+            </a:r>
+          </a:p>
+          <a:p>
+            <a:pPr lvl="1"/>
+            <a:r>
+              <a:rPr lang="en-US" dirty="0" smtClean="0"/>
+              <a:t>A Java application may need XML.</a:t>
+            </a:r>
+          </a:p>
+          <a:p>
+            <a:r>
+              <a:rPr lang="en-US" dirty="0" smtClean="0"/>
+              <a:t>Utilize the Content-Type header</a:t>
+            </a:r>
+          </a:p>
+          <a:p>
+            <a:pPr lvl="1"/>
+            <a:r>
+              <a:rPr lang="en-US" dirty="0" smtClean="0"/>
+              <a:t>And the Accept: header</a:t>
+            </a:r>
+          </a:p>
+          <a:p>
+            <a:r>
+              <a:rPr lang="en-US" dirty="0" smtClean="0"/>
+              <a:t>Communicate in a stateless manner</a:t>
+            </a:r>
+          </a:p>
+          <a:p>
+            <a:pPr lvl="1"/>
+            <a:r>
+              <a:rPr lang="en-US" dirty="0" smtClean="0"/>
+              <a:t>Stateless applications are far more </a:t>
+            </a:r>
+            <a:r>
+              <a:rPr lang="en-US" dirty="0" err="1" smtClean="0"/>
+              <a:t>scaleable</a:t>
+            </a:r>
+            <a:endParaRPr lang="en-US" dirty="0" smtClean="0"/>
+          </a:p>
+          <a:p>
+            <a:pPr lvl="1"/>
+            <a:endParaRPr lang="en-US" dirty="0" smtClean="0"/>
+          </a:p>
+          <a:p>
+            <a:endParaRPr lang="en-US" dirty="0"/>
+          </a:p>
+        </p:txBody>
+      </p:sp>
+    </p:spTree>
+    <p:extLst>
+      <p:ext uri="{BB962C8B-B14F-4D97-AF65-F5344CB8AC3E}">
+        <p14:creationId xmlns:p14="http://schemas.microsoft.com/office/powerpoint/2010/main" val="2990386115"/>
+      </p:ext>
+    </p:extLst>
+  </p:cSld>
+  <p:clrMapOvr>
+    <a:masterClrMapping/>
+  </p:clrMapOvr>
+  <p:timing>
+    <p:tnLst>
+      <p:par>
+        <p:cTn xmlns:p14="http://schemas.microsoft.com/office/powerpoint/2010/main" id="1" dur="indefinite" restart="never" nodeType="tmRoot"/>
+      </p:par>
+    </p:tnLst>
+  </p:timing>
+</p:sld>
+</file>
+
+<file path=ppt/slides/slide26.xml><?xml version="1.0" encoding="utf-8"?>
+<p:sld xmlns:a="http://schemas.openxmlformats.org/drawingml/2006/main" xmlns:r="http://schemas.openxmlformats.org/officeDocument/2006/relationships" xmlns:p="http://schemas.openxmlformats.org/presentationml/2006/main">
+  <p:cSld>
+    <p:spTree>
+      <p:nvGrpSpPr>
+        <p:cNvPr id="1" name=""/>
+        <p:cNvGrpSpPr/>
+        <p:nvPr/>
+      </p:nvGrpSpPr>
+      <p:grpSpPr>
+        <a:xfrm>
+          <a:off x="0" y="0"/>
+          <a:ext cx="0" cy="0"/>
+          <a:chOff x="0" y="0"/>
+          <a:chExt cx="0" cy="0"/>
+        </a:xfrm>
+      </p:grpSpPr>
+      <p:sp>
+        <p:nvSpPr>
+          <p:cNvPr id="2" name="Title 1"/>
+          <p:cNvSpPr>
+            <a:spLocks noGrp="1"/>
+          </p:cNvSpPr>
+          <p:nvPr>
+            <p:ph type="title"/>
+          </p:nvPr>
+        </p:nvSpPr>
+        <p:spPr/>
+        <p:txBody>
+          <a:bodyPr>
+            <a:normAutofit fontScale="90000"/>
+          </a:bodyPr>
+          <a:lstStyle/>
+          <a:p>
+            <a:r>
+              <a:rPr lang="en-US" dirty="0" smtClean="0"/>
+              <a:t>Hypertext as the Engine of Application State</a:t>
+            </a:r>
+            <a:endParaRPr lang="en-US" dirty="0"/>
+          </a:p>
+        </p:txBody>
+      </p:sp>
+      <p:sp>
+        <p:nvSpPr>
+          <p:cNvPr id="3" name="Content Placeholder 2"/>
+          <p:cNvSpPr>
+            <a:spLocks noGrp="1"/>
+          </p:cNvSpPr>
+          <p:nvPr>
+            <p:ph idx="1"/>
+          </p:nvPr>
+        </p:nvSpPr>
+        <p:spPr/>
+        <p:txBody>
+          <a:bodyPr>
+            <a:normAutofit fontScale="70000" lnSpcReduction="20000"/>
+          </a:bodyPr>
+          <a:lstStyle/>
+          <a:p>
+            <a:pPr algn="ctr">
+              <a:tabLst>
+                <a:tab pos="656722" algn="l"/>
+                <a:tab pos="1313444" algn="l"/>
+                <a:tab pos="1970166" algn="l"/>
+                <a:tab pos="2626888" algn="l"/>
+                <a:tab pos="3283610" algn="l"/>
+                <a:tab pos="3940332" algn="l"/>
+                <a:tab pos="4597055" algn="l"/>
+                <a:tab pos="5253777" algn="l"/>
+                <a:tab pos="5910499" algn="l"/>
+                <a:tab pos="6567221" algn="l"/>
+                <a:tab pos="7223943" algn="l"/>
+              </a:tabLst>
+            </a:pPr>
+            <a:endParaRPr lang="en-US" dirty="0" smtClean="0">
+              <a:ea typeface="Droid Sans Fallback" charset="0"/>
+              <a:cs typeface="Droid Sans Fallback" charset="0"/>
+            </a:endParaRPr>
+          </a:p>
+          <a:p>
+            <a:pPr algn="ctr">
+              <a:tabLst>
+                <a:tab pos="656722" algn="l"/>
+                <a:tab pos="1313444" algn="l"/>
+                <a:tab pos="1970166" algn="l"/>
+                <a:tab pos="2626888" algn="l"/>
+                <a:tab pos="3283610" algn="l"/>
+                <a:tab pos="3940332" algn="l"/>
+                <a:tab pos="4597055" algn="l"/>
+                <a:tab pos="5253777" algn="l"/>
+                <a:tab pos="5910499" algn="l"/>
+                <a:tab pos="6567221" algn="l"/>
+                <a:tab pos="7223943" algn="l"/>
+              </a:tabLst>
+            </a:pPr>
+            <a:r>
+              <a:rPr lang="en-US" dirty="0" smtClean="0">
+                <a:ea typeface="Droid Sans Fallback" charset="0"/>
+                <a:cs typeface="Droid Sans Fallback" charset="0"/>
+              </a:rPr>
+              <a:t>Resources are identified by URIs</a:t>
+            </a:r>
+          </a:p>
+          <a:p>
+            <a:pPr marL="0" indent="0" algn="ctr">
+              <a:buNone/>
+              <a:tabLst>
+                <a:tab pos="656722" algn="l"/>
+                <a:tab pos="1313444" algn="l"/>
+                <a:tab pos="1970166" algn="l"/>
+                <a:tab pos="2626888" algn="l"/>
+                <a:tab pos="3283610" algn="l"/>
+                <a:tab pos="3940332" algn="l"/>
+                <a:tab pos="4597055" algn="l"/>
+                <a:tab pos="5253777" algn="l"/>
+                <a:tab pos="5910499" algn="l"/>
+                <a:tab pos="6567221" algn="l"/>
+                <a:tab pos="7223943" algn="l"/>
+              </a:tabLst>
+            </a:pPr>
+            <a:r>
+              <a:rPr lang="en-US" dirty="0" smtClean="0">
+                <a:ea typeface="Droid Sans Fallback" charset="0"/>
+                <a:cs typeface="Droid Sans Fallback" charset="0"/>
+              </a:rPr>
+              <a:t>↓</a:t>
+            </a:r>
+          </a:p>
+          <a:p>
+            <a:pPr algn="ctr">
+              <a:tabLst>
+                <a:tab pos="656722" algn="l"/>
+                <a:tab pos="1313444" algn="l"/>
+                <a:tab pos="1970166" algn="l"/>
+                <a:tab pos="2626888" algn="l"/>
+                <a:tab pos="3283610" algn="l"/>
+                <a:tab pos="3940332" algn="l"/>
+                <a:tab pos="4597055" algn="l"/>
+                <a:tab pos="5253777" algn="l"/>
+                <a:tab pos="5910499" algn="l"/>
+                <a:tab pos="6567221" algn="l"/>
+                <a:tab pos="7223943" algn="l"/>
+              </a:tabLst>
+            </a:pPr>
+            <a:r>
+              <a:rPr lang="en-US" dirty="0" smtClean="0">
+                <a:ea typeface="Droid Sans Fallback" charset="0"/>
+                <a:cs typeface="Droid Sans Fallback" charset="0"/>
+              </a:rPr>
+              <a:t>Clients communicate with resources via requests using a</a:t>
+            </a:r>
+          </a:p>
+          <a:p>
+            <a:pPr algn="ctr">
+              <a:tabLst>
+                <a:tab pos="656722" algn="l"/>
+                <a:tab pos="1313444" algn="l"/>
+                <a:tab pos="1970166" algn="l"/>
+                <a:tab pos="2626888" algn="l"/>
+                <a:tab pos="3283610" algn="l"/>
+                <a:tab pos="3940332" algn="l"/>
+                <a:tab pos="4597055" algn="l"/>
+                <a:tab pos="5253777" algn="l"/>
+                <a:tab pos="5910499" algn="l"/>
+                <a:tab pos="6567221" algn="l"/>
+                <a:tab pos="7223943" algn="l"/>
+              </a:tabLst>
+            </a:pPr>
+            <a:r>
+              <a:rPr lang="en-US" dirty="0" smtClean="0">
+                <a:ea typeface="Droid Sans Fallback" charset="0"/>
+                <a:cs typeface="Droid Sans Fallback" charset="0"/>
+              </a:rPr>
+              <a:t>standard set of methods</a:t>
+            </a:r>
+          </a:p>
+          <a:p>
+            <a:pPr marL="0" indent="0" algn="ctr">
+              <a:buNone/>
+              <a:tabLst>
+                <a:tab pos="656722" algn="l"/>
+                <a:tab pos="1313444" algn="l"/>
+                <a:tab pos="1970166" algn="l"/>
+                <a:tab pos="2626888" algn="l"/>
+                <a:tab pos="3283610" algn="l"/>
+                <a:tab pos="3940332" algn="l"/>
+                <a:tab pos="4597055" algn="l"/>
+                <a:tab pos="5253777" algn="l"/>
+                <a:tab pos="5910499" algn="l"/>
+                <a:tab pos="6567221" algn="l"/>
+                <a:tab pos="7223943" algn="l"/>
+              </a:tabLst>
+            </a:pPr>
+            <a:r>
+              <a:rPr lang="en-US" dirty="0" smtClean="0">
+                <a:ea typeface="Droid Sans Fallback" charset="0"/>
+                <a:cs typeface="Droid Sans Fallback" charset="0"/>
+              </a:rPr>
+              <a:t>↓</a:t>
+            </a:r>
+          </a:p>
+          <a:p>
+            <a:pPr algn="ctr">
+              <a:tabLst>
+                <a:tab pos="656722" algn="l"/>
+                <a:tab pos="1313444" algn="l"/>
+                <a:tab pos="1970166" algn="l"/>
+                <a:tab pos="2626888" algn="l"/>
+                <a:tab pos="3283610" algn="l"/>
+                <a:tab pos="3940332" algn="l"/>
+                <a:tab pos="4597055" algn="l"/>
+                <a:tab pos="5253777" algn="l"/>
+                <a:tab pos="5910499" algn="l"/>
+                <a:tab pos="6567221" algn="l"/>
+                <a:tab pos="7223943" algn="l"/>
+              </a:tabLst>
+            </a:pPr>
+            <a:r>
+              <a:rPr lang="en-US" dirty="0" smtClean="0">
+                <a:ea typeface="Droid Sans Fallback" charset="0"/>
+                <a:cs typeface="Droid Sans Fallback" charset="0"/>
+              </a:rPr>
+              <a:t>Requests and responses contain resource representations</a:t>
+            </a:r>
+          </a:p>
+          <a:p>
+            <a:pPr algn="ctr">
+              <a:tabLst>
+                <a:tab pos="656722" algn="l"/>
+                <a:tab pos="1313444" algn="l"/>
+                <a:tab pos="1970166" algn="l"/>
+                <a:tab pos="2626888" algn="l"/>
+                <a:tab pos="3283610" algn="l"/>
+                <a:tab pos="3940332" algn="l"/>
+                <a:tab pos="4597055" algn="l"/>
+                <a:tab pos="5253777" algn="l"/>
+                <a:tab pos="5910499" algn="l"/>
+                <a:tab pos="6567221" algn="l"/>
+                <a:tab pos="7223943" algn="l"/>
+              </a:tabLst>
+            </a:pPr>
+            <a:r>
+              <a:rPr lang="en-US" dirty="0" smtClean="0">
+                <a:ea typeface="Droid Sans Fallback" charset="0"/>
+                <a:cs typeface="Droid Sans Fallback" charset="0"/>
+              </a:rPr>
+              <a:t>in formats identified by media types</a:t>
+            </a:r>
+          </a:p>
+          <a:p>
+            <a:pPr marL="0" indent="0" algn="ctr">
+              <a:buNone/>
+              <a:tabLst>
+                <a:tab pos="656722" algn="l"/>
+                <a:tab pos="1313444" algn="l"/>
+                <a:tab pos="1970166" algn="l"/>
+                <a:tab pos="2626888" algn="l"/>
+                <a:tab pos="3283610" algn="l"/>
+                <a:tab pos="3940332" algn="l"/>
+                <a:tab pos="4597055" algn="l"/>
+                <a:tab pos="5253777" algn="l"/>
+                <a:tab pos="5910499" algn="l"/>
+                <a:tab pos="6567221" algn="l"/>
+                <a:tab pos="7223943" algn="l"/>
+              </a:tabLst>
+            </a:pPr>
+            <a:r>
+              <a:rPr lang="en-US" dirty="0" smtClean="0">
+                <a:ea typeface="Droid Sans Fallback" charset="0"/>
+                <a:cs typeface="Droid Sans Fallback" charset="0"/>
+              </a:rPr>
+              <a:t>↓</a:t>
+            </a:r>
+          </a:p>
+          <a:p>
+            <a:pPr algn="ctr">
+              <a:tabLst>
+                <a:tab pos="656722" algn="l"/>
+                <a:tab pos="1313444" algn="l"/>
+                <a:tab pos="1970166" algn="l"/>
+                <a:tab pos="2626888" algn="l"/>
+                <a:tab pos="3283610" algn="l"/>
+                <a:tab pos="3940332" algn="l"/>
+                <a:tab pos="4597055" algn="l"/>
+                <a:tab pos="5253777" algn="l"/>
+                <a:tab pos="5910499" algn="l"/>
+                <a:tab pos="6567221" algn="l"/>
+                <a:tab pos="7223943" algn="l"/>
+              </a:tabLst>
+            </a:pPr>
+            <a:r>
+              <a:rPr lang="en-US" dirty="0" smtClean="0">
+                <a:ea typeface="Droid Sans Fallback" charset="0"/>
+                <a:cs typeface="Droid Sans Fallback" charset="0"/>
+              </a:rPr>
+              <a:t>Responses contain URIs that link to further resources</a:t>
+            </a:r>
+          </a:p>
+          <a:p>
+            <a:pPr marL="0" indent="0" algn="ctr">
+              <a:buNone/>
+              <a:tabLst>
+                <a:tab pos="656722" algn="l"/>
+                <a:tab pos="1313444" algn="l"/>
+                <a:tab pos="1970166" algn="l"/>
+                <a:tab pos="2626888" algn="l"/>
+                <a:tab pos="3283610" algn="l"/>
+                <a:tab pos="3940332" algn="l"/>
+                <a:tab pos="4597055" algn="l"/>
+                <a:tab pos="5253777" algn="l"/>
+                <a:tab pos="5910499" algn="l"/>
+                <a:tab pos="6567221" algn="l"/>
+                <a:tab pos="7223943" algn="l"/>
+              </a:tabLst>
+            </a:pPr>
+            <a:r>
+              <a:rPr lang="en-US" dirty="0">
+                <a:ea typeface="Droid Sans Fallback" charset="0"/>
+                <a:cs typeface="Droid Sans Fallback" charset="0"/>
+              </a:rPr>
+              <a:t>↓</a:t>
+            </a:r>
+          </a:p>
+          <a:p>
+            <a:pPr marL="0" indent="0" algn="ctr">
+              <a:buNone/>
+              <a:tabLst>
+                <a:tab pos="656722" algn="l"/>
+                <a:tab pos="1313444" algn="l"/>
+                <a:tab pos="1970166" algn="l"/>
+                <a:tab pos="2626888" algn="l"/>
+                <a:tab pos="3283610" algn="l"/>
+                <a:tab pos="3940332" algn="l"/>
+                <a:tab pos="4597055" algn="l"/>
+                <a:tab pos="5253777" algn="l"/>
+                <a:tab pos="5910499" algn="l"/>
+                <a:tab pos="6567221" algn="l"/>
+                <a:tab pos="7223943" algn="l"/>
+              </a:tabLst>
+            </a:pPr>
+            <a:r>
+              <a:rPr lang="en-US" dirty="0" smtClean="0"/>
+              <a:t>Beginning</a:t>
+            </a:r>
+            <a:endParaRPr lang="en-US" dirty="0"/>
+          </a:p>
+        </p:txBody>
+      </p:sp>
+    </p:spTree>
+    <p:extLst>
+      <p:ext uri="{BB962C8B-B14F-4D97-AF65-F5344CB8AC3E}">
+        <p14:creationId xmlns:p14="http://schemas.microsoft.com/office/powerpoint/2010/main" val="3867699156"/>
+      </p:ext>
+    </p:extLst>
+  </p:cSld>
+  <p:clrMapOvr>
+    <a:masterClrMapping/>
+  </p:clrMapOvr>
+  <p:timing>
+    <p:tnLst>
+      <p:par>
+        <p:cTn xmlns:p14="http://schemas.microsoft.com/office/powerpoint/2010/main" id="1" dur="indefinite" restart="never" nodeType="tmRoot"/>
+      </p:par>
+    </p:tnLst>
+  </p:timing>
+</p:sld>
+</file>
+
+<file path=ppt/slides/slide27.xml><?xml version="1.0" encoding="utf-8"?>
+<p:sld xmlns:a="http://schemas.openxmlformats.org/drawingml/2006/main" xmlns:r="http://schemas.openxmlformats.org/officeDocument/2006/relationships" xmlns:p="http://schemas.openxmlformats.org/presentationml/2006/main">
+  <p:cSld>
+    <p:spTree>
+      <p:nvGrpSpPr>
+        <p:cNvPr id="1" name=""/>
+        <p:cNvGrpSpPr/>
+        <p:nvPr/>
+      </p:nvGrpSpPr>
+      <p:grpSpPr>
+        <a:xfrm>
+          <a:off x="0" y="0"/>
+          <a:ext cx="0" cy="0"/>
+          <a:chOff x="0" y="0"/>
+          <a:chExt cx="0" cy="0"/>
+        </a:xfrm>
+      </p:grpSpPr>
+      <p:sp>
+        <p:nvSpPr>
+          <p:cNvPr id="2" name="Title 1"/>
+          <p:cNvSpPr>
+            <a:spLocks noGrp="1"/>
+          </p:cNvSpPr>
+          <p:nvPr>
+            <p:ph type="title"/>
+          </p:nvPr>
+        </p:nvSpPr>
+        <p:spPr/>
+        <p:txBody>
+          <a:bodyPr/>
+          <a:lstStyle/>
+          <a:p>
+            <a:r>
+              <a:rPr lang="en-US" dirty="0" err="1" smtClean="0"/>
+              <a:t>Async</a:t>
+            </a:r>
+            <a:endParaRPr lang="en-US" dirty="0"/>
+          </a:p>
+        </p:txBody>
+      </p:sp>
+      <p:sp>
+        <p:nvSpPr>
+          <p:cNvPr id="3" name="Content Placeholder 2"/>
+          <p:cNvSpPr>
+            <a:spLocks noGrp="1"/>
+          </p:cNvSpPr>
+          <p:nvPr>
+            <p:ph idx="1"/>
+          </p:nvPr>
+        </p:nvSpPr>
+        <p:spPr/>
+        <p:txBody>
+          <a:bodyPr>
+            <a:normAutofit fontScale="62500" lnSpcReduction="20000"/>
+          </a:bodyPr>
+          <a:lstStyle/>
+          <a:p>
+            <a:r>
+              <a:rPr lang="en-US" dirty="0"/>
+              <a:t>HTTP is synchronous: request–</a:t>
+            </a:r>
+            <a:r>
+              <a:rPr lang="en-US" dirty="0" smtClean="0"/>
+              <a:t>response</a:t>
+            </a:r>
+          </a:p>
+          <a:p>
+            <a:pPr lvl="1"/>
+            <a:r>
+              <a:rPr lang="en-US" dirty="0"/>
+              <a:t>W</a:t>
+            </a:r>
+            <a:r>
+              <a:rPr lang="en-US" dirty="0" smtClean="0"/>
+              <a:t>hat </a:t>
+            </a:r>
+            <a:r>
+              <a:rPr lang="en-US" dirty="0"/>
+              <a:t>about long-running requests? deferred synchronous interaction</a:t>
+            </a:r>
+          </a:p>
+          <a:p>
+            <a:r>
+              <a:rPr lang="en-US" dirty="0"/>
+              <a:t>C</a:t>
+            </a:r>
+            <a:r>
+              <a:rPr lang="en-US" dirty="0" smtClean="0"/>
+              <a:t>lient </a:t>
+            </a:r>
+            <a:r>
+              <a:rPr lang="en-US" dirty="0"/>
+              <a:t>POSTs request (because not idempotent)</a:t>
+            </a:r>
+          </a:p>
+          <a:p>
+            <a:r>
+              <a:rPr lang="en-US" dirty="0"/>
+              <a:t>POST /queue HTTP/1.1</a:t>
+            </a:r>
+          </a:p>
+          <a:p>
+            <a:r>
+              <a:rPr lang="en-US" dirty="0"/>
+              <a:t>Host: </a:t>
+            </a:r>
+            <a:r>
+              <a:rPr lang="en-US" dirty="0" err="1" smtClean="0"/>
+              <a:t>jobservice.com</a:t>
+            </a:r>
+            <a:endParaRPr lang="en-US" dirty="0"/>
+          </a:p>
+          <a:p>
+            <a:pPr lvl="1"/>
+            <a:r>
+              <a:rPr lang="en-US" dirty="0" smtClean="0"/>
+              <a:t>Please </a:t>
+            </a:r>
+            <a:r>
+              <a:rPr lang="en-US" dirty="0"/>
+              <a:t>tell me whether 2ˆ43,112,609 - 1 is </a:t>
+            </a:r>
+            <a:r>
+              <a:rPr lang="en-US" dirty="0" smtClean="0"/>
+              <a:t>prime</a:t>
+            </a:r>
+          </a:p>
+          <a:p>
+            <a:pPr lvl="1"/>
+            <a:r>
+              <a:rPr lang="en-US" dirty="0" smtClean="0"/>
+              <a:t>server </a:t>
+            </a:r>
+            <a:r>
+              <a:rPr lang="en-US" dirty="0"/>
+              <a:t>queues task, returns code 202 ‘Accepted’ with </a:t>
+            </a:r>
+            <a:endParaRPr lang="en-US" dirty="0" smtClean="0"/>
+          </a:p>
+          <a:p>
+            <a:pPr lvl="2"/>
+            <a:r>
+              <a:rPr lang="en-US" dirty="0" smtClean="0"/>
+              <a:t>URI </a:t>
+            </a:r>
+            <a:r>
+              <a:rPr lang="en-US" dirty="0"/>
+              <a:t>Location: http://</a:t>
+            </a:r>
+            <a:r>
+              <a:rPr lang="en-US" dirty="0" err="1"/>
+              <a:t>jobservice.com</a:t>
+            </a:r>
+            <a:r>
+              <a:rPr lang="en-US" dirty="0"/>
+              <a:t>/queue/</a:t>
+            </a:r>
+            <a:r>
+              <a:rPr lang="en-US" dirty="0" smtClean="0"/>
+              <a:t>job11a4f9</a:t>
+            </a:r>
+          </a:p>
+          <a:p>
+            <a:pPr lvl="2"/>
+            <a:r>
+              <a:rPr lang="en-US" dirty="0" smtClean="0"/>
+              <a:t>202 </a:t>
+            </a:r>
+            <a:r>
+              <a:rPr lang="en-US" dirty="0"/>
+              <a:t>Accepted</a:t>
+            </a:r>
+          </a:p>
+          <a:p>
+            <a:r>
+              <a:rPr lang="en-US" dirty="0"/>
+              <a:t>C</a:t>
+            </a:r>
+            <a:r>
+              <a:rPr lang="en-US" dirty="0" smtClean="0"/>
+              <a:t>lient </a:t>
+            </a:r>
+            <a:r>
+              <a:rPr lang="en-US" dirty="0"/>
+              <a:t>polls resource:</a:t>
+            </a:r>
+          </a:p>
+          <a:p>
+            <a:pPr lvl="1"/>
+            <a:r>
+              <a:rPr lang="en-US" dirty="0"/>
+              <a:t>GET /queue/job11a4f9 HTTP/1.1</a:t>
+            </a:r>
+          </a:p>
+          <a:p>
+            <a:pPr lvl="1"/>
+            <a:r>
+              <a:rPr lang="en-US" dirty="0"/>
+              <a:t>getting either status report or </a:t>
+            </a:r>
+            <a:r>
+              <a:rPr lang="en-US" dirty="0" smtClean="0"/>
+              <a:t>result</a:t>
+            </a:r>
+          </a:p>
+          <a:p>
+            <a:r>
+              <a:rPr lang="en-US" dirty="0" smtClean="0"/>
+              <a:t>Of course </a:t>
+            </a:r>
+            <a:r>
+              <a:rPr lang="en-US" dirty="0" err="1" smtClean="0"/>
+              <a:t>WebSockets</a:t>
+            </a:r>
+            <a:r>
+              <a:rPr lang="en-US" dirty="0" smtClean="0"/>
+              <a:t> could be used to push the response</a:t>
+            </a:r>
+          </a:p>
+          <a:p>
+            <a:pPr lvl="1"/>
+            <a:r>
+              <a:rPr lang="en-US" dirty="0" smtClean="0"/>
+              <a:t>Also see new Push API from W3C</a:t>
+            </a:r>
+            <a:endParaRPr lang="en-US" dirty="0"/>
+          </a:p>
+        </p:txBody>
+      </p:sp>
+    </p:spTree>
+    <p:extLst>
+      <p:ext uri="{BB962C8B-B14F-4D97-AF65-F5344CB8AC3E}">
+        <p14:creationId xmlns:p14="http://schemas.microsoft.com/office/powerpoint/2010/main" val="494380719"/>
+      </p:ext>
+    </p:extLst>
+  </p:cSld>
+  <p:clrMapOvr>
+    <a:masterClrMapping/>
+  </p:clrMapOvr>
+</p:sld>
+</file>
+
+<file path=ppt/slides/slide28.xml><?xml version="1.0" encoding="utf-8"?>
+<p:sld xmlns:a="http://schemas.openxmlformats.org/drawingml/2006/main" xmlns:r="http://schemas.openxmlformats.org/officeDocument/2006/relationships" xmlns:p="http://schemas.openxmlformats.org/presentationml/2006/main">
+  <p:cSld>
+    <p:spTree>
+      <p:nvGrpSpPr>
+        <p:cNvPr id="1" name=""/>
+        <p:cNvGrpSpPr/>
+        <p:nvPr/>
+      </p:nvGrpSpPr>
+      <p:grpSpPr>
+        <a:xfrm>
+          <a:off x="0" y="0"/>
+          <a:ext cx="0" cy="0"/>
+          <a:chOff x="0" y="0"/>
+          <a:chExt cx="0" cy="0"/>
+        </a:xfrm>
+      </p:grpSpPr>
+      <p:sp>
+        <p:nvSpPr>
+          <p:cNvPr id="2" name="Title 1"/>
+          <p:cNvSpPr>
+            <a:spLocks noGrp="1"/>
+          </p:cNvSpPr>
+          <p:nvPr>
+            <p:ph type="title"/>
+          </p:nvPr>
+        </p:nvSpPr>
+        <p:spPr/>
+        <p:txBody>
+          <a:bodyPr/>
+          <a:lstStyle/>
+          <a:p>
+            <a:r>
+              <a:rPr lang="en-US" dirty="0" smtClean="0"/>
+              <a:t>URI Design</a:t>
+            </a:r>
+            <a:endParaRPr lang="en-US" dirty="0"/>
+          </a:p>
+        </p:txBody>
+      </p:sp>
+      <p:sp>
+        <p:nvSpPr>
+          <p:cNvPr id="3" name="Content Placeholder 2"/>
+          <p:cNvSpPr>
+            <a:spLocks noGrp="1"/>
+          </p:cNvSpPr>
+          <p:nvPr>
+            <p:ph idx="1"/>
+          </p:nvPr>
+        </p:nvSpPr>
+        <p:spPr/>
+        <p:txBody>
+          <a:bodyPr>
+            <a:normAutofit fontScale="70000" lnSpcReduction="20000"/>
+          </a:bodyPr>
+          <a:lstStyle/>
+          <a:p>
+            <a:r>
+              <a:rPr lang="en-US" dirty="0" smtClean="0"/>
+              <a:t>URIs </a:t>
+            </a:r>
+            <a:r>
+              <a:rPr lang="en-US" dirty="0"/>
+              <a:t>should be meaningful and well-structured</a:t>
+            </a:r>
+          </a:p>
+          <a:p>
+            <a:r>
+              <a:rPr lang="en-US" dirty="0" smtClean="0"/>
+              <a:t>Some believe client </a:t>
+            </a:r>
+            <a:r>
+              <a:rPr lang="en-US" dirty="0"/>
+              <a:t>should be able to construct URI to access a resource (</a:t>
+            </a:r>
+            <a:r>
+              <a:rPr lang="en-US" dirty="0" smtClean="0"/>
+              <a:t>increases surface </a:t>
+            </a:r>
+            <a:r>
+              <a:rPr lang="en-US" dirty="0"/>
+              <a:t>area</a:t>
+            </a:r>
+            <a:r>
+              <a:rPr lang="en-US" dirty="0" smtClean="0"/>
+              <a:t>)</a:t>
+            </a:r>
+          </a:p>
+          <a:p>
+            <a:r>
+              <a:rPr lang="en-US" dirty="0" smtClean="0"/>
+              <a:t>Others say URIs should be opaque!</a:t>
+            </a:r>
+          </a:p>
+          <a:p>
+            <a:pPr lvl="1"/>
+            <a:r>
+              <a:rPr lang="en-US" dirty="0" smtClean="0"/>
+              <a:t>Discuss?!</a:t>
+            </a:r>
+            <a:endParaRPr lang="en-US" dirty="0"/>
+          </a:p>
+          <a:p>
+            <a:r>
+              <a:rPr lang="en-US" dirty="0" smtClean="0"/>
+              <a:t>Use </a:t>
+            </a:r>
+            <a:r>
+              <a:rPr lang="en-US" dirty="0"/>
+              <a:t>paths to separate elements of hierarchy, general to </a:t>
+            </a:r>
+            <a:r>
+              <a:rPr lang="en-US" dirty="0" smtClean="0"/>
+              <a:t>specific </a:t>
+            </a:r>
+          </a:p>
+          <a:p>
+            <a:r>
+              <a:rPr lang="en-US" dirty="0" smtClean="0"/>
+              <a:t>use </a:t>
+            </a:r>
+            <a:r>
+              <a:rPr lang="en-US" dirty="0"/>
+              <a:t>punctuation to separate items at same hierarchical level</a:t>
+            </a:r>
+          </a:p>
+          <a:p>
+            <a:pPr lvl="1"/>
+            <a:r>
+              <a:rPr lang="en-US" dirty="0" smtClean="0"/>
+              <a:t>commas </a:t>
+            </a:r>
+            <a:r>
+              <a:rPr lang="en-US" dirty="0"/>
+              <a:t>when order matters (</a:t>
+            </a:r>
+            <a:r>
+              <a:rPr lang="en-US" dirty="0" err="1"/>
+              <a:t>eg</a:t>
+            </a:r>
+            <a:r>
+              <a:rPr lang="en-US" dirty="0"/>
+              <a:t> coordinates), semicolons </a:t>
+            </a:r>
+            <a:r>
+              <a:rPr lang="en-US" dirty="0" smtClean="0"/>
+              <a:t>otherwise</a:t>
+            </a:r>
+          </a:p>
+          <a:p>
+            <a:pPr lvl="1"/>
+            <a:r>
+              <a:rPr lang="en-US" dirty="0" smtClean="0"/>
+              <a:t>use </a:t>
+            </a:r>
+            <a:r>
+              <a:rPr lang="en-US" dirty="0"/>
+              <a:t>query variables only for ‘arguments’</a:t>
+            </a:r>
+          </a:p>
+          <a:p>
+            <a:r>
+              <a:rPr lang="en-US" dirty="0" smtClean="0"/>
+              <a:t>URIs </a:t>
+            </a:r>
+            <a:r>
+              <a:rPr lang="en-US" dirty="0"/>
+              <a:t>denote resources, not operations (unless the operation is </a:t>
+            </a:r>
+            <a:r>
+              <a:rPr lang="en-US" dirty="0" smtClean="0"/>
+              <a:t>itself something </a:t>
+            </a:r>
+            <a:r>
+              <a:rPr lang="en-US" dirty="0"/>
+              <a:t>you might CRUD</a:t>
+            </a:r>
+            <a:r>
+              <a:rPr lang="en-US" dirty="0" smtClean="0"/>
+              <a:t>)</a:t>
+            </a:r>
+            <a:endParaRPr lang="en-US" dirty="0"/>
+          </a:p>
+        </p:txBody>
+      </p:sp>
+    </p:spTree>
+    <p:extLst>
+      <p:ext uri="{BB962C8B-B14F-4D97-AF65-F5344CB8AC3E}">
+        <p14:creationId xmlns:p14="http://schemas.microsoft.com/office/powerpoint/2010/main" val="4271667592"/>
+      </p:ext>
+    </p:extLst>
+  </p:cSld>
+  <p:clrMapOvr>
+    <a:masterClrMapping/>
+  </p:clrMapOvr>
+</p:sld>
+</file>
+
+<file path=ppt/slides/slide29.xml><?xml version="1.0" encoding="utf-8"?>
+<p:sld xmlns:a="http://schemas.openxmlformats.org/drawingml/2006/main" xmlns:r="http://schemas.openxmlformats.org/officeDocument/2006/relationships" xmlns:p="http://schemas.openxmlformats.org/presentationml/2006/main">
+  <p:cSld>
+    <p:spTree>
+      <p:nvGrpSpPr>
+        <p:cNvPr id="1" name=""/>
+        <p:cNvGrpSpPr/>
+        <p:nvPr/>
+      </p:nvGrpSpPr>
+      <p:grpSpPr>
+        <a:xfrm>
+          <a:off x="0" y="0"/>
+          <a:ext cx="0" cy="0"/>
+          <a:chOff x="0" y="0"/>
+          <a:chExt cx="0" cy="0"/>
+        </a:xfrm>
+      </p:grpSpPr>
+      <p:sp>
+        <p:nvSpPr>
+          <p:cNvPr id="2" name="Title 1"/>
+          <p:cNvSpPr>
+            <a:spLocks noGrp="1"/>
+          </p:cNvSpPr>
+          <p:nvPr>
+            <p:ph type="title"/>
+          </p:nvPr>
+        </p:nvSpPr>
+        <p:spPr/>
+        <p:txBody>
+          <a:bodyPr/>
+          <a:lstStyle/>
+          <a:p>
+            <a:r>
+              <a:rPr lang="en-US" dirty="0" smtClean="0"/>
+              <a:t>REST Standards</a:t>
+            </a:r>
+            <a:endParaRPr lang="en-US" dirty="0"/>
+          </a:p>
+        </p:txBody>
+      </p:sp>
+      <p:sp>
+        <p:nvSpPr>
+          <p:cNvPr id="3" name="Content Placeholder 2"/>
+          <p:cNvSpPr>
+            <a:spLocks noGrp="1"/>
+          </p:cNvSpPr>
+          <p:nvPr>
+            <p:ph sz="half" idx="1"/>
+          </p:nvPr>
+        </p:nvSpPr>
+        <p:spPr/>
+        <p:txBody>
+          <a:bodyPr>
+            <a:normAutofit fontScale="85000" lnSpcReduction="20000"/>
+          </a:bodyPr>
+          <a:lstStyle/>
+          <a:p>
+            <a:r>
+              <a:rPr lang="en-US" b="1" dirty="0" smtClean="0"/>
+              <a:t>HTTP 1.1</a:t>
+            </a:r>
+          </a:p>
+          <a:p>
+            <a:r>
+              <a:rPr lang="en-US" dirty="0" smtClean="0"/>
+              <a:t>URI</a:t>
+            </a:r>
+          </a:p>
+          <a:p>
+            <a:r>
+              <a:rPr lang="en-US" dirty="0" smtClean="0"/>
+              <a:t>URI Template</a:t>
+            </a:r>
+          </a:p>
+          <a:p>
+            <a:r>
+              <a:rPr lang="en-US" b="1" dirty="0" err="1" smtClean="0"/>
+              <a:t>WebSockets</a:t>
+            </a:r>
+            <a:endParaRPr lang="en-US" b="1" dirty="0" smtClean="0"/>
+          </a:p>
+          <a:p>
+            <a:r>
+              <a:rPr lang="en-US" b="1" dirty="0" smtClean="0"/>
+              <a:t>XML, JSON, </a:t>
+            </a:r>
+            <a:r>
+              <a:rPr lang="en-US" b="1" dirty="0" err="1" smtClean="0"/>
+              <a:t>etc</a:t>
+            </a:r>
+            <a:endParaRPr lang="en-US" b="1" dirty="0" smtClean="0"/>
+          </a:p>
+          <a:p>
+            <a:r>
+              <a:rPr lang="en-US" dirty="0" smtClean="0"/>
+              <a:t>Atom/</a:t>
+            </a:r>
+            <a:r>
+              <a:rPr lang="en-US" dirty="0" err="1" smtClean="0"/>
+              <a:t>AtomPub</a:t>
+            </a:r>
+            <a:endParaRPr lang="en-US" dirty="0" smtClean="0"/>
+          </a:p>
+          <a:p>
+            <a:r>
+              <a:rPr lang="en-US" dirty="0" err="1" smtClean="0"/>
+              <a:t>OData</a:t>
+            </a:r>
+            <a:endParaRPr lang="en-US" dirty="0" smtClean="0"/>
+          </a:p>
+          <a:p>
+            <a:r>
+              <a:rPr lang="en-US" dirty="0" err="1" smtClean="0"/>
+              <a:t>OpenId</a:t>
+            </a:r>
+            <a:endParaRPr lang="en-US" dirty="0" smtClean="0"/>
+          </a:p>
+          <a:p>
+            <a:r>
+              <a:rPr lang="en-US" b="1" dirty="0" smtClean="0"/>
+              <a:t>OAuth 1 / 2</a:t>
+            </a:r>
+          </a:p>
+          <a:p>
+            <a:r>
+              <a:rPr lang="en-US" b="1" dirty="0" smtClean="0"/>
+              <a:t>SAML/SAML2</a:t>
+            </a:r>
+          </a:p>
+          <a:p>
+            <a:r>
+              <a:rPr lang="en-US" dirty="0" smtClean="0"/>
+              <a:t>JSON Web Tokens</a:t>
+            </a:r>
+          </a:p>
+        </p:txBody>
+      </p:sp>
+      <p:sp>
+        <p:nvSpPr>
+          <p:cNvPr id="4" name="Content Placeholder 3"/>
+          <p:cNvSpPr>
+            <a:spLocks noGrp="1"/>
+          </p:cNvSpPr>
+          <p:nvPr>
+            <p:ph sz="half" idx="2"/>
+          </p:nvPr>
+        </p:nvSpPr>
+        <p:spPr/>
+        <p:txBody>
+          <a:bodyPr>
+            <a:normAutofit fontScale="85000" lnSpcReduction="20000"/>
+          </a:bodyPr>
+          <a:lstStyle/>
+          <a:p>
+            <a:r>
+              <a:rPr lang="en-US" dirty="0" smtClean="0"/>
+              <a:t>WADL</a:t>
+            </a:r>
+          </a:p>
+          <a:p>
+            <a:r>
+              <a:rPr lang="en-US" dirty="0" smtClean="0"/>
+              <a:t>Swagger</a:t>
+            </a:r>
+          </a:p>
+          <a:p>
+            <a:r>
+              <a:rPr lang="en-US" dirty="0" err="1" smtClean="0"/>
+              <a:t>Json</a:t>
+            </a:r>
+            <a:r>
+              <a:rPr lang="en-US" dirty="0" smtClean="0"/>
+              <a:t> Home</a:t>
+            </a:r>
+          </a:p>
+          <a:p>
+            <a:r>
+              <a:rPr lang="en-US" dirty="0" err="1" smtClean="0"/>
+              <a:t>Json</a:t>
+            </a:r>
+            <a:r>
+              <a:rPr lang="en-US" dirty="0" smtClean="0"/>
+              <a:t> Web Encryption</a:t>
+            </a:r>
+          </a:p>
+          <a:p>
+            <a:r>
+              <a:rPr lang="en-US" dirty="0" err="1" smtClean="0"/>
+              <a:t>Json</a:t>
+            </a:r>
+            <a:r>
+              <a:rPr lang="en-US" dirty="0" smtClean="0"/>
+              <a:t> Web Signature</a:t>
+            </a:r>
+          </a:p>
+          <a:p>
+            <a:r>
+              <a:rPr lang="en-US" dirty="0" err="1" smtClean="0"/>
+              <a:t>Json</a:t>
+            </a:r>
+            <a:r>
+              <a:rPr lang="en-US" dirty="0" smtClean="0"/>
+              <a:t> Patch</a:t>
+            </a:r>
+          </a:p>
+          <a:p>
+            <a:r>
+              <a:rPr lang="en-US" dirty="0" smtClean="0"/>
+              <a:t>SPDY</a:t>
+            </a:r>
+          </a:p>
+          <a:p>
+            <a:r>
+              <a:rPr lang="en-US" dirty="0" err="1" smtClean="0"/>
+              <a:t>HTTPbis</a:t>
+            </a:r>
+            <a:endParaRPr lang="en-US" dirty="0" smtClean="0"/>
+          </a:p>
+          <a:p>
+            <a:r>
+              <a:rPr lang="en-US" dirty="0" smtClean="0"/>
+              <a:t>HTTP Link Header</a:t>
+            </a:r>
+          </a:p>
+          <a:p>
+            <a:r>
+              <a:rPr lang="en-US" dirty="0" err="1" smtClean="0"/>
+              <a:t>Microformats</a:t>
+            </a:r>
+            <a:endParaRPr lang="en-US" dirty="0" smtClean="0"/>
+          </a:p>
+          <a:p>
+            <a:r>
+              <a:rPr lang="en-US" dirty="0" smtClean="0"/>
+              <a:t>RDDL</a:t>
+            </a:r>
+          </a:p>
+          <a:p>
+            <a:r>
+              <a:rPr lang="en-US" dirty="0" smtClean="0"/>
+              <a:t>…</a:t>
+            </a:r>
+          </a:p>
+          <a:p>
+            <a:endParaRPr lang="en-US" dirty="0"/>
+          </a:p>
+        </p:txBody>
+      </p:sp>
+    </p:spTree>
+    <p:extLst>
+      <p:ext uri="{BB962C8B-B14F-4D97-AF65-F5344CB8AC3E}">
+        <p14:creationId xmlns:p14="http://schemas.microsoft.com/office/powerpoint/2010/main" val="1255539898"/>
+      </p:ext>
+    </p:extLst>
+  </p:cSld>
+  <p:clrMapOvr>
+    <a:masterClrMapping/>
+  </p:clrMapOvr>
+</p:sld>
+</file>
+
+<file path=ppt/slides/slide3.xml><?xml version="1.0" encoding="utf-8"?>
+<p:sld xmlns:a="http://schemas.openxmlformats.org/drawingml/2006/main" xmlns:r="http://schemas.openxmlformats.org/officeDocument/2006/relationships" xmlns:p="http://schemas.openxmlformats.org/presentationml/2006/main">
+  <p:cSld>
+    <p:spTree>
+      <p:nvGrpSpPr>
+        <p:cNvPr id="1" name=""/>
+        <p:cNvGrpSpPr/>
+        <p:nvPr/>
+      </p:nvGrpSpPr>
+      <p:grpSpPr>
+        <a:xfrm>
+          <a:off x="0" y="0"/>
+          <a:ext cx="0" cy="0"/>
+          <a:chOff x="0" y="0"/>
+          <a:chExt cx="0" cy="0"/>
+        </a:xfrm>
+      </p:grpSpPr>
+      <p:sp>
+        <p:nvSpPr>
+          <p:cNvPr id="2" name="Title 1"/>
+          <p:cNvSpPr>
+            <a:spLocks noGrp="1"/>
+          </p:cNvSpPr>
+          <p:nvPr>
+            <p:ph type="title"/>
+          </p:nvPr>
+        </p:nvSpPr>
+        <p:spPr/>
+        <p:txBody>
+          <a:bodyPr/>
+          <a:lstStyle/>
+          <a:p>
+            <a:r>
+              <a:rPr lang="en-US" dirty="0" smtClean="0"/>
+              <a:t>Evolving Web</a:t>
+            </a:r>
+            <a:endParaRPr lang="en-US" dirty="0"/>
+          </a:p>
+        </p:txBody>
+      </p:sp>
+      <p:pic>
+        <p:nvPicPr>
+          <p:cNvPr id="5" name="Picture 4"/>
+          <p:cNvPicPr>
+            <a:picLocks noChangeAspect="1"/>
+          </p:cNvPicPr>
+          <p:nvPr/>
+        </p:nvPicPr>
+        <p:blipFill>
+          <a:blip r:embed="rId2"/>
+          <a:stretch>
+            <a:fillRect/>
+          </a:stretch>
+        </p:blipFill>
+        <p:spPr>
+          <a:xfrm>
+            <a:off x="0" y="1841500"/>
+            <a:ext cx="9144000" cy="3162510"/>
+          </a:xfrm>
+          <a:prstGeom prst="rect">
+            <a:avLst/>
+          </a:prstGeom>
+        </p:spPr>
+      </p:pic>
+    </p:spTree>
+    <p:extLst>
+      <p:ext uri="{BB962C8B-B14F-4D97-AF65-F5344CB8AC3E}">
+        <p14:creationId xmlns:p14="http://schemas.microsoft.com/office/powerpoint/2010/main" val="3683522912"/>
+      </p:ext>
+    </p:extLst>
+  </p:cSld>
+  <p:clrMapOvr>
+    <a:masterClrMapping/>
+  </p:clrMapOvr>
+</p:sld>
+</file>
+
+<file path=ppt/slides/slide30.xml><?xml version="1.0" encoding="utf-8"?>
+<p:sld xmlns:a="http://schemas.openxmlformats.org/drawingml/2006/main" xmlns:r="http://schemas.openxmlformats.org/officeDocument/2006/relationships" xmlns:p="http://schemas.openxmlformats.org/presentationml/2006/main">
+  <p:cSld>
+    <p:spTree>
+      <p:nvGrpSpPr>
+        <p:cNvPr id="1" name=""/>
+        <p:cNvGrpSpPr/>
+        <p:nvPr/>
+      </p:nvGrpSpPr>
+      <p:grpSpPr>
+        <a:xfrm>
+          <a:off x="0" y="0"/>
+          <a:ext cx="0" cy="0"/>
+          <a:chOff x="0" y="0"/>
+          <a:chExt cx="0" cy="0"/>
+        </a:xfrm>
+      </p:grpSpPr>
+      <p:sp>
+        <p:nvSpPr>
+          <p:cNvPr id="2" name="Title 1"/>
+          <p:cNvSpPr>
+            <a:spLocks noGrp="1"/>
+          </p:cNvSpPr>
+          <p:nvPr>
+            <p:ph type="title"/>
+          </p:nvPr>
+        </p:nvSpPr>
+        <p:spPr/>
+        <p:txBody>
+          <a:bodyPr/>
+          <a:lstStyle/>
+          <a:p>
+            <a:r>
+              <a:rPr lang="en-US" dirty="0" smtClean="0"/>
+              <a:t>Quick look at the Sample Service</a:t>
+            </a:r>
+            <a:endParaRPr lang="en-US" dirty="0"/>
+          </a:p>
+        </p:txBody>
+      </p:sp>
+    </p:spTree>
+    <p:extLst>
+      <p:ext uri="{BB962C8B-B14F-4D97-AF65-F5344CB8AC3E}">
+        <p14:creationId xmlns:p14="http://schemas.microsoft.com/office/powerpoint/2010/main" val="4216162972"/>
+      </p:ext>
+    </p:extLst>
+  </p:cSld>
+  <p:clrMapOvr>
+    <a:masterClrMapping/>
+  </p:clrMapOvr>
+  <p:timing>
+    <p:tnLst>
+      <p:par>
+        <p:cTn xmlns:p14="http://schemas.microsoft.com/office/powerpoint/2010/main" id="1" dur="indefinite" restart="never" nodeType="tmRoot"/>
+      </p:par>
+    </p:tnLst>
+  </p:timing>
+</p:sld>
+</file>
+
+<file path=ppt/slides/slide31.xml><?xml version="1.0" encoding="utf-8"?>
+<p:sld xmlns:a="http://schemas.openxmlformats.org/drawingml/2006/main" xmlns:r="http://schemas.openxmlformats.org/officeDocument/2006/relationships" xmlns:p="http://schemas.openxmlformats.org/presentationml/2006/main">
+  <p:cSld>
+    <p:spTree>
+      <p:nvGrpSpPr>
+        <p:cNvPr id="1" name=""/>
+        <p:cNvGrpSpPr/>
+        <p:nvPr/>
+      </p:nvGrpSpPr>
+      <p:grpSpPr>
+        <a:xfrm>
+          <a:off x="0" y="0"/>
+          <a:ext cx="0" cy="0"/>
+          <a:chOff x="0" y="0"/>
+          <a:chExt cx="0" cy="0"/>
+        </a:xfrm>
+      </p:grpSpPr>
+      <p:sp>
+        <p:nvSpPr>
+          <p:cNvPr id="2" name="Title 1"/>
+          <p:cNvSpPr>
+            <a:spLocks noGrp="1"/>
+          </p:cNvSpPr>
+          <p:nvPr>
+            <p:ph type="title"/>
+          </p:nvPr>
+        </p:nvSpPr>
+        <p:spPr/>
+        <p:txBody>
+          <a:bodyPr/>
+          <a:lstStyle/>
+          <a:p>
+            <a:r>
+              <a:rPr lang="en-US" dirty="0" smtClean="0"/>
+              <a:t>JSON</a:t>
+            </a:r>
+            <a:endParaRPr lang="en-US" dirty="0"/>
+          </a:p>
+        </p:txBody>
+      </p:sp>
+      <p:sp>
+        <p:nvSpPr>
+          <p:cNvPr id="3" name="Content Placeholder 2"/>
+          <p:cNvSpPr>
+            <a:spLocks noGrp="1"/>
+          </p:cNvSpPr>
+          <p:nvPr>
+            <p:ph idx="1"/>
+          </p:nvPr>
+        </p:nvSpPr>
+        <p:spPr/>
+        <p:txBody>
+          <a:bodyPr>
+            <a:normAutofit/>
+          </a:bodyPr>
+          <a:lstStyle/>
+          <a:p>
+            <a:r>
+              <a:rPr lang="en-US" sz="2400" dirty="0" smtClean="0"/>
+              <a:t>A simple notation that originated in JavaScript</a:t>
+            </a:r>
+          </a:p>
+          <a:p>
+            <a:pPr marL="0" indent="0">
+              <a:buNone/>
+            </a:pPr>
+            <a:r>
+              <a:rPr lang="en-US" sz="2400" dirty="0" err="1" smtClean="0">
+                <a:latin typeface="Lucida Console"/>
+                <a:cs typeface="Lucida Console"/>
+              </a:rPr>
+              <a:t>var</a:t>
+            </a:r>
+            <a:r>
+              <a:rPr lang="en-US" sz="2400" dirty="0" smtClean="0">
+                <a:latin typeface="Lucida Console"/>
+                <a:cs typeface="Lucida Console"/>
+              </a:rPr>
+              <a:t> x = {a:1, b:2, c:3}</a:t>
+            </a:r>
+          </a:p>
+          <a:p>
+            <a:r>
+              <a:rPr lang="en-US" sz="2400" dirty="0" smtClean="0"/>
+              <a:t>equivalent to:</a:t>
+            </a:r>
+          </a:p>
+          <a:p>
+            <a:pPr marL="0" indent="0">
+              <a:buNone/>
+            </a:pPr>
+            <a:r>
+              <a:rPr lang="en-US" sz="2400" dirty="0" err="1" smtClean="0">
+                <a:latin typeface="Lucida Console"/>
+                <a:cs typeface="Lucida Console"/>
+              </a:rPr>
+              <a:t>x.a</a:t>
+            </a:r>
+            <a:r>
+              <a:rPr lang="en-US" sz="2400" dirty="0" smtClean="0">
+                <a:latin typeface="Lucida Console"/>
+                <a:cs typeface="Lucida Console"/>
+              </a:rPr>
+              <a:t> = 1; </a:t>
+            </a:r>
+            <a:r>
+              <a:rPr lang="en-US" sz="2400" dirty="0" err="1" smtClean="0">
+                <a:latin typeface="Lucida Console"/>
+                <a:cs typeface="Lucida Console"/>
+              </a:rPr>
+              <a:t>x.b</a:t>
+            </a:r>
+            <a:r>
+              <a:rPr lang="en-US" sz="2400" dirty="0" smtClean="0">
+                <a:latin typeface="Lucida Console"/>
+                <a:cs typeface="Lucida Console"/>
+              </a:rPr>
+              <a:t> = 2; </a:t>
+            </a:r>
+            <a:r>
+              <a:rPr lang="en-US" sz="2400" dirty="0" err="1" smtClean="0">
+                <a:latin typeface="Lucida Console"/>
+                <a:cs typeface="Lucida Console"/>
+              </a:rPr>
+              <a:t>x.c</a:t>
+            </a:r>
+            <a:r>
+              <a:rPr lang="en-US" sz="2400" dirty="0" smtClean="0">
+                <a:latin typeface="Lucida Console"/>
+                <a:cs typeface="Lucida Console"/>
+              </a:rPr>
+              <a:t> = 3</a:t>
+            </a:r>
+          </a:p>
+          <a:p>
+            <a:r>
+              <a:rPr lang="en-US" sz="2400" dirty="0" smtClean="0"/>
+              <a:t>Can be done “dynamically”</a:t>
+            </a:r>
+          </a:p>
+          <a:p>
+            <a:pPr marL="0" indent="0">
+              <a:buNone/>
+            </a:pPr>
+            <a:r>
+              <a:rPr lang="en-US" sz="2400" dirty="0" err="1" smtClean="0">
+                <a:latin typeface="Lucida Console"/>
+                <a:cs typeface="Lucida Console"/>
+              </a:rPr>
+              <a:t>var</a:t>
+            </a:r>
+            <a:r>
+              <a:rPr lang="en-US" sz="2400" dirty="0" smtClean="0">
+                <a:latin typeface="Lucida Console"/>
+                <a:cs typeface="Lucida Console"/>
+              </a:rPr>
+              <a:t> x = “{a:1, b:2, c:3}” </a:t>
+            </a:r>
+          </a:p>
+          <a:p>
+            <a:pPr marL="0" indent="0">
+              <a:buNone/>
+            </a:pPr>
+            <a:r>
+              <a:rPr lang="en-US" sz="2400" dirty="0" smtClean="0">
+                <a:latin typeface="Lucida Console"/>
+                <a:cs typeface="Lucida Console"/>
+              </a:rPr>
+              <a:t>// imagine this actually </a:t>
+            </a:r>
+          </a:p>
+          <a:p>
+            <a:pPr marL="0" indent="0">
+              <a:buNone/>
+            </a:pPr>
+            <a:r>
+              <a:rPr lang="en-US" sz="2400" dirty="0" smtClean="0">
+                <a:latin typeface="Lucida Console"/>
+                <a:cs typeface="Lucida Console"/>
+              </a:rPr>
+              <a:t>// comes from a webserver</a:t>
+            </a:r>
+          </a:p>
+          <a:p>
+            <a:pPr marL="0" indent="0">
+              <a:buNone/>
+            </a:pPr>
+            <a:r>
+              <a:rPr lang="en-US" sz="2400" dirty="0" err="1" smtClean="0">
+                <a:latin typeface="Lucida Console"/>
+                <a:cs typeface="Lucida Console"/>
+              </a:rPr>
+              <a:t>var</a:t>
+            </a:r>
+            <a:r>
+              <a:rPr lang="en-US" sz="2400" dirty="0" smtClean="0">
+                <a:latin typeface="Lucida Console"/>
+                <a:cs typeface="Lucida Console"/>
+              </a:rPr>
+              <a:t> z = </a:t>
+            </a:r>
+            <a:r>
+              <a:rPr lang="en-US" sz="2400" dirty="0" err="1" smtClean="0">
+                <a:latin typeface="Lucida Console"/>
+                <a:cs typeface="Lucida Console"/>
+              </a:rPr>
+              <a:t>eval</a:t>
+            </a:r>
+            <a:r>
+              <a:rPr lang="en-US" sz="2400" dirty="0" smtClean="0">
+                <a:latin typeface="Lucida Console"/>
+                <a:cs typeface="Lucida Console"/>
+              </a:rPr>
+              <a:t>(‘(‘+x+’)’)</a:t>
+            </a:r>
+          </a:p>
+          <a:p>
+            <a:pPr marL="0" indent="0">
+              <a:buNone/>
+            </a:pPr>
+            <a:r>
+              <a:rPr lang="en-US" sz="2400" dirty="0" smtClean="0">
+                <a:latin typeface="Lucida Console"/>
+                <a:cs typeface="Lucida Console"/>
+              </a:rPr>
+              <a:t>assert(</a:t>
+            </a:r>
+            <a:r>
+              <a:rPr lang="en-US" sz="2400" dirty="0" err="1" smtClean="0">
+                <a:latin typeface="Lucida Console"/>
+                <a:cs typeface="Lucida Console"/>
+              </a:rPr>
+              <a:t>z.a</a:t>
+            </a:r>
+            <a:r>
+              <a:rPr lang="en-US" sz="2400" dirty="0" smtClean="0">
+                <a:latin typeface="Lucida Console"/>
+                <a:cs typeface="Lucida Console"/>
+              </a:rPr>
+              <a:t> == 1)</a:t>
+            </a:r>
+          </a:p>
+        </p:txBody>
+      </p:sp>
+    </p:spTree>
+    <p:extLst>
+      <p:ext uri="{BB962C8B-B14F-4D97-AF65-F5344CB8AC3E}">
+        <p14:creationId xmlns:p14="http://schemas.microsoft.com/office/powerpoint/2010/main" val="1189132511"/>
+      </p:ext>
+    </p:extLst>
+  </p:cSld>
+  <p:clrMapOvr>
+    <a:masterClrMapping/>
+  </p:clrMapOvr>
+</p:sld>
+</file>
+
+<file path=ppt/slides/slide32.xml><?xml version="1.0" encoding="utf-8"?>
+<p:sld xmlns:a="http://schemas.openxmlformats.org/drawingml/2006/main" xmlns:r="http://schemas.openxmlformats.org/officeDocument/2006/relationships" xmlns:p="http://schemas.openxmlformats.org/presentationml/2006/main">
+  <p:cSld>
+    <p:spTree>
+      <p:nvGrpSpPr>
+        <p:cNvPr id="1" name=""/>
+        <p:cNvGrpSpPr/>
+        <p:nvPr/>
+      </p:nvGrpSpPr>
+      <p:grpSpPr>
+        <a:xfrm>
+          <a:off x="0" y="0"/>
+          <a:ext cx="0" cy="0"/>
+          <a:chOff x="0" y="0"/>
+          <a:chExt cx="0" cy="0"/>
+        </a:xfrm>
+      </p:grpSpPr>
+      <p:sp>
+        <p:nvSpPr>
+          <p:cNvPr id="2" name="Title 1"/>
+          <p:cNvSpPr>
+            <a:spLocks noGrp="1"/>
+          </p:cNvSpPr>
+          <p:nvPr>
+            <p:ph type="title"/>
+          </p:nvPr>
+        </p:nvSpPr>
+        <p:spPr/>
+        <p:txBody>
+          <a:bodyPr/>
+          <a:lstStyle/>
+          <a:p>
+            <a:r>
+              <a:rPr lang="en-US" dirty="0" smtClean="0"/>
+              <a:t>Create an Order</a:t>
+            </a:r>
+            <a:endParaRPr lang="en-US" dirty="0"/>
+          </a:p>
+        </p:txBody>
+      </p:sp>
+      <p:pic>
+        <p:nvPicPr>
+          <p:cNvPr id="6" name="Picture 5"/>
+          <p:cNvPicPr>
+            <a:picLocks noChangeAspect="1"/>
+          </p:cNvPicPr>
+          <p:nvPr/>
+        </p:nvPicPr>
+        <p:blipFill>
+          <a:blip r:embed="rId3"/>
+          <a:stretch>
+            <a:fillRect/>
+          </a:stretch>
+        </p:blipFill>
+        <p:spPr>
+          <a:xfrm>
+            <a:off x="-152399" y="304800"/>
+            <a:ext cx="9316016" cy="5486400"/>
+          </a:xfrm>
+          <a:prstGeom prst="rect">
+            <a:avLst/>
+          </a:prstGeom>
+        </p:spPr>
+      </p:pic>
+    </p:spTree>
+    <p:extLst>
+      <p:ext uri="{BB962C8B-B14F-4D97-AF65-F5344CB8AC3E}">
+        <p14:creationId xmlns:p14="http://schemas.microsoft.com/office/powerpoint/2010/main" val="3005385640"/>
+      </p:ext>
+    </p:extLst>
+  </p:cSld>
+  <p:clrMapOvr>
+    <a:masterClrMapping/>
+  </p:clrMapOvr>
+  <p:timing>
+    <p:tnLst>
+      <p:par>
+        <p:cTn xmlns:p14="http://schemas.microsoft.com/office/powerpoint/2010/main" id="1" dur="indefinite" restart="never" nodeType="tmRoot"/>
+      </p:par>
+    </p:tnLst>
+  </p:timing>
+</p:sld>
+</file>
+
+<file path=ppt/slides/slide33.xml><?xml version="1.0" encoding="utf-8"?>
+<p:sld xmlns:a="http://schemas.openxmlformats.org/drawingml/2006/main" xmlns:r="http://schemas.openxmlformats.org/officeDocument/2006/relationships" xmlns:p="http://schemas.openxmlformats.org/presentationml/2006/main">
+  <p:cSld>
+    <p:spTree>
+      <p:nvGrpSpPr>
+        <p:cNvPr id="1" name=""/>
+        <p:cNvGrpSpPr/>
+        <p:nvPr/>
+      </p:nvGrpSpPr>
+      <p:grpSpPr>
+        <a:xfrm>
+          <a:off x="0" y="0"/>
+          <a:ext cx="0" cy="0"/>
+          <a:chOff x="0" y="0"/>
+          <a:chExt cx="0" cy="0"/>
+        </a:xfrm>
+      </p:grpSpPr>
+      <p:sp>
+        <p:nvSpPr>
+          <p:cNvPr id="2" name="Title 1"/>
+          <p:cNvSpPr>
+            <a:spLocks noGrp="1"/>
+          </p:cNvSpPr>
+          <p:nvPr>
+            <p:ph type="title"/>
+          </p:nvPr>
+        </p:nvSpPr>
+        <p:spPr/>
+        <p:txBody>
+          <a:bodyPr/>
+          <a:lstStyle/>
+          <a:p>
+            <a:endParaRPr lang="en-US"/>
+          </a:p>
+        </p:txBody>
+      </p:sp>
+      <p:pic>
+        <p:nvPicPr>
+          <p:cNvPr id="4" name="Picture 3"/>
+          <p:cNvPicPr>
+            <a:picLocks noChangeAspect="1"/>
+          </p:cNvPicPr>
+          <p:nvPr/>
+        </p:nvPicPr>
+        <p:blipFill>
+          <a:blip r:embed="rId3"/>
+          <a:stretch>
+            <a:fillRect/>
+          </a:stretch>
+        </p:blipFill>
+        <p:spPr>
+          <a:xfrm>
+            <a:off x="342900" y="177800"/>
+            <a:ext cx="8445500" cy="6502400"/>
+          </a:xfrm>
+          <a:prstGeom prst="rect">
+            <a:avLst/>
+          </a:prstGeom>
+        </p:spPr>
+      </p:pic>
+    </p:spTree>
+    <p:extLst>
+      <p:ext uri="{BB962C8B-B14F-4D97-AF65-F5344CB8AC3E}">
+        <p14:creationId xmlns:p14="http://schemas.microsoft.com/office/powerpoint/2010/main" val="1588889100"/>
+      </p:ext>
+    </p:extLst>
+  </p:cSld>
+  <p:clrMapOvr>
+    <a:masterClrMapping/>
+  </p:clrMapOvr>
+  <p:timing>
+    <p:tnLst>
+      <p:par>
+        <p:cTn xmlns:p14="http://schemas.microsoft.com/office/powerpoint/2010/main" id="1" dur="indefinite" restart="never" nodeType="tmRoot"/>
+      </p:par>
+    </p:tnLst>
+  </p:timing>
+</p:sld>
+</file>
+
+<file path=ppt/slides/slide34.xml><?xml version="1.0" encoding="utf-8"?>
+<p:sld xmlns:a="http://schemas.openxmlformats.org/drawingml/2006/main" xmlns:r="http://schemas.openxmlformats.org/officeDocument/2006/relationships" xmlns:p="http://schemas.openxmlformats.org/presentationml/2006/main">
+  <p:cSld>
+    <p:spTree>
+      <p:nvGrpSpPr>
+        <p:cNvPr id="1" name=""/>
+        <p:cNvGrpSpPr/>
+        <p:nvPr/>
+      </p:nvGrpSpPr>
+      <p:grpSpPr>
+        <a:xfrm>
+          <a:off x="0" y="0"/>
+          <a:ext cx="0" cy="0"/>
+          <a:chOff x="0" y="0"/>
+          <a:chExt cx="0" cy="0"/>
+        </a:xfrm>
+      </p:grpSpPr>
+      <p:sp>
+        <p:nvSpPr>
+          <p:cNvPr id="2" name="Title 1"/>
+          <p:cNvSpPr>
+            <a:spLocks noGrp="1"/>
+          </p:cNvSpPr>
+          <p:nvPr>
+            <p:ph type="title"/>
+          </p:nvPr>
+        </p:nvSpPr>
+        <p:spPr/>
+        <p:txBody>
+          <a:bodyPr/>
+          <a:lstStyle/>
+          <a:p>
+            <a:r>
+              <a:rPr lang="en-US" dirty="0" smtClean="0"/>
+              <a:t>Questions?</a:t>
+            </a:r>
+            <a:endParaRPr lang="en-US" dirty="0"/>
+          </a:p>
+        </p:txBody>
+      </p:sp>
+    </p:spTree>
+    <p:extLst>
+      <p:ext uri="{BB962C8B-B14F-4D97-AF65-F5344CB8AC3E}">
+        <p14:creationId xmlns:p14="http://schemas.microsoft.com/office/powerpoint/2010/main" val="1921796518"/>
+      </p:ext>
+    </p:extLst>
+  </p:cSld>
+  <p:clrMapOvr>
+    <a:masterClrMapping/>
+  </p:clrMapOvr>
+</p:sld>
+</file>
+
+<file path=ppt/slides/slide4.xml><?xml version="1.0" encoding="utf-8"?>
+<p:sld xmlns:a="http://schemas.openxmlformats.org/drawingml/2006/main" xmlns:r="http://schemas.openxmlformats.org/officeDocument/2006/relationships" xmlns:p="http://schemas.openxmlformats.org/presentationml/2006/main">
+  <p:cSld>
+    <p:spTree>
+      <p:nvGrpSpPr>
+        <p:cNvPr id="1" name=""/>
+        <p:cNvGrpSpPr/>
+        <p:nvPr/>
+      </p:nvGrpSpPr>
+      <p:grpSpPr>
+        <a:xfrm>
+          <a:off x="0" y="0"/>
+          <a:ext cx="0" cy="0"/>
+          <a:chOff x="0" y="0"/>
+          <a:chExt cx="0" cy="0"/>
+        </a:xfrm>
+      </p:grpSpPr>
+      <p:sp>
+        <p:nvSpPr>
+          <p:cNvPr id="5" name="Title 4"/>
+          <p:cNvSpPr>
+            <a:spLocks noGrp="1"/>
+          </p:cNvSpPr>
+          <p:nvPr>
+            <p:ph type="title"/>
+          </p:nvPr>
+        </p:nvSpPr>
+        <p:spPr/>
+        <p:txBody>
+          <a:bodyPr/>
+          <a:lstStyle/>
+          <a:p>
+            <a:r>
+              <a:rPr lang="en-US" dirty="0" smtClean="0"/>
+              <a:t>HTTP</a:t>
+            </a:r>
+            <a:endParaRPr lang="en-US" dirty="0"/>
+          </a:p>
+        </p:txBody>
+      </p:sp>
+      <p:sp>
+        <p:nvSpPr>
+          <p:cNvPr id="6" name="Content Placeholder 5"/>
+          <p:cNvSpPr>
+            <a:spLocks noGrp="1"/>
+          </p:cNvSpPr>
+          <p:nvPr>
+            <p:ph idx="1"/>
+          </p:nvPr>
+        </p:nvSpPr>
+        <p:spPr/>
+        <p:txBody>
+          <a:bodyPr/>
+          <a:lstStyle/>
+          <a:p>
+            <a:r>
+              <a:rPr lang="en-US" dirty="0"/>
+              <a:t>two-way transmission of requests and responses</a:t>
+            </a:r>
+          </a:p>
+          <a:p>
+            <a:r>
+              <a:rPr lang="en-US" dirty="0" smtClean="0"/>
+              <a:t>layered </a:t>
+            </a:r>
+            <a:r>
+              <a:rPr lang="en-US" dirty="0"/>
+              <a:t>over TCP</a:t>
+            </a:r>
+          </a:p>
+          <a:p>
+            <a:r>
+              <a:rPr lang="en-US" dirty="0" smtClean="0"/>
+              <a:t>essentially </a:t>
+            </a:r>
+            <a:r>
+              <a:rPr lang="en-US" dirty="0"/>
+              <a:t>stateless (but. . . )</a:t>
+            </a:r>
+          </a:p>
+          <a:p>
+            <a:r>
+              <a:rPr lang="en-US" dirty="0" smtClean="0"/>
+              <a:t>standard </a:t>
+            </a:r>
+            <a:r>
+              <a:rPr lang="en-US" dirty="0"/>
+              <a:t>extensions for security</a:t>
+            </a:r>
+            <a:endParaRPr lang="en-US" dirty="0"/>
+          </a:p>
+        </p:txBody>
+      </p:sp>
+    </p:spTree>
+    <p:extLst>
+      <p:ext uri="{BB962C8B-B14F-4D97-AF65-F5344CB8AC3E}">
+        <p14:creationId xmlns:p14="http://schemas.microsoft.com/office/powerpoint/2010/main" val="2209934800"/>
+      </p:ext>
+    </p:extLst>
+  </p:cSld>
+  <p:clrMapOvr>
+    <a:masterClrMapping/>
+  </p:clrMapOvr>
+</p:sld>
+</file>
+
+<file path=ppt/slides/slide5.xml><?xml version="1.0" encoding="utf-8"?>
+<p:sld xmlns:a="http://schemas.openxmlformats.org/drawingml/2006/main" xmlns:r="http://schemas.openxmlformats.org/officeDocument/2006/relationships" xmlns:p="http://schemas.openxmlformats.org/presentationml/2006/main">
+  <p:cSld>
+    <p:spTree>
+      <p:nvGrpSpPr>
+        <p:cNvPr id="1" name=""/>
+        <p:cNvGrpSpPr/>
+        <p:nvPr/>
+      </p:nvGrpSpPr>
+      <p:grpSpPr>
+        <a:xfrm>
+          <a:off x="0" y="0"/>
+          <a:ext cx="0" cy="0"/>
+          <a:chOff x="0" y="0"/>
+          <a:chExt cx="0" cy="0"/>
+        </a:xfrm>
+      </p:grpSpPr>
+      <p:sp>
+        <p:nvSpPr>
+          <p:cNvPr id="2" name="Title 1"/>
+          <p:cNvSpPr>
+            <a:spLocks noGrp="1"/>
+          </p:cNvSpPr>
+          <p:nvPr>
+            <p:ph type="title"/>
+          </p:nvPr>
+        </p:nvSpPr>
+        <p:spPr/>
+        <p:txBody>
+          <a:bodyPr/>
+          <a:lstStyle/>
+          <a:p>
+            <a:r>
+              <a:rPr lang="en-US" dirty="0" smtClean="0"/>
+              <a:t>HTTP “Verbs”</a:t>
+            </a:r>
+            <a:endParaRPr lang="en-US" dirty="0"/>
+          </a:p>
+        </p:txBody>
+      </p:sp>
+      <p:sp>
+        <p:nvSpPr>
+          <p:cNvPr id="3" name="Content Placeholder 2"/>
+          <p:cNvSpPr>
+            <a:spLocks noGrp="1"/>
+          </p:cNvSpPr>
+          <p:nvPr>
+            <p:ph idx="1"/>
+          </p:nvPr>
+        </p:nvSpPr>
+        <p:spPr/>
+        <p:txBody>
+          <a:bodyPr>
+            <a:normAutofit fontScale="92500" lnSpcReduction="20000"/>
+          </a:bodyPr>
+          <a:lstStyle/>
+          <a:p>
+            <a:r>
+              <a:rPr lang="en-US" dirty="0"/>
+              <a:t>GET </a:t>
+            </a:r>
+            <a:r>
+              <a:rPr lang="en-US" dirty="0" err="1"/>
+              <a:t>uri</a:t>
+            </a:r>
+            <a:endParaRPr lang="en-US" dirty="0"/>
+          </a:p>
+          <a:p>
+            <a:pPr lvl="1"/>
+            <a:r>
+              <a:rPr lang="en-US" dirty="0"/>
+              <a:t>read a document; should be “safe”</a:t>
+            </a:r>
+          </a:p>
+          <a:p>
+            <a:r>
+              <a:rPr lang="en-US" dirty="0" smtClean="0"/>
+              <a:t>PUT </a:t>
+            </a:r>
+            <a:r>
+              <a:rPr lang="en-US" dirty="0" err="1"/>
+              <a:t>uri</a:t>
+            </a:r>
+            <a:r>
+              <a:rPr lang="en-US" dirty="0"/>
+              <a:t>, data</a:t>
+            </a:r>
+          </a:p>
+          <a:p>
+            <a:pPr lvl="1"/>
+            <a:r>
+              <a:rPr lang="en-US" dirty="0"/>
+              <a:t>create or modify a resource; should be idempotent</a:t>
+            </a:r>
+          </a:p>
+          <a:p>
+            <a:r>
+              <a:rPr lang="en-US" dirty="0" smtClean="0"/>
+              <a:t>POST </a:t>
+            </a:r>
+            <a:r>
+              <a:rPr lang="en-US" dirty="0" err="1"/>
+              <a:t>uri</a:t>
+            </a:r>
+            <a:r>
+              <a:rPr lang="en-US" dirty="0"/>
+              <a:t>, data</a:t>
+            </a:r>
+          </a:p>
+          <a:p>
+            <a:pPr lvl="1"/>
+            <a:r>
+              <a:rPr lang="en-US" dirty="0"/>
+              <a:t>create a subordinate resource</a:t>
+            </a:r>
+          </a:p>
+          <a:p>
+            <a:r>
+              <a:rPr lang="en-US" dirty="0" smtClean="0"/>
+              <a:t>DELETE </a:t>
+            </a:r>
+            <a:r>
+              <a:rPr lang="en-US" dirty="0" err="1"/>
+              <a:t>uri</a:t>
+            </a:r>
+            <a:endParaRPr lang="en-US" dirty="0"/>
+          </a:p>
+          <a:p>
+            <a:pPr lvl="1"/>
+            <a:r>
+              <a:rPr lang="en-US" dirty="0"/>
+              <a:t>delete a resource; should be idempotent</a:t>
+            </a:r>
+          </a:p>
+          <a:p>
+            <a:r>
+              <a:rPr lang="en-US" dirty="0"/>
+              <a:t>(also HEAD, TRACE, OPTIONS, </a:t>
+            </a:r>
+            <a:r>
+              <a:rPr lang="en-US" dirty="0" smtClean="0"/>
+              <a:t>CONNECT and now PATCH)</a:t>
+            </a:r>
+            <a:endParaRPr lang="en-US" dirty="0"/>
+          </a:p>
+        </p:txBody>
+      </p:sp>
+    </p:spTree>
+    <p:extLst>
+      <p:ext uri="{BB962C8B-B14F-4D97-AF65-F5344CB8AC3E}">
+        <p14:creationId xmlns:p14="http://schemas.microsoft.com/office/powerpoint/2010/main" val="2787020022"/>
+      </p:ext>
+    </p:extLst>
+  </p:cSld>
+  <p:clrMapOvr>
+    <a:masterClrMapping/>
+  </p:clrMapOvr>
+</p:sld>
+</file>
+
+<file path=ppt/slides/slide6.xml><?xml version="1.0" encoding="utf-8"?>
+<p:sld xmlns:a="http://schemas.openxmlformats.org/drawingml/2006/main" xmlns:r="http://schemas.openxmlformats.org/officeDocument/2006/relationships" xmlns:p="http://schemas.openxmlformats.org/presentationml/2006/main">
+  <p:cSld>
+    <p:spTree>
+      <p:nvGrpSpPr>
+        <p:cNvPr id="1" name=""/>
+        <p:cNvGrpSpPr/>
+        <p:nvPr/>
+      </p:nvGrpSpPr>
+      <p:grpSpPr>
+        <a:xfrm>
+          <a:off x="0" y="0"/>
+          <a:ext cx="0" cy="0"/>
+          <a:chOff x="0" y="0"/>
+          <a:chExt cx="0" cy="0"/>
+        </a:xfrm>
+      </p:grpSpPr>
+      <p:sp>
+        <p:nvSpPr>
+          <p:cNvPr id="2" name="Title 1"/>
+          <p:cNvSpPr>
+            <a:spLocks noGrp="1"/>
+          </p:cNvSpPr>
+          <p:nvPr>
+            <p:ph type="title"/>
+          </p:nvPr>
+        </p:nvSpPr>
+        <p:spPr/>
+        <p:txBody>
+          <a:bodyPr/>
+          <a:lstStyle/>
+          <a:p>
+            <a:r>
+              <a:rPr lang="en-US" dirty="0" smtClean="0"/>
+              <a:t>UR*</a:t>
+            </a:r>
+            <a:endParaRPr lang="en-US" dirty="0"/>
+          </a:p>
+        </p:txBody>
+      </p:sp>
+      <p:sp>
+        <p:nvSpPr>
+          <p:cNvPr id="3" name="Content Placeholder 2"/>
+          <p:cNvSpPr>
+            <a:spLocks noGrp="1"/>
+          </p:cNvSpPr>
+          <p:nvPr>
+            <p:ph idx="1"/>
+          </p:nvPr>
+        </p:nvSpPr>
+        <p:spPr/>
+        <p:txBody>
+          <a:bodyPr>
+            <a:normAutofit fontScale="85000" lnSpcReduction="20000"/>
+          </a:bodyPr>
+          <a:lstStyle/>
+          <a:p>
+            <a:r>
+              <a:rPr lang="en-US" dirty="0"/>
+              <a:t>uniform resource identifier (URI</a:t>
+            </a:r>
+            <a:r>
+              <a:rPr lang="en-US" dirty="0" smtClean="0"/>
+              <a:t>)</a:t>
+            </a:r>
+          </a:p>
+          <a:p>
+            <a:pPr lvl="1"/>
+            <a:r>
+              <a:rPr lang="en-US" dirty="0" smtClean="0"/>
+              <a:t>uniform </a:t>
+            </a:r>
+            <a:r>
+              <a:rPr lang="en-US" dirty="0"/>
+              <a:t>resource locator (URL</a:t>
+            </a:r>
+            <a:r>
+              <a:rPr lang="en-US" dirty="0" smtClean="0"/>
+              <a:t>)</a:t>
+            </a:r>
+          </a:p>
+          <a:p>
+            <a:pPr lvl="1"/>
+            <a:r>
+              <a:rPr lang="en-US" dirty="0" smtClean="0"/>
+              <a:t>uniform </a:t>
+            </a:r>
+            <a:r>
+              <a:rPr lang="en-US" dirty="0"/>
+              <a:t>resource name (URN)</a:t>
+            </a:r>
+          </a:p>
+          <a:p>
+            <a:r>
+              <a:rPr lang="en-US" dirty="0"/>
+              <a:t>For a large class of schemes, the syntax is</a:t>
+            </a:r>
+          </a:p>
+          <a:p>
+            <a:pPr lvl="1"/>
+            <a:r>
+              <a:rPr lang="en-US" dirty="0"/>
+              <a:t>&lt;</a:t>
+            </a:r>
+            <a:r>
+              <a:rPr lang="en-US" dirty="0" smtClean="0"/>
+              <a:t>scheme&gt;:</a:t>
+            </a:r>
+            <a:r>
+              <a:rPr lang="en-US" dirty="0"/>
+              <a:t>/</a:t>
+            </a:r>
+            <a:r>
+              <a:rPr lang="en-US" dirty="0" smtClean="0"/>
+              <a:t>/</a:t>
+            </a:r>
+            <a:r>
+              <a:rPr lang="en-US" dirty="0"/>
+              <a:t>&lt;</a:t>
+            </a:r>
+            <a:r>
+              <a:rPr lang="en-US" dirty="0" smtClean="0"/>
+              <a:t>authority&gt;&lt;path&gt;?</a:t>
+            </a:r>
+            <a:r>
+              <a:rPr lang="en-US" dirty="0"/>
+              <a:t>&lt;</a:t>
+            </a:r>
+            <a:r>
+              <a:rPr lang="en-US" dirty="0" smtClean="0"/>
+              <a:t>query&gt;</a:t>
+            </a:r>
+            <a:endParaRPr lang="en-US" dirty="0"/>
+          </a:p>
+          <a:p>
+            <a:r>
+              <a:rPr lang="en-US" dirty="0"/>
+              <a:t>The classical view is that URIs are partitioned into URLs (which describe </a:t>
+            </a:r>
+            <a:r>
+              <a:rPr lang="en-US" dirty="0" smtClean="0"/>
+              <a:t>a primary </a:t>
+            </a:r>
+            <a:r>
+              <a:rPr lang="en-US" dirty="0"/>
+              <a:t>access mechanism, </a:t>
+            </a:r>
+            <a:r>
+              <a:rPr lang="en-US" dirty="0" err="1"/>
+              <a:t>eg</a:t>
+            </a:r>
+            <a:r>
+              <a:rPr lang="en-US" dirty="0"/>
+              <a:t> http</a:t>
+            </a:r>
+            <a:r>
+              <a:rPr lang="en-US" dirty="0" smtClean="0"/>
+              <a:t>:// </a:t>
+            </a:r>
+            <a:r>
+              <a:rPr lang="en-US" dirty="0"/>
+              <a:t>and URNs (which do not, </a:t>
+            </a:r>
+            <a:r>
+              <a:rPr lang="en-US" dirty="0" err="1"/>
+              <a:t>eg</a:t>
+            </a:r>
+            <a:r>
+              <a:rPr lang="en-US" dirty="0"/>
+              <a:t> </a:t>
+            </a:r>
+            <a:r>
+              <a:rPr lang="en-US" dirty="0" err="1" smtClean="0"/>
+              <a:t>isbn</a:t>
+            </a:r>
+            <a:r>
+              <a:rPr lang="en-US" dirty="0" smtClean="0"/>
+              <a:t>:)</a:t>
+            </a:r>
+            <a:r>
+              <a:rPr lang="en-US" dirty="0"/>
+              <a:t> </a:t>
+            </a:r>
+            <a:r>
+              <a:rPr lang="en-US" dirty="0" smtClean="0"/>
+              <a:t>and </a:t>
+            </a:r>
+            <a:r>
+              <a:rPr lang="en-US" dirty="0"/>
+              <a:t>need a separate resolver).</a:t>
+            </a:r>
+          </a:p>
+          <a:p>
+            <a:r>
+              <a:rPr lang="en-US" dirty="0"/>
+              <a:t>The contemporary view is that URIs may define subspaces; http: is </a:t>
+            </a:r>
+            <a:r>
+              <a:rPr lang="en-US"/>
+              <a:t>a </a:t>
+            </a:r>
+            <a:r>
+              <a:rPr lang="en-US" smtClean="0"/>
+              <a:t>URI scheme</a:t>
+            </a:r>
+            <a:r>
+              <a:rPr lang="en-US" dirty="0"/>
+              <a:t>, and </a:t>
+            </a:r>
+            <a:r>
+              <a:rPr lang="en-US" dirty="0" err="1"/>
+              <a:t>urn:isbn</a:t>
+            </a:r>
+            <a:r>
+              <a:rPr lang="en-US" dirty="0"/>
+              <a:t>: is a URN namespace. ‘URL’ is </a:t>
+            </a:r>
+            <a:r>
+              <a:rPr lang="en-US" dirty="0" smtClean="0"/>
+              <a:t>somewhat deprecated.</a:t>
+            </a:r>
+            <a:endParaRPr lang="en-US" dirty="0"/>
+          </a:p>
+        </p:txBody>
+      </p:sp>
+    </p:spTree>
+    <p:extLst>
+      <p:ext uri="{BB962C8B-B14F-4D97-AF65-F5344CB8AC3E}">
+        <p14:creationId xmlns:p14="http://schemas.microsoft.com/office/powerpoint/2010/main" val="2540161293"/>
+      </p:ext>
+    </p:extLst>
+  </p:cSld>
+  <p:clrMapOvr>
+    <a:masterClrMapping/>
+  </p:clrMapOvr>
+</p:sld>
+</file>
+
+<file path=ppt/slides/slide7.xml><?xml version="1.0" encoding="utf-8"?>
 <p:sld xmlns:a="http://schemas.openxmlformats.org/drawingml/2006/main" xmlns:r="http://schemas.openxmlformats.org/officeDocument/2006/relationships" xmlns:p="http://schemas.openxmlformats.org/presentationml/2006/main">
   <p:cSld>
     <p:spTree>
@@ -7989,2379 +11486,6 @@
 </p:sld>
 </file>
 
-<file path=ppt/slides/slide20.xml><?xml version="1.0" encoding="utf-8"?>
-<p:sld xmlns:a="http://schemas.openxmlformats.org/drawingml/2006/main" xmlns:r="http://schemas.openxmlformats.org/officeDocument/2006/relationships" xmlns:p="http://schemas.openxmlformats.org/presentationml/2006/main">
-  <p:cSld>
-    <p:spTree>
-      <p:nvGrpSpPr>
-        <p:cNvPr id="1" name=""/>
-        <p:cNvGrpSpPr/>
-        <p:nvPr/>
-      </p:nvGrpSpPr>
-      <p:grpSpPr>
-        <a:xfrm>
-          <a:off x="0" y="0"/>
-          <a:ext cx="0" cy="0"/>
-          <a:chOff x="0" y="0"/>
-          <a:chExt cx="0" cy="0"/>
-        </a:xfrm>
-      </p:grpSpPr>
-      <p:sp>
-        <p:nvSpPr>
-          <p:cNvPr id="2" name="Title 1"/>
-          <p:cNvSpPr>
-            <a:spLocks noGrp="1"/>
-          </p:cNvSpPr>
-          <p:nvPr>
-            <p:ph type="title"/>
-          </p:nvPr>
-        </p:nvSpPr>
-        <p:spPr/>
-        <p:txBody>
-          <a:bodyPr>
-            <a:normAutofit fontScale="90000"/>
-          </a:bodyPr>
-          <a:lstStyle/>
-          <a:p>
-            <a:r>
-              <a:rPr lang="en-US" smtClean="0"/>
-              <a:t>Resource Representations and States</a:t>
-            </a:r>
-            <a:endParaRPr lang="en-US" dirty="0"/>
-          </a:p>
-        </p:txBody>
-      </p:sp>
-      <p:sp>
-        <p:nvSpPr>
-          <p:cNvPr id="3" name="Content Placeholder 2"/>
-          <p:cNvSpPr>
-            <a:spLocks noGrp="1"/>
-          </p:cNvSpPr>
-          <p:nvPr>
-            <p:ph idx="1"/>
-          </p:nvPr>
-        </p:nvSpPr>
-        <p:spPr/>
-        <p:txBody>
-          <a:bodyPr>
-            <a:normAutofit fontScale="77500" lnSpcReduction="20000"/>
-          </a:bodyPr>
-          <a:lstStyle/>
-          <a:p>
-            <a:r>
-              <a:rPr lang="en-US" dirty="0" smtClean="0"/>
-              <a:t>Interact with services using representations of resources.</a:t>
-            </a:r>
-          </a:p>
-          <a:p>
-            <a:pPr lvl="1"/>
-            <a:r>
-              <a:rPr lang="en-US" dirty="0" smtClean="0"/>
-              <a:t>An XML representation</a:t>
-            </a:r>
-          </a:p>
-          <a:p>
-            <a:pPr lvl="1"/>
-            <a:r>
-              <a:rPr lang="en-US" dirty="0" smtClean="0"/>
-              <a:t>A JSON representation </a:t>
-            </a:r>
-          </a:p>
-          <a:p>
-            <a:r>
-              <a:rPr lang="en-US" dirty="0" smtClean="0"/>
-              <a:t>An object referenced by one URI can have different formats available. Different platforms need different formats. </a:t>
-            </a:r>
-          </a:p>
-          <a:p>
-            <a:pPr lvl="1"/>
-            <a:r>
-              <a:rPr lang="en-US" dirty="0" smtClean="0"/>
-              <a:t>A mobile application may need JSON</a:t>
-            </a:r>
-          </a:p>
-          <a:p>
-            <a:pPr lvl="1"/>
-            <a:r>
-              <a:rPr lang="en-US" dirty="0" smtClean="0"/>
-              <a:t>A Java application may need XML.</a:t>
-            </a:r>
-          </a:p>
-          <a:p>
-            <a:r>
-              <a:rPr lang="en-US" dirty="0" smtClean="0"/>
-              <a:t>Utilize the Content-Type header</a:t>
-            </a:r>
-          </a:p>
-          <a:p>
-            <a:pPr lvl="1"/>
-            <a:r>
-              <a:rPr lang="en-US" dirty="0" smtClean="0"/>
-              <a:t>And the Accept: header</a:t>
-            </a:r>
-          </a:p>
-          <a:p>
-            <a:r>
-              <a:rPr lang="en-US" dirty="0" smtClean="0"/>
-              <a:t>Communicate in a stateless manner</a:t>
-            </a:r>
-          </a:p>
-          <a:p>
-            <a:pPr lvl="1"/>
-            <a:r>
-              <a:rPr lang="en-US" dirty="0" smtClean="0"/>
-              <a:t>Stateless applications are far more </a:t>
-            </a:r>
-            <a:r>
-              <a:rPr lang="en-US" dirty="0" err="1" smtClean="0"/>
-              <a:t>scaleable</a:t>
-            </a:r>
-            <a:endParaRPr lang="en-US" dirty="0" smtClean="0"/>
-          </a:p>
-          <a:p>
-            <a:pPr lvl="1"/>
-            <a:endParaRPr lang="en-US" dirty="0" smtClean="0"/>
-          </a:p>
-          <a:p>
-            <a:endParaRPr lang="en-US" dirty="0"/>
-          </a:p>
-        </p:txBody>
-      </p:sp>
-    </p:spTree>
-    <p:extLst>
-      <p:ext uri="{BB962C8B-B14F-4D97-AF65-F5344CB8AC3E}">
-        <p14:creationId xmlns:p14="http://schemas.microsoft.com/office/powerpoint/2010/main" val="2990386115"/>
-      </p:ext>
-    </p:extLst>
-  </p:cSld>
-  <p:clrMapOvr>
-    <a:masterClrMapping/>
-  </p:clrMapOvr>
-  <p:timing>
-    <p:tnLst>
-      <p:par>
-        <p:cTn xmlns:p14="http://schemas.microsoft.com/office/powerpoint/2010/main" id="1" dur="indefinite" restart="never" nodeType="tmRoot"/>
-      </p:par>
-    </p:tnLst>
-  </p:timing>
-</p:sld>
-</file>
-
-<file path=ppt/slides/slide21.xml><?xml version="1.0" encoding="utf-8"?>
-<p:sld xmlns:a="http://schemas.openxmlformats.org/drawingml/2006/main" xmlns:r="http://schemas.openxmlformats.org/officeDocument/2006/relationships" xmlns:p="http://schemas.openxmlformats.org/presentationml/2006/main">
-  <p:cSld>
-    <p:spTree>
-      <p:nvGrpSpPr>
-        <p:cNvPr id="1" name=""/>
-        <p:cNvGrpSpPr/>
-        <p:nvPr/>
-      </p:nvGrpSpPr>
-      <p:grpSpPr>
-        <a:xfrm>
-          <a:off x="0" y="0"/>
-          <a:ext cx="0" cy="0"/>
-          <a:chOff x="0" y="0"/>
-          <a:chExt cx="0" cy="0"/>
-        </a:xfrm>
-      </p:grpSpPr>
-      <p:sp>
-        <p:nvSpPr>
-          <p:cNvPr id="2" name="Title 1"/>
-          <p:cNvSpPr>
-            <a:spLocks noGrp="1"/>
-          </p:cNvSpPr>
-          <p:nvPr>
-            <p:ph type="title"/>
-          </p:nvPr>
-        </p:nvSpPr>
-        <p:spPr/>
-        <p:txBody>
-          <a:bodyPr>
-            <a:normAutofit fontScale="90000"/>
-          </a:bodyPr>
-          <a:lstStyle/>
-          <a:p>
-            <a:r>
-              <a:rPr lang="en-US" dirty="0" smtClean="0"/>
-              <a:t>Hypertext as the Engine of Application State</a:t>
-            </a:r>
-            <a:endParaRPr lang="en-US" dirty="0"/>
-          </a:p>
-        </p:txBody>
-      </p:sp>
-      <p:sp>
-        <p:nvSpPr>
-          <p:cNvPr id="3" name="Content Placeholder 2"/>
-          <p:cNvSpPr>
-            <a:spLocks noGrp="1"/>
-          </p:cNvSpPr>
-          <p:nvPr>
-            <p:ph idx="1"/>
-          </p:nvPr>
-        </p:nvSpPr>
-        <p:spPr/>
-        <p:txBody>
-          <a:bodyPr>
-            <a:normAutofit fontScale="70000" lnSpcReduction="20000"/>
-          </a:bodyPr>
-          <a:lstStyle/>
-          <a:p>
-            <a:pPr algn="ctr">
-              <a:tabLst>
-                <a:tab pos="656722" algn="l"/>
-                <a:tab pos="1313444" algn="l"/>
-                <a:tab pos="1970166" algn="l"/>
-                <a:tab pos="2626888" algn="l"/>
-                <a:tab pos="3283610" algn="l"/>
-                <a:tab pos="3940332" algn="l"/>
-                <a:tab pos="4597055" algn="l"/>
-                <a:tab pos="5253777" algn="l"/>
-                <a:tab pos="5910499" algn="l"/>
-                <a:tab pos="6567221" algn="l"/>
-                <a:tab pos="7223943" algn="l"/>
-              </a:tabLst>
-            </a:pPr>
-            <a:endParaRPr lang="en-US" dirty="0" smtClean="0">
-              <a:ea typeface="Droid Sans Fallback" charset="0"/>
-              <a:cs typeface="Droid Sans Fallback" charset="0"/>
-            </a:endParaRPr>
-          </a:p>
-          <a:p>
-            <a:pPr algn="ctr">
-              <a:tabLst>
-                <a:tab pos="656722" algn="l"/>
-                <a:tab pos="1313444" algn="l"/>
-                <a:tab pos="1970166" algn="l"/>
-                <a:tab pos="2626888" algn="l"/>
-                <a:tab pos="3283610" algn="l"/>
-                <a:tab pos="3940332" algn="l"/>
-                <a:tab pos="4597055" algn="l"/>
-                <a:tab pos="5253777" algn="l"/>
-                <a:tab pos="5910499" algn="l"/>
-                <a:tab pos="6567221" algn="l"/>
-                <a:tab pos="7223943" algn="l"/>
-              </a:tabLst>
-            </a:pPr>
-            <a:r>
-              <a:rPr lang="en-US" dirty="0" smtClean="0">
-                <a:ea typeface="Droid Sans Fallback" charset="0"/>
-                <a:cs typeface="Droid Sans Fallback" charset="0"/>
-              </a:rPr>
-              <a:t>Resources are identified by URIs</a:t>
-            </a:r>
-          </a:p>
-          <a:p>
-            <a:pPr marL="0" indent="0" algn="ctr">
-              <a:buNone/>
-              <a:tabLst>
-                <a:tab pos="656722" algn="l"/>
-                <a:tab pos="1313444" algn="l"/>
-                <a:tab pos="1970166" algn="l"/>
-                <a:tab pos="2626888" algn="l"/>
-                <a:tab pos="3283610" algn="l"/>
-                <a:tab pos="3940332" algn="l"/>
-                <a:tab pos="4597055" algn="l"/>
-                <a:tab pos="5253777" algn="l"/>
-                <a:tab pos="5910499" algn="l"/>
-                <a:tab pos="6567221" algn="l"/>
-                <a:tab pos="7223943" algn="l"/>
-              </a:tabLst>
-            </a:pPr>
-            <a:r>
-              <a:rPr lang="en-US" dirty="0" smtClean="0">
-                <a:ea typeface="Droid Sans Fallback" charset="0"/>
-                <a:cs typeface="Droid Sans Fallback" charset="0"/>
-              </a:rPr>
-              <a:t>↓</a:t>
-            </a:r>
-          </a:p>
-          <a:p>
-            <a:pPr algn="ctr">
-              <a:tabLst>
-                <a:tab pos="656722" algn="l"/>
-                <a:tab pos="1313444" algn="l"/>
-                <a:tab pos="1970166" algn="l"/>
-                <a:tab pos="2626888" algn="l"/>
-                <a:tab pos="3283610" algn="l"/>
-                <a:tab pos="3940332" algn="l"/>
-                <a:tab pos="4597055" algn="l"/>
-                <a:tab pos="5253777" algn="l"/>
-                <a:tab pos="5910499" algn="l"/>
-                <a:tab pos="6567221" algn="l"/>
-                <a:tab pos="7223943" algn="l"/>
-              </a:tabLst>
-            </a:pPr>
-            <a:r>
-              <a:rPr lang="en-US" dirty="0" smtClean="0">
-                <a:ea typeface="Droid Sans Fallback" charset="0"/>
-                <a:cs typeface="Droid Sans Fallback" charset="0"/>
-              </a:rPr>
-              <a:t>Clients communicate with resources via requests using a</a:t>
-            </a:r>
-          </a:p>
-          <a:p>
-            <a:pPr algn="ctr">
-              <a:tabLst>
-                <a:tab pos="656722" algn="l"/>
-                <a:tab pos="1313444" algn="l"/>
-                <a:tab pos="1970166" algn="l"/>
-                <a:tab pos="2626888" algn="l"/>
-                <a:tab pos="3283610" algn="l"/>
-                <a:tab pos="3940332" algn="l"/>
-                <a:tab pos="4597055" algn="l"/>
-                <a:tab pos="5253777" algn="l"/>
-                <a:tab pos="5910499" algn="l"/>
-                <a:tab pos="6567221" algn="l"/>
-                <a:tab pos="7223943" algn="l"/>
-              </a:tabLst>
-            </a:pPr>
-            <a:r>
-              <a:rPr lang="en-US" dirty="0" smtClean="0">
-                <a:ea typeface="Droid Sans Fallback" charset="0"/>
-                <a:cs typeface="Droid Sans Fallback" charset="0"/>
-              </a:rPr>
-              <a:t>standard set of methods</a:t>
-            </a:r>
-          </a:p>
-          <a:p>
-            <a:pPr marL="0" indent="0" algn="ctr">
-              <a:buNone/>
-              <a:tabLst>
-                <a:tab pos="656722" algn="l"/>
-                <a:tab pos="1313444" algn="l"/>
-                <a:tab pos="1970166" algn="l"/>
-                <a:tab pos="2626888" algn="l"/>
-                <a:tab pos="3283610" algn="l"/>
-                <a:tab pos="3940332" algn="l"/>
-                <a:tab pos="4597055" algn="l"/>
-                <a:tab pos="5253777" algn="l"/>
-                <a:tab pos="5910499" algn="l"/>
-                <a:tab pos="6567221" algn="l"/>
-                <a:tab pos="7223943" algn="l"/>
-              </a:tabLst>
-            </a:pPr>
-            <a:r>
-              <a:rPr lang="en-US" dirty="0" smtClean="0">
-                <a:ea typeface="Droid Sans Fallback" charset="0"/>
-                <a:cs typeface="Droid Sans Fallback" charset="0"/>
-              </a:rPr>
-              <a:t>↓</a:t>
-            </a:r>
-          </a:p>
-          <a:p>
-            <a:pPr algn="ctr">
-              <a:tabLst>
-                <a:tab pos="656722" algn="l"/>
-                <a:tab pos="1313444" algn="l"/>
-                <a:tab pos="1970166" algn="l"/>
-                <a:tab pos="2626888" algn="l"/>
-                <a:tab pos="3283610" algn="l"/>
-                <a:tab pos="3940332" algn="l"/>
-                <a:tab pos="4597055" algn="l"/>
-                <a:tab pos="5253777" algn="l"/>
-                <a:tab pos="5910499" algn="l"/>
-                <a:tab pos="6567221" algn="l"/>
-                <a:tab pos="7223943" algn="l"/>
-              </a:tabLst>
-            </a:pPr>
-            <a:r>
-              <a:rPr lang="en-US" dirty="0" smtClean="0">
-                <a:ea typeface="Droid Sans Fallback" charset="0"/>
-                <a:cs typeface="Droid Sans Fallback" charset="0"/>
-              </a:rPr>
-              <a:t>Requests and responses contain resource representations</a:t>
-            </a:r>
-          </a:p>
-          <a:p>
-            <a:pPr algn="ctr">
-              <a:tabLst>
-                <a:tab pos="656722" algn="l"/>
-                <a:tab pos="1313444" algn="l"/>
-                <a:tab pos="1970166" algn="l"/>
-                <a:tab pos="2626888" algn="l"/>
-                <a:tab pos="3283610" algn="l"/>
-                <a:tab pos="3940332" algn="l"/>
-                <a:tab pos="4597055" algn="l"/>
-                <a:tab pos="5253777" algn="l"/>
-                <a:tab pos="5910499" algn="l"/>
-                <a:tab pos="6567221" algn="l"/>
-                <a:tab pos="7223943" algn="l"/>
-              </a:tabLst>
-            </a:pPr>
-            <a:r>
-              <a:rPr lang="en-US" dirty="0" smtClean="0">
-                <a:ea typeface="Droid Sans Fallback" charset="0"/>
-                <a:cs typeface="Droid Sans Fallback" charset="0"/>
-              </a:rPr>
-              <a:t>in formats identified by media types</a:t>
-            </a:r>
-          </a:p>
-          <a:p>
-            <a:pPr marL="0" indent="0" algn="ctr">
-              <a:buNone/>
-              <a:tabLst>
-                <a:tab pos="656722" algn="l"/>
-                <a:tab pos="1313444" algn="l"/>
-                <a:tab pos="1970166" algn="l"/>
-                <a:tab pos="2626888" algn="l"/>
-                <a:tab pos="3283610" algn="l"/>
-                <a:tab pos="3940332" algn="l"/>
-                <a:tab pos="4597055" algn="l"/>
-                <a:tab pos="5253777" algn="l"/>
-                <a:tab pos="5910499" algn="l"/>
-                <a:tab pos="6567221" algn="l"/>
-                <a:tab pos="7223943" algn="l"/>
-              </a:tabLst>
-            </a:pPr>
-            <a:r>
-              <a:rPr lang="en-US" dirty="0" smtClean="0">
-                <a:ea typeface="Droid Sans Fallback" charset="0"/>
-                <a:cs typeface="Droid Sans Fallback" charset="0"/>
-              </a:rPr>
-              <a:t>↓</a:t>
-            </a:r>
-          </a:p>
-          <a:p>
-            <a:pPr algn="ctr">
-              <a:tabLst>
-                <a:tab pos="656722" algn="l"/>
-                <a:tab pos="1313444" algn="l"/>
-                <a:tab pos="1970166" algn="l"/>
-                <a:tab pos="2626888" algn="l"/>
-                <a:tab pos="3283610" algn="l"/>
-                <a:tab pos="3940332" algn="l"/>
-                <a:tab pos="4597055" algn="l"/>
-                <a:tab pos="5253777" algn="l"/>
-                <a:tab pos="5910499" algn="l"/>
-                <a:tab pos="6567221" algn="l"/>
-                <a:tab pos="7223943" algn="l"/>
-              </a:tabLst>
-            </a:pPr>
-            <a:r>
-              <a:rPr lang="en-US" dirty="0" smtClean="0">
-                <a:ea typeface="Droid Sans Fallback" charset="0"/>
-                <a:cs typeface="Droid Sans Fallback" charset="0"/>
-              </a:rPr>
-              <a:t>Responses contain URIs that link to further resources</a:t>
-            </a:r>
-          </a:p>
-          <a:p>
-            <a:pPr marL="0" indent="0" algn="ctr">
-              <a:buNone/>
-              <a:tabLst>
-                <a:tab pos="656722" algn="l"/>
-                <a:tab pos="1313444" algn="l"/>
-                <a:tab pos="1970166" algn="l"/>
-                <a:tab pos="2626888" algn="l"/>
-                <a:tab pos="3283610" algn="l"/>
-                <a:tab pos="3940332" algn="l"/>
-                <a:tab pos="4597055" algn="l"/>
-                <a:tab pos="5253777" algn="l"/>
-                <a:tab pos="5910499" algn="l"/>
-                <a:tab pos="6567221" algn="l"/>
-                <a:tab pos="7223943" algn="l"/>
-              </a:tabLst>
-            </a:pPr>
-            <a:r>
-              <a:rPr lang="en-US" dirty="0">
-                <a:ea typeface="Droid Sans Fallback" charset="0"/>
-                <a:cs typeface="Droid Sans Fallback" charset="0"/>
-              </a:rPr>
-              <a:t>↓</a:t>
-            </a:r>
-          </a:p>
-          <a:p>
-            <a:pPr marL="0" indent="0" algn="ctr">
-              <a:buNone/>
-              <a:tabLst>
-                <a:tab pos="656722" algn="l"/>
-                <a:tab pos="1313444" algn="l"/>
-                <a:tab pos="1970166" algn="l"/>
-                <a:tab pos="2626888" algn="l"/>
-                <a:tab pos="3283610" algn="l"/>
-                <a:tab pos="3940332" algn="l"/>
-                <a:tab pos="4597055" algn="l"/>
-                <a:tab pos="5253777" algn="l"/>
-                <a:tab pos="5910499" algn="l"/>
-                <a:tab pos="6567221" algn="l"/>
-                <a:tab pos="7223943" algn="l"/>
-              </a:tabLst>
-            </a:pPr>
-            <a:r>
-              <a:rPr lang="en-US" dirty="0" smtClean="0"/>
-              <a:t>Beginning</a:t>
-            </a:r>
-            <a:endParaRPr lang="en-US" dirty="0"/>
-          </a:p>
-        </p:txBody>
-      </p:sp>
-    </p:spTree>
-    <p:extLst>
-      <p:ext uri="{BB962C8B-B14F-4D97-AF65-F5344CB8AC3E}">
-        <p14:creationId xmlns:p14="http://schemas.microsoft.com/office/powerpoint/2010/main" val="3867699156"/>
-      </p:ext>
-    </p:extLst>
-  </p:cSld>
-  <p:clrMapOvr>
-    <a:masterClrMapping/>
-  </p:clrMapOvr>
-  <p:timing>
-    <p:tnLst>
-      <p:par>
-        <p:cTn xmlns:p14="http://schemas.microsoft.com/office/powerpoint/2010/main" id="1" dur="indefinite" restart="never" nodeType="tmRoot"/>
-      </p:par>
-    </p:tnLst>
-  </p:timing>
-</p:sld>
-</file>
-
-<file path=ppt/slides/slide22.xml><?xml version="1.0" encoding="utf-8"?>
-<p:sld xmlns:a="http://schemas.openxmlformats.org/drawingml/2006/main" xmlns:r="http://schemas.openxmlformats.org/officeDocument/2006/relationships" xmlns:p="http://schemas.openxmlformats.org/presentationml/2006/main">
-  <p:cSld>
-    <p:spTree>
-      <p:nvGrpSpPr>
-        <p:cNvPr id="1" name=""/>
-        <p:cNvGrpSpPr/>
-        <p:nvPr/>
-      </p:nvGrpSpPr>
-      <p:grpSpPr>
-        <a:xfrm>
-          <a:off x="0" y="0"/>
-          <a:ext cx="0" cy="0"/>
-          <a:chOff x="0" y="0"/>
-          <a:chExt cx="0" cy="0"/>
-        </a:xfrm>
-      </p:grpSpPr>
-      <p:sp>
-        <p:nvSpPr>
-          <p:cNvPr id="2" name="Title 1"/>
-          <p:cNvSpPr>
-            <a:spLocks noGrp="1"/>
-          </p:cNvSpPr>
-          <p:nvPr>
-            <p:ph type="title"/>
-          </p:nvPr>
-        </p:nvSpPr>
-        <p:spPr/>
-        <p:txBody>
-          <a:bodyPr/>
-          <a:lstStyle/>
-          <a:p>
-            <a:r>
-              <a:rPr lang="en-US" dirty="0" err="1" smtClean="0"/>
-              <a:t>Async</a:t>
-            </a:r>
-            <a:endParaRPr lang="en-US" dirty="0"/>
-          </a:p>
-        </p:txBody>
-      </p:sp>
-      <p:sp>
-        <p:nvSpPr>
-          <p:cNvPr id="3" name="Content Placeholder 2"/>
-          <p:cNvSpPr>
-            <a:spLocks noGrp="1"/>
-          </p:cNvSpPr>
-          <p:nvPr>
-            <p:ph idx="1"/>
-          </p:nvPr>
-        </p:nvSpPr>
-        <p:spPr/>
-        <p:txBody>
-          <a:bodyPr>
-            <a:normAutofit fontScale="62500" lnSpcReduction="20000"/>
-          </a:bodyPr>
-          <a:lstStyle/>
-          <a:p>
-            <a:r>
-              <a:rPr lang="en-US" dirty="0"/>
-              <a:t>HTTP is synchronous: request–</a:t>
-            </a:r>
-            <a:r>
-              <a:rPr lang="en-US" dirty="0" smtClean="0"/>
-              <a:t>response</a:t>
-            </a:r>
-          </a:p>
-          <a:p>
-            <a:pPr lvl="1"/>
-            <a:r>
-              <a:rPr lang="en-US" dirty="0"/>
-              <a:t>W</a:t>
-            </a:r>
-            <a:r>
-              <a:rPr lang="en-US" dirty="0" smtClean="0"/>
-              <a:t>hat </a:t>
-            </a:r>
-            <a:r>
-              <a:rPr lang="en-US" dirty="0"/>
-              <a:t>about long-running requests? deferred synchronous interaction</a:t>
-            </a:r>
-          </a:p>
-          <a:p>
-            <a:r>
-              <a:rPr lang="en-US" dirty="0"/>
-              <a:t>C</a:t>
-            </a:r>
-            <a:r>
-              <a:rPr lang="en-US" dirty="0" smtClean="0"/>
-              <a:t>lient </a:t>
-            </a:r>
-            <a:r>
-              <a:rPr lang="en-US" dirty="0"/>
-              <a:t>POSTs request (because not idempotent)</a:t>
-            </a:r>
-          </a:p>
-          <a:p>
-            <a:r>
-              <a:rPr lang="en-US" dirty="0"/>
-              <a:t>POST /queue HTTP/1.1</a:t>
-            </a:r>
-          </a:p>
-          <a:p>
-            <a:r>
-              <a:rPr lang="en-US" dirty="0"/>
-              <a:t>Host: </a:t>
-            </a:r>
-            <a:r>
-              <a:rPr lang="en-US" dirty="0" err="1" smtClean="0"/>
-              <a:t>jobservice.com</a:t>
-            </a:r>
-            <a:endParaRPr lang="en-US" dirty="0"/>
-          </a:p>
-          <a:p>
-            <a:pPr lvl="1"/>
-            <a:r>
-              <a:rPr lang="en-US" dirty="0" smtClean="0"/>
-              <a:t>Please </a:t>
-            </a:r>
-            <a:r>
-              <a:rPr lang="en-US" dirty="0"/>
-              <a:t>tell me whether 2ˆ43,112,609 - 1 is </a:t>
-            </a:r>
-            <a:r>
-              <a:rPr lang="en-US" dirty="0" smtClean="0"/>
-              <a:t>prime</a:t>
-            </a:r>
-          </a:p>
-          <a:p>
-            <a:pPr lvl="1"/>
-            <a:r>
-              <a:rPr lang="en-US" dirty="0" smtClean="0"/>
-              <a:t>server </a:t>
-            </a:r>
-            <a:r>
-              <a:rPr lang="en-US" dirty="0"/>
-              <a:t>queues task, returns code 202 ‘Accepted’ with </a:t>
-            </a:r>
-            <a:endParaRPr lang="en-US" dirty="0" smtClean="0"/>
-          </a:p>
-          <a:p>
-            <a:pPr lvl="2"/>
-            <a:r>
-              <a:rPr lang="en-US" dirty="0" smtClean="0"/>
-              <a:t>URI </a:t>
-            </a:r>
-            <a:r>
-              <a:rPr lang="en-US" dirty="0"/>
-              <a:t>Location: http://</a:t>
-            </a:r>
-            <a:r>
-              <a:rPr lang="en-US" dirty="0" err="1"/>
-              <a:t>jobservice.com</a:t>
-            </a:r>
-            <a:r>
-              <a:rPr lang="en-US" dirty="0"/>
-              <a:t>/queue/</a:t>
-            </a:r>
-            <a:r>
-              <a:rPr lang="en-US" dirty="0" smtClean="0"/>
-              <a:t>job11a4f9</a:t>
-            </a:r>
-          </a:p>
-          <a:p>
-            <a:pPr lvl="2"/>
-            <a:r>
-              <a:rPr lang="en-US" dirty="0" smtClean="0"/>
-              <a:t>202 </a:t>
-            </a:r>
-            <a:r>
-              <a:rPr lang="en-US" dirty="0"/>
-              <a:t>Accepted</a:t>
-            </a:r>
-          </a:p>
-          <a:p>
-            <a:r>
-              <a:rPr lang="en-US" dirty="0"/>
-              <a:t>C</a:t>
-            </a:r>
-            <a:r>
-              <a:rPr lang="en-US" dirty="0" smtClean="0"/>
-              <a:t>lient </a:t>
-            </a:r>
-            <a:r>
-              <a:rPr lang="en-US" dirty="0"/>
-              <a:t>polls resource:</a:t>
-            </a:r>
-          </a:p>
-          <a:p>
-            <a:pPr lvl="1"/>
-            <a:r>
-              <a:rPr lang="en-US" dirty="0"/>
-              <a:t>GET /queue/job11a4f9 HTTP/1.1</a:t>
-            </a:r>
-          </a:p>
-          <a:p>
-            <a:pPr lvl="1"/>
-            <a:r>
-              <a:rPr lang="en-US" dirty="0"/>
-              <a:t>getting either status report or </a:t>
-            </a:r>
-            <a:r>
-              <a:rPr lang="en-US" dirty="0" smtClean="0"/>
-              <a:t>result</a:t>
-            </a:r>
-          </a:p>
-          <a:p>
-            <a:r>
-              <a:rPr lang="en-US" dirty="0" smtClean="0"/>
-              <a:t>Of course </a:t>
-            </a:r>
-            <a:r>
-              <a:rPr lang="en-US" dirty="0" err="1" smtClean="0"/>
-              <a:t>WebSockets</a:t>
-            </a:r>
-            <a:r>
-              <a:rPr lang="en-US" dirty="0" smtClean="0"/>
-              <a:t> could be used to push the response</a:t>
-            </a:r>
-          </a:p>
-          <a:p>
-            <a:pPr lvl="1"/>
-            <a:r>
-              <a:rPr lang="en-US" dirty="0" smtClean="0"/>
-              <a:t>Also see new Push API from W3C</a:t>
-            </a:r>
-            <a:endParaRPr lang="en-US" dirty="0"/>
-          </a:p>
-        </p:txBody>
-      </p:sp>
-    </p:spTree>
-    <p:extLst>
-      <p:ext uri="{BB962C8B-B14F-4D97-AF65-F5344CB8AC3E}">
-        <p14:creationId xmlns:p14="http://schemas.microsoft.com/office/powerpoint/2010/main" val="494380719"/>
-      </p:ext>
-    </p:extLst>
-  </p:cSld>
-  <p:clrMapOvr>
-    <a:masterClrMapping/>
-  </p:clrMapOvr>
-</p:sld>
-</file>
-
-<file path=ppt/slides/slide23.xml><?xml version="1.0" encoding="utf-8"?>
-<p:sld xmlns:a="http://schemas.openxmlformats.org/drawingml/2006/main" xmlns:r="http://schemas.openxmlformats.org/officeDocument/2006/relationships" xmlns:p="http://schemas.openxmlformats.org/presentationml/2006/main">
-  <p:cSld>
-    <p:spTree>
-      <p:nvGrpSpPr>
-        <p:cNvPr id="1" name=""/>
-        <p:cNvGrpSpPr/>
-        <p:nvPr/>
-      </p:nvGrpSpPr>
-      <p:grpSpPr>
-        <a:xfrm>
-          <a:off x="0" y="0"/>
-          <a:ext cx="0" cy="0"/>
-          <a:chOff x="0" y="0"/>
-          <a:chExt cx="0" cy="0"/>
-        </a:xfrm>
-      </p:grpSpPr>
-      <p:sp>
-        <p:nvSpPr>
-          <p:cNvPr id="2" name="Title 1"/>
-          <p:cNvSpPr>
-            <a:spLocks noGrp="1"/>
-          </p:cNvSpPr>
-          <p:nvPr>
-            <p:ph type="title"/>
-          </p:nvPr>
-        </p:nvSpPr>
-        <p:spPr/>
-        <p:txBody>
-          <a:bodyPr/>
-          <a:lstStyle/>
-          <a:p>
-            <a:r>
-              <a:rPr lang="en-US" dirty="0" smtClean="0"/>
-              <a:t>URI Design</a:t>
-            </a:r>
-            <a:endParaRPr lang="en-US" dirty="0"/>
-          </a:p>
-        </p:txBody>
-      </p:sp>
-      <p:sp>
-        <p:nvSpPr>
-          <p:cNvPr id="3" name="Content Placeholder 2"/>
-          <p:cNvSpPr>
-            <a:spLocks noGrp="1"/>
-          </p:cNvSpPr>
-          <p:nvPr>
-            <p:ph idx="1"/>
-          </p:nvPr>
-        </p:nvSpPr>
-        <p:spPr/>
-        <p:txBody>
-          <a:bodyPr>
-            <a:normAutofit fontScale="70000" lnSpcReduction="20000"/>
-          </a:bodyPr>
-          <a:lstStyle/>
-          <a:p>
-            <a:r>
-              <a:rPr lang="en-US" dirty="0" smtClean="0"/>
-              <a:t>URIs </a:t>
-            </a:r>
-            <a:r>
-              <a:rPr lang="en-US" dirty="0"/>
-              <a:t>should be meaningful and well-structured</a:t>
-            </a:r>
-          </a:p>
-          <a:p>
-            <a:r>
-              <a:rPr lang="en-US" dirty="0" smtClean="0"/>
-              <a:t>Some believe client </a:t>
-            </a:r>
-            <a:r>
-              <a:rPr lang="en-US" dirty="0"/>
-              <a:t>should be able to construct URI to access a resource (</a:t>
-            </a:r>
-            <a:r>
-              <a:rPr lang="en-US" dirty="0" smtClean="0"/>
-              <a:t>increases surface </a:t>
-            </a:r>
-            <a:r>
-              <a:rPr lang="en-US" dirty="0"/>
-              <a:t>area</a:t>
-            </a:r>
-            <a:r>
-              <a:rPr lang="en-US" dirty="0" smtClean="0"/>
-              <a:t>)</a:t>
-            </a:r>
-          </a:p>
-          <a:p>
-            <a:r>
-              <a:rPr lang="en-US" dirty="0" smtClean="0"/>
-              <a:t>Others say URIs should be opaque!</a:t>
-            </a:r>
-          </a:p>
-          <a:p>
-            <a:pPr lvl="1"/>
-            <a:r>
-              <a:rPr lang="en-US" dirty="0" smtClean="0"/>
-              <a:t>Discuss?!</a:t>
-            </a:r>
-            <a:endParaRPr lang="en-US" dirty="0"/>
-          </a:p>
-          <a:p>
-            <a:r>
-              <a:rPr lang="en-US" dirty="0" smtClean="0"/>
-              <a:t>Use </a:t>
-            </a:r>
-            <a:r>
-              <a:rPr lang="en-US" dirty="0"/>
-              <a:t>paths to separate elements of hierarchy, general to </a:t>
-            </a:r>
-            <a:r>
-              <a:rPr lang="en-US" dirty="0" smtClean="0"/>
-              <a:t>specific </a:t>
-            </a:r>
-          </a:p>
-          <a:p>
-            <a:r>
-              <a:rPr lang="en-US" dirty="0" smtClean="0"/>
-              <a:t>use </a:t>
-            </a:r>
-            <a:r>
-              <a:rPr lang="en-US" dirty="0"/>
-              <a:t>punctuation to separate items at same hierarchical level</a:t>
-            </a:r>
-          </a:p>
-          <a:p>
-            <a:pPr lvl="1"/>
-            <a:r>
-              <a:rPr lang="en-US" dirty="0" smtClean="0"/>
-              <a:t>commas </a:t>
-            </a:r>
-            <a:r>
-              <a:rPr lang="en-US" dirty="0"/>
-              <a:t>when order matters (</a:t>
-            </a:r>
-            <a:r>
-              <a:rPr lang="en-US" dirty="0" err="1"/>
-              <a:t>eg</a:t>
-            </a:r>
-            <a:r>
-              <a:rPr lang="en-US" dirty="0"/>
-              <a:t> coordinates), semicolons </a:t>
-            </a:r>
-            <a:r>
-              <a:rPr lang="en-US" dirty="0" smtClean="0"/>
-              <a:t>otherwise</a:t>
-            </a:r>
-          </a:p>
-          <a:p>
-            <a:pPr lvl="1"/>
-            <a:r>
-              <a:rPr lang="en-US" dirty="0" smtClean="0"/>
-              <a:t>use </a:t>
-            </a:r>
-            <a:r>
-              <a:rPr lang="en-US" dirty="0"/>
-              <a:t>query variables only for ‘arguments’</a:t>
-            </a:r>
-          </a:p>
-          <a:p>
-            <a:r>
-              <a:rPr lang="en-US" dirty="0" smtClean="0"/>
-              <a:t>URIs </a:t>
-            </a:r>
-            <a:r>
-              <a:rPr lang="en-US" dirty="0"/>
-              <a:t>denote resources, not operations (unless the operation is </a:t>
-            </a:r>
-            <a:r>
-              <a:rPr lang="en-US" dirty="0" smtClean="0"/>
-              <a:t>itself something </a:t>
-            </a:r>
-            <a:r>
-              <a:rPr lang="en-US" dirty="0"/>
-              <a:t>you might CRUD</a:t>
-            </a:r>
-            <a:r>
-              <a:rPr lang="en-US" dirty="0" smtClean="0"/>
-              <a:t>)</a:t>
-            </a:r>
-            <a:endParaRPr lang="en-US" dirty="0"/>
-          </a:p>
-        </p:txBody>
-      </p:sp>
-    </p:spTree>
-    <p:extLst>
-      <p:ext uri="{BB962C8B-B14F-4D97-AF65-F5344CB8AC3E}">
-        <p14:creationId xmlns:p14="http://schemas.microsoft.com/office/powerpoint/2010/main" val="4271667592"/>
-      </p:ext>
-    </p:extLst>
-  </p:cSld>
-  <p:clrMapOvr>
-    <a:masterClrMapping/>
-  </p:clrMapOvr>
-</p:sld>
-</file>
-
-<file path=ppt/slides/slide24.xml><?xml version="1.0" encoding="utf-8"?>
-<p:sld xmlns:a="http://schemas.openxmlformats.org/drawingml/2006/main" xmlns:r="http://schemas.openxmlformats.org/officeDocument/2006/relationships" xmlns:p="http://schemas.openxmlformats.org/presentationml/2006/main">
-  <p:cSld>
-    <p:spTree>
-      <p:nvGrpSpPr>
-        <p:cNvPr id="1" name=""/>
-        <p:cNvGrpSpPr/>
-        <p:nvPr/>
-      </p:nvGrpSpPr>
-      <p:grpSpPr>
-        <a:xfrm>
-          <a:off x="0" y="0"/>
-          <a:ext cx="0" cy="0"/>
-          <a:chOff x="0" y="0"/>
-          <a:chExt cx="0" cy="0"/>
-        </a:xfrm>
-      </p:grpSpPr>
-      <p:sp>
-        <p:nvSpPr>
-          <p:cNvPr id="2" name="Title 1"/>
-          <p:cNvSpPr>
-            <a:spLocks noGrp="1"/>
-          </p:cNvSpPr>
-          <p:nvPr>
-            <p:ph type="title"/>
-          </p:nvPr>
-        </p:nvSpPr>
-        <p:spPr/>
-        <p:txBody>
-          <a:bodyPr/>
-          <a:lstStyle/>
-          <a:p>
-            <a:r>
-              <a:rPr lang="en-US" dirty="0" smtClean="0"/>
-              <a:t>Quick look at the Sample Service</a:t>
-            </a:r>
-            <a:endParaRPr lang="en-US" dirty="0"/>
-          </a:p>
-        </p:txBody>
-      </p:sp>
-    </p:spTree>
-    <p:extLst>
-      <p:ext uri="{BB962C8B-B14F-4D97-AF65-F5344CB8AC3E}">
-        <p14:creationId xmlns:p14="http://schemas.microsoft.com/office/powerpoint/2010/main" val="4216162972"/>
-      </p:ext>
-    </p:extLst>
-  </p:cSld>
-  <p:clrMapOvr>
-    <a:masterClrMapping/>
-  </p:clrMapOvr>
-  <p:timing>
-    <p:tnLst>
-      <p:par>
-        <p:cTn xmlns:p14="http://schemas.microsoft.com/office/powerpoint/2010/main" id="1" dur="indefinite" restart="never" nodeType="tmRoot"/>
-      </p:par>
-    </p:tnLst>
-  </p:timing>
-</p:sld>
-</file>
-
-<file path=ppt/slides/slide25.xml><?xml version="1.0" encoding="utf-8"?>
-<p:sld xmlns:a="http://schemas.openxmlformats.org/drawingml/2006/main" xmlns:r="http://schemas.openxmlformats.org/officeDocument/2006/relationships" xmlns:p="http://schemas.openxmlformats.org/presentationml/2006/main">
-  <p:cSld>
-    <p:spTree>
-      <p:nvGrpSpPr>
-        <p:cNvPr id="1" name=""/>
-        <p:cNvGrpSpPr/>
-        <p:nvPr/>
-      </p:nvGrpSpPr>
-      <p:grpSpPr>
-        <a:xfrm>
-          <a:off x="0" y="0"/>
-          <a:ext cx="0" cy="0"/>
-          <a:chOff x="0" y="0"/>
-          <a:chExt cx="0" cy="0"/>
-        </a:xfrm>
-      </p:grpSpPr>
-      <p:sp>
-        <p:nvSpPr>
-          <p:cNvPr id="2" name="Title 1"/>
-          <p:cNvSpPr>
-            <a:spLocks noGrp="1"/>
-          </p:cNvSpPr>
-          <p:nvPr>
-            <p:ph type="title"/>
-          </p:nvPr>
-        </p:nvSpPr>
-        <p:spPr/>
-        <p:txBody>
-          <a:bodyPr/>
-          <a:lstStyle/>
-          <a:p>
-            <a:r>
-              <a:rPr lang="en-US" dirty="0" smtClean="0"/>
-              <a:t>JSON</a:t>
-            </a:r>
-            <a:endParaRPr lang="en-US" dirty="0"/>
-          </a:p>
-        </p:txBody>
-      </p:sp>
-      <p:sp>
-        <p:nvSpPr>
-          <p:cNvPr id="3" name="Content Placeholder 2"/>
-          <p:cNvSpPr>
-            <a:spLocks noGrp="1"/>
-          </p:cNvSpPr>
-          <p:nvPr>
-            <p:ph idx="1"/>
-          </p:nvPr>
-        </p:nvSpPr>
-        <p:spPr/>
-        <p:txBody>
-          <a:bodyPr>
-            <a:normAutofit/>
-          </a:bodyPr>
-          <a:lstStyle/>
-          <a:p>
-            <a:r>
-              <a:rPr lang="en-US" sz="2400" dirty="0" smtClean="0"/>
-              <a:t>A simple notation that originated in JavaScript</a:t>
-            </a:r>
-          </a:p>
-          <a:p>
-            <a:pPr marL="0" indent="0">
-              <a:buNone/>
-            </a:pPr>
-            <a:r>
-              <a:rPr lang="en-US" sz="2400" dirty="0" err="1" smtClean="0">
-                <a:latin typeface="Lucida Console"/>
-                <a:cs typeface="Lucida Console"/>
-              </a:rPr>
-              <a:t>var</a:t>
-            </a:r>
-            <a:r>
-              <a:rPr lang="en-US" sz="2400" dirty="0" smtClean="0">
-                <a:latin typeface="Lucida Console"/>
-                <a:cs typeface="Lucida Console"/>
-              </a:rPr>
-              <a:t> x = {a:1, b:2, c:3}</a:t>
-            </a:r>
-          </a:p>
-          <a:p>
-            <a:r>
-              <a:rPr lang="en-US" sz="2400" dirty="0" smtClean="0"/>
-              <a:t>equivalent to:</a:t>
-            </a:r>
-          </a:p>
-          <a:p>
-            <a:pPr marL="0" indent="0">
-              <a:buNone/>
-            </a:pPr>
-            <a:r>
-              <a:rPr lang="en-US" sz="2400" dirty="0" err="1" smtClean="0">
-                <a:latin typeface="Lucida Console"/>
-                <a:cs typeface="Lucida Console"/>
-              </a:rPr>
-              <a:t>x.a</a:t>
-            </a:r>
-            <a:r>
-              <a:rPr lang="en-US" sz="2400" dirty="0" smtClean="0">
-                <a:latin typeface="Lucida Console"/>
-                <a:cs typeface="Lucida Console"/>
-              </a:rPr>
-              <a:t> = 1; </a:t>
-            </a:r>
-            <a:r>
-              <a:rPr lang="en-US" sz="2400" dirty="0" err="1" smtClean="0">
-                <a:latin typeface="Lucida Console"/>
-                <a:cs typeface="Lucida Console"/>
-              </a:rPr>
-              <a:t>x.b</a:t>
-            </a:r>
-            <a:r>
-              <a:rPr lang="en-US" sz="2400" dirty="0" smtClean="0">
-                <a:latin typeface="Lucida Console"/>
-                <a:cs typeface="Lucida Console"/>
-              </a:rPr>
-              <a:t> = 2; </a:t>
-            </a:r>
-            <a:r>
-              <a:rPr lang="en-US" sz="2400" dirty="0" err="1" smtClean="0">
-                <a:latin typeface="Lucida Console"/>
-                <a:cs typeface="Lucida Console"/>
-              </a:rPr>
-              <a:t>x.c</a:t>
-            </a:r>
-            <a:r>
-              <a:rPr lang="en-US" sz="2400" dirty="0" smtClean="0">
-                <a:latin typeface="Lucida Console"/>
-                <a:cs typeface="Lucida Console"/>
-              </a:rPr>
-              <a:t> = 3</a:t>
-            </a:r>
-          </a:p>
-          <a:p>
-            <a:r>
-              <a:rPr lang="en-US" sz="2400" dirty="0" smtClean="0"/>
-              <a:t>Can be done “dynamically”</a:t>
-            </a:r>
-          </a:p>
-          <a:p>
-            <a:pPr marL="0" indent="0">
-              <a:buNone/>
-            </a:pPr>
-            <a:r>
-              <a:rPr lang="en-US" sz="2400" dirty="0" err="1" smtClean="0">
-                <a:latin typeface="Lucida Console"/>
-                <a:cs typeface="Lucida Console"/>
-              </a:rPr>
-              <a:t>var</a:t>
-            </a:r>
-            <a:r>
-              <a:rPr lang="en-US" sz="2400" dirty="0" smtClean="0">
-                <a:latin typeface="Lucida Console"/>
-                <a:cs typeface="Lucida Console"/>
-              </a:rPr>
-              <a:t> x = “{a:1, b:2, c:3}” </a:t>
-            </a:r>
-          </a:p>
-          <a:p>
-            <a:pPr marL="0" indent="0">
-              <a:buNone/>
-            </a:pPr>
-            <a:r>
-              <a:rPr lang="en-US" sz="2400" dirty="0" smtClean="0">
-                <a:latin typeface="Lucida Console"/>
-                <a:cs typeface="Lucida Console"/>
-              </a:rPr>
-              <a:t>// imagine this actually </a:t>
-            </a:r>
-          </a:p>
-          <a:p>
-            <a:pPr marL="0" indent="0">
-              <a:buNone/>
-            </a:pPr>
-            <a:r>
-              <a:rPr lang="en-US" sz="2400" dirty="0" smtClean="0">
-                <a:latin typeface="Lucida Console"/>
-                <a:cs typeface="Lucida Console"/>
-              </a:rPr>
-              <a:t>// comes from a webserver</a:t>
-            </a:r>
-          </a:p>
-          <a:p>
-            <a:pPr marL="0" indent="0">
-              <a:buNone/>
-            </a:pPr>
-            <a:r>
-              <a:rPr lang="en-US" sz="2400" dirty="0" err="1" smtClean="0">
-                <a:latin typeface="Lucida Console"/>
-                <a:cs typeface="Lucida Console"/>
-              </a:rPr>
-              <a:t>var</a:t>
-            </a:r>
-            <a:r>
-              <a:rPr lang="en-US" sz="2400" dirty="0" smtClean="0">
-                <a:latin typeface="Lucida Console"/>
-                <a:cs typeface="Lucida Console"/>
-              </a:rPr>
-              <a:t> z = </a:t>
-            </a:r>
-            <a:r>
-              <a:rPr lang="en-US" sz="2400" dirty="0" err="1" smtClean="0">
-                <a:latin typeface="Lucida Console"/>
-                <a:cs typeface="Lucida Console"/>
-              </a:rPr>
-              <a:t>eval</a:t>
-            </a:r>
-            <a:r>
-              <a:rPr lang="en-US" sz="2400" dirty="0" smtClean="0">
-                <a:latin typeface="Lucida Console"/>
-                <a:cs typeface="Lucida Console"/>
-              </a:rPr>
-              <a:t>(‘(‘+x+’)’)</a:t>
-            </a:r>
-          </a:p>
-          <a:p>
-            <a:pPr marL="0" indent="0">
-              <a:buNone/>
-            </a:pPr>
-            <a:r>
-              <a:rPr lang="en-US" sz="2400" dirty="0" smtClean="0">
-                <a:latin typeface="Lucida Console"/>
-                <a:cs typeface="Lucida Console"/>
-              </a:rPr>
-              <a:t>assert(</a:t>
-            </a:r>
-            <a:r>
-              <a:rPr lang="en-US" sz="2400" dirty="0" err="1" smtClean="0">
-                <a:latin typeface="Lucida Console"/>
-                <a:cs typeface="Lucida Console"/>
-              </a:rPr>
-              <a:t>z.a</a:t>
-            </a:r>
-            <a:r>
-              <a:rPr lang="en-US" sz="2400" dirty="0" smtClean="0">
-                <a:latin typeface="Lucida Console"/>
-                <a:cs typeface="Lucida Console"/>
-              </a:rPr>
-              <a:t> == 1)</a:t>
-            </a:r>
-          </a:p>
-        </p:txBody>
-      </p:sp>
-    </p:spTree>
-    <p:extLst>
-      <p:ext uri="{BB962C8B-B14F-4D97-AF65-F5344CB8AC3E}">
-        <p14:creationId xmlns:p14="http://schemas.microsoft.com/office/powerpoint/2010/main" val="1189132511"/>
-      </p:ext>
-    </p:extLst>
-  </p:cSld>
-  <p:clrMapOvr>
-    <a:masterClrMapping/>
-  </p:clrMapOvr>
-</p:sld>
-</file>
-
-<file path=ppt/slides/slide26.xml><?xml version="1.0" encoding="utf-8"?>
-<p:sld xmlns:a="http://schemas.openxmlformats.org/drawingml/2006/main" xmlns:r="http://schemas.openxmlformats.org/officeDocument/2006/relationships" xmlns:p="http://schemas.openxmlformats.org/presentationml/2006/main">
-  <p:cSld>
-    <p:spTree>
-      <p:nvGrpSpPr>
-        <p:cNvPr id="1" name=""/>
-        <p:cNvGrpSpPr/>
-        <p:nvPr/>
-      </p:nvGrpSpPr>
-      <p:grpSpPr>
-        <a:xfrm>
-          <a:off x="0" y="0"/>
-          <a:ext cx="0" cy="0"/>
-          <a:chOff x="0" y="0"/>
-          <a:chExt cx="0" cy="0"/>
-        </a:xfrm>
-      </p:grpSpPr>
-      <p:sp>
-        <p:nvSpPr>
-          <p:cNvPr id="2" name="Title 1"/>
-          <p:cNvSpPr>
-            <a:spLocks noGrp="1"/>
-          </p:cNvSpPr>
-          <p:nvPr>
-            <p:ph type="title"/>
-          </p:nvPr>
-        </p:nvSpPr>
-        <p:spPr/>
-        <p:txBody>
-          <a:bodyPr/>
-          <a:lstStyle/>
-          <a:p>
-            <a:r>
-              <a:rPr lang="en-US" dirty="0" smtClean="0"/>
-              <a:t>Create an Order</a:t>
-            </a:r>
-            <a:endParaRPr lang="en-US" dirty="0"/>
-          </a:p>
-        </p:txBody>
-      </p:sp>
-      <p:pic>
-        <p:nvPicPr>
-          <p:cNvPr id="6" name="Picture 5"/>
-          <p:cNvPicPr>
-            <a:picLocks noChangeAspect="1"/>
-          </p:cNvPicPr>
-          <p:nvPr/>
-        </p:nvPicPr>
-        <p:blipFill>
-          <a:blip r:embed="rId3"/>
-          <a:stretch>
-            <a:fillRect/>
-          </a:stretch>
-        </p:blipFill>
-        <p:spPr>
-          <a:xfrm>
-            <a:off x="-152399" y="304800"/>
-            <a:ext cx="9316016" cy="5486400"/>
-          </a:xfrm>
-          <a:prstGeom prst="rect">
-            <a:avLst/>
-          </a:prstGeom>
-        </p:spPr>
-      </p:pic>
-    </p:spTree>
-    <p:extLst>
-      <p:ext uri="{BB962C8B-B14F-4D97-AF65-F5344CB8AC3E}">
-        <p14:creationId xmlns:p14="http://schemas.microsoft.com/office/powerpoint/2010/main" val="3005385640"/>
-      </p:ext>
-    </p:extLst>
-  </p:cSld>
-  <p:clrMapOvr>
-    <a:masterClrMapping/>
-  </p:clrMapOvr>
-  <p:timing>
-    <p:tnLst>
-      <p:par>
-        <p:cTn xmlns:p14="http://schemas.microsoft.com/office/powerpoint/2010/main" id="1" dur="indefinite" restart="never" nodeType="tmRoot"/>
-      </p:par>
-    </p:tnLst>
-  </p:timing>
-</p:sld>
-</file>
-
-<file path=ppt/slides/slide27.xml><?xml version="1.0" encoding="utf-8"?>
-<p:sld xmlns:a="http://schemas.openxmlformats.org/drawingml/2006/main" xmlns:r="http://schemas.openxmlformats.org/officeDocument/2006/relationships" xmlns:p="http://schemas.openxmlformats.org/presentationml/2006/main">
-  <p:cSld>
-    <p:spTree>
-      <p:nvGrpSpPr>
-        <p:cNvPr id="1" name=""/>
-        <p:cNvGrpSpPr/>
-        <p:nvPr/>
-      </p:nvGrpSpPr>
-      <p:grpSpPr>
-        <a:xfrm>
-          <a:off x="0" y="0"/>
-          <a:ext cx="0" cy="0"/>
-          <a:chOff x="0" y="0"/>
-          <a:chExt cx="0" cy="0"/>
-        </a:xfrm>
-      </p:grpSpPr>
-      <p:sp>
-        <p:nvSpPr>
-          <p:cNvPr id="2" name="Title 1"/>
-          <p:cNvSpPr>
-            <a:spLocks noGrp="1"/>
-          </p:cNvSpPr>
-          <p:nvPr>
-            <p:ph type="title"/>
-          </p:nvPr>
-        </p:nvSpPr>
-        <p:spPr/>
-        <p:txBody>
-          <a:bodyPr/>
-          <a:lstStyle/>
-          <a:p>
-            <a:endParaRPr lang="en-US"/>
-          </a:p>
-        </p:txBody>
-      </p:sp>
-      <p:pic>
-        <p:nvPicPr>
-          <p:cNvPr id="4" name="Picture 3"/>
-          <p:cNvPicPr>
-            <a:picLocks noChangeAspect="1"/>
-          </p:cNvPicPr>
-          <p:nvPr/>
-        </p:nvPicPr>
-        <p:blipFill>
-          <a:blip r:embed="rId3"/>
-          <a:stretch>
-            <a:fillRect/>
-          </a:stretch>
-        </p:blipFill>
-        <p:spPr>
-          <a:xfrm>
-            <a:off x="342900" y="177800"/>
-            <a:ext cx="8445500" cy="6502400"/>
-          </a:xfrm>
-          <a:prstGeom prst="rect">
-            <a:avLst/>
-          </a:prstGeom>
-        </p:spPr>
-      </p:pic>
-    </p:spTree>
-    <p:extLst>
-      <p:ext uri="{BB962C8B-B14F-4D97-AF65-F5344CB8AC3E}">
-        <p14:creationId xmlns:p14="http://schemas.microsoft.com/office/powerpoint/2010/main" val="1588889100"/>
-      </p:ext>
-    </p:extLst>
-  </p:cSld>
-  <p:clrMapOvr>
-    <a:masterClrMapping/>
-  </p:clrMapOvr>
-  <p:timing>
-    <p:tnLst>
-      <p:par>
-        <p:cTn xmlns:p14="http://schemas.microsoft.com/office/powerpoint/2010/main" id="1" dur="indefinite" restart="never" nodeType="tmRoot"/>
-      </p:par>
-    </p:tnLst>
-  </p:timing>
-</p:sld>
-</file>
-
-<file path=ppt/slides/slide28.xml><?xml version="1.0" encoding="utf-8"?>
-<p:sld xmlns:a="http://schemas.openxmlformats.org/drawingml/2006/main" xmlns:r="http://schemas.openxmlformats.org/officeDocument/2006/relationships" xmlns:p="http://schemas.openxmlformats.org/presentationml/2006/main">
-  <p:cSld>
-    <p:spTree>
-      <p:nvGrpSpPr>
-        <p:cNvPr id="1" name=""/>
-        <p:cNvGrpSpPr/>
-        <p:nvPr/>
-      </p:nvGrpSpPr>
-      <p:grpSpPr>
-        <a:xfrm>
-          <a:off x="0" y="0"/>
-          <a:ext cx="0" cy="0"/>
-          <a:chOff x="0" y="0"/>
-          <a:chExt cx="0" cy="0"/>
-        </a:xfrm>
-      </p:grpSpPr>
-      <p:sp>
-        <p:nvSpPr>
-          <p:cNvPr id="2" name="Title 1"/>
-          <p:cNvSpPr>
-            <a:spLocks noGrp="1"/>
-          </p:cNvSpPr>
-          <p:nvPr>
-            <p:ph type="title"/>
-          </p:nvPr>
-        </p:nvSpPr>
-        <p:spPr/>
-        <p:txBody>
-          <a:bodyPr/>
-          <a:lstStyle/>
-          <a:p>
-            <a:r>
-              <a:rPr lang="en-US" dirty="0" smtClean="0"/>
-              <a:t>Questions?</a:t>
-            </a:r>
-            <a:endParaRPr lang="en-US" dirty="0"/>
-          </a:p>
-        </p:txBody>
-      </p:sp>
-    </p:spTree>
-    <p:extLst>
-      <p:ext uri="{BB962C8B-B14F-4D97-AF65-F5344CB8AC3E}">
-        <p14:creationId xmlns:p14="http://schemas.microsoft.com/office/powerpoint/2010/main" val="1921796518"/>
-      </p:ext>
-    </p:extLst>
-  </p:cSld>
-  <p:clrMapOvr>
-    <a:masterClrMapping/>
-  </p:clrMapOvr>
-</p:sld>
-</file>
-
-<file path=ppt/slides/slide3.xml><?xml version="1.0" encoding="utf-8"?>
-<p:sld xmlns:a="http://schemas.openxmlformats.org/drawingml/2006/main" xmlns:r="http://schemas.openxmlformats.org/officeDocument/2006/relationships" xmlns:p="http://schemas.openxmlformats.org/presentationml/2006/main">
-  <p:cSld>
-    <p:spTree>
-      <p:nvGrpSpPr>
-        <p:cNvPr id="1" name=""/>
-        <p:cNvGrpSpPr/>
-        <p:nvPr/>
-      </p:nvGrpSpPr>
-      <p:grpSpPr>
-        <a:xfrm>
-          <a:off x="0" y="0"/>
-          <a:ext cx="0" cy="0"/>
-          <a:chOff x="0" y="0"/>
-          <a:chExt cx="0" cy="0"/>
-        </a:xfrm>
-      </p:grpSpPr>
-      <p:sp>
-        <p:nvSpPr>
-          <p:cNvPr id="2" name="Title 1"/>
-          <p:cNvSpPr>
-            <a:spLocks noGrp="1"/>
-          </p:cNvSpPr>
-          <p:nvPr>
-            <p:ph type="title"/>
-          </p:nvPr>
-        </p:nvSpPr>
-        <p:spPr/>
-        <p:txBody>
-          <a:bodyPr/>
-          <a:lstStyle/>
-          <a:p>
-            <a:r>
-              <a:rPr lang="en-US" dirty="0" smtClean="0"/>
-              <a:t>REST is a design pattern</a:t>
-            </a:r>
-            <a:endParaRPr lang="en-US" dirty="0"/>
-          </a:p>
-        </p:txBody>
-      </p:sp>
-      <p:sp>
-        <p:nvSpPr>
-          <p:cNvPr id="3" name="Content Placeholder 2"/>
-          <p:cNvSpPr>
-            <a:spLocks noGrp="1"/>
-          </p:cNvSpPr>
-          <p:nvPr>
-            <p:ph idx="1"/>
-          </p:nvPr>
-        </p:nvSpPr>
-        <p:spPr/>
-        <p:txBody>
-          <a:bodyPr/>
-          <a:lstStyle/>
-          <a:p>
-            <a:endParaRPr lang="en-US" dirty="0" smtClean="0"/>
-          </a:p>
-          <a:p>
-            <a:endParaRPr lang="en-US" dirty="0"/>
-          </a:p>
-          <a:p>
-            <a:pPr marL="0" indent="0">
-              <a:buNone/>
-            </a:pPr>
-            <a:r>
-              <a:rPr lang="en-US" dirty="0" smtClean="0"/>
-              <a:t>Also characterized as an Architectural Style (aka an architecture design pattern)</a:t>
-            </a:r>
-            <a:endParaRPr lang="en-US" dirty="0"/>
-          </a:p>
-        </p:txBody>
-      </p:sp>
-    </p:spTree>
-    <p:extLst>
-      <p:ext uri="{BB962C8B-B14F-4D97-AF65-F5344CB8AC3E}">
-        <p14:creationId xmlns:p14="http://schemas.microsoft.com/office/powerpoint/2010/main" val="354754176"/>
-      </p:ext>
-    </p:extLst>
-  </p:cSld>
-  <p:clrMapOvr>
-    <a:masterClrMapping/>
-  </p:clrMapOvr>
-</p:sld>
-</file>
-
-<file path=ppt/slides/slide4.xml><?xml version="1.0" encoding="utf-8"?>
-<p:sld xmlns:a="http://schemas.openxmlformats.org/drawingml/2006/main" xmlns:r="http://schemas.openxmlformats.org/officeDocument/2006/relationships" xmlns:p="http://schemas.openxmlformats.org/presentationml/2006/main">
-  <p:cSld>
-    <p:spTree>
-      <p:nvGrpSpPr>
-        <p:cNvPr id="1" name=""/>
-        <p:cNvGrpSpPr/>
-        <p:nvPr/>
-      </p:nvGrpSpPr>
-      <p:grpSpPr>
-        <a:xfrm>
-          <a:off x="0" y="0"/>
-          <a:ext cx="0" cy="0"/>
-          <a:chOff x="0" y="0"/>
-          <a:chExt cx="0" cy="0"/>
-        </a:xfrm>
-      </p:grpSpPr>
-      <p:sp>
-        <p:nvSpPr>
-          <p:cNvPr id="2" name="Title 1"/>
-          <p:cNvSpPr>
-            <a:spLocks noGrp="1"/>
-          </p:cNvSpPr>
-          <p:nvPr>
-            <p:ph type="title"/>
-          </p:nvPr>
-        </p:nvSpPr>
-        <p:spPr/>
-        <p:txBody>
-          <a:bodyPr/>
-          <a:lstStyle/>
-          <a:p>
-            <a:r>
-              <a:rPr lang="en-US" dirty="0" smtClean="0"/>
-              <a:t>REST</a:t>
-            </a:r>
-            <a:endParaRPr lang="en-US" dirty="0"/>
-          </a:p>
-        </p:txBody>
-      </p:sp>
-      <p:sp>
-        <p:nvSpPr>
-          <p:cNvPr id="3" name="Content Placeholder 2"/>
-          <p:cNvSpPr>
-            <a:spLocks noGrp="1"/>
-          </p:cNvSpPr>
-          <p:nvPr>
-            <p:ph idx="1"/>
-          </p:nvPr>
-        </p:nvSpPr>
-        <p:spPr/>
-        <p:txBody>
-          <a:bodyPr>
-            <a:normAutofit fontScale="85000" lnSpcReduction="20000"/>
-          </a:bodyPr>
-          <a:lstStyle/>
-          <a:p>
-            <a:r>
-              <a:rPr lang="en-US" dirty="0"/>
-              <a:t>Roy Fielding, a principal author of </a:t>
-            </a:r>
-            <a:r>
-              <a:rPr lang="en-US" dirty="0" smtClean="0"/>
-              <a:t>HTTP 1.1</a:t>
-            </a:r>
-          </a:p>
-          <a:p>
-            <a:r>
-              <a:rPr lang="en-US" dirty="0" smtClean="0"/>
-              <a:t>PhD </a:t>
-            </a:r>
-            <a:r>
-              <a:rPr lang="en-US" dirty="0"/>
-              <a:t>thesis </a:t>
-            </a:r>
-            <a:r>
-              <a:rPr lang="en-US" i="1" dirty="0"/>
-              <a:t>Architectural Styles and the Design of Network-based </a:t>
-            </a:r>
-            <a:endParaRPr lang="en-US" dirty="0"/>
-          </a:p>
-          <a:p>
-            <a:r>
-              <a:rPr lang="en-US" dirty="0"/>
-              <a:t>S</a:t>
-            </a:r>
-            <a:r>
-              <a:rPr lang="en-US" dirty="0" smtClean="0"/>
-              <a:t>ubsequent </a:t>
-            </a:r>
-            <a:r>
-              <a:rPr lang="en-US" dirty="0"/>
-              <a:t>article </a:t>
-            </a:r>
-            <a:r>
-              <a:rPr lang="en-US" i="1" dirty="0"/>
-              <a:t>Principled Design of the Modern Web Architecture </a:t>
-            </a:r>
-            <a:r>
-              <a:rPr lang="en-US" dirty="0"/>
-              <a:t>(ACM TOIT 2:2, 2002) </a:t>
-            </a:r>
-            <a:endParaRPr lang="en-US" dirty="0"/>
-          </a:p>
-          <a:p>
-            <a:r>
-              <a:rPr lang="en-US" dirty="0" smtClean="0"/>
-              <a:t>Richardson </a:t>
-            </a:r>
-            <a:r>
-              <a:rPr lang="en-US" dirty="0"/>
-              <a:t>&amp; Ruby, </a:t>
-            </a:r>
-            <a:r>
-              <a:rPr lang="en-US" i="1" dirty="0" err="1"/>
-              <a:t>RESTful</a:t>
-            </a:r>
-            <a:r>
-              <a:rPr lang="en-US" i="1" dirty="0"/>
-              <a:t> Web </a:t>
-            </a:r>
-            <a:r>
-              <a:rPr lang="en-US" i="1" dirty="0" smtClean="0"/>
-              <a:t>Services </a:t>
-            </a:r>
-            <a:r>
-              <a:rPr lang="en-US" dirty="0" smtClean="0"/>
-              <a:t>architectural </a:t>
-            </a:r>
-            <a:r>
-              <a:rPr lang="en-US" dirty="0"/>
-              <a:t>patterns of the web </a:t>
-            </a:r>
-            <a:endParaRPr lang="en-US" dirty="0"/>
-          </a:p>
-          <a:p>
-            <a:r>
-              <a:rPr lang="en-US" i="1" dirty="0"/>
-              <a:t>Software Architectures </a:t>
-            </a:r>
-            <a:r>
-              <a:rPr lang="en-US" dirty="0"/>
-              <a:t>(2000</a:t>
-            </a:r>
-            <a:r>
-              <a:rPr lang="en-US" dirty="0" smtClean="0"/>
-              <a:t>) more </a:t>
-            </a:r>
-            <a:r>
-              <a:rPr lang="en-US" dirty="0"/>
-              <a:t>about evaluation than a cookbook </a:t>
-            </a:r>
-            <a:endParaRPr lang="en-US" dirty="0"/>
-          </a:p>
-          <a:p>
-            <a:r>
-              <a:rPr lang="en-US" dirty="0"/>
-              <a:t>T</a:t>
-            </a:r>
-            <a:r>
-              <a:rPr lang="en-US" dirty="0" smtClean="0"/>
-              <a:t>aking </a:t>
-            </a:r>
-            <a:r>
-              <a:rPr lang="en-US" dirty="0"/>
-              <a:t>HTTP seriously as a distributed computing protocol: fixed few verbs, emphasis on the nouns </a:t>
-            </a:r>
-            <a:endParaRPr lang="en-US" dirty="0"/>
-          </a:p>
-          <a:p>
-            <a:endParaRPr lang="en-US" dirty="0"/>
-          </a:p>
-        </p:txBody>
-      </p:sp>
-    </p:spTree>
-    <p:extLst>
-      <p:ext uri="{BB962C8B-B14F-4D97-AF65-F5344CB8AC3E}">
-        <p14:creationId xmlns:p14="http://schemas.microsoft.com/office/powerpoint/2010/main" val="3772789971"/>
-      </p:ext>
-    </p:extLst>
-  </p:cSld>
-  <p:clrMapOvr>
-    <a:masterClrMapping/>
-  </p:clrMapOvr>
-</p:sld>
-</file>
-
-<file path=ppt/slides/slide5.xml><?xml version="1.0" encoding="utf-8"?>
-<p:sld xmlns:a="http://schemas.openxmlformats.org/drawingml/2006/main" xmlns:r="http://schemas.openxmlformats.org/officeDocument/2006/relationships" xmlns:p="http://schemas.openxmlformats.org/presentationml/2006/main">
-  <p:cSld>
-    <p:spTree>
-      <p:nvGrpSpPr>
-        <p:cNvPr id="1" name=""/>
-        <p:cNvGrpSpPr/>
-        <p:nvPr/>
-      </p:nvGrpSpPr>
-      <p:grpSpPr>
-        <a:xfrm>
-          <a:off x="0" y="0"/>
-          <a:ext cx="0" cy="0"/>
-          <a:chOff x="0" y="0"/>
-          <a:chExt cx="0" cy="0"/>
-        </a:xfrm>
-      </p:grpSpPr>
-      <p:sp>
-        <p:nvSpPr>
-          <p:cNvPr id="2" name="Title 1"/>
-          <p:cNvSpPr>
-            <a:spLocks noGrp="1"/>
-          </p:cNvSpPr>
-          <p:nvPr>
-            <p:ph type="title"/>
-          </p:nvPr>
-        </p:nvSpPr>
-        <p:spPr/>
-        <p:txBody>
-          <a:bodyPr/>
-          <a:lstStyle/>
-          <a:p>
-            <a:r>
-              <a:rPr lang="en-US" dirty="0" smtClean="0"/>
-              <a:t>Client Server (CS)</a:t>
-            </a:r>
-            <a:endParaRPr lang="en-US" dirty="0"/>
-          </a:p>
-        </p:txBody>
-      </p:sp>
-      <p:sp>
-        <p:nvSpPr>
-          <p:cNvPr id="3" name="Content Placeholder 2"/>
-          <p:cNvSpPr>
-            <a:spLocks noGrp="1"/>
-          </p:cNvSpPr>
-          <p:nvPr>
-            <p:ph idx="1"/>
-          </p:nvPr>
-        </p:nvSpPr>
-        <p:spPr/>
-        <p:txBody>
-          <a:bodyPr>
-            <a:normAutofit fontScale="92500" lnSpcReduction="20000"/>
-          </a:bodyPr>
-          <a:lstStyle/>
-          <a:p>
-            <a:r>
-              <a:rPr lang="en-US" dirty="0"/>
-              <a:t>S</a:t>
-            </a:r>
-            <a:r>
-              <a:rPr lang="en-US" dirty="0" smtClean="0"/>
-              <a:t>erver </a:t>
-            </a:r>
-            <a:r>
-              <a:rPr lang="en-US" dirty="0"/>
-              <a:t>offers services, listens for requests</a:t>
-            </a:r>
-          </a:p>
-          <a:p>
-            <a:r>
-              <a:rPr lang="en-US" dirty="0"/>
-              <a:t>C</a:t>
-            </a:r>
-            <a:r>
-              <a:rPr lang="en-US" dirty="0" smtClean="0"/>
-              <a:t>lient </a:t>
-            </a:r>
-            <a:r>
-              <a:rPr lang="en-US" dirty="0"/>
-              <a:t>sends request, waits for response</a:t>
-            </a:r>
-          </a:p>
-          <a:p>
-            <a:r>
-              <a:rPr lang="en-US" dirty="0"/>
-              <a:t>T</a:t>
-            </a:r>
-            <a:r>
-              <a:rPr lang="en-US" dirty="0" smtClean="0"/>
-              <a:t>ransient</a:t>
-            </a:r>
-            <a:r>
-              <a:rPr lang="en-US" dirty="0"/>
-              <a:t>, triggering client; persistent, reactive server</a:t>
-            </a:r>
-          </a:p>
-          <a:p>
-            <a:r>
-              <a:rPr lang="en-US" dirty="0"/>
-              <a:t>S</a:t>
-            </a:r>
-            <a:r>
-              <a:rPr lang="en-US" dirty="0" smtClean="0"/>
-              <a:t>eparation </a:t>
-            </a:r>
-            <a:r>
-              <a:rPr lang="en-US" dirty="0"/>
-              <a:t>of concerns: user interface from </a:t>
-            </a:r>
-            <a:r>
-              <a:rPr lang="en-US" dirty="0" err="1"/>
-              <a:t>behaviour</a:t>
-            </a:r>
-            <a:endParaRPr lang="en-US" dirty="0"/>
-          </a:p>
-          <a:p>
-            <a:r>
-              <a:rPr lang="en-US" dirty="0"/>
-              <a:t>I</a:t>
-            </a:r>
-            <a:r>
-              <a:rPr lang="en-US" dirty="0" smtClean="0"/>
-              <a:t>mproves </a:t>
-            </a:r>
-            <a:r>
-              <a:rPr lang="en-US" dirty="0"/>
-              <a:t>portability to a new user interface</a:t>
-            </a:r>
-          </a:p>
-          <a:p>
-            <a:r>
-              <a:rPr lang="en-US" dirty="0"/>
-              <a:t>I</a:t>
-            </a:r>
-            <a:r>
-              <a:rPr lang="en-US" dirty="0" smtClean="0"/>
-              <a:t>mproves </a:t>
-            </a:r>
-            <a:r>
-              <a:rPr lang="en-US" dirty="0"/>
-              <a:t>scalability by simplifying components</a:t>
-            </a:r>
-          </a:p>
-          <a:p>
-            <a:r>
-              <a:rPr lang="en-US" dirty="0"/>
-              <a:t>I</a:t>
-            </a:r>
-            <a:r>
-              <a:rPr lang="en-US" dirty="0" smtClean="0"/>
-              <a:t>mproves </a:t>
-            </a:r>
-            <a:r>
-              <a:rPr lang="en-US" dirty="0" err="1"/>
-              <a:t>evolvability</a:t>
-            </a:r>
-            <a:r>
-              <a:rPr lang="en-US" dirty="0"/>
-              <a:t> by allowing independent evolution </a:t>
-            </a:r>
-            <a:r>
-              <a:rPr lang="en-US" dirty="0" smtClean="0"/>
-              <a:t>of components</a:t>
-            </a:r>
-            <a:endParaRPr lang="en-US" dirty="0"/>
-          </a:p>
-        </p:txBody>
-      </p:sp>
-    </p:spTree>
-    <p:extLst>
-      <p:ext uri="{BB962C8B-B14F-4D97-AF65-F5344CB8AC3E}">
-        <p14:creationId xmlns:p14="http://schemas.microsoft.com/office/powerpoint/2010/main" val="1775867852"/>
-      </p:ext>
-    </p:extLst>
-  </p:cSld>
-  <p:clrMapOvr>
-    <a:masterClrMapping/>
-  </p:clrMapOvr>
-</p:sld>
-</file>
-
-<file path=ppt/slides/slide6.xml><?xml version="1.0" encoding="utf-8"?>
-<p:sld xmlns:a="http://schemas.openxmlformats.org/drawingml/2006/main" xmlns:r="http://schemas.openxmlformats.org/officeDocument/2006/relationships" xmlns:p="http://schemas.openxmlformats.org/presentationml/2006/main">
-  <p:cSld>
-    <p:spTree>
-      <p:nvGrpSpPr>
-        <p:cNvPr id="1" name=""/>
-        <p:cNvGrpSpPr/>
-        <p:nvPr/>
-      </p:nvGrpSpPr>
-      <p:grpSpPr>
-        <a:xfrm>
-          <a:off x="0" y="0"/>
-          <a:ext cx="0" cy="0"/>
-          <a:chOff x="0" y="0"/>
-          <a:chExt cx="0" cy="0"/>
-        </a:xfrm>
-      </p:grpSpPr>
-      <p:sp>
-        <p:nvSpPr>
-          <p:cNvPr id="2" name="Title 1"/>
-          <p:cNvSpPr>
-            <a:spLocks noGrp="1"/>
-          </p:cNvSpPr>
-          <p:nvPr>
-            <p:ph type="title"/>
-          </p:nvPr>
-        </p:nvSpPr>
-        <p:spPr/>
-        <p:txBody>
-          <a:bodyPr>
-            <a:normAutofit fontScale="90000"/>
-          </a:bodyPr>
-          <a:lstStyle/>
-          <a:p>
-            <a:r>
-              <a:rPr lang="en-US" dirty="0" smtClean="0"/>
-              <a:t>Replicated Repository (RR) and Caching ($)</a:t>
-            </a:r>
-            <a:endParaRPr lang="en-US" dirty="0"/>
-          </a:p>
-        </p:txBody>
-      </p:sp>
-      <p:sp>
-        <p:nvSpPr>
-          <p:cNvPr id="3" name="Content Placeholder 2"/>
-          <p:cNvSpPr>
-            <a:spLocks noGrp="1"/>
-          </p:cNvSpPr>
-          <p:nvPr>
-            <p:ph idx="1"/>
-          </p:nvPr>
-        </p:nvSpPr>
-        <p:spPr/>
-        <p:txBody>
-          <a:bodyPr>
-            <a:normAutofit fontScale="77500" lnSpcReduction="20000"/>
-          </a:bodyPr>
-          <a:lstStyle/>
-          <a:p>
-            <a:r>
-              <a:rPr lang="en-US" dirty="0"/>
-              <a:t>R</a:t>
-            </a:r>
-            <a:r>
-              <a:rPr lang="en-US" dirty="0" smtClean="0"/>
-              <a:t>eplicated </a:t>
-            </a:r>
-            <a:r>
-              <a:rPr lang="en-US" dirty="0"/>
-              <a:t>repository: multiple servers provide same </a:t>
-            </a:r>
-            <a:r>
-              <a:rPr lang="en-US" dirty="0" smtClean="0"/>
-              <a:t>service</a:t>
-            </a:r>
-            <a:endParaRPr lang="en-US" dirty="0"/>
-          </a:p>
-          <a:p>
-            <a:pPr lvl="1"/>
-            <a:r>
-              <a:rPr lang="en-US" dirty="0"/>
-              <a:t>P</a:t>
-            </a:r>
-            <a:r>
-              <a:rPr lang="en-US" dirty="0" smtClean="0"/>
-              <a:t>resent </a:t>
-            </a:r>
-            <a:r>
-              <a:rPr lang="en-US" dirty="0"/>
-              <a:t>the illusion of a single, centralized service</a:t>
-            </a:r>
-          </a:p>
-          <a:p>
-            <a:pPr lvl="1"/>
-            <a:r>
-              <a:rPr lang="en-US" dirty="0"/>
-              <a:t>I</a:t>
-            </a:r>
-            <a:r>
-              <a:rPr lang="en-US" dirty="0" smtClean="0"/>
-              <a:t>mproves </a:t>
-            </a:r>
-            <a:r>
-              <a:rPr lang="en-US" dirty="0"/>
-              <a:t>performance: latency, redundancy</a:t>
-            </a:r>
-          </a:p>
-          <a:p>
-            <a:pPr lvl="1"/>
-            <a:r>
-              <a:rPr lang="en-US" dirty="0"/>
-              <a:t>M</a:t>
-            </a:r>
-            <a:r>
-              <a:rPr lang="en-US" dirty="0" smtClean="0"/>
-              <a:t>aintaining </a:t>
-            </a:r>
-            <a:r>
-              <a:rPr lang="en-US" dirty="0"/>
-              <a:t>consistency the primary </a:t>
-            </a:r>
-            <a:r>
-              <a:rPr lang="en-US" dirty="0" smtClean="0"/>
-              <a:t>challenge</a:t>
-            </a:r>
-          </a:p>
-          <a:p>
-            <a:r>
-              <a:rPr lang="en-US" dirty="0" smtClean="0"/>
-              <a:t>Caching: caching </a:t>
-            </a:r>
-            <a:r>
-              <a:rPr lang="en-US" dirty="0"/>
-              <a:t>responses for later reuse</a:t>
-            </a:r>
-          </a:p>
-          <a:p>
-            <a:pPr lvl="1"/>
-            <a:r>
-              <a:rPr lang="en-US" dirty="0"/>
-              <a:t>E</a:t>
-            </a:r>
-            <a:r>
-              <a:rPr lang="en-US" dirty="0" smtClean="0"/>
-              <a:t>ffectively </a:t>
-            </a:r>
-            <a:r>
-              <a:rPr lang="en-US" dirty="0"/>
-              <a:t>a replication of a fragment (typically, potential data set </a:t>
-            </a:r>
-            <a:r>
-              <a:rPr lang="en-US" dirty="0" smtClean="0"/>
-              <a:t>is huge </a:t>
-            </a:r>
-            <a:r>
-              <a:rPr lang="en-US" dirty="0"/>
-              <a:t>or infinite)</a:t>
-            </a:r>
-          </a:p>
-          <a:p>
-            <a:pPr lvl="1"/>
-            <a:r>
-              <a:rPr lang="en-US" dirty="0"/>
-              <a:t>R</a:t>
-            </a:r>
-            <a:r>
-              <a:rPr lang="en-US" dirty="0" smtClean="0"/>
-              <a:t>esponses </a:t>
-            </a:r>
-            <a:r>
-              <a:rPr lang="en-US" dirty="0"/>
-              <a:t>explicitly or implicitly </a:t>
-            </a:r>
-            <a:r>
-              <a:rPr lang="en-US" dirty="0" err="1"/>
-              <a:t>labelled</a:t>
-            </a:r>
-            <a:r>
-              <a:rPr lang="en-US" dirty="0"/>
-              <a:t> cacheable or not</a:t>
-            </a:r>
-          </a:p>
-          <a:p>
-            <a:pPr lvl="1"/>
-            <a:r>
-              <a:rPr lang="en-US" dirty="0"/>
-              <a:t>L</a:t>
-            </a:r>
-            <a:r>
-              <a:rPr lang="en-US" dirty="0" smtClean="0"/>
-              <a:t>azy </a:t>
-            </a:r>
-            <a:r>
-              <a:rPr lang="en-US" dirty="0"/>
-              <a:t>or active replication</a:t>
-            </a:r>
-          </a:p>
-          <a:p>
-            <a:pPr lvl="1"/>
-            <a:r>
-              <a:rPr lang="en-US" dirty="0"/>
-              <a:t>L</a:t>
-            </a:r>
-            <a:r>
-              <a:rPr lang="en-US" dirty="0" smtClean="0"/>
-              <a:t>ess </a:t>
-            </a:r>
-            <a:r>
-              <a:rPr lang="en-US" dirty="0"/>
-              <a:t>effective than full replication, but cheaper and simpler</a:t>
-            </a:r>
-            <a:endParaRPr lang="en-US" dirty="0"/>
-          </a:p>
-        </p:txBody>
-      </p:sp>
-    </p:spTree>
-    <p:extLst>
-      <p:ext uri="{BB962C8B-B14F-4D97-AF65-F5344CB8AC3E}">
-        <p14:creationId xmlns:p14="http://schemas.microsoft.com/office/powerpoint/2010/main" val="1334476425"/>
-      </p:ext>
-    </p:extLst>
-  </p:cSld>
-  <p:clrMapOvr>
-    <a:masterClrMapping/>
-  </p:clrMapOvr>
-</p:sld>
-</file>
-
-<file path=ppt/slides/slide7.xml><?xml version="1.0" encoding="utf-8"?>
-<p:sld xmlns:a="http://schemas.openxmlformats.org/drawingml/2006/main" xmlns:r="http://schemas.openxmlformats.org/officeDocument/2006/relationships" xmlns:p="http://schemas.openxmlformats.org/presentationml/2006/main">
-  <p:cSld>
-    <p:spTree>
-      <p:nvGrpSpPr>
-        <p:cNvPr id="1" name=""/>
-        <p:cNvGrpSpPr/>
-        <p:nvPr/>
-      </p:nvGrpSpPr>
-      <p:grpSpPr>
-        <a:xfrm>
-          <a:off x="0" y="0"/>
-          <a:ext cx="0" cy="0"/>
-          <a:chOff x="0" y="0"/>
-          <a:chExt cx="0" cy="0"/>
-        </a:xfrm>
-      </p:grpSpPr>
-      <p:sp>
-        <p:nvSpPr>
-          <p:cNvPr id="2" name="Title 1"/>
-          <p:cNvSpPr>
-            <a:spLocks noGrp="1"/>
-          </p:cNvSpPr>
-          <p:nvPr>
-            <p:ph type="title"/>
-          </p:nvPr>
-        </p:nvSpPr>
-        <p:spPr/>
-        <p:txBody>
-          <a:bodyPr/>
-          <a:lstStyle/>
-          <a:p>
-            <a:r>
-              <a:rPr lang="en-US" dirty="0" smtClean="0"/>
-              <a:t>Stateless (S)</a:t>
-            </a:r>
-            <a:endParaRPr lang="en-US" dirty="0"/>
-          </a:p>
-        </p:txBody>
-      </p:sp>
-      <p:sp>
-        <p:nvSpPr>
-          <p:cNvPr id="3" name="Content Placeholder 2"/>
-          <p:cNvSpPr>
-            <a:spLocks noGrp="1"/>
-          </p:cNvSpPr>
-          <p:nvPr>
-            <p:ph idx="1"/>
-          </p:nvPr>
-        </p:nvSpPr>
-        <p:spPr/>
-        <p:txBody>
-          <a:bodyPr>
-            <a:normAutofit fontScale="77500" lnSpcReduction="20000"/>
-          </a:bodyPr>
-          <a:lstStyle/>
-          <a:p>
-            <a:r>
-              <a:rPr lang="en-US" dirty="0"/>
-              <a:t>E</a:t>
-            </a:r>
-            <a:r>
-              <a:rPr lang="en-US" dirty="0" smtClean="0"/>
-              <a:t>ach </a:t>
-            </a:r>
-            <a:r>
-              <a:rPr lang="en-US" dirty="0"/>
-              <a:t>request from client must carry all necessary context</a:t>
-            </a:r>
-          </a:p>
-          <a:p>
-            <a:r>
-              <a:rPr lang="en-US" dirty="0"/>
-              <a:t>N</a:t>
-            </a:r>
-            <a:r>
-              <a:rPr lang="en-US" dirty="0" smtClean="0"/>
-              <a:t>o </a:t>
-            </a:r>
-            <a:r>
-              <a:rPr lang="en-US" dirty="0"/>
-              <a:t>session state stored on server — kept entirely on client</a:t>
-            </a:r>
-          </a:p>
-          <a:p>
-            <a:pPr lvl="1"/>
-            <a:r>
-              <a:rPr lang="en-US" b="1" i="1" dirty="0" smtClean="0"/>
-              <a:t>Resource </a:t>
-            </a:r>
-            <a:r>
-              <a:rPr lang="en-US" b="1" i="1" dirty="0"/>
-              <a:t>state is a different </a:t>
-            </a:r>
-            <a:r>
-              <a:rPr lang="en-US" b="1" i="1" dirty="0" smtClean="0"/>
-              <a:t>matter</a:t>
-            </a:r>
-            <a:endParaRPr lang="en-US" b="1" i="1" dirty="0"/>
-          </a:p>
-          <a:p>
-            <a:r>
-              <a:rPr lang="en-US" dirty="0"/>
-              <a:t>I</a:t>
-            </a:r>
-            <a:r>
-              <a:rPr lang="en-US" dirty="0" smtClean="0"/>
-              <a:t>mproves </a:t>
-            </a:r>
-            <a:r>
-              <a:rPr lang="en-US" dirty="0"/>
-              <a:t>visibility for monitoring</a:t>
-            </a:r>
-          </a:p>
-          <a:p>
-            <a:r>
-              <a:rPr lang="en-US" dirty="0"/>
-              <a:t>I</a:t>
-            </a:r>
-            <a:r>
-              <a:rPr lang="en-US" dirty="0" smtClean="0"/>
-              <a:t>mproves </a:t>
-            </a:r>
-            <a:r>
-              <a:rPr lang="en-US" dirty="0"/>
-              <a:t>reliability by simplifying recovery from partial failure</a:t>
-            </a:r>
-          </a:p>
-          <a:p>
-            <a:r>
-              <a:rPr lang="en-US" dirty="0"/>
-              <a:t>I</a:t>
-            </a:r>
-            <a:r>
-              <a:rPr lang="en-US" dirty="0" smtClean="0"/>
-              <a:t>mproves </a:t>
-            </a:r>
-            <a:r>
-              <a:rPr lang="en-US" dirty="0"/>
-              <a:t>scalability by allowing server to free resources quickly</a:t>
-            </a:r>
-          </a:p>
-          <a:p>
-            <a:r>
-              <a:rPr lang="en-US" dirty="0"/>
-              <a:t>I</a:t>
-            </a:r>
-            <a:r>
-              <a:rPr lang="en-US" dirty="0" smtClean="0"/>
-              <a:t>mproves </a:t>
-            </a:r>
-            <a:r>
-              <a:rPr lang="en-US" dirty="0" err="1"/>
-              <a:t>evolvability</a:t>
-            </a:r>
-            <a:r>
-              <a:rPr lang="en-US" dirty="0"/>
-              <a:t> by simplifying server, cache</a:t>
-            </a:r>
-          </a:p>
-          <a:p>
-            <a:r>
-              <a:rPr lang="en-US" dirty="0"/>
-              <a:t>D</a:t>
-            </a:r>
-            <a:r>
-              <a:rPr lang="en-US" dirty="0" smtClean="0"/>
-              <a:t>ecreases </a:t>
-            </a:r>
-            <a:r>
-              <a:rPr lang="en-US" dirty="0"/>
-              <a:t>performance by increasing overhead</a:t>
-            </a:r>
-            <a:endParaRPr lang="en-US" dirty="0"/>
-          </a:p>
-        </p:txBody>
-      </p:sp>
-    </p:spTree>
-    <p:extLst>
-      <p:ext uri="{BB962C8B-B14F-4D97-AF65-F5344CB8AC3E}">
-        <p14:creationId xmlns:p14="http://schemas.microsoft.com/office/powerpoint/2010/main" val="382615085"/>
-      </p:ext>
-    </p:extLst>
-  </p:cSld>
-  <p:clrMapOvr>
-    <a:masterClrMapping/>
-  </p:clrMapOvr>
-</p:sld>
-</file>
-
 <file path=ppt/slides/slide8.xml><?xml version="1.0" encoding="utf-8"?>
 <p:sld xmlns:a="http://schemas.openxmlformats.org/drawingml/2006/main" xmlns:r="http://schemas.openxmlformats.org/officeDocument/2006/relationships" xmlns:p="http://schemas.openxmlformats.org/presentationml/2006/main">
   <p:cSld>
@@ -10396,7 +11520,7 @@
           <a:p>
             <a:r>
               <a:rPr lang="en-US" dirty="0" smtClean="0"/>
-              <a:t>Layered Systems</a:t>
+              <a:t>REST is a design pattern</a:t>
             </a:r>
             <a:endParaRPr lang="en-US" dirty="0"/>
           </a:p>
@@ -10414,132 +11538,21 @@
         </p:nvSpPr>
         <p:spPr/>
         <p:txBody>
-          <a:bodyPr>
-            <a:normAutofit fontScale="77500" lnSpcReduction="20000"/>
-          </a:bodyPr>
+          <a:bodyPr/>
           <a:lstStyle/>
           <a:p>
-            <a:r>
-              <a:rPr lang="en-US" dirty="0"/>
-              <a:t>H</a:t>
-            </a:r>
-            <a:r>
-              <a:rPr lang="en-US" dirty="0" smtClean="0"/>
-              <a:t>ierarchical </a:t>
-            </a:r>
-            <a:r>
-              <a:rPr lang="en-US" dirty="0"/>
-              <a:t>arrangement</a:t>
-            </a:r>
-          </a:p>
-          <a:p>
-            <a:r>
-              <a:rPr lang="en-US" dirty="0"/>
-              <a:t>L</a:t>
-            </a:r>
-            <a:r>
-              <a:rPr lang="en-US" dirty="0" smtClean="0"/>
-              <a:t>ayer </a:t>
-            </a:r>
-            <a:r>
-              <a:rPr lang="en-US" dirty="0"/>
-              <a:t>provides services to layer above, uses services from layer below</a:t>
-            </a:r>
-          </a:p>
-          <a:p>
-            <a:r>
-              <a:rPr lang="en-US" dirty="0"/>
-              <a:t>I</a:t>
-            </a:r>
-            <a:r>
-              <a:rPr lang="en-US" dirty="0" smtClean="0"/>
-              <a:t>mproves </a:t>
-            </a:r>
-            <a:r>
-              <a:rPr lang="en-US" dirty="0" err="1"/>
-              <a:t>evolvability</a:t>
-            </a:r>
-            <a:r>
-              <a:rPr lang="en-US" dirty="0"/>
-              <a:t> and reusability through abstraction</a:t>
-            </a:r>
-          </a:p>
-          <a:p>
-            <a:r>
-              <a:rPr lang="en-US" dirty="0"/>
-              <a:t>D</a:t>
-            </a:r>
-            <a:r>
-              <a:rPr lang="en-US" dirty="0" smtClean="0"/>
-              <a:t>ecreases </a:t>
-            </a:r>
-            <a:r>
-              <a:rPr lang="en-US" dirty="0"/>
-              <a:t>performance through overhead, latency</a:t>
-            </a:r>
-          </a:p>
-          <a:p>
-            <a:r>
-              <a:rPr lang="en-US" dirty="0"/>
-              <a:t>L</a:t>
-            </a:r>
-            <a:r>
-              <a:rPr lang="en-US" dirty="0" smtClean="0"/>
-              <a:t>ayered</a:t>
-            </a:r>
-            <a:r>
-              <a:rPr lang="en-US" dirty="0"/>
-              <a:t>-client-server (LCS) adds proxy and gateway components to CS</a:t>
-            </a:r>
-          </a:p>
-          <a:p>
-            <a:r>
-              <a:rPr lang="en-US" dirty="0"/>
-              <a:t>P</a:t>
-            </a:r>
-            <a:r>
-              <a:rPr lang="en-US" dirty="0" smtClean="0"/>
-              <a:t>roxy </a:t>
-            </a:r>
-            <a:r>
-              <a:rPr lang="en-US" dirty="0"/>
-              <a:t>acts as shared server for one or more clients, </a:t>
-            </a:r>
-            <a:r>
-              <a:rPr lang="en-US" dirty="0" smtClean="0"/>
-              <a:t>forwarding (</a:t>
-            </a:r>
-            <a:r>
-              <a:rPr lang="en-US" dirty="0"/>
-              <a:t>maybe translated) requests</a:t>
-            </a:r>
-          </a:p>
-          <a:p>
-            <a:r>
-              <a:rPr lang="en-US" dirty="0"/>
-              <a:t>G</a:t>
-            </a:r>
-            <a:r>
-              <a:rPr lang="en-US" dirty="0" smtClean="0"/>
-              <a:t>ateway </a:t>
-            </a:r>
-            <a:r>
-              <a:rPr lang="en-US" dirty="0"/>
-              <a:t>appears as normal server, but forwards (maybe translated)</a:t>
-            </a:r>
-          </a:p>
-          <a:p>
-            <a:r>
-              <a:rPr lang="en-US" dirty="0"/>
-              <a:t>R</a:t>
-            </a:r>
-            <a:r>
-              <a:rPr lang="en-US" dirty="0" smtClean="0"/>
-              <a:t>equests </a:t>
-            </a:r>
-            <a:r>
-              <a:rPr lang="en-US" dirty="0"/>
-              <a:t>to lower layers: load balancing, security</a:t>
+            <a:endParaRPr lang="en-US" dirty="0" smtClean="0"/>
+          </a:p>
+          <a:p>
+            <a:endParaRPr lang="en-US" dirty="0"/>
+          </a:p>
+          <a:p>
+            <a:pPr marL="0" indent="0">
+              <a:buNone/>
+            </a:pPr>
+            <a:r>
+              <a:rPr lang="en-US" dirty="0" smtClean="0"/>
+              <a:t>Also characterized as an Architectural Style (aka an architecture design pattern)</a:t>
             </a:r>
             <a:endParaRPr lang="en-US" dirty="0"/>
           </a:p>
@@ -10548,7 +11561,7 @@
     </p:spTree>
     <p:extLst>
       <p:ext uri="{BB962C8B-B14F-4D97-AF65-F5344CB8AC3E}">
-        <p14:creationId xmlns:p14="http://schemas.microsoft.com/office/powerpoint/2010/main" val="367220812"/>
+        <p14:creationId xmlns:p14="http://schemas.microsoft.com/office/powerpoint/2010/main" val="354754176"/>
       </p:ext>
     </p:extLst>
   </p:cSld>
@@ -10592,7 +11605,7 @@
           <a:p>
             <a:r>
               <a:rPr lang="en-US" dirty="0" smtClean="0"/>
-              <a:t>Uniform Interface</a:t>
+              <a:t>REST</a:t>
             </a:r>
             <a:endParaRPr lang="en-US" dirty="0"/>
           </a:p>
@@ -10611,74 +11624,33 @@
         <p:spPr/>
         <p:txBody>
           <a:bodyPr>
-            <a:normAutofit fontScale="85000" lnSpcReduction="10000"/>
+            <a:normAutofit fontScale="85000" lnSpcReduction="20000"/>
           </a:bodyPr>
           <a:lstStyle/>
           <a:p>
             <a:r>
               <a:rPr lang="en-US" dirty="0"/>
-              <a:t>I</a:t>
-            </a:r>
-            <a:r>
-              <a:rPr lang="en-US" dirty="0" smtClean="0"/>
-              <a:t>mproves </a:t>
-            </a:r>
-            <a:r>
-              <a:rPr lang="en-US" dirty="0"/>
-              <a:t>simplicity and visibility</a:t>
-            </a:r>
-          </a:p>
-          <a:p>
-            <a:r>
-              <a:rPr lang="en-US" dirty="0"/>
-              <a:t>D</a:t>
-            </a:r>
-            <a:r>
-              <a:rPr lang="en-US" dirty="0" smtClean="0"/>
-              <a:t>ecreases </a:t>
-            </a:r>
-            <a:r>
-              <a:rPr lang="en-US" dirty="0"/>
-              <a:t>efficiency through possible data translations</a:t>
-            </a:r>
-          </a:p>
-          <a:p>
-            <a:r>
-              <a:rPr lang="en-US" dirty="0" smtClean="0"/>
-              <a:t>For </a:t>
-            </a:r>
-            <a:r>
-              <a:rPr lang="en-US" dirty="0"/>
-              <a:t>REST, optimized for large-grain hypermedia data transfer</a:t>
-            </a:r>
-          </a:p>
-          <a:p>
-            <a:r>
-              <a:rPr lang="en-US" dirty="0"/>
-              <a:t>I</a:t>
-            </a:r>
-            <a:r>
-              <a:rPr lang="en-US" dirty="0" smtClean="0"/>
-              <a:t>dentification </a:t>
-            </a:r>
-            <a:r>
-              <a:rPr lang="en-US" dirty="0"/>
-              <a:t>of resources</a:t>
-            </a:r>
-          </a:p>
-          <a:p>
-            <a:r>
-              <a:rPr lang="en-US" dirty="0"/>
-              <a:t>M</a:t>
-            </a:r>
-            <a:r>
-              <a:rPr lang="en-US" dirty="0" smtClean="0"/>
-              <a:t>anipulation </a:t>
-            </a:r>
-            <a:r>
-              <a:rPr lang="en-US" dirty="0"/>
-              <a:t>of resources through representations</a:t>
-            </a:r>
+              <a:t>Roy Fielding, a principal author of </a:t>
+            </a:r>
+            <a:r>
+              <a:rPr lang="en-US" dirty="0" smtClean="0"/>
+              <a:t>HTTP 1.1</a:t>
+            </a:r>
+          </a:p>
+          <a:p>
+            <a:r>
+              <a:rPr lang="en-US" dirty="0" smtClean="0"/>
+              <a:t>PhD </a:t>
+            </a:r>
+            <a:r>
+              <a:rPr lang="en-US" dirty="0"/>
+              <a:t>thesis </a:t>
+            </a:r>
+            <a:r>
+              <a:rPr lang="en-US" i="1" dirty="0"/>
+              <a:t>Architectural Styles and the Design of Network-based </a:t>
+            </a:r>
+            <a:endParaRPr lang="en-US" dirty="0"/>
           </a:p>
           <a:p>
             <a:r>
@@ -10687,30 +11659,84 @@
             </a:r>
             <a:r>
               <a:rPr lang="en-US" dirty="0" smtClean="0"/>
-              <a:t>elf</a:t>
-            </a:r>
-            <a:r>
-              <a:rPr lang="en-US" dirty="0"/>
-              <a:t>-descriptive messages</a:t>
-            </a:r>
-          </a:p>
-          <a:p>
-            <a:r>
-              <a:rPr lang="en-US" dirty="0"/>
-              <a:t>H</a:t>
-            </a:r>
-            <a:r>
-              <a:rPr lang="en-US" dirty="0" smtClean="0"/>
-              <a:t>ypermedia </a:t>
-            </a:r>
-            <a:r>
-              <a:rPr lang="en-US" dirty="0"/>
-              <a:t>as the engine of application </a:t>
-            </a:r>
-            <a:r>
-              <a:rPr lang="en-US" dirty="0" smtClean="0"/>
-              <a:t>state (more later)</a:t>
-            </a:r>
+              <a:t>ubsequent </a:t>
+            </a:r>
+            <a:r>
+              <a:rPr lang="en-US" dirty="0"/>
+              <a:t>article </a:t>
+            </a:r>
+            <a:r>
+              <a:rPr lang="en-US" i="1" dirty="0"/>
+              <a:t>Principled Design of the Modern Web Architecture </a:t>
+            </a:r>
+            <a:r>
+              <a:rPr lang="en-US" dirty="0"/>
+              <a:t>(ACM TOIT 2:2, 2002) </a:t>
+            </a:r>
+          </a:p>
+          <a:p>
+            <a:r>
+              <a:rPr lang="en-US" dirty="0" smtClean="0"/>
+              <a:t>Richardson </a:t>
+            </a:r>
+            <a:r>
+              <a:rPr lang="en-US" dirty="0"/>
+              <a:t>&amp; Ruby, </a:t>
+            </a:r>
+            <a:r>
+              <a:rPr lang="en-US" i="1" dirty="0" err="1"/>
+              <a:t>RESTful</a:t>
+            </a:r>
+            <a:r>
+              <a:rPr lang="en-US" i="1" dirty="0"/>
+              <a:t> Web </a:t>
+            </a:r>
+            <a:r>
+              <a:rPr lang="en-US" i="1" dirty="0" smtClean="0"/>
+              <a:t>Services </a:t>
+            </a:r>
+            <a:r>
+              <a:rPr lang="en-US" dirty="0" smtClean="0"/>
+              <a:t>architectural </a:t>
+            </a:r>
+            <a:r>
+              <a:rPr lang="en-US" dirty="0"/>
+              <a:t>patterns of the web </a:t>
+            </a:r>
+          </a:p>
+          <a:p>
+            <a:r>
+              <a:rPr lang="en-US" i="1" dirty="0"/>
+              <a:t>Software Architectures </a:t>
+            </a:r>
+            <a:r>
+              <a:rPr lang="en-US" dirty="0"/>
+              <a:t>(2000</a:t>
+            </a:r>
+            <a:r>
+              <a:rPr lang="en-US" dirty="0" smtClean="0"/>
+              <a:t>) more </a:t>
+            </a:r>
+            <a:r>
+              <a:rPr lang="en-US" dirty="0"/>
+              <a:t>about evaluation than a cookbook </a:t>
+            </a:r>
+          </a:p>
+          <a:p>
+            <a:r>
+              <a:rPr lang="en-US" dirty="0"/>
+              <a:t>T</a:t>
+            </a:r>
+            <a:r>
+              <a:rPr lang="en-US" dirty="0" smtClean="0"/>
+              <a:t>aking </a:t>
+            </a:r>
+            <a:r>
+              <a:rPr lang="en-US" dirty="0"/>
+              <a:t>HTTP seriously as a distributed computing protocol: fixed few verbs, emphasis on the nouns </a:t>
+            </a:r>
+          </a:p>
+          <a:p>
             <a:endParaRPr lang="en-US" dirty="0"/>
           </a:p>
         </p:txBody>
@@ -10718,7 +11744,7 @@
     </p:spTree>
     <p:extLst>
       <p:ext uri="{BB962C8B-B14F-4D97-AF65-F5344CB8AC3E}">
-        <p14:creationId xmlns:p14="http://schemas.microsoft.com/office/powerpoint/2010/main" val="1262861663"/>
+        <p14:creationId xmlns:p14="http://schemas.microsoft.com/office/powerpoint/2010/main" val="3772789971"/>
       </p:ext>
     </p:extLst>
   </p:cSld>
